--- a/documents/01_프로젝트_개발계획.pptx
+++ b/documents/01_프로젝트_개발계획.pptx
@@ -5,7 +5,7 @@
     <p:sldMasterId id="2147483648" r:id="rId1"/>
   </p:sldMasterIdLst>
   <p:notesMasterIdLst>
-    <p:notesMasterId r:id="rId22"/>
+    <p:notesMasterId r:id="rId34"/>
   </p:notesMasterIdLst>
   <p:sldIdLst>
     <p:sldId id="263" r:id="rId2"/>
@@ -26,8 +26,20 @@
     <p:sldId id="287" r:id="rId17"/>
     <p:sldId id="292" r:id="rId18"/>
     <p:sldId id="293" r:id="rId19"/>
-    <p:sldId id="265" r:id="rId20"/>
-    <p:sldId id="295" r:id="rId21"/>
+    <p:sldId id="297" r:id="rId20"/>
+    <p:sldId id="307" r:id="rId21"/>
+    <p:sldId id="312" r:id="rId22"/>
+    <p:sldId id="311" r:id="rId23"/>
+    <p:sldId id="299" r:id="rId24"/>
+    <p:sldId id="300" r:id="rId25"/>
+    <p:sldId id="305" r:id="rId26"/>
+    <p:sldId id="304" r:id="rId27"/>
+    <p:sldId id="308" r:id="rId28"/>
+    <p:sldId id="309" r:id="rId29"/>
+    <p:sldId id="310" r:id="rId30"/>
+    <p:sldId id="296" r:id="rId31"/>
+    <p:sldId id="265" r:id="rId32"/>
+    <p:sldId id="295" r:id="rId33"/>
   </p:sldIdLst>
   <p:sldSz cx="12192000" cy="6858000"/>
   <p:notesSz cx="6858000" cy="9144000"/>
@@ -228,7 +240,7 @@
           <a:p>
             <a:fld id="{30904987-88C6-4B84-812C-800BC7B15E4D}" type="datetimeFigureOut">
               <a:rPr lang="ko-KR" altLang="en-US" smtClean="0"/>
-              <a:t>2022-07-20</a:t>
+              <a:t>2022-07-27</a:t>
             </a:fld>
             <a:endParaRPr lang="ko-KR" altLang="en-US"/>
           </a:p>
@@ -990,7 +1002,7 @@
           <a:p>
             <a:fld id="{1039453B-B551-4551-88DC-4F9062C711DC}" type="datetimeFigureOut">
               <a:rPr lang="ko-KR" altLang="en-US" smtClean="0"/>
-              <a:t>2022-07-20</a:t>
+              <a:t>2022-07-27</a:t>
             </a:fld>
             <a:endParaRPr lang="ko-KR" altLang="en-US"/>
           </a:p>
@@ -1188,7 +1200,7 @@
           <a:p>
             <a:fld id="{1039453B-B551-4551-88DC-4F9062C711DC}" type="datetimeFigureOut">
               <a:rPr lang="ko-KR" altLang="en-US" smtClean="0"/>
-              <a:t>2022-07-20</a:t>
+              <a:t>2022-07-27</a:t>
             </a:fld>
             <a:endParaRPr lang="ko-KR" altLang="en-US"/>
           </a:p>
@@ -1396,7 +1408,7 @@
           <a:p>
             <a:fld id="{1039453B-B551-4551-88DC-4F9062C711DC}" type="datetimeFigureOut">
               <a:rPr lang="ko-KR" altLang="en-US" smtClean="0"/>
-              <a:t>2022-07-20</a:t>
+              <a:t>2022-07-27</a:t>
             </a:fld>
             <a:endParaRPr lang="ko-KR" altLang="en-US"/>
           </a:p>
@@ -1594,7 +1606,7 @@
           <a:p>
             <a:fld id="{1039453B-B551-4551-88DC-4F9062C711DC}" type="datetimeFigureOut">
               <a:rPr lang="ko-KR" altLang="en-US" smtClean="0"/>
-              <a:t>2022-07-20</a:t>
+              <a:t>2022-07-27</a:t>
             </a:fld>
             <a:endParaRPr lang="ko-KR" altLang="en-US"/>
           </a:p>
@@ -1869,7 +1881,7 @@
           <a:p>
             <a:fld id="{1039453B-B551-4551-88DC-4F9062C711DC}" type="datetimeFigureOut">
               <a:rPr lang="ko-KR" altLang="en-US" smtClean="0"/>
-              <a:t>2022-07-20</a:t>
+              <a:t>2022-07-27</a:t>
             </a:fld>
             <a:endParaRPr lang="ko-KR" altLang="en-US"/>
           </a:p>
@@ -2134,7 +2146,7 @@
           <a:p>
             <a:fld id="{1039453B-B551-4551-88DC-4F9062C711DC}" type="datetimeFigureOut">
               <a:rPr lang="ko-KR" altLang="en-US" smtClean="0"/>
-              <a:t>2022-07-20</a:t>
+              <a:t>2022-07-27</a:t>
             </a:fld>
             <a:endParaRPr lang="ko-KR" altLang="en-US"/>
           </a:p>
@@ -2546,7 +2558,7 @@
           <a:p>
             <a:fld id="{1039453B-B551-4551-88DC-4F9062C711DC}" type="datetimeFigureOut">
               <a:rPr lang="ko-KR" altLang="en-US" smtClean="0"/>
-              <a:t>2022-07-20</a:t>
+              <a:t>2022-07-27</a:t>
             </a:fld>
             <a:endParaRPr lang="ko-KR" altLang="en-US"/>
           </a:p>
@@ -2687,7 +2699,7 @@
           <a:p>
             <a:fld id="{1039453B-B551-4551-88DC-4F9062C711DC}" type="datetimeFigureOut">
               <a:rPr lang="ko-KR" altLang="en-US" smtClean="0"/>
-              <a:t>2022-07-20</a:t>
+              <a:t>2022-07-27</a:t>
             </a:fld>
             <a:endParaRPr lang="ko-KR" altLang="en-US"/>
           </a:p>
@@ -2800,7 +2812,7 @@
           <a:p>
             <a:fld id="{1039453B-B551-4551-88DC-4F9062C711DC}" type="datetimeFigureOut">
               <a:rPr lang="ko-KR" altLang="en-US" smtClean="0"/>
-              <a:t>2022-07-20</a:t>
+              <a:t>2022-07-27</a:t>
             </a:fld>
             <a:endParaRPr lang="ko-KR" altLang="en-US"/>
           </a:p>
@@ -3111,7 +3123,7 @@
           <a:p>
             <a:fld id="{1039453B-B551-4551-88DC-4F9062C711DC}" type="datetimeFigureOut">
               <a:rPr lang="ko-KR" altLang="en-US" smtClean="0"/>
-              <a:t>2022-07-20</a:t>
+              <a:t>2022-07-27</a:t>
             </a:fld>
             <a:endParaRPr lang="ko-KR" altLang="en-US"/>
           </a:p>
@@ -3399,7 +3411,7 @@
           <a:p>
             <a:fld id="{1039453B-B551-4551-88DC-4F9062C711DC}" type="datetimeFigureOut">
               <a:rPr lang="ko-KR" altLang="en-US" smtClean="0"/>
-              <a:t>2022-07-20</a:t>
+              <a:t>2022-07-27</a:t>
             </a:fld>
             <a:endParaRPr lang="ko-KR" altLang="en-US"/>
           </a:p>
@@ -3640,7 +3652,7 @@
           <a:p>
             <a:fld id="{1039453B-B551-4551-88DC-4F9062C711DC}" type="datetimeFigureOut">
               <a:rPr lang="ko-KR" altLang="en-US" smtClean="0"/>
-              <a:t>2022-07-20</a:t>
+              <a:t>2022-07-27</a:t>
             </a:fld>
             <a:endParaRPr lang="ko-KR" altLang="en-US"/>
           </a:p>
@@ -13252,8 +13264,8 @@
         </p:nvSpPr>
         <p:spPr>
           <a:xfrm>
-            <a:off x="2572439" y="2613392"/>
-            <a:ext cx="7047122" cy="1631216"/>
+            <a:off x="2572439" y="1843951"/>
+            <a:ext cx="7047122" cy="3170099"/>
           </a:xfrm>
           <a:prstGeom prst="rect">
             <a:avLst/>
@@ -13267,9 +13279,26 @@
           <a:lstStyle/>
           <a:p>
             <a:r>
-              <a:rPr lang="ko-KR" altLang="en-US" sz="10000" b="1"/>
+              <a:rPr lang="ko-KR" altLang="en-US" sz="10000" b="1" dirty="0"/>
               <a:t>구분 페이지</a:t>
             </a:r>
+            <a:endParaRPr lang="en-US" altLang="ko-KR" sz="10000" b="1" dirty="0"/>
+          </a:p>
+          <a:p>
+            <a:pPr algn="ctr"/>
+            <a:r>
+              <a:rPr lang="en-US" altLang="ko-KR" sz="10000" b="1" dirty="0"/>
+              <a:t>(</a:t>
+            </a:r>
+            <a:r>
+              <a:rPr lang="en-US" altLang="ko-KR" sz="10000" b="1" dirty="0" err="1"/>
+              <a:t>DataBase</a:t>
+            </a:r>
+            <a:r>
+              <a:rPr lang="en-US" altLang="ko-KR" sz="10000" b="1" dirty="0"/>
+              <a:t>)</a:t>
+            </a:r>
+            <a:endParaRPr lang="ko-KR" altLang="en-US" sz="10000" b="1" dirty="0"/>
           </a:p>
         </p:txBody>
       </p:sp>
@@ -13305,96 +13334,10 @@
       </p:grpSpPr>
       <p:sp>
         <p:nvSpPr>
-          <p:cNvPr id="5" name="TextBox 4">
-            <a:extLst>
-              <a:ext uri="{FF2B5EF4-FFF2-40B4-BE49-F238E27FC236}">
-                <a16:creationId xmlns:a16="http://schemas.microsoft.com/office/drawing/2014/main" id="{C8ECAF98-496C-0D84-6BD8-A2D0ECAE6E50}"/>
-              </a:ext>
-            </a:extLst>
-          </p:cNvPr>
-          <p:cNvSpPr txBox="1"/>
-          <p:nvPr/>
-        </p:nvSpPr>
-        <p:spPr>
-          <a:xfrm>
-            <a:off x="0" y="1082693"/>
-            <a:ext cx="12192000" cy="1569660"/>
-          </a:xfrm>
-          <a:prstGeom prst="rect">
-            <a:avLst/>
-          </a:prstGeom>
-          <a:noFill/>
-        </p:spPr>
-        <p:txBody>
-          <a:bodyPr wrap="square" rtlCol="0">
-            <a:spAutoFit/>
-          </a:bodyPr>
-          <a:lstStyle/>
-          <a:p>
-            <a:pPr marL="457200" indent="-457200">
-              <a:buAutoNum type="arabicParenR"/>
-            </a:pPr>
-            <a:r>
-              <a:rPr lang="ko-KR" altLang="en-US" sz="2400" b="1" dirty="0"/>
-              <a:t>공동개발환경 세팅</a:t>
-            </a:r>
-            <a:endParaRPr lang="en-US" altLang="ko-KR" sz="2400" b="1" dirty="0"/>
-          </a:p>
-          <a:p>
-            <a:pPr marL="457200" indent="-457200">
-              <a:buAutoNum type="arabicParenR"/>
-            </a:pPr>
-            <a:r>
-              <a:rPr lang="ko-KR" altLang="en-US" sz="2400" b="1" dirty="0"/>
-              <a:t>페이지구상</a:t>
-            </a:r>
-            <a:endParaRPr lang="en-US" altLang="ko-KR" sz="2400" b="1" dirty="0"/>
-          </a:p>
-          <a:p>
-            <a:pPr marL="457200" indent="-457200">
-              <a:buAutoNum type="arabicParenR"/>
-            </a:pPr>
-            <a:r>
-              <a:rPr lang="ko-KR" altLang="en-US" sz="2400" b="1" dirty="0"/>
-              <a:t>기능 구상</a:t>
-            </a:r>
-            <a:endParaRPr lang="en-US" altLang="ko-KR" sz="2400" b="1" dirty="0"/>
-          </a:p>
-          <a:p>
-            <a:pPr marL="457200" indent="-457200">
-              <a:buFontTx/>
-              <a:buAutoNum type="arabicParenR"/>
-            </a:pPr>
-            <a:r>
-              <a:rPr lang="en-US" altLang="ko-KR" sz="2400" b="1" dirty="0">
-                <a:solidFill>
-                  <a:srgbClr val="FF0000"/>
-                </a:solidFill>
-              </a:rPr>
-              <a:t>ERD</a:t>
-            </a:r>
-            <a:r>
-              <a:rPr lang="ko-KR" altLang="en-US" sz="2400" b="1" dirty="0">
-                <a:solidFill>
-                  <a:srgbClr val="FF0000"/>
-                </a:solidFill>
-              </a:rPr>
-              <a:t> 구상</a:t>
-            </a:r>
-            <a:endParaRPr lang="en-US" altLang="ko-KR" sz="2400" b="1" dirty="0">
-              <a:solidFill>
-                <a:srgbClr val="FF0000"/>
-              </a:solidFill>
-            </a:endParaRPr>
-          </a:p>
-        </p:txBody>
-      </p:sp>
-      <p:sp>
-        <p:nvSpPr>
           <p:cNvPr id="6" name="TextBox 5">
             <a:extLst>
               <a:ext uri="{FF2B5EF4-FFF2-40B4-BE49-F238E27FC236}">
-                <a16:creationId xmlns:a16="http://schemas.microsoft.com/office/drawing/2014/main" id="{8B73F40B-2B9A-AA4C-5FBD-2F71BE983F70}"/>
+                <a16:creationId xmlns:a16="http://schemas.microsoft.com/office/drawing/2014/main" id="{F204C529-3208-C800-5178-EA5E6B6187AB}"/>
               </a:ext>
             </a:extLst>
           </p:cNvPr>
@@ -13420,12 +13363,12 @@
           <a:lstStyle/>
           <a:p>
             <a:r>
-              <a:rPr lang="ko-KR" altLang="en-US" sz="3200" b="1" dirty="0" err="1">
+              <a:rPr lang="en-US" altLang="ko-KR" sz="3200" b="1" dirty="0">
                 <a:solidFill>
                   <a:schemeClr val="bg1"/>
                 </a:solidFill>
               </a:rPr>
-              <a:t>임시할일</a:t>
+              <a:t>Database (User)</a:t>
             </a:r>
             <a:endParaRPr lang="ko-KR" altLang="en-US" sz="3200" b="1" dirty="0">
               <a:solidFill>
@@ -13435,77 +13378,737 @@
           </a:p>
         </p:txBody>
       </p:sp>
-      <p:sp>
-        <p:nvSpPr>
-          <p:cNvPr id="7" name="TextBox 6">
-            <a:extLst>
-              <a:ext uri="{FF2B5EF4-FFF2-40B4-BE49-F238E27FC236}">
-                <a16:creationId xmlns:a16="http://schemas.microsoft.com/office/drawing/2014/main" id="{52AA772F-8CF1-193B-CBDF-EB1BC9C0891B}"/>
-              </a:ext>
-            </a:extLst>
-          </p:cNvPr>
-          <p:cNvSpPr txBox="1"/>
+      <p:grpSp>
+        <p:nvGrpSpPr>
+          <p:cNvPr id="3" name="그룹 2">
+            <a:extLst>
+              <a:ext uri="{FF2B5EF4-FFF2-40B4-BE49-F238E27FC236}">
+                <a16:creationId xmlns:a16="http://schemas.microsoft.com/office/drawing/2014/main" id="{CA529F31-F33C-B567-95BC-DD55D597D4D8}"/>
+              </a:ext>
+            </a:extLst>
+          </p:cNvPr>
+          <p:cNvGrpSpPr/>
           <p:nvPr/>
-        </p:nvSpPr>
-        <p:spPr>
+        </p:nvGrpSpPr>
+        <p:grpSpPr>
           <a:xfrm>
-            <a:off x="-1" y="3150271"/>
-            <a:ext cx="12191999" cy="1200329"/>
+            <a:off x="4138473" y="1905166"/>
+            <a:ext cx="3915053" cy="3047668"/>
+            <a:chOff x="1825358" y="1054358"/>
+            <a:chExt cx="3915053" cy="3047668"/>
           </a:xfrm>
-          <a:prstGeom prst="rect">
-            <a:avLst/>
-          </a:prstGeom>
-          <a:noFill/>
-        </p:spPr>
-        <p:txBody>
-          <a:bodyPr wrap="square" rtlCol="0">
-            <a:spAutoFit/>
-          </a:bodyPr>
-          <a:lstStyle/>
-          <a:p>
-            <a:pPr marL="457200" indent="-457200">
-              <a:buAutoNum type="arabicParenR"/>
-            </a:pPr>
-            <a:r>
-              <a:rPr lang="ko-KR" altLang="en-US" sz="2400" b="1" dirty="0"/>
-              <a:t>페이지 개발</a:t>
-            </a:r>
-            <a:endParaRPr lang="en-US" altLang="ko-KR" sz="2400" b="1" dirty="0"/>
-          </a:p>
-          <a:p>
-            <a:pPr marL="457200" indent="-457200">
-              <a:buAutoNum type="arabicParenR"/>
-            </a:pPr>
-            <a:r>
-              <a:rPr lang="ko-KR" altLang="en-US" sz="2400" b="1" dirty="0"/>
-              <a:t>기능 개발</a:t>
-            </a:r>
-            <a:endParaRPr lang="en-US" altLang="ko-KR" sz="2400" b="1" dirty="0"/>
-          </a:p>
-          <a:p>
-            <a:pPr marL="457200" indent="-457200">
-              <a:buAutoNum type="arabicParenR"/>
-            </a:pPr>
-            <a:r>
-              <a:rPr lang="en-US" altLang="ko-KR" sz="2400" b="1" dirty="0" err="1"/>
-              <a:t>BootStrap</a:t>
-            </a:r>
-            <a:r>
-              <a:rPr lang="en-US" altLang="ko-KR" sz="2400" b="1" dirty="0"/>
-              <a:t> </a:t>
-            </a:r>
-            <a:r>
-              <a:rPr lang="ko-KR" altLang="en-US" sz="2400" b="1" dirty="0"/>
-              <a:t>디자인</a:t>
-            </a:r>
-            <a:endParaRPr lang="en-US" altLang="ko-KR" sz="2400" b="1" dirty="0"/>
-          </a:p>
-        </p:txBody>
-      </p:sp>
+        </p:grpSpPr>
+        <p:sp>
+          <p:nvSpPr>
+            <p:cNvPr id="2" name="직사각형 1">
+              <a:extLst>
+                <a:ext uri="{FF2B5EF4-FFF2-40B4-BE49-F238E27FC236}">
+                  <a16:creationId xmlns:a16="http://schemas.microsoft.com/office/drawing/2014/main" id="{1B0A7CE7-1969-ADC7-F561-541B1C5BA76C}"/>
+                </a:ext>
+              </a:extLst>
+            </p:cNvPr>
+            <p:cNvSpPr/>
+            <p:nvPr/>
+          </p:nvSpPr>
+          <p:spPr>
+            <a:xfrm>
+              <a:off x="1825358" y="1554135"/>
+              <a:ext cx="3915053" cy="2547891"/>
+            </a:xfrm>
+            <a:prstGeom prst="rect">
+              <a:avLst/>
+            </a:prstGeom>
+            <a:noFill/>
+            <a:ln w="38100">
+              <a:solidFill>
+                <a:schemeClr val="tx1"/>
+              </a:solidFill>
+            </a:ln>
+          </p:spPr>
+          <p:style>
+            <a:lnRef idx="2">
+              <a:schemeClr val="accent1">
+                <a:shade val="50000"/>
+              </a:schemeClr>
+            </a:lnRef>
+            <a:fillRef idx="1">
+              <a:schemeClr val="accent1"/>
+            </a:fillRef>
+            <a:effectRef idx="0">
+              <a:schemeClr val="accent1"/>
+            </a:effectRef>
+            <a:fontRef idx="minor">
+              <a:schemeClr val="lt1"/>
+            </a:fontRef>
+          </p:style>
+          <p:txBody>
+            <a:bodyPr rtlCol="0" anchor="t"/>
+            <a:lstStyle/>
+            <a:p>
+              <a:r>
+                <a:rPr lang="ko-KR" altLang="en-US" b="1" dirty="0">
+                  <a:solidFill>
+                    <a:schemeClr val="tx1"/>
+                  </a:solidFill>
+                </a:rPr>
+                <a:t>학번</a:t>
+              </a:r>
+              <a:endParaRPr lang="en-US" altLang="ko-KR" b="1" dirty="0">
+                <a:solidFill>
+                  <a:schemeClr val="tx1"/>
+                </a:solidFill>
+              </a:endParaRPr>
+            </a:p>
+            <a:p>
+              <a:r>
+                <a:rPr lang="ko-KR" altLang="en-US" b="1" dirty="0">
+                  <a:solidFill>
+                    <a:schemeClr val="tx1"/>
+                  </a:solidFill>
+                </a:rPr>
+                <a:t>이름</a:t>
+              </a:r>
+              <a:endParaRPr lang="en-US" altLang="ko-KR" b="1" dirty="0">
+                <a:solidFill>
+                  <a:schemeClr val="tx1"/>
+                </a:solidFill>
+              </a:endParaRPr>
+            </a:p>
+            <a:p>
+              <a:r>
+                <a:rPr lang="ko-KR" altLang="en-US" b="1" dirty="0">
+                  <a:solidFill>
+                    <a:schemeClr val="tx1"/>
+                  </a:solidFill>
+                </a:rPr>
+                <a:t>이메일</a:t>
+              </a:r>
+              <a:endParaRPr lang="en-US" altLang="ko-KR" b="1" dirty="0">
+                <a:solidFill>
+                  <a:schemeClr val="tx1"/>
+                </a:solidFill>
+              </a:endParaRPr>
+            </a:p>
+            <a:p>
+              <a:r>
+                <a:rPr lang="ko-KR" altLang="en-US" b="1" dirty="0">
+                  <a:solidFill>
+                    <a:schemeClr val="tx1"/>
+                  </a:solidFill>
+                </a:rPr>
+                <a:t>연락처</a:t>
+              </a:r>
+              <a:endParaRPr lang="en-US" altLang="ko-KR" b="1" dirty="0">
+                <a:solidFill>
+                  <a:schemeClr val="tx1"/>
+                </a:solidFill>
+              </a:endParaRPr>
+            </a:p>
+            <a:p>
+              <a:r>
+                <a:rPr lang="ko-KR" altLang="en-US" b="1" dirty="0">
+                  <a:solidFill>
+                    <a:schemeClr val="tx1"/>
+                  </a:solidFill>
+                </a:rPr>
+                <a:t>수강연도</a:t>
+              </a:r>
+              <a:endParaRPr lang="en-US" altLang="ko-KR" b="1" dirty="0">
+                <a:solidFill>
+                  <a:schemeClr val="tx1"/>
+                </a:solidFill>
+              </a:endParaRPr>
+            </a:p>
+            <a:p>
+              <a:r>
+                <a:rPr lang="ko-KR" altLang="en-US" b="1" dirty="0">
+                  <a:solidFill>
+                    <a:schemeClr val="tx1"/>
+                  </a:solidFill>
+                </a:rPr>
+                <a:t>연도별 수강수업</a:t>
+              </a:r>
+              <a:r>
+                <a:rPr lang="en-US" altLang="ko-KR" b="1" dirty="0">
+                  <a:solidFill>
+                    <a:schemeClr val="tx1"/>
+                  </a:solidFill>
+                </a:rPr>
+                <a:t>(</a:t>
+              </a:r>
+              <a:r>
+                <a:rPr lang="ko-KR" altLang="en-US" b="1" dirty="0">
+                  <a:solidFill>
+                    <a:schemeClr val="tx1"/>
+                  </a:solidFill>
+                </a:rPr>
+                <a:t>학수번호</a:t>
+              </a:r>
+              <a:r>
+                <a:rPr lang="en-US" altLang="ko-KR" b="1" dirty="0">
+                  <a:solidFill>
+                    <a:schemeClr val="tx1"/>
+                  </a:solidFill>
+                </a:rPr>
+                <a:t>, </a:t>
+              </a:r>
+              <a:r>
+                <a:rPr lang="ko-KR" altLang="en-US" b="1" dirty="0" err="1">
+                  <a:solidFill>
+                    <a:schemeClr val="tx1"/>
+                  </a:solidFill>
+                </a:rPr>
+                <a:t>수업명</a:t>
+              </a:r>
+              <a:r>
+                <a:rPr lang="en-US" altLang="ko-KR" b="1" dirty="0">
+                  <a:solidFill>
+                    <a:schemeClr val="tx1"/>
+                  </a:solidFill>
+                </a:rPr>
+                <a:t>)</a:t>
+              </a:r>
+            </a:p>
+            <a:p>
+              <a:endParaRPr lang="en-US" altLang="ko-KR" b="1" dirty="0">
+                <a:solidFill>
+                  <a:schemeClr val="tx1"/>
+                </a:solidFill>
+              </a:endParaRPr>
+            </a:p>
+            <a:p>
+              <a:endParaRPr lang="en-US" altLang="ko-KR" b="1" dirty="0">
+                <a:solidFill>
+                  <a:schemeClr val="tx1"/>
+                </a:solidFill>
+              </a:endParaRPr>
+            </a:p>
+          </p:txBody>
+        </p:sp>
+        <p:sp>
+          <p:nvSpPr>
+            <p:cNvPr id="5" name="직사각형 4">
+              <a:extLst>
+                <a:ext uri="{FF2B5EF4-FFF2-40B4-BE49-F238E27FC236}">
+                  <a16:creationId xmlns:a16="http://schemas.microsoft.com/office/drawing/2014/main" id="{C2E2B22D-EE48-4215-DD32-168570BC5476}"/>
+                </a:ext>
+              </a:extLst>
+            </p:cNvPr>
+            <p:cNvSpPr/>
+            <p:nvPr/>
+          </p:nvSpPr>
+          <p:spPr>
+            <a:xfrm>
+              <a:off x="1825358" y="1054358"/>
+              <a:ext cx="3915053" cy="499777"/>
+            </a:xfrm>
+            <a:prstGeom prst="rect">
+              <a:avLst/>
+            </a:prstGeom>
+            <a:noFill/>
+            <a:ln w="38100">
+              <a:solidFill>
+                <a:schemeClr val="tx1"/>
+              </a:solidFill>
+            </a:ln>
+          </p:spPr>
+          <p:style>
+            <a:lnRef idx="2">
+              <a:schemeClr val="accent1">
+                <a:shade val="50000"/>
+              </a:schemeClr>
+            </a:lnRef>
+            <a:fillRef idx="1">
+              <a:schemeClr val="accent1"/>
+            </a:fillRef>
+            <a:effectRef idx="0">
+              <a:schemeClr val="accent1"/>
+            </a:effectRef>
+            <a:fontRef idx="minor">
+              <a:schemeClr val="lt1"/>
+            </a:fontRef>
+          </p:style>
+          <p:txBody>
+            <a:bodyPr rtlCol="0" anchor="ctr"/>
+            <a:lstStyle/>
+            <a:p>
+              <a:pPr algn="ctr"/>
+              <a:r>
+                <a:rPr lang="en-US" altLang="ko-KR" b="1" dirty="0">
+                  <a:solidFill>
+                    <a:schemeClr val="tx1"/>
+                  </a:solidFill>
+                </a:rPr>
+                <a:t>User Session Response</a:t>
+              </a:r>
+              <a:endParaRPr lang="ko-KR" altLang="en-US" b="1" dirty="0">
+                <a:solidFill>
+                  <a:schemeClr val="tx1"/>
+                </a:solidFill>
+              </a:endParaRPr>
+            </a:p>
+          </p:txBody>
+        </p:sp>
+      </p:grpSp>
+      <p:grpSp>
+        <p:nvGrpSpPr>
+          <p:cNvPr id="7" name="그룹 6">
+            <a:extLst>
+              <a:ext uri="{FF2B5EF4-FFF2-40B4-BE49-F238E27FC236}">
+                <a16:creationId xmlns:a16="http://schemas.microsoft.com/office/drawing/2014/main" id="{D89EE90B-8D27-F576-5A9B-08BFB5E2A1C9}"/>
+              </a:ext>
+            </a:extLst>
+          </p:cNvPr>
+          <p:cNvGrpSpPr/>
+          <p:nvPr/>
+        </p:nvGrpSpPr>
+        <p:grpSpPr>
+          <a:xfrm>
+            <a:off x="146873" y="1905166"/>
+            <a:ext cx="3915053" cy="3047668"/>
+            <a:chOff x="1825358" y="1054358"/>
+            <a:chExt cx="3915053" cy="3047668"/>
+          </a:xfrm>
+        </p:grpSpPr>
+        <p:sp>
+          <p:nvSpPr>
+            <p:cNvPr id="8" name="직사각형 7">
+              <a:extLst>
+                <a:ext uri="{FF2B5EF4-FFF2-40B4-BE49-F238E27FC236}">
+                  <a16:creationId xmlns:a16="http://schemas.microsoft.com/office/drawing/2014/main" id="{BF227C2A-D449-9D56-FC53-0264CAF8E5DF}"/>
+                </a:ext>
+              </a:extLst>
+            </p:cNvPr>
+            <p:cNvSpPr/>
+            <p:nvPr/>
+          </p:nvSpPr>
+          <p:spPr>
+            <a:xfrm>
+              <a:off x="1825358" y="1554135"/>
+              <a:ext cx="3915053" cy="2547891"/>
+            </a:xfrm>
+            <a:prstGeom prst="rect">
+              <a:avLst/>
+            </a:prstGeom>
+            <a:noFill/>
+            <a:ln w="38100">
+              <a:solidFill>
+                <a:schemeClr val="tx1"/>
+              </a:solidFill>
+            </a:ln>
+          </p:spPr>
+          <p:style>
+            <a:lnRef idx="2">
+              <a:schemeClr val="accent1">
+                <a:shade val="50000"/>
+              </a:schemeClr>
+            </a:lnRef>
+            <a:fillRef idx="1">
+              <a:schemeClr val="accent1"/>
+            </a:fillRef>
+            <a:effectRef idx="0">
+              <a:schemeClr val="accent1"/>
+            </a:effectRef>
+            <a:fontRef idx="minor">
+              <a:schemeClr val="lt1"/>
+            </a:fontRef>
+          </p:style>
+          <p:txBody>
+            <a:bodyPr rtlCol="0" anchor="t"/>
+            <a:lstStyle/>
+            <a:p>
+              <a:r>
+                <a:rPr lang="en-US" altLang="ko-KR" b="1" dirty="0">
+                  <a:solidFill>
+                    <a:schemeClr val="tx1"/>
+                  </a:solidFill>
+                </a:rPr>
+                <a:t>id		// PK, </a:t>
+              </a:r>
+              <a:r>
+                <a:rPr lang="ko-KR" altLang="en-US" b="1" dirty="0">
+                  <a:solidFill>
+                    <a:schemeClr val="tx1"/>
+                  </a:solidFill>
+                </a:rPr>
+                <a:t>학번</a:t>
+              </a:r>
+              <a:endParaRPr lang="en-US" altLang="ko-KR" b="1" dirty="0">
+                <a:solidFill>
+                  <a:schemeClr val="tx1"/>
+                </a:solidFill>
+              </a:endParaRPr>
+            </a:p>
+            <a:p>
+              <a:r>
+                <a:rPr lang="en-US" altLang="ko-KR" b="1" dirty="0">
+                  <a:solidFill>
+                    <a:schemeClr val="tx1"/>
+                  </a:solidFill>
+                </a:rPr>
+                <a:t>name		//</a:t>
+              </a:r>
+              <a:r>
+                <a:rPr lang="ko-KR" altLang="en-US" b="1" dirty="0">
+                  <a:solidFill>
+                    <a:schemeClr val="tx1"/>
+                  </a:solidFill>
+                </a:rPr>
+                <a:t> 이름</a:t>
+              </a:r>
+              <a:endParaRPr lang="en-US" altLang="ko-KR" b="1" dirty="0">
+                <a:solidFill>
+                  <a:schemeClr val="tx1"/>
+                </a:solidFill>
+              </a:endParaRPr>
+            </a:p>
+            <a:p>
+              <a:r>
+                <a:rPr lang="en-US" altLang="ko-KR" b="1" dirty="0">
+                  <a:solidFill>
+                    <a:schemeClr val="tx1"/>
+                  </a:solidFill>
+                </a:rPr>
+                <a:t>email		// </a:t>
+              </a:r>
+              <a:r>
+                <a:rPr lang="ko-KR" altLang="en-US" b="1" dirty="0">
+                  <a:solidFill>
+                    <a:schemeClr val="tx1"/>
+                  </a:solidFill>
+                </a:rPr>
+                <a:t>이메일</a:t>
+              </a:r>
+              <a:endParaRPr lang="en-US" altLang="ko-KR" b="1" dirty="0">
+                <a:solidFill>
+                  <a:schemeClr val="tx1"/>
+                </a:solidFill>
+              </a:endParaRPr>
+            </a:p>
+            <a:p>
+              <a:r>
+                <a:rPr lang="en-US" altLang="ko-KR" b="1" dirty="0">
+                  <a:solidFill>
+                    <a:schemeClr val="tx1"/>
+                  </a:solidFill>
+                </a:rPr>
+                <a:t>contact		//</a:t>
+              </a:r>
+              <a:r>
+                <a:rPr lang="ko-KR" altLang="en-US" b="1" dirty="0">
+                  <a:solidFill>
+                    <a:schemeClr val="tx1"/>
+                  </a:solidFill>
+                </a:rPr>
+                <a:t> 연락처</a:t>
+              </a:r>
+              <a:endParaRPr lang="en-US" altLang="ko-KR" b="1" dirty="0">
+                <a:solidFill>
+                  <a:schemeClr val="tx1"/>
+                </a:solidFill>
+              </a:endParaRPr>
+            </a:p>
+            <a:p>
+              <a:r>
+                <a:rPr lang="en-US" altLang="ko-KR" b="1" dirty="0">
+                  <a:solidFill>
+                    <a:schemeClr val="tx1"/>
+                  </a:solidFill>
+                </a:rPr>
+                <a:t>role		// 5</a:t>
+              </a:r>
+              <a:r>
+                <a:rPr lang="ko-KR" altLang="en-US" b="1" dirty="0">
+                  <a:solidFill>
+                    <a:schemeClr val="tx1"/>
+                  </a:solidFill>
+                </a:rPr>
+                <a:t>개 권한</a:t>
+              </a:r>
+            </a:p>
+          </p:txBody>
+        </p:sp>
+        <p:sp>
+          <p:nvSpPr>
+            <p:cNvPr id="9" name="직사각형 8">
+              <a:extLst>
+                <a:ext uri="{FF2B5EF4-FFF2-40B4-BE49-F238E27FC236}">
+                  <a16:creationId xmlns:a16="http://schemas.microsoft.com/office/drawing/2014/main" id="{C4E884B1-5BCA-F38E-AD95-90970EE6B021}"/>
+                </a:ext>
+              </a:extLst>
+            </p:cNvPr>
+            <p:cNvSpPr/>
+            <p:nvPr/>
+          </p:nvSpPr>
+          <p:spPr>
+            <a:xfrm>
+              <a:off x="1825358" y="1054358"/>
+              <a:ext cx="3915053" cy="499777"/>
+            </a:xfrm>
+            <a:prstGeom prst="rect">
+              <a:avLst/>
+            </a:prstGeom>
+            <a:noFill/>
+            <a:ln w="38100">
+              <a:solidFill>
+                <a:schemeClr val="tx1"/>
+              </a:solidFill>
+            </a:ln>
+          </p:spPr>
+          <p:style>
+            <a:lnRef idx="2">
+              <a:schemeClr val="accent1">
+                <a:shade val="50000"/>
+              </a:schemeClr>
+            </a:lnRef>
+            <a:fillRef idx="1">
+              <a:schemeClr val="accent1"/>
+            </a:fillRef>
+            <a:effectRef idx="0">
+              <a:schemeClr val="accent1"/>
+            </a:effectRef>
+            <a:fontRef idx="minor">
+              <a:schemeClr val="lt1"/>
+            </a:fontRef>
+          </p:style>
+          <p:txBody>
+            <a:bodyPr rtlCol="0" anchor="ctr"/>
+            <a:lstStyle/>
+            <a:p>
+              <a:pPr algn="ctr"/>
+              <a:r>
+                <a:rPr lang="en-US" altLang="ko-KR" b="1" dirty="0">
+                  <a:solidFill>
+                    <a:schemeClr val="tx1"/>
+                  </a:solidFill>
+                </a:rPr>
+                <a:t>User Data</a:t>
+              </a:r>
+              <a:endParaRPr lang="ko-KR" altLang="en-US" b="1" dirty="0">
+                <a:solidFill>
+                  <a:schemeClr val="tx1"/>
+                </a:solidFill>
+              </a:endParaRPr>
+            </a:p>
+          </p:txBody>
+        </p:sp>
+      </p:grpSp>
+      <p:grpSp>
+        <p:nvGrpSpPr>
+          <p:cNvPr id="11" name="그룹 10">
+            <a:extLst>
+              <a:ext uri="{FF2B5EF4-FFF2-40B4-BE49-F238E27FC236}">
+                <a16:creationId xmlns:a16="http://schemas.microsoft.com/office/drawing/2014/main" id="{DFF5C590-734C-BFEE-76B9-88977D0310C5}"/>
+              </a:ext>
+            </a:extLst>
+          </p:cNvPr>
+          <p:cNvGrpSpPr/>
+          <p:nvPr/>
+        </p:nvGrpSpPr>
+        <p:grpSpPr>
+          <a:xfrm>
+            <a:off x="8130074" y="1905166"/>
+            <a:ext cx="3915053" cy="3047668"/>
+            <a:chOff x="1825358" y="1054358"/>
+            <a:chExt cx="3915053" cy="3047668"/>
+          </a:xfrm>
+        </p:grpSpPr>
+        <p:sp>
+          <p:nvSpPr>
+            <p:cNvPr id="12" name="직사각형 11">
+              <a:extLst>
+                <a:ext uri="{FF2B5EF4-FFF2-40B4-BE49-F238E27FC236}">
+                  <a16:creationId xmlns:a16="http://schemas.microsoft.com/office/drawing/2014/main" id="{96C06604-A79C-1E32-F6F4-5EE95555D048}"/>
+                </a:ext>
+              </a:extLst>
+            </p:cNvPr>
+            <p:cNvSpPr/>
+            <p:nvPr/>
+          </p:nvSpPr>
+          <p:spPr>
+            <a:xfrm>
+              <a:off x="1825358" y="1554135"/>
+              <a:ext cx="3915053" cy="2547891"/>
+            </a:xfrm>
+            <a:prstGeom prst="rect">
+              <a:avLst/>
+            </a:prstGeom>
+            <a:noFill/>
+            <a:ln w="38100">
+              <a:solidFill>
+                <a:schemeClr val="tx1"/>
+              </a:solidFill>
+            </a:ln>
+          </p:spPr>
+          <p:style>
+            <a:lnRef idx="2">
+              <a:schemeClr val="accent1">
+                <a:shade val="50000"/>
+              </a:schemeClr>
+            </a:lnRef>
+            <a:fillRef idx="1">
+              <a:schemeClr val="accent1"/>
+            </a:fillRef>
+            <a:effectRef idx="0">
+              <a:schemeClr val="accent1"/>
+            </a:effectRef>
+            <a:fontRef idx="minor">
+              <a:schemeClr val="lt1"/>
+            </a:fontRef>
+          </p:style>
+          <p:txBody>
+            <a:bodyPr rtlCol="0" anchor="t"/>
+            <a:lstStyle/>
+            <a:p>
+              <a:r>
+                <a:rPr lang="ko-KR" altLang="en-US" b="1" dirty="0">
+                  <a:solidFill>
+                    <a:schemeClr val="tx1"/>
+                  </a:solidFill>
+                </a:rPr>
+                <a:t>수강연도</a:t>
+              </a:r>
+              <a:endParaRPr lang="en-US" altLang="ko-KR" b="1" dirty="0">
+                <a:solidFill>
+                  <a:schemeClr val="tx1"/>
+                </a:solidFill>
+              </a:endParaRPr>
+            </a:p>
+            <a:p>
+              <a:r>
+                <a:rPr lang="ko-KR" altLang="en-US" b="1" dirty="0">
+                  <a:solidFill>
+                    <a:schemeClr val="tx1"/>
+                  </a:solidFill>
+                </a:rPr>
+                <a:t>연도별 수강수업</a:t>
+              </a:r>
+              <a:r>
+                <a:rPr lang="en-US" altLang="ko-KR" b="1" dirty="0">
+                  <a:solidFill>
+                    <a:schemeClr val="tx1"/>
+                  </a:solidFill>
+                </a:rPr>
+                <a:t>(</a:t>
+              </a:r>
+              <a:r>
+                <a:rPr lang="ko-KR" altLang="en-US" b="1" dirty="0">
+                  <a:solidFill>
+                    <a:schemeClr val="tx1"/>
+                  </a:solidFill>
+                </a:rPr>
+                <a:t>학수번호</a:t>
+              </a:r>
+              <a:r>
+                <a:rPr lang="en-US" altLang="ko-KR" b="1" dirty="0">
+                  <a:solidFill>
+                    <a:schemeClr val="tx1"/>
+                  </a:solidFill>
+                </a:rPr>
+                <a:t>, </a:t>
+              </a:r>
+              <a:r>
+                <a:rPr lang="ko-KR" altLang="en-US" b="1" dirty="0" err="1">
+                  <a:solidFill>
+                    <a:schemeClr val="tx1"/>
+                  </a:solidFill>
+                </a:rPr>
+                <a:t>수업명</a:t>
+              </a:r>
+              <a:r>
+                <a:rPr lang="en-US" altLang="ko-KR" b="1" dirty="0">
+                  <a:solidFill>
+                    <a:schemeClr val="tx1"/>
+                  </a:solidFill>
+                </a:rPr>
+                <a:t>)</a:t>
+              </a:r>
+            </a:p>
+            <a:p>
+              <a:endParaRPr lang="en-US" altLang="ko-KR" b="1" dirty="0">
+                <a:solidFill>
+                  <a:schemeClr val="tx1"/>
+                </a:solidFill>
+              </a:endParaRPr>
+            </a:p>
+            <a:p>
+              <a:endParaRPr lang="en-US" altLang="ko-KR" b="1" dirty="0">
+                <a:solidFill>
+                  <a:schemeClr val="tx1"/>
+                </a:solidFill>
+              </a:endParaRPr>
+            </a:p>
+          </p:txBody>
+        </p:sp>
+        <p:sp>
+          <p:nvSpPr>
+            <p:cNvPr id="13" name="직사각형 12">
+              <a:extLst>
+                <a:ext uri="{FF2B5EF4-FFF2-40B4-BE49-F238E27FC236}">
+                  <a16:creationId xmlns:a16="http://schemas.microsoft.com/office/drawing/2014/main" id="{9AD34BDF-0960-DCFD-6690-407EA4BE0A1B}"/>
+                </a:ext>
+              </a:extLst>
+            </p:cNvPr>
+            <p:cNvSpPr/>
+            <p:nvPr/>
+          </p:nvSpPr>
+          <p:spPr>
+            <a:xfrm>
+              <a:off x="1825358" y="1054358"/>
+              <a:ext cx="3915053" cy="499777"/>
+            </a:xfrm>
+            <a:prstGeom prst="rect">
+              <a:avLst/>
+            </a:prstGeom>
+            <a:noFill/>
+            <a:ln w="38100">
+              <a:solidFill>
+                <a:schemeClr val="tx1"/>
+              </a:solidFill>
+            </a:ln>
+          </p:spPr>
+          <p:style>
+            <a:lnRef idx="2">
+              <a:schemeClr val="accent1">
+                <a:shade val="50000"/>
+              </a:schemeClr>
+            </a:lnRef>
+            <a:fillRef idx="1">
+              <a:schemeClr val="accent1"/>
+            </a:fillRef>
+            <a:effectRef idx="0">
+              <a:schemeClr val="accent1"/>
+            </a:effectRef>
+            <a:fontRef idx="minor">
+              <a:schemeClr val="lt1"/>
+            </a:fontRef>
+          </p:style>
+          <p:txBody>
+            <a:bodyPr rtlCol="0" anchor="ctr"/>
+            <a:lstStyle/>
+            <a:p>
+              <a:pPr algn="ctr"/>
+              <a:r>
+                <a:rPr lang="en-US" altLang="ko-KR" b="1" dirty="0">
+                  <a:solidFill>
+                    <a:schemeClr val="tx1"/>
+                  </a:solidFill>
+                </a:rPr>
+                <a:t>Class Session Response</a:t>
+              </a:r>
+              <a:endParaRPr lang="ko-KR" altLang="en-US" b="1" dirty="0">
+                <a:solidFill>
+                  <a:schemeClr val="tx1"/>
+                </a:solidFill>
+              </a:endParaRPr>
+            </a:p>
+          </p:txBody>
+        </p:sp>
+      </p:grpSp>
     </p:spTree>
     <p:extLst>
       <p:ext uri="{BB962C8B-B14F-4D97-AF65-F5344CB8AC3E}">
-        <p14:creationId xmlns:p14="http://schemas.microsoft.com/office/powerpoint/2010/main" val="970150301"/>
+        <p14:creationId xmlns:p14="http://schemas.microsoft.com/office/powerpoint/2010/main" val="2318809562"/>
       </p:ext>
     </p:extLst>
   </p:cSld>
@@ -14626,10 +15229,85 @@
       </p:grpSpPr>
       <p:sp>
         <p:nvSpPr>
+          <p:cNvPr id="4" name="TextBox 3">
+            <a:extLst>
+              <a:ext uri="{FF2B5EF4-FFF2-40B4-BE49-F238E27FC236}">
+                <a16:creationId xmlns:a16="http://schemas.microsoft.com/office/drawing/2014/main" id="{07F28203-A8AD-273E-C2C6-E0632B86F782}"/>
+              </a:ext>
+            </a:extLst>
+          </p:cNvPr>
+          <p:cNvSpPr txBox="1"/>
+          <p:nvPr/>
+        </p:nvSpPr>
+        <p:spPr>
+          <a:xfrm>
+            <a:off x="2436986" y="1843951"/>
+            <a:ext cx="7318030" cy="3170099"/>
+          </a:xfrm>
+          <a:prstGeom prst="rect">
+            <a:avLst/>
+          </a:prstGeom>
+          <a:noFill/>
+        </p:spPr>
+        <p:txBody>
+          <a:bodyPr wrap="none" rtlCol="0">
+            <a:spAutoFit/>
+          </a:bodyPr>
+          <a:lstStyle/>
+          <a:p>
+            <a:pPr algn="ctr"/>
+            <a:r>
+              <a:rPr lang="ko-KR" altLang="en-US" sz="10000" b="1" dirty="0"/>
+              <a:t>구분 페이지</a:t>
+            </a:r>
+            <a:endParaRPr lang="en-US" altLang="ko-KR" sz="10000" b="1" dirty="0"/>
+          </a:p>
+          <a:p>
+            <a:pPr algn="ctr"/>
+            <a:r>
+              <a:rPr lang="en-US" altLang="ko-KR" sz="10000" b="1" dirty="0"/>
+              <a:t>(Notice DB)</a:t>
+            </a:r>
+            <a:endParaRPr lang="ko-KR" altLang="en-US" sz="10000" b="1" dirty="0"/>
+          </a:p>
+        </p:txBody>
+      </p:sp>
+    </p:spTree>
+    <p:extLst>
+      <p:ext uri="{BB962C8B-B14F-4D97-AF65-F5344CB8AC3E}">
+        <p14:creationId xmlns:p14="http://schemas.microsoft.com/office/powerpoint/2010/main" val="3641368680"/>
+      </p:ext>
+    </p:extLst>
+  </p:cSld>
+  <p:clrMapOvr>
+    <a:masterClrMapping/>
+  </p:clrMapOvr>
+</p:sld>
+</file>
+
+<file path=ppt/slides/slide21.xml><?xml version="1.0" encoding="utf-8"?>
+<p:sld xmlns:a="http://schemas.openxmlformats.org/drawingml/2006/main" xmlns:r="http://schemas.openxmlformats.org/officeDocument/2006/relationships" xmlns:p="http://schemas.openxmlformats.org/presentationml/2006/main">
+  <p:cSld>
+    <p:spTree>
+      <p:nvGrpSpPr>
+        <p:cNvPr id="1" name=""/>
+        <p:cNvGrpSpPr/>
+        <p:nvPr/>
+      </p:nvGrpSpPr>
+      <p:grpSpPr>
+        <a:xfrm>
+          <a:off x="0" y="0"/>
+          <a:ext cx="0" cy="0"/>
+          <a:chOff x="0" y="0"/>
+          <a:chExt cx="0" cy="0"/>
+        </a:xfrm>
+      </p:grpSpPr>
+      <p:sp>
+        <p:nvSpPr>
           <p:cNvPr id="6" name="TextBox 5">
             <a:extLst>
               <a:ext uri="{FF2B5EF4-FFF2-40B4-BE49-F238E27FC236}">
-                <a16:creationId xmlns:a16="http://schemas.microsoft.com/office/drawing/2014/main" id="{8B73F40B-2B9A-AA4C-5FBD-2F71BE983F70}"/>
+                <a16:creationId xmlns:a16="http://schemas.microsoft.com/office/drawing/2014/main" id="{F204C529-3208-C800-5178-EA5E6B6187AB}"/>
               </a:ext>
             </a:extLst>
           </p:cNvPr>
@@ -14655,12 +15333,12 @@
           <a:lstStyle/>
           <a:p>
             <a:r>
-              <a:rPr lang="ko-KR" altLang="en-US" sz="3200" b="1" dirty="0" err="1">
+              <a:rPr lang="en-US" altLang="ko-KR" sz="3200" b="1" dirty="0">
                 <a:solidFill>
                   <a:schemeClr val="bg1"/>
                 </a:solidFill>
               </a:rPr>
-              <a:t>임시할일</a:t>
+              <a:t>Database (Notice: General Notice)</a:t>
             </a:r>
             <a:endParaRPr lang="ko-KR" altLang="en-US" sz="3200" b="1" dirty="0">
               <a:solidFill>
@@ -14670,12 +15348,434 @@
           </a:p>
         </p:txBody>
       </p:sp>
-      <p:sp>
-        <p:nvSpPr>
-          <p:cNvPr id="8" name="TextBox 7">
-            <a:extLst>
-              <a:ext uri="{FF2B5EF4-FFF2-40B4-BE49-F238E27FC236}">
-                <a16:creationId xmlns:a16="http://schemas.microsoft.com/office/drawing/2014/main" id="{A5BBC1BF-4965-B478-0BF1-5869EE3F37BF}"/>
+      <p:grpSp>
+        <p:nvGrpSpPr>
+          <p:cNvPr id="20" name="그룹 19">
+            <a:extLst>
+              <a:ext uri="{FF2B5EF4-FFF2-40B4-BE49-F238E27FC236}">
+                <a16:creationId xmlns:a16="http://schemas.microsoft.com/office/drawing/2014/main" id="{8B561F7B-575C-B6B4-99D1-3B3E85267FF6}"/>
+              </a:ext>
+            </a:extLst>
+          </p:cNvPr>
+          <p:cNvGrpSpPr/>
+          <p:nvPr/>
+        </p:nvGrpSpPr>
+        <p:grpSpPr>
+          <a:xfrm>
+            <a:off x="4010739" y="2451916"/>
+            <a:ext cx="4170522" cy="2772407"/>
+            <a:chOff x="1240377" y="1761688"/>
+            <a:chExt cx="4170522" cy="2772407"/>
+          </a:xfrm>
+        </p:grpSpPr>
+        <p:sp>
+          <p:nvSpPr>
+            <p:cNvPr id="21" name="직사각형 20">
+              <a:extLst>
+                <a:ext uri="{FF2B5EF4-FFF2-40B4-BE49-F238E27FC236}">
+                  <a16:creationId xmlns:a16="http://schemas.microsoft.com/office/drawing/2014/main" id="{05959908-411F-A708-E6E4-23481D13B6C4}"/>
+                </a:ext>
+              </a:extLst>
+            </p:cNvPr>
+            <p:cNvSpPr/>
+            <p:nvPr/>
+          </p:nvSpPr>
+          <p:spPr>
+            <a:xfrm>
+              <a:off x="1240377" y="2206571"/>
+              <a:ext cx="4170522" cy="2327524"/>
+            </a:xfrm>
+            <a:prstGeom prst="rect">
+              <a:avLst/>
+            </a:prstGeom>
+            <a:noFill/>
+            <a:ln w="38100">
+              <a:solidFill>
+                <a:schemeClr val="tx1"/>
+              </a:solidFill>
+            </a:ln>
+          </p:spPr>
+          <p:style>
+            <a:lnRef idx="2">
+              <a:schemeClr val="accent1">
+                <a:shade val="50000"/>
+              </a:schemeClr>
+            </a:lnRef>
+            <a:fillRef idx="1">
+              <a:schemeClr val="accent1"/>
+            </a:fillRef>
+            <a:effectRef idx="0">
+              <a:schemeClr val="accent1"/>
+            </a:effectRef>
+            <a:fontRef idx="minor">
+              <a:schemeClr val="lt1"/>
+            </a:fontRef>
+          </p:style>
+          <p:txBody>
+            <a:bodyPr rtlCol="0" anchor="t"/>
+            <a:lstStyle/>
+            <a:p>
+              <a:r>
+                <a:rPr lang="en-US" altLang="ko-KR" b="1" dirty="0">
+                  <a:solidFill>
+                    <a:schemeClr val="tx1"/>
+                  </a:solidFill>
+                </a:rPr>
+                <a:t>id		// PK,</a:t>
+              </a:r>
+              <a:r>
+                <a:rPr lang="ko-KR" altLang="en-US" b="1" dirty="0">
+                  <a:solidFill>
+                    <a:schemeClr val="tx1"/>
+                  </a:solidFill>
+                </a:rPr>
+                <a:t> 글 아이디</a:t>
+              </a:r>
+              <a:endParaRPr lang="en-US" altLang="ko-KR" b="1" dirty="0">
+                <a:solidFill>
+                  <a:schemeClr val="tx1"/>
+                </a:solidFill>
+              </a:endParaRPr>
+            </a:p>
+            <a:p>
+              <a:r>
+                <a:rPr lang="en-US" altLang="ko-KR" b="1" dirty="0">
+                  <a:solidFill>
+                    <a:schemeClr val="tx1"/>
+                  </a:solidFill>
+                </a:rPr>
+                <a:t>title		// </a:t>
+              </a:r>
+              <a:r>
+                <a:rPr lang="ko-KR" altLang="en-US" b="1" dirty="0">
+                  <a:solidFill>
+                    <a:schemeClr val="tx1"/>
+                  </a:solidFill>
+                </a:rPr>
+                <a:t>글 제목</a:t>
+              </a:r>
+              <a:endParaRPr lang="en-US" altLang="ko-KR" b="1" dirty="0">
+                <a:solidFill>
+                  <a:schemeClr val="tx1"/>
+                </a:solidFill>
+              </a:endParaRPr>
+            </a:p>
+            <a:p>
+              <a:r>
+                <a:rPr lang="en-US" altLang="ko-KR" b="1" dirty="0">
+                  <a:solidFill>
+                    <a:schemeClr val="tx1"/>
+                  </a:solidFill>
+                </a:rPr>
+                <a:t>content		// </a:t>
+              </a:r>
+              <a:r>
+                <a:rPr lang="ko-KR" altLang="en-US" b="1" dirty="0">
+                  <a:solidFill>
+                    <a:schemeClr val="tx1"/>
+                  </a:solidFill>
+                </a:rPr>
+                <a:t>글 내용</a:t>
+              </a:r>
+              <a:endParaRPr lang="en-US" altLang="ko-KR" b="1" dirty="0">
+                <a:solidFill>
+                  <a:schemeClr val="tx1"/>
+                </a:solidFill>
+              </a:endParaRPr>
+            </a:p>
+            <a:p>
+              <a:r>
+                <a:rPr lang="en-US" altLang="ko-KR" b="1" dirty="0">
+                  <a:solidFill>
+                    <a:schemeClr val="tx1"/>
+                  </a:solidFill>
+                </a:rPr>
+                <a:t>data		//</a:t>
+              </a:r>
+              <a:r>
+                <a:rPr lang="ko-KR" altLang="en-US" b="1" dirty="0">
+                  <a:solidFill>
+                    <a:schemeClr val="tx1"/>
+                  </a:solidFill>
+                </a:rPr>
+                <a:t> 첨부파일</a:t>
+              </a:r>
+              <a:endParaRPr lang="en-US" altLang="ko-KR" b="1" dirty="0">
+                <a:solidFill>
+                  <a:schemeClr val="tx1"/>
+                </a:solidFill>
+              </a:endParaRPr>
+            </a:p>
+            <a:p>
+              <a:r>
+                <a:rPr lang="en-US" altLang="ko-KR" b="1" dirty="0">
+                  <a:solidFill>
+                    <a:schemeClr val="tx1"/>
+                  </a:solidFill>
+                </a:rPr>
+                <a:t>hits		// </a:t>
+              </a:r>
+              <a:r>
+                <a:rPr lang="ko-KR" altLang="en-US" b="1" dirty="0">
+                  <a:solidFill>
+                    <a:schemeClr val="tx1"/>
+                  </a:solidFill>
+                </a:rPr>
+                <a:t>조회수</a:t>
+              </a:r>
+              <a:endParaRPr lang="en-US" altLang="ko-KR" b="1" dirty="0">
+                <a:solidFill>
+                  <a:schemeClr val="tx1"/>
+                </a:solidFill>
+              </a:endParaRPr>
+            </a:p>
+            <a:p>
+              <a:r>
+                <a:rPr lang="en-US" altLang="ko-KR" b="1" dirty="0" err="1">
+                  <a:solidFill>
+                    <a:schemeClr val="tx1"/>
+                  </a:solidFill>
+                </a:rPr>
+                <a:t>reg_date</a:t>
+              </a:r>
+              <a:r>
+                <a:rPr lang="en-US" altLang="ko-KR" b="1" dirty="0">
+                  <a:solidFill>
+                    <a:schemeClr val="tx1"/>
+                  </a:solidFill>
+                </a:rPr>
+                <a:t>	// </a:t>
+              </a:r>
+              <a:r>
+                <a:rPr lang="ko-KR" altLang="en-US" b="1" dirty="0">
+                  <a:solidFill>
+                    <a:schemeClr val="tx1"/>
+                  </a:solidFill>
+                </a:rPr>
+                <a:t>작성일</a:t>
+              </a:r>
+              <a:endParaRPr lang="en-US" altLang="ko-KR" b="1" dirty="0">
+                <a:solidFill>
+                  <a:schemeClr val="tx1"/>
+                </a:solidFill>
+              </a:endParaRPr>
+            </a:p>
+            <a:p>
+              <a:r>
+                <a:rPr lang="en-US" altLang="ko-KR" b="1" dirty="0" err="1">
+                  <a:solidFill>
+                    <a:schemeClr val="tx1"/>
+                  </a:solidFill>
+                </a:rPr>
+                <a:t>mod_date</a:t>
+              </a:r>
+              <a:r>
+                <a:rPr lang="en-US" altLang="ko-KR" b="1" dirty="0">
+                  <a:solidFill>
+                    <a:schemeClr val="tx1"/>
+                  </a:solidFill>
+                </a:rPr>
+                <a:t>	// </a:t>
+              </a:r>
+              <a:r>
+                <a:rPr lang="ko-KR" altLang="en-US" b="1" dirty="0">
+                  <a:solidFill>
+                    <a:schemeClr val="tx1"/>
+                  </a:solidFill>
+                </a:rPr>
+                <a:t>수정일</a:t>
+              </a:r>
+              <a:endParaRPr lang="en-US" altLang="ko-KR" b="1" dirty="0">
+                <a:solidFill>
+                  <a:schemeClr val="tx1"/>
+                </a:solidFill>
+              </a:endParaRPr>
+            </a:p>
+            <a:p>
+              <a:r>
+                <a:rPr lang="en-US" altLang="ko-KR" b="1" dirty="0">
+                  <a:solidFill>
+                    <a:schemeClr val="tx1"/>
+                  </a:solidFill>
+                </a:rPr>
+                <a:t>author		// </a:t>
+              </a:r>
+              <a:r>
+                <a:rPr lang="ko-KR" altLang="en-US" b="1" dirty="0">
+                  <a:solidFill>
+                    <a:schemeClr val="tx1"/>
+                  </a:solidFill>
+                </a:rPr>
+                <a:t>작성자</a:t>
+              </a:r>
+              <a:endParaRPr lang="en-US" altLang="ko-KR" b="1" dirty="0">
+                <a:solidFill>
+                  <a:schemeClr val="tx1"/>
+                </a:solidFill>
+              </a:endParaRPr>
+            </a:p>
+          </p:txBody>
+        </p:sp>
+        <p:sp>
+          <p:nvSpPr>
+            <p:cNvPr id="22" name="직사각형 21">
+              <a:extLst>
+                <a:ext uri="{FF2B5EF4-FFF2-40B4-BE49-F238E27FC236}">
+                  <a16:creationId xmlns:a16="http://schemas.microsoft.com/office/drawing/2014/main" id="{3ACE2569-F7BC-5702-2869-A7D3336FA9A8}"/>
+                </a:ext>
+              </a:extLst>
+            </p:cNvPr>
+            <p:cNvSpPr/>
+            <p:nvPr/>
+          </p:nvSpPr>
+          <p:spPr>
+            <a:xfrm>
+              <a:off x="1240377" y="1761688"/>
+              <a:ext cx="4170522" cy="444881"/>
+            </a:xfrm>
+            <a:prstGeom prst="rect">
+              <a:avLst/>
+            </a:prstGeom>
+            <a:noFill/>
+            <a:ln w="38100">
+              <a:solidFill>
+                <a:schemeClr val="tx1"/>
+              </a:solidFill>
+            </a:ln>
+          </p:spPr>
+          <p:style>
+            <a:lnRef idx="2">
+              <a:schemeClr val="accent1">
+                <a:shade val="50000"/>
+              </a:schemeClr>
+            </a:lnRef>
+            <a:fillRef idx="1">
+              <a:schemeClr val="accent1"/>
+            </a:fillRef>
+            <a:effectRef idx="0">
+              <a:schemeClr val="accent1"/>
+            </a:effectRef>
+            <a:fontRef idx="minor">
+              <a:schemeClr val="lt1"/>
+            </a:fontRef>
+          </p:style>
+          <p:txBody>
+            <a:bodyPr rtlCol="0" anchor="ctr"/>
+            <a:lstStyle/>
+            <a:p>
+              <a:pPr algn="ctr"/>
+              <a:r>
+                <a:rPr lang="en-US" altLang="ko-KR" b="1" dirty="0" err="1">
+                  <a:solidFill>
+                    <a:schemeClr val="tx1"/>
+                  </a:solidFill>
+                </a:rPr>
+                <a:t>general_notice_board</a:t>
+              </a:r>
+              <a:endParaRPr lang="ko-KR" altLang="en-US" b="1" dirty="0">
+                <a:solidFill>
+                  <a:schemeClr val="tx1"/>
+                </a:solidFill>
+              </a:endParaRPr>
+            </a:p>
+          </p:txBody>
+        </p:sp>
+      </p:grpSp>
+      <p:sp>
+        <p:nvSpPr>
+          <p:cNvPr id="24" name="직사각형 23">
+            <a:extLst>
+              <a:ext uri="{FF2B5EF4-FFF2-40B4-BE49-F238E27FC236}">
+                <a16:creationId xmlns:a16="http://schemas.microsoft.com/office/drawing/2014/main" id="{D5604993-C9B4-A516-987F-B59249853D0E}"/>
+              </a:ext>
+            </a:extLst>
+          </p:cNvPr>
+          <p:cNvSpPr/>
+          <p:nvPr/>
+        </p:nvSpPr>
+        <p:spPr>
+          <a:xfrm>
+            <a:off x="4010739" y="1633678"/>
+            <a:ext cx="4170522" cy="444881"/>
+          </a:xfrm>
+          <a:prstGeom prst="rect">
+            <a:avLst/>
+          </a:prstGeom>
+          <a:noFill/>
+          <a:ln w="38100">
+            <a:solidFill>
+              <a:schemeClr val="tx1"/>
+            </a:solidFill>
+          </a:ln>
+        </p:spPr>
+        <p:style>
+          <a:lnRef idx="2">
+            <a:schemeClr val="accent1">
+              <a:shade val="50000"/>
+            </a:schemeClr>
+          </a:lnRef>
+          <a:fillRef idx="1">
+            <a:schemeClr val="accent1"/>
+          </a:fillRef>
+          <a:effectRef idx="0">
+            <a:schemeClr val="accent1"/>
+          </a:effectRef>
+          <a:fontRef idx="minor">
+            <a:schemeClr val="lt1"/>
+          </a:fontRef>
+        </p:style>
+        <p:txBody>
+          <a:bodyPr rtlCol="0" anchor="ctr"/>
+          <a:lstStyle/>
+          <a:p>
+            <a:pPr algn="ctr"/>
+            <a:r>
+              <a:rPr lang="ko-KR" altLang="en-US" b="1" dirty="0">
+                <a:solidFill>
+                  <a:schemeClr val="tx1"/>
+                </a:solidFill>
+              </a:rPr>
+              <a:t>일반 공지 게시판</a:t>
+            </a:r>
+          </a:p>
+        </p:txBody>
+      </p:sp>
+    </p:spTree>
+    <p:extLst>
+      <p:ext uri="{BB962C8B-B14F-4D97-AF65-F5344CB8AC3E}">
+        <p14:creationId xmlns:p14="http://schemas.microsoft.com/office/powerpoint/2010/main" val="872729748"/>
+      </p:ext>
+    </p:extLst>
+  </p:cSld>
+  <p:clrMapOvr>
+    <a:masterClrMapping/>
+  </p:clrMapOvr>
+</p:sld>
+</file>
+
+<file path=ppt/slides/slide22.xml><?xml version="1.0" encoding="utf-8"?>
+<p:sld xmlns:a="http://schemas.openxmlformats.org/drawingml/2006/main" xmlns:r="http://schemas.openxmlformats.org/officeDocument/2006/relationships" xmlns:p="http://schemas.openxmlformats.org/presentationml/2006/main">
+  <p:cSld>
+    <p:spTree>
+      <p:nvGrpSpPr>
+        <p:cNvPr id="1" name=""/>
+        <p:cNvGrpSpPr/>
+        <p:nvPr/>
+      </p:nvGrpSpPr>
+      <p:grpSpPr>
+        <a:xfrm>
+          <a:off x="0" y="0"/>
+          <a:ext cx="0" cy="0"/>
+          <a:chOff x="0" y="0"/>
+          <a:chExt cx="0" cy="0"/>
+        </a:xfrm>
+      </p:grpSpPr>
+      <p:sp>
+        <p:nvSpPr>
+          <p:cNvPr id="4" name="TextBox 3">
+            <a:extLst>
+              <a:ext uri="{FF2B5EF4-FFF2-40B4-BE49-F238E27FC236}">
+                <a16:creationId xmlns:a16="http://schemas.microsoft.com/office/drawing/2014/main" id="{07F28203-A8AD-273E-C2C6-E0632B86F782}"/>
               </a:ext>
             </a:extLst>
           </p:cNvPr>
@@ -14684,8 +15784,8 @@
         </p:nvSpPr>
         <p:spPr>
           <a:xfrm>
-            <a:off x="201336" y="699625"/>
-            <a:ext cx="1152880" cy="369332"/>
+            <a:off x="2201280" y="1843951"/>
+            <a:ext cx="7789441" cy="3170099"/>
           </a:xfrm>
           <a:prstGeom prst="rect">
             <a:avLst/>
@@ -14698,23 +15798,59 @@
           </a:bodyPr>
           <a:lstStyle/>
           <a:p>
-            <a:r>
-              <a:rPr lang="en-US" altLang="ko-KR"/>
-              <a:t>ERD </a:t>
-            </a:r>
-            <a:r>
-              <a:rPr lang="ko-KR" altLang="en-US"/>
-              <a:t>관련</a:t>
-            </a:r>
-          </a:p>
-        </p:txBody>
-      </p:sp>
-      <p:sp>
-        <p:nvSpPr>
-          <p:cNvPr id="9" name="TextBox 8">
-            <a:extLst>
-              <a:ext uri="{FF2B5EF4-FFF2-40B4-BE49-F238E27FC236}">
-                <a16:creationId xmlns:a16="http://schemas.microsoft.com/office/drawing/2014/main" id="{8F31B641-1A36-3407-22BE-659B9BC3FF9B}"/>
+            <a:pPr algn="ctr"/>
+            <a:r>
+              <a:rPr lang="ko-KR" altLang="en-US" sz="10000" b="1" dirty="0"/>
+              <a:t>구분 페이지</a:t>
+            </a:r>
+            <a:endParaRPr lang="en-US" altLang="ko-KR" sz="10000" b="1" dirty="0"/>
+          </a:p>
+          <a:p>
+            <a:pPr algn="ctr"/>
+            <a:r>
+              <a:rPr lang="en-US" altLang="ko-KR" sz="10000" b="1" dirty="0"/>
+              <a:t>(Lecture DB)</a:t>
+            </a:r>
+            <a:endParaRPr lang="ko-KR" altLang="en-US" sz="10000" b="1" dirty="0"/>
+          </a:p>
+        </p:txBody>
+      </p:sp>
+    </p:spTree>
+    <p:extLst>
+      <p:ext uri="{BB962C8B-B14F-4D97-AF65-F5344CB8AC3E}">
+        <p14:creationId xmlns:p14="http://schemas.microsoft.com/office/powerpoint/2010/main" val="1348043056"/>
+      </p:ext>
+    </p:extLst>
+  </p:cSld>
+  <p:clrMapOvr>
+    <a:masterClrMapping/>
+  </p:clrMapOvr>
+</p:sld>
+</file>
+
+<file path=ppt/slides/slide23.xml><?xml version="1.0" encoding="utf-8"?>
+<p:sld xmlns:a="http://schemas.openxmlformats.org/drawingml/2006/main" xmlns:r="http://schemas.openxmlformats.org/officeDocument/2006/relationships" xmlns:p="http://schemas.openxmlformats.org/presentationml/2006/main">
+  <p:cSld>
+    <p:spTree>
+      <p:nvGrpSpPr>
+        <p:cNvPr id="1" name=""/>
+        <p:cNvGrpSpPr/>
+        <p:nvPr/>
+      </p:nvGrpSpPr>
+      <p:grpSpPr>
+        <a:xfrm>
+          <a:off x="0" y="0"/>
+          <a:ext cx="0" cy="0"/>
+          <a:chOff x="0" y="0"/>
+          <a:chExt cx="0" cy="0"/>
+        </a:xfrm>
+      </p:grpSpPr>
+      <p:sp>
+        <p:nvSpPr>
+          <p:cNvPr id="6" name="TextBox 5">
+            <a:extLst>
+              <a:ext uri="{FF2B5EF4-FFF2-40B4-BE49-F238E27FC236}">
+                <a16:creationId xmlns:a16="http://schemas.microsoft.com/office/drawing/2014/main" id="{F204C529-3208-C800-5178-EA5E6B6187AB}"/>
               </a:ext>
             </a:extLst>
           </p:cNvPr>
@@ -14723,19 +15859,904 @@
         </p:nvSpPr>
         <p:spPr>
           <a:xfrm>
-            <a:off x="342181" y="1273717"/>
-            <a:ext cx="11507638" cy="3108543"/>
+            <a:off x="0" y="0"/>
+            <a:ext cx="12192000" cy="584775"/>
+          </a:xfrm>
+          <a:prstGeom prst="rect">
+            <a:avLst/>
+          </a:prstGeom>
+          <a:solidFill>
+            <a:schemeClr val="tx1"/>
+          </a:solidFill>
+        </p:spPr>
+        <p:txBody>
+          <a:bodyPr wrap="square" rtlCol="0">
+            <a:spAutoFit/>
+          </a:bodyPr>
+          <a:lstStyle/>
+          <a:p>
+            <a:r>
+              <a:rPr lang="en-US" altLang="ko-KR" sz="3200" b="1" dirty="0">
+                <a:solidFill>
+                  <a:schemeClr val="bg1"/>
+                </a:solidFill>
+              </a:rPr>
+              <a:t>Database (Lecture)</a:t>
+            </a:r>
+            <a:endParaRPr lang="ko-KR" altLang="en-US" sz="3200" b="1" dirty="0">
+              <a:solidFill>
+                <a:schemeClr val="bg1"/>
+              </a:solidFill>
+            </a:endParaRPr>
+          </a:p>
+        </p:txBody>
+      </p:sp>
+      <p:grpSp>
+        <p:nvGrpSpPr>
+          <p:cNvPr id="2" name="그룹 1">
+            <a:extLst>
+              <a:ext uri="{FF2B5EF4-FFF2-40B4-BE49-F238E27FC236}">
+                <a16:creationId xmlns:a16="http://schemas.microsoft.com/office/drawing/2014/main" id="{3249C620-594B-33DA-A362-EB2FEE08D432}"/>
+              </a:ext>
+            </a:extLst>
+          </p:cNvPr>
+          <p:cNvGrpSpPr/>
+          <p:nvPr/>
+        </p:nvGrpSpPr>
+        <p:grpSpPr>
+          <a:xfrm>
+            <a:off x="4010739" y="2398125"/>
+            <a:ext cx="4170522" cy="2061750"/>
+            <a:chOff x="4010739" y="1367250"/>
+            <a:chExt cx="4170522" cy="2061750"/>
+          </a:xfrm>
+        </p:grpSpPr>
+        <p:grpSp>
+          <p:nvGrpSpPr>
+            <p:cNvPr id="10" name="그룹 9">
+              <a:extLst>
+                <a:ext uri="{FF2B5EF4-FFF2-40B4-BE49-F238E27FC236}">
+                  <a16:creationId xmlns:a16="http://schemas.microsoft.com/office/drawing/2014/main" id="{5F922CD2-143B-0F45-83E0-10FCF2732080}"/>
+                </a:ext>
+              </a:extLst>
+            </p:cNvPr>
+            <p:cNvGrpSpPr/>
+            <p:nvPr/>
+          </p:nvGrpSpPr>
+          <p:grpSpPr>
+            <a:xfrm>
+              <a:off x="4010739" y="2185488"/>
+              <a:ext cx="4170522" cy="1243512"/>
+              <a:chOff x="1240377" y="1761688"/>
+              <a:chExt cx="4170522" cy="1243512"/>
+            </a:xfrm>
+          </p:grpSpPr>
+          <p:sp>
+            <p:nvSpPr>
+              <p:cNvPr id="11" name="직사각형 10">
+                <a:extLst>
+                  <a:ext uri="{FF2B5EF4-FFF2-40B4-BE49-F238E27FC236}">
+                    <a16:creationId xmlns:a16="http://schemas.microsoft.com/office/drawing/2014/main" id="{243B899C-FFC0-C27D-3912-3BD0D03359BB}"/>
+                  </a:ext>
+                </a:extLst>
+              </p:cNvPr>
+              <p:cNvSpPr/>
+              <p:nvPr/>
+            </p:nvSpPr>
+            <p:spPr>
+              <a:xfrm>
+                <a:off x="1240377" y="2206570"/>
+                <a:ext cx="4170522" cy="798630"/>
+              </a:xfrm>
+              <a:prstGeom prst="rect">
+                <a:avLst/>
+              </a:prstGeom>
+              <a:noFill/>
+              <a:ln w="38100">
+                <a:solidFill>
+                  <a:schemeClr val="tx1"/>
+                </a:solidFill>
+              </a:ln>
+            </p:spPr>
+            <p:style>
+              <a:lnRef idx="2">
+                <a:schemeClr val="accent1">
+                  <a:shade val="50000"/>
+                </a:schemeClr>
+              </a:lnRef>
+              <a:fillRef idx="1">
+                <a:schemeClr val="accent1"/>
+              </a:fillRef>
+              <a:effectRef idx="0">
+                <a:schemeClr val="accent1"/>
+              </a:effectRef>
+              <a:fontRef idx="minor">
+                <a:schemeClr val="lt1"/>
+              </a:fontRef>
+            </p:style>
+            <p:txBody>
+              <a:bodyPr rtlCol="0" anchor="ctr"/>
+              <a:lstStyle/>
+              <a:p>
+                <a:r>
+                  <a:rPr lang="en-US" altLang="ko-KR" b="1" dirty="0" err="1">
+                    <a:solidFill>
+                      <a:schemeClr val="tx1"/>
+                    </a:solidFill>
+                  </a:rPr>
+                  <a:t>lecture_id</a:t>
+                </a:r>
+                <a:r>
+                  <a:rPr lang="en-US" altLang="ko-KR" b="1" dirty="0">
+                    <a:solidFill>
+                      <a:schemeClr val="tx1"/>
+                    </a:solidFill>
+                  </a:rPr>
+                  <a:t>	// PK/FK, </a:t>
+                </a:r>
+                <a:r>
+                  <a:rPr lang="ko-KR" altLang="en-US" b="1" dirty="0">
+                    <a:solidFill>
+                      <a:schemeClr val="tx1"/>
+                    </a:solidFill>
+                  </a:rPr>
+                  <a:t>학수번호</a:t>
+                </a:r>
+                <a:endParaRPr lang="en-US" altLang="ko-KR" b="1" dirty="0">
+                  <a:solidFill>
+                    <a:schemeClr val="tx1"/>
+                  </a:solidFill>
+                </a:endParaRPr>
+              </a:p>
+              <a:p>
+                <a:r>
+                  <a:rPr lang="en-US" altLang="ko-KR" b="1" dirty="0" err="1">
+                    <a:solidFill>
+                      <a:schemeClr val="tx1"/>
+                    </a:solidFill>
+                  </a:rPr>
+                  <a:t>lecture_year</a:t>
+                </a:r>
+                <a:r>
+                  <a:rPr lang="en-US" altLang="ko-KR" b="1" dirty="0">
+                    <a:solidFill>
+                      <a:schemeClr val="tx1"/>
+                    </a:solidFill>
+                  </a:rPr>
+                  <a:t>	// FK, </a:t>
+                </a:r>
+                <a:r>
+                  <a:rPr lang="ko-KR" altLang="en-US" b="1" dirty="0">
+                    <a:solidFill>
+                      <a:schemeClr val="tx1"/>
+                    </a:solidFill>
+                  </a:rPr>
+                  <a:t>수업연도</a:t>
+                </a:r>
+                <a:endParaRPr lang="en-US" altLang="ko-KR" b="1" dirty="0">
+                  <a:solidFill>
+                    <a:schemeClr val="tx1"/>
+                  </a:solidFill>
+                </a:endParaRPr>
+              </a:p>
+            </p:txBody>
+          </p:sp>
+          <p:sp>
+            <p:nvSpPr>
+              <p:cNvPr id="12" name="직사각형 11">
+                <a:extLst>
+                  <a:ext uri="{FF2B5EF4-FFF2-40B4-BE49-F238E27FC236}">
+                    <a16:creationId xmlns:a16="http://schemas.microsoft.com/office/drawing/2014/main" id="{74755B71-07E7-6E98-B737-CF071CE7C3D3}"/>
+                  </a:ext>
+                </a:extLst>
+              </p:cNvPr>
+              <p:cNvSpPr/>
+              <p:nvPr/>
+            </p:nvSpPr>
+            <p:spPr>
+              <a:xfrm>
+                <a:off x="1240377" y="1761688"/>
+                <a:ext cx="4170522" cy="444881"/>
+              </a:xfrm>
+              <a:prstGeom prst="rect">
+                <a:avLst/>
+              </a:prstGeom>
+              <a:noFill/>
+              <a:ln w="38100">
+                <a:solidFill>
+                  <a:schemeClr val="tx1"/>
+                </a:solidFill>
+              </a:ln>
+            </p:spPr>
+            <p:style>
+              <a:lnRef idx="2">
+                <a:schemeClr val="accent1">
+                  <a:shade val="50000"/>
+                </a:schemeClr>
+              </a:lnRef>
+              <a:fillRef idx="1">
+                <a:schemeClr val="accent1"/>
+              </a:fillRef>
+              <a:effectRef idx="0">
+                <a:schemeClr val="accent1"/>
+              </a:effectRef>
+              <a:fontRef idx="minor">
+                <a:schemeClr val="lt1"/>
+              </a:fontRef>
+            </p:style>
+            <p:txBody>
+              <a:bodyPr rtlCol="0" anchor="ctr"/>
+              <a:lstStyle/>
+              <a:p>
+                <a:pPr algn="ctr"/>
+                <a:r>
+                  <a:rPr lang="en-US" altLang="ko-KR" b="1" dirty="0" err="1">
+                    <a:solidFill>
+                      <a:schemeClr val="tx1"/>
+                    </a:solidFill>
+                  </a:rPr>
+                  <a:t>lecture_info</a:t>
+                </a:r>
+                <a:endParaRPr lang="ko-KR" altLang="en-US" b="1" dirty="0">
+                  <a:solidFill>
+                    <a:schemeClr val="tx1"/>
+                  </a:solidFill>
+                </a:endParaRPr>
+              </a:p>
+            </p:txBody>
+          </p:sp>
+        </p:grpSp>
+        <p:sp>
+          <p:nvSpPr>
+            <p:cNvPr id="13" name="직사각형 12">
+              <a:extLst>
+                <a:ext uri="{FF2B5EF4-FFF2-40B4-BE49-F238E27FC236}">
+                  <a16:creationId xmlns:a16="http://schemas.microsoft.com/office/drawing/2014/main" id="{49100A08-1D64-A68A-BD93-B9F4BAB58BF9}"/>
+                </a:ext>
+              </a:extLst>
+            </p:cNvPr>
+            <p:cNvSpPr/>
+            <p:nvPr/>
+          </p:nvSpPr>
+          <p:spPr>
+            <a:xfrm>
+              <a:off x="4010739" y="1367250"/>
+              <a:ext cx="4170522" cy="444881"/>
+            </a:xfrm>
+            <a:prstGeom prst="rect">
+              <a:avLst/>
+            </a:prstGeom>
+            <a:noFill/>
+            <a:ln w="38100">
+              <a:solidFill>
+                <a:schemeClr val="tx1"/>
+              </a:solidFill>
+            </a:ln>
+          </p:spPr>
+          <p:style>
+            <a:lnRef idx="2">
+              <a:schemeClr val="accent1">
+                <a:shade val="50000"/>
+              </a:schemeClr>
+            </a:lnRef>
+            <a:fillRef idx="1">
+              <a:schemeClr val="accent1"/>
+            </a:fillRef>
+            <a:effectRef idx="0">
+              <a:schemeClr val="accent1"/>
+            </a:effectRef>
+            <a:fontRef idx="minor">
+              <a:schemeClr val="lt1"/>
+            </a:fontRef>
+          </p:style>
+          <p:txBody>
+            <a:bodyPr rtlCol="0" anchor="ctr"/>
+            <a:lstStyle/>
+            <a:p>
+              <a:pPr algn="ctr"/>
+              <a:r>
+                <a:rPr lang="ko-KR" altLang="en-US" b="1" dirty="0">
+                  <a:solidFill>
+                    <a:schemeClr val="tx1"/>
+                  </a:solidFill>
+                </a:rPr>
+                <a:t>강의 매핑 테이블</a:t>
+              </a:r>
+            </a:p>
+          </p:txBody>
+        </p:sp>
+      </p:grpSp>
+    </p:spTree>
+    <p:extLst>
+      <p:ext uri="{BB962C8B-B14F-4D97-AF65-F5344CB8AC3E}">
+        <p14:creationId xmlns:p14="http://schemas.microsoft.com/office/powerpoint/2010/main" val="4203403228"/>
+      </p:ext>
+    </p:extLst>
+  </p:cSld>
+  <p:clrMapOvr>
+    <a:masterClrMapping/>
+  </p:clrMapOvr>
+</p:sld>
+</file>
+
+<file path=ppt/slides/slide24.xml><?xml version="1.0" encoding="utf-8"?>
+<p:sld xmlns:a="http://schemas.openxmlformats.org/drawingml/2006/main" xmlns:r="http://schemas.openxmlformats.org/officeDocument/2006/relationships" xmlns:p="http://schemas.openxmlformats.org/presentationml/2006/main">
+  <p:cSld>
+    <p:spTree>
+      <p:nvGrpSpPr>
+        <p:cNvPr id="1" name=""/>
+        <p:cNvGrpSpPr/>
+        <p:nvPr/>
+      </p:nvGrpSpPr>
+      <p:grpSpPr>
+        <a:xfrm>
+          <a:off x="0" y="0"/>
+          <a:ext cx="0" cy="0"/>
+          <a:chOff x="0" y="0"/>
+          <a:chExt cx="0" cy="0"/>
+        </a:xfrm>
+      </p:grpSpPr>
+      <p:sp>
+        <p:nvSpPr>
+          <p:cNvPr id="6" name="TextBox 5">
+            <a:extLst>
+              <a:ext uri="{FF2B5EF4-FFF2-40B4-BE49-F238E27FC236}">
+                <a16:creationId xmlns:a16="http://schemas.microsoft.com/office/drawing/2014/main" id="{F204C529-3208-C800-5178-EA5E6B6187AB}"/>
+              </a:ext>
+            </a:extLst>
+          </p:cNvPr>
+          <p:cNvSpPr txBox="1"/>
+          <p:nvPr/>
+        </p:nvSpPr>
+        <p:spPr>
+          <a:xfrm>
+            <a:off x="0" y="0"/>
+            <a:ext cx="12192000" cy="584775"/>
+          </a:xfrm>
+          <a:prstGeom prst="rect">
+            <a:avLst/>
+          </a:prstGeom>
+          <a:solidFill>
+            <a:schemeClr val="tx1"/>
+          </a:solidFill>
+        </p:spPr>
+        <p:txBody>
+          <a:bodyPr wrap="square" rtlCol="0">
+            <a:spAutoFit/>
+          </a:bodyPr>
+          <a:lstStyle/>
+          <a:p>
+            <a:r>
+              <a:rPr lang="en-US" altLang="ko-KR" sz="3200" b="1" dirty="0">
+                <a:solidFill>
+                  <a:schemeClr val="bg1"/>
+                </a:solidFill>
+              </a:rPr>
+              <a:t>Database (Lecture: CPP, MFC, Graphics, AR)</a:t>
+            </a:r>
+            <a:endParaRPr lang="ko-KR" altLang="en-US" sz="3200" b="1" dirty="0">
+              <a:solidFill>
+                <a:schemeClr val="bg1"/>
+              </a:solidFill>
+            </a:endParaRPr>
+          </a:p>
+        </p:txBody>
+      </p:sp>
+      <p:grpSp>
+        <p:nvGrpSpPr>
+          <p:cNvPr id="20" name="그룹 19">
+            <a:extLst>
+              <a:ext uri="{FF2B5EF4-FFF2-40B4-BE49-F238E27FC236}">
+                <a16:creationId xmlns:a16="http://schemas.microsoft.com/office/drawing/2014/main" id="{8B561F7B-575C-B6B4-99D1-3B3E85267FF6}"/>
+              </a:ext>
+            </a:extLst>
+          </p:cNvPr>
+          <p:cNvGrpSpPr/>
+          <p:nvPr/>
+        </p:nvGrpSpPr>
+        <p:grpSpPr>
+          <a:xfrm>
+            <a:off x="4010739" y="2185488"/>
+            <a:ext cx="4170522" cy="3594527"/>
+            <a:chOff x="1240377" y="1761688"/>
+            <a:chExt cx="4170522" cy="3594527"/>
+          </a:xfrm>
+        </p:grpSpPr>
+        <p:sp>
+          <p:nvSpPr>
+            <p:cNvPr id="21" name="직사각형 20">
+              <a:extLst>
+                <a:ext uri="{FF2B5EF4-FFF2-40B4-BE49-F238E27FC236}">
+                  <a16:creationId xmlns:a16="http://schemas.microsoft.com/office/drawing/2014/main" id="{05959908-411F-A708-E6E4-23481D13B6C4}"/>
+                </a:ext>
+              </a:extLst>
+            </p:cNvPr>
+            <p:cNvSpPr/>
+            <p:nvPr/>
+          </p:nvSpPr>
+          <p:spPr>
+            <a:xfrm>
+              <a:off x="1240377" y="2206570"/>
+              <a:ext cx="4170522" cy="3149645"/>
+            </a:xfrm>
+            <a:prstGeom prst="rect">
+              <a:avLst/>
+            </a:prstGeom>
+            <a:noFill/>
+            <a:ln w="38100">
+              <a:solidFill>
+                <a:schemeClr val="tx1"/>
+              </a:solidFill>
+            </a:ln>
+          </p:spPr>
+          <p:style>
+            <a:lnRef idx="2">
+              <a:schemeClr val="accent1">
+                <a:shade val="50000"/>
+              </a:schemeClr>
+            </a:lnRef>
+            <a:fillRef idx="1">
+              <a:schemeClr val="accent1"/>
+            </a:fillRef>
+            <a:effectRef idx="0">
+              <a:schemeClr val="accent1"/>
+            </a:effectRef>
+            <a:fontRef idx="minor">
+              <a:schemeClr val="lt1"/>
+            </a:fontRef>
+          </p:style>
+          <p:txBody>
+            <a:bodyPr rtlCol="0" anchor="t"/>
+            <a:lstStyle/>
+            <a:p>
+              <a:r>
+                <a:rPr lang="en-US" altLang="ko-KR" b="1" dirty="0">
+                  <a:solidFill>
+                    <a:schemeClr val="tx1"/>
+                  </a:solidFill>
+                </a:rPr>
+                <a:t>id		// PK,</a:t>
+              </a:r>
+              <a:r>
+                <a:rPr lang="ko-KR" altLang="en-US" b="1" dirty="0">
+                  <a:solidFill>
+                    <a:schemeClr val="tx1"/>
+                  </a:solidFill>
+                </a:rPr>
+                <a:t> 글 아이디</a:t>
+              </a:r>
+              <a:endParaRPr lang="en-US" altLang="ko-KR" b="1" dirty="0">
+                <a:solidFill>
+                  <a:schemeClr val="tx1"/>
+                </a:solidFill>
+              </a:endParaRPr>
+            </a:p>
+            <a:p>
+              <a:r>
+                <a:rPr lang="en-US" altLang="ko-KR" b="1" dirty="0">
+                  <a:solidFill>
+                    <a:schemeClr val="tx1"/>
+                  </a:solidFill>
+                </a:rPr>
+                <a:t>title		// </a:t>
+              </a:r>
+              <a:r>
+                <a:rPr lang="ko-KR" altLang="en-US" b="1" dirty="0">
+                  <a:solidFill>
+                    <a:schemeClr val="tx1"/>
+                  </a:solidFill>
+                </a:rPr>
+                <a:t>글 제목</a:t>
+              </a:r>
+              <a:endParaRPr lang="en-US" altLang="ko-KR" b="1" dirty="0">
+                <a:solidFill>
+                  <a:schemeClr val="tx1"/>
+                </a:solidFill>
+              </a:endParaRPr>
+            </a:p>
+            <a:p>
+              <a:r>
+                <a:rPr lang="en-US" altLang="ko-KR" b="1" dirty="0">
+                  <a:solidFill>
+                    <a:schemeClr val="tx1"/>
+                  </a:solidFill>
+                </a:rPr>
+                <a:t>content		// </a:t>
+              </a:r>
+              <a:r>
+                <a:rPr lang="ko-KR" altLang="en-US" b="1" dirty="0">
+                  <a:solidFill>
+                    <a:schemeClr val="tx1"/>
+                  </a:solidFill>
+                </a:rPr>
+                <a:t>글 내용</a:t>
+              </a:r>
+              <a:endParaRPr lang="en-US" altLang="ko-KR" b="1" dirty="0">
+                <a:solidFill>
+                  <a:schemeClr val="tx1"/>
+                </a:solidFill>
+              </a:endParaRPr>
+            </a:p>
+            <a:p>
+              <a:r>
+                <a:rPr lang="en-US" altLang="ko-KR" b="1" dirty="0">
+                  <a:solidFill>
+                    <a:schemeClr val="tx1"/>
+                  </a:solidFill>
+                </a:rPr>
+                <a:t>data		//</a:t>
+              </a:r>
+              <a:r>
+                <a:rPr lang="ko-KR" altLang="en-US" b="1" dirty="0">
+                  <a:solidFill>
+                    <a:schemeClr val="tx1"/>
+                  </a:solidFill>
+                </a:rPr>
+                <a:t> 첨부파일</a:t>
+              </a:r>
+              <a:endParaRPr lang="en-US" altLang="ko-KR" b="1" dirty="0">
+                <a:solidFill>
+                  <a:schemeClr val="tx1"/>
+                </a:solidFill>
+              </a:endParaRPr>
+            </a:p>
+            <a:p>
+              <a:r>
+                <a:rPr lang="en-US" altLang="ko-KR" b="1" dirty="0">
+                  <a:solidFill>
+                    <a:schemeClr val="tx1"/>
+                  </a:solidFill>
+                </a:rPr>
+                <a:t>hits		// </a:t>
+              </a:r>
+              <a:r>
+                <a:rPr lang="ko-KR" altLang="en-US" b="1" dirty="0">
+                  <a:solidFill>
+                    <a:schemeClr val="tx1"/>
+                  </a:solidFill>
+                </a:rPr>
+                <a:t>조회수</a:t>
+              </a:r>
+              <a:endParaRPr lang="en-US" altLang="ko-KR" b="1" dirty="0">
+                <a:solidFill>
+                  <a:schemeClr val="tx1"/>
+                </a:solidFill>
+              </a:endParaRPr>
+            </a:p>
+            <a:p>
+              <a:r>
+                <a:rPr lang="en-US" altLang="ko-KR" b="1" dirty="0" err="1">
+                  <a:solidFill>
+                    <a:schemeClr val="tx1"/>
+                  </a:solidFill>
+                </a:rPr>
+                <a:t>reg_date</a:t>
+              </a:r>
+              <a:r>
+                <a:rPr lang="en-US" altLang="ko-KR" b="1" dirty="0">
+                  <a:solidFill>
+                    <a:schemeClr val="tx1"/>
+                  </a:solidFill>
+                </a:rPr>
+                <a:t>	// </a:t>
+              </a:r>
+              <a:r>
+                <a:rPr lang="ko-KR" altLang="en-US" b="1" dirty="0">
+                  <a:solidFill>
+                    <a:schemeClr val="tx1"/>
+                  </a:solidFill>
+                </a:rPr>
+                <a:t>작성일</a:t>
+              </a:r>
+              <a:endParaRPr lang="en-US" altLang="ko-KR" b="1" dirty="0">
+                <a:solidFill>
+                  <a:schemeClr val="tx1"/>
+                </a:solidFill>
+              </a:endParaRPr>
+            </a:p>
+            <a:p>
+              <a:r>
+                <a:rPr lang="en-US" altLang="ko-KR" b="1" dirty="0" err="1">
+                  <a:solidFill>
+                    <a:schemeClr val="tx1"/>
+                  </a:solidFill>
+                </a:rPr>
+                <a:t>mod_date</a:t>
+              </a:r>
+              <a:r>
+                <a:rPr lang="en-US" altLang="ko-KR" b="1" dirty="0">
+                  <a:solidFill>
+                    <a:schemeClr val="tx1"/>
+                  </a:solidFill>
+                </a:rPr>
+                <a:t>	// </a:t>
+              </a:r>
+              <a:r>
+                <a:rPr lang="ko-KR" altLang="en-US" b="1" dirty="0">
+                  <a:solidFill>
+                    <a:schemeClr val="tx1"/>
+                  </a:solidFill>
+                </a:rPr>
+                <a:t>수정일</a:t>
+              </a:r>
+              <a:endParaRPr lang="en-US" altLang="ko-KR" b="1" dirty="0">
+                <a:solidFill>
+                  <a:schemeClr val="tx1"/>
+                </a:solidFill>
+              </a:endParaRPr>
+            </a:p>
+            <a:p>
+              <a:r>
+                <a:rPr lang="en-US" altLang="ko-KR" b="1" dirty="0">
+                  <a:solidFill>
+                    <a:schemeClr val="tx1"/>
+                  </a:solidFill>
+                </a:rPr>
+                <a:t>author		// </a:t>
+              </a:r>
+              <a:r>
+                <a:rPr lang="ko-KR" altLang="en-US" b="1" dirty="0">
+                  <a:solidFill>
+                    <a:schemeClr val="tx1"/>
+                  </a:solidFill>
+                </a:rPr>
+                <a:t>작성자</a:t>
+              </a:r>
+              <a:endParaRPr lang="en-US" altLang="ko-KR" b="1" dirty="0">
+                <a:solidFill>
+                  <a:schemeClr val="tx1"/>
+                </a:solidFill>
+              </a:endParaRPr>
+            </a:p>
+            <a:p>
+              <a:endParaRPr lang="en-US" altLang="ko-KR" b="1" dirty="0">
+                <a:solidFill>
+                  <a:schemeClr val="tx1"/>
+                </a:solidFill>
+              </a:endParaRPr>
+            </a:p>
+            <a:p>
+              <a:r>
+                <a:rPr lang="en-US" altLang="ko-KR" b="1" dirty="0" err="1">
+                  <a:solidFill>
+                    <a:schemeClr val="tx1"/>
+                  </a:solidFill>
+                </a:rPr>
+                <a:t>lecture_id</a:t>
+              </a:r>
+              <a:r>
+                <a:rPr lang="en-US" altLang="ko-KR" b="1" dirty="0">
+                  <a:solidFill>
+                    <a:schemeClr val="tx1"/>
+                  </a:solidFill>
+                </a:rPr>
+                <a:t>	// FK, </a:t>
+              </a:r>
+              <a:r>
+                <a:rPr lang="ko-KR" altLang="en-US" b="1" dirty="0">
+                  <a:solidFill>
+                    <a:schemeClr val="tx1"/>
+                  </a:solidFill>
+                </a:rPr>
+                <a:t>학수번호</a:t>
+              </a:r>
+              <a:endParaRPr lang="en-US" altLang="ko-KR" b="1" dirty="0">
+                <a:solidFill>
+                  <a:schemeClr val="tx1"/>
+                </a:solidFill>
+              </a:endParaRPr>
+            </a:p>
+            <a:p>
+              <a:r>
+                <a:rPr lang="en-US" altLang="ko-KR" b="1" dirty="0" err="1">
+                  <a:solidFill>
+                    <a:schemeClr val="tx1"/>
+                  </a:solidFill>
+                </a:rPr>
+                <a:t>lecture_year</a:t>
+              </a:r>
+              <a:r>
+                <a:rPr lang="en-US" altLang="ko-KR" b="1" dirty="0">
+                  <a:solidFill>
+                    <a:schemeClr val="tx1"/>
+                  </a:solidFill>
+                </a:rPr>
+                <a:t>	// FK, </a:t>
+              </a:r>
+              <a:r>
+                <a:rPr lang="ko-KR" altLang="en-US" b="1" dirty="0">
+                  <a:solidFill>
+                    <a:schemeClr val="tx1"/>
+                  </a:solidFill>
+                </a:rPr>
+                <a:t>수업연도</a:t>
+              </a:r>
+              <a:endParaRPr lang="en-US" altLang="ko-KR" b="1" dirty="0">
+                <a:solidFill>
+                  <a:schemeClr val="tx1"/>
+                </a:solidFill>
+              </a:endParaRPr>
+            </a:p>
+          </p:txBody>
+        </p:sp>
+        <p:sp>
+          <p:nvSpPr>
+            <p:cNvPr id="22" name="직사각형 21">
+              <a:extLst>
+                <a:ext uri="{FF2B5EF4-FFF2-40B4-BE49-F238E27FC236}">
+                  <a16:creationId xmlns:a16="http://schemas.microsoft.com/office/drawing/2014/main" id="{3ACE2569-F7BC-5702-2869-A7D3336FA9A8}"/>
+                </a:ext>
+              </a:extLst>
+            </p:cNvPr>
+            <p:cNvSpPr/>
+            <p:nvPr/>
+          </p:nvSpPr>
+          <p:spPr>
+            <a:xfrm>
+              <a:off x="1240377" y="1761688"/>
+              <a:ext cx="4170522" cy="444881"/>
+            </a:xfrm>
+            <a:prstGeom prst="rect">
+              <a:avLst/>
+            </a:prstGeom>
+            <a:noFill/>
+            <a:ln w="38100">
+              <a:solidFill>
+                <a:schemeClr val="tx1"/>
+              </a:solidFill>
+            </a:ln>
+          </p:spPr>
+          <p:style>
+            <a:lnRef idx="2">
+              <a:schemeClr val="accent1">
+                <a:shade val="50000"/>
+              </a:schemeClr>
+            </a:lnRef>
+            <a:fillRef idx="1">
+              <a:schemeClr val="accent1"/>
+            </a:fillRef>
+            <a:effectRef idx="0">
+              <a:schemeClr val="accent1"/>
+            </a:effectRef>
+            <a:fontRef idx="minor">
+              <a:schemeClr val="lt1"/>
+            </a:fontRef>
+          </p:style>
+          <p:txBody>
+            <a:bodyPr rtlCol="0" anchor="ctr"/>
+            <a:lstStyle/>
+            <a:p>
+              <a:pPr algn="ctr"/>
+              <a:r>
+                <a:rPr lang="en-US" altLang="ko-KR" b="1" dirty="0" err="1">
+                  <a:solidFill>
+                    <a:schemeClr val="tx1"/>
+                  </a:solidFill>
+                </a:rPr>
+                <a:t>cpp_notice_board</a:t>
+              </a:r>
+              <a:endParaRPr lang="ko-KR" altLang="en-US" b="1" dirty="0">
+                <a:solidFill>
+                  <a:schemeClr val="tx1"/>
+                </a:solidFill>
+              </a:endParaRPr>
+            </a:p>
+          </p:txBody>
+        </p:sp>
+      </p:grpSp>
+      <p:sp>
+        <p:nvSpPr>
+          <p:cNvPr id="24" name="직사각형 23">
+            <a:extLst>
+              <a:ext uri="{FF2B5EF4-FFF2-40B4-BE49-F238E27FC236}">
+                <a16:creationId xmlns:a16="http://schemas.microsoft.com/office/drawing/2014/main" id="{D5604993-C9B4-A516-987F-B59249853D0E}"/>
+              </a:ext>
+            </a:extLst>
+          </p:cNvPr>
+          <p:cNvSpPr/>
+          <p:nvPr/>
+        </p:nvSpPr>
+        <p:spPr>
+          <a:xfrm>
+            <a:off x="4010739" y="1367250"/>
+            <a:ext cx="4170522" cy="444881"/>
           </a:xfrm>
           <a:prstGeom prst="rect">
             <a:avLst/>
           </a:prstGeom>
           <a:noFill/>
-          <a:ln>
+          <a:ln w="38100">
             <a:solidFill>
               <a:schemeClr val="tx1"/>
             </a:solidFill>
           </a:ln>
         </p:spPr>
+        <p:style>
+          <a:lnRef idx="2">
+            <a:schemeClr val="accent1">
+              <a:shade val="50000"/>
+            </a:schemeClr>
+          </a:lnRef>
+          <a:fillRef idx="1">
+            <a:schemeClr val="accent1"/>
+          </a:fillRef>
+          <a:effectRef idx="0">
+            <a:schemeClr val="accent1"/>
+          </a:effectRef>
+          <a:fontRef idx="minor">
+            <a:schemeClr val="lt1"/>
+          </a:fontRef>
+        </p:style>
+        <p:txBody>
+          <a:bodyPr rtlCol="0" anchor="ctr"/>
+          <a:lstStyle/>
+          <a:p>
+            <a:pPr algn="ctr"/>
+            <a:r>
+              <a:rPr lang="ko-KR" altLang="en-US" b="1" dirty="0">
+                <a:solidFill>
+                  <a:schemeClr val="tx1"/>
+                </a:solidFill>
+              </a:rPr>
+              <a:t>공지 게시판</a:t>
+            </a:r>
+          </a:p>
+        </p:txBody>
+      </p:sp>
+    </p:spTree>
+    <p:extLst>
+      <p:ext uri="{BB962C8B-B14F-4D97-AF65-F5344CB8AC3E}">
+        <p14:creationId xmlns:p14="http://schemas.microsoft.com/office/powerpoint/2010/main" val="2475189776"/>
+      </p:ext>
+    </p:extLst>
+  </p:cSld>
+  <p:clrMapOvr>
+    <a:masterClrMapping/>
+  </p:clrMapOvr>
+</p:sld>
+</file>
+
+<file path=ppt/slides/slide25.xml><?xml version="1.0" encoding="utf-8"?>
+<p:sld xmlns:a="http://schemas.openxmlformats.org/drawingml/2006/main" xmlns:r="http://schemas.openxmlformats.org/officeDocument/2006/relationships" xmlns:p="http://schemas.openxmlformats.org/presentationml/2006/main">
+  <p:cSld>
+    <p:spTree>
+      <p:nvGrpSpPr>
+        <p:cNvPr id="1" name=""/>
+        <p:cNvGrpSpPr/>
+        <p:nvPr/>
+      </p:nvGrpSpPr>
+      <p:grpSpPr>
+        <a:xfrm>
+          <a:off x="0" y="0"/>
+          <a:ext cx="0" cy="0"/>
+          <a:chOff x="0" y="0"/>
+          <a:chExt cx="0" cy="0"/>
+        </a:xfrm>
+      </p:grpSpPr>
+      <p:sp>
+        <p:nvSpPr>
+          <p:cNvPr id="6" name="TextBox 5">
+            <a:extLst>
+              <a:ext uri="{FF2B5EF4-FFF2-40B4-BE49-F238E27FC236}">
+                <a16:creationId xmlns:a16="http://schemas.microsoft.com/office/drawing/2014/main" id="{F204C529-3208-C800-5178-EA5E6B6187AB}"/>
+              </a:ext>
+            </a:extLst>
+          </p:cNvPr>
+          <p:cNvSpPr txBox="1"/>
+          <p:nvPr/>
+        </p:nvSpPr>
+        <p:spPr>
+          <a:xfrm>
+            <a:off x="0" y="0"/>
+            <a:ext cx="12192000" cy="584775"/>
+          </a:xfrm>
+          <a:prstGeom prst="rect">
+            <a:avLst/>
+          </a:prstGeom>
+          <a:solidFill>
+            <a:schemeClr val="tx1"/>
+          </a:solidFill>
+        </p:spPr>
         <p:txBody>
           <a:bodyPr wrap="square" rtlCol="0">
             <a:spAutoFit/>
@@ -14743,421 +16764,3390 @@
           <a:lstStyle/>
           <a:p>
             <a:r>
-              <a:rPr lang="ko-KR" altLang="en-US" sz="1400" b="1"/>
-              <a:t>회원 관리</a:t>
-            </a:r>
-            <a:endParaRPr lang="en-US" altLang="ko-KR" sz="1400" b="1"/>
-          </a:p>
-          <a:p>
-            <a:endParaRPr lang="en-US" altLang="ko-KR" sz="1400" b="1"/>
-          </a:p>
-          <a:p>
-            <a:r>
-              <a:rPr lang="ko-KR" altLang="en-US" sz="1400"/>
-              <a:t>방식</a:t>
-            </a:r>
-            <a:r>
-              <a:rPr lang="en-US" altLang="ko-KR" sz="1400"/>
-              <a:t>1 (</a:t>
-            </a:r>
-            <a:r>
-              <a:rPr lang="ko-KR" altLang="en-US" sz="1400"/>
-              <a:t>관리자 가입허가 방식 </a:t>
-            </a:r>
-            <a:r>
-              <a:rPr lang="en-US" altLang="ko-KR" sz="1400"/>
-              <a:t>-&gt; </a:t>
-            </a:r>
-            <a:r>
-              <a:rPr lang="ko-KR" altLang="en-US" sz="1400"/>
-              <a:t>이건 관리자가 일일이 허가해줘야하는 단점 존재</a:t>
-            </a:r>
-            <a:r>
-              <a:rPr lang="en-US" altLang="ko-KR" sz="1400"/>
-              <a:t>)</a:t>
-            </a:r>
-          </a:p>
-          <a:p>
-            <a:r>
-              <a:rPr lang="en-US" altLang="ko-KR" sz="1400"/>
-              <a:t>- </a:t>
-            </a:r>
-            <a:r>
-              <a:rPr lang="ko-KR" altLang="en-US" sz="1400"/>
-              <a:t>회원엔티티</a:t>
-            </a:r>
-            <a:r>
-              <a:rPr lang="en-US" altLang="ko-KR" sz="1400"/>
-              <a:t>(</a:t>
-            </a:r>
-            <a:r>
-              <a:rPr lang="ko-KR" altLang="en-US" sz="1400"/>
-              <a:t>아이디</a:t>
-            </a:r>
-            <a:r>
-              <a:rPr lang="en-US" altLang="ko-KR" sz="1400"/>
-              <a:t>:p.k, </a:t>
-            </a:r>
-            <a:r>
-              <a:rPr lang="ko-KR" altLang="en-US" sz="1400"/>
-              <a:t>비밀번호</a:t>
-            </a:r>
-            <a:r>
-              <a:rPr lang="en-US" altLang="ko-KR" sz="1400"/>
-              <a:t>, </a:t>
-            </a:r>
-            <a:r>
-              <a:rPr lang="ko-KR" altLang="en-US" sz="1400"/>
-              <a:t>이름</a:t>
-            </a:r>
-            <a:r>
-              <a:rPr lang="en-US" altLang="ko-KR" sz="1400"/>
-              <a:t>, </a:t>
-            </a:r>
-            <a:r>
-              <a:rPr lang="ko-KR" altLang="en-US" sz="1400"/>
-              <a:t>학번</a:t>
-            </a:r>
-            <a:r>
-              <a:rPr lang="en-US" altLang="ko-KR" sz="1400"/>
-              <a:t>, </a:t>
-            </a:r>
-            <a:r>
-              <a:rPr lang="ko-KR" altLang="en-US" sz="1400"/>
-              <a:t>관리권한</a:t>
-            </a:r>
-            <a:r>
-              <a:rPr lang="en-US" altLang="ko-KR" sz="1400"/>
-              <a:t>)</a:t>
-            </a:r>
-          </a:p>
-          <a:p>
-            <a:r>
-              <a:rPr lang="en-US" altLang="ko-KR" sz="1400"/>
-              <a:t>- </a:t>
-            </a:r>
-            <a:r>
-              <a:rPr lang="ko-KR" altLang="en-US" sz="1400"/>
-              <a:t>가입대기엔티티</a:t>
-            </a:r>
-            <a:r>
-              <a:rPr lang="en-US" altLang="ko-KR" sz="1400"/>
-              <a:t>(</a:t>
-            </a:r>
-            <a:r>
-              <a:rPr lang="ko-KR" altLang="en-US" sz="1400"/>
-              <a:t>아이디</a:t>
-            </a:r>
-            <a:r>
-              <a:rPr lang="en-US" altLang="ko-KR" sz="1400"/>
-              <a:t>:pk, </a:t>
-            </a:r>
-            <a:r>
-              <a:rPr lang="ko-KR" altLang="en-US" sz="1400"/>
-              <a:t>이름</a:t>
-            </a:r>
-            <a:r>
-              <a:rPr lang="en-US" altLang="ko-KR" sz="1400"/>
-              <a:t>, </a:t>
-            </a:r>
-            <a:r>
-              <a:rPr lang="ko-KR" altLang="en-US" sz="1400"/>
-              <a:t>학번</a:t>
-            </a:r>
-            <a:r>
-              <a:rPr lang="en-US" altLang="ko-KR" sz="1400"/>
-              <a:t>)</a:t>
-            </a:r>
-          </a:p>
-          <a:p>
-            <a:pPr marL="285750" indent="-285750">
-              <a:buFont typeface="Wingdings" panose="05000000000000000000" pitchFamily="2" charset="2"/>
-              <a:buChar char="Ø"/>
-            </a:pPr>
-            <a:endParaRPr lang="en-US" altLang="ko-KR" sz="1400"/>
-          </a:p>
-          <a:p>
-            <a:r>
-              <a:rPr lang="ko-KR" altLang="en-US" sz="1400"/>
-              <a:t>방식</a:t>
-            </a:r>
-            <a:r>
-              <a:rPr lang="en-US" altLang="ko-KR" sz="1400"/>
-              <a:t>2 (Portal </a:t>
-            </a:r>
-            <a:r>
-              <a:rPr lang="ko-KR" altLang="en-US" sz="1400"/>
-              <a:t>연동</a:t>
-            </a:r>
-            <a:r>
-              <a:rPr lang="en-US" altLang="ko-KR" sz="1400"/>
-              <a:t>)</a:t>
-            </a:r>
-          </a:p>
-          <a:p>
-            <a:r>
-              <a:rPr lang="en-US" altLang="ko-KR" sz="1400"/>
-              <a:t>- </a:t>
-            </a:r>
-            <a:r>
-              <a:rPr lang="ko-KR" altLang="en-US" sz="1400"/>
-              <a:t>로그인 시 해당 정보를 </a:t>
-            </a:r>
-            <a:r>
-              <a:rPr lang="en-US" altLang="ko-KR" sz="1400"/>
-              <a:t>portal</a:t>
-            </a:r>
-            <a:r>
-              <a:rPr lang="ko-KR" altLang="en-US" sz="1400"/>
-              <a:t>에 </a:t>
-            </a:r>
-            <a:r>
-              <a:rPr lang="en-US" altLang="ko-KR" sz="1400"/>
-              <a:t>httprequest payload</a:t>
-            </a:r>
-            <a:r>
-              <a:rPr lang="ko-KR" altLang="en-US" sz="1400"/>
-              <a:t>를 보내어 학수번호 체크하고 해당 수업에 대한 권한 주기</a:t>
-            </a:r>
-            <a:endParaRPr lang="en-US" altLang="ko-KR" sz="1400"/>
-          </a:p>
-          <a:p>
-            <a:endParaRPr lang="en-US" altLang="ko-KR" sz="1400"/>
-          </a:p>
-          <a:p>
-            <a:r>
-              <a:rPr lang="ko-KR" altLang="en-US" sz="1400" b="1"/>
-              <a:t>게시판 관련</a:t>
-            </a:r>
-            <a:endParaRPr lang="en-US" altLang="ko-KR" sz="1400" b="1"/>
-          </a:p>
-          <a:p>
-            <a:endParaRPr lang="en-US" altLang="ko-KR" sz="1400" b="1"/>
-          </a:p>
-          <a:p>
-            <a:r>
-              <a:rPr lang="en-US" altLang="ko-KR" sz="1400"/>
-              <a:t>- </a:t>
-            </a:r>
-            <a:r>
-              <a:rPr lang="ko-KR" altLang="en-US" sz="1400"/>
-              <a:t>페이지엔티티</a:t>
-            </a:r>
-            <a:r>
-              <a:rPr lang="en-US" altLang="ko-KR" sz="1400"/>
-              <a:t>(</a:t>
-            </a:r>
-            <a:r>
-              <a:rPr lang="ko-KR" altLang="en-US" sz="1400"/>
-              <a:t>페이지</a:t>
-            </a:r>
-            <a:r>
-              <a:rPr lang="en-US" altLang="ko-KR" sz="1400"/>
-              <a:t>id, </a:t>
-            </a:r>
-            <a:r>
-              <a:rPr lang="ko-KR" altLang="en-US" sz="1400"/>
-              <a:t>게시판</a:t>
-            </a:r>
-            <a:r>
-              <a:rPr lang="en-US" altLang="ko-KR" sz="1400"/>
-              <a:t>id) &lt;- </a:t>
-            </a:r>
-            <a:r>
-              <a:rPr lang="ko-KR" altLang="en-US" sz="1400"/>
-              <a:t>페이지차원에서의 작업이 없다면 없어도 무방</a:t>
-            </a:r>
-            <a:r>
-              <a:rPr lang="en-US" altLang="ko-KR" sz="1400"/>
-              <a:t>(</a:t>
-            </a:r>
-            <a:r>
-              <a:rPr lang="ko-KR" altLang="en-US" sz="1400"/>
-              <a:t>연구 페이지의 통합공지로 인해 필요할 듯</a:t>
-            </a:r>
-            <a:r>
-              <a:rPr lang="en-US" altLang="ko-KR" sz="1400"/>
-              <a:t>)</a:t>
-            </a:r>
-          </a:p>
-          <a:p>
-            <a:r>
-              <a:rPr lang="en-US" altLang="ko-KR" sz="1400"/>
-              <a:t>- </a:t>
-            </a:r>
-            <a:r>
-              <a:rPr lang="ko-KR" altLang="en-US" sz="1400"/>
-              <a:t>게시글엔티티</a:t>
-            </a:r>
-            <a:r>
-              <a:rPr lang="en-US" altLang="ko-KR" sz="1400"/>
-              <a:t>(</a:t>
-            </a:r>
-            <a:r>
-              <a:rPr lang="ko-KR" altLang="en-US" sz="1400"/>
-              <a:t>게시판</a:t>
-            </a:r>
-            <a:r>
-              <a:rPr lang="en-US" altLang="ko-KR" sz="1400"/>
-              <a:t>id, </a:t>
-            </a:r>
-            <a:r>
-              <a:rPr lang="ko-KR" altLang="en-US" sz="1400"/>
-              <a:t>게시글</a:t>
-            </a:r>
-            <a:r>
-              <a:rPr lang="en-US" altLang="ko-KR" sz="1400"/>
-              <a:t>id, </a:t>
-            </a:r>
-            <a:r>
-              <a:rPr lang="ko-KR" altLang="en-US" sz="1400"/>
-              <a:t>제목</a:t>
-            </a:r>
-            <a:r>
-              <a:rPr lang="en-US" altLang="ko-KR" sz="1400"/>
-              <a:t>, </a:t>
-            </a:r>
-            <a:r>
-              <a:rPr lang="ko-KR" altLang="en-US" sz="1400"/>
-              <a:t>작성자</a:t>
-            </a:r>
-            <a:r>
-              <a:rPr lang="en-US" altLang="ko-KR" sz="1400"/>
-              <a:t>(</a:t>
-            </a:r>
-            <a:r>
-              <a:rPr lang="ko-KR" altLang="en-US" sz="1400"/>
-              <a:t>학번</a:t>
-            </a:r>
-            <a:r>
-              <a:rPr lang="en-US" altLang="ko-KR" sz="1400"/>
-              <a:t>+</a:t>
-            </a:r>
-            <a:r>
-              <a:rPr lang="ko-KR" altLang="en-US" sz="1400"/>
-              <a:t>이름</a:t>
-            </a:r>
-            <a:r>
-              <a:rPr lang="en-US" altLang="ko-KR" sz="1400"/>
-              <a:t>), </a:t>
-            </a:r>
-            <a:r>
-              <a:rPr lang="ko-KR" altLang="en-US" sz="1400"/>
-              <a:t>내용</a:t>
-            </a:r>
-            <a:r>
-              <a:rPr lang="en-US" altLang="ko-KR" sz="1400"/>
-              <a:t>, </a:t>
-            </a:r>
-            <a:r>
-              <a:rPr lang="ko-KR" altLang="en-US" sz="1400"/>
-              <a:t>작성일</a:t>
-            </a:r>
-            <a:r>
-              <a:rPr lang="en-US" altLang="ko-KR" sz="1400"/>
-              <a:t>, </a:t>
-            </a:r>
-            <a:r>
-              <a:rPr lang="ko-KR" altLang="en-US" sz="1400"/>
-              <a:t>댓글</a:t>
-            </a:r>
-            <a:r>
-              <a:rPr lang="en-US" altLang="ko-KR" sz="1400"/>
-              <a:t>, </a:t>
-            </a:r>
-            <a:r>
-              <a:rPr lang="ko-KR" altLang="en-US" sz="1400"/>
-              <a:t>조회수</a:t>
-            </a:r>
-            <a:r>
-              <a:rPr lang="en-US" altLang="ko-KR" sz="1400"/>
-              <a:t>)</a:t>
-            </a:r>
-          </a:p>
-          <a:p>
-            <a:r>
-              <a:rPr lang="en-US" altLang="ko-KR" sz="1400"/>
-              <a:t>- </a:t>
-            </a:r>
-            <a:r>
-              <a:rPr lang="ko-KR" altLang="en-US" sz="1400"/>
-              <a:t>댓글엔티티</a:t>
-            </a:r>
-            <a:r>
-              <a:rPr lang="en-US" altLang="ko-KR" sz="1400"/>
-              <a:t>(</a:t>
-            </a:r>
-            <a:r>
-              <a:rPr lang="ko-KR" altLang="en-US" sz="1400"/>
-              <a:t>게시판</a:t>
-            </a:r>
-            <a:r>
-              <a:rPr lang="en-US" altLang="ko-KR" sz="1400"/>
-              <a:t>id, </a:t>
-            </a:r>
-            <a:r>
-              <a:rPr lang="ko-KR" altLang="en-US" sz="1400"/>
-              <a:t>댓글</a:t>
-            </a:r>
-            <a:r>
-              <a:rPr lang="en-US" altLang="ko-KR" sz="1400"/>
-              <a:t>id, </a:t>
-            </a:r>
-            <a:r>
-              <a:rPr lang="ko-KR" altLang="en-US" sz="1400"/>
-              <a:t>댓글내용</a:t>
-            </a:r>
-            <a:r>
-              <a:rPr lang="en-US" altLang="ko-KR" sz="1400"/>
-              <a:t>, </a:t>
-            </a:r>
-            <a:r>
-              <a:rPr lang="ko-KR" altLang="en-US" sz="1400"/>
-              <a:t>작성자</a:t>
-            </a:r>
-            <a:r>
-              <a:rPr lang="en-US" altLang="ko-KR" sz="1400"/>
-              <a:t>(</a:t>
-            </a:r>
-            <a:r>
-              <a:rPr lang="ko-KR" altLang="en-US" sz="1400"/>
-              <a:t>학번</a:t>
-            </a:r>
-            <a:r>
-              <a:rPr lang="en-US" altLang="ko-KR" sz="1400"/>
-              <a:t>+</a:t>
-            </a:r>
-            <a:r>
-              <a:rPr lang="ko-KR" altLang="en-US" sz="1400"/>
-              <a:t>이름</a:t>
-            </a:r>
-            <a:r>
-              <a:rPr lang="en-US" altLang="ko-KR" sz="1400"/>
-              <a:t>), </a:t>
-            </a:r>
-            <a:r>
-              <a:rPr lang="ko-KR" altLang="en-US" sz="1400"/>
-              <a:t>작성일</a:t>
-            </a:r>
-            <a:r>
-              <a:rPr lang="en-US" altLang="ko-KR" sz="1400"/>
-              <a:t>, </a:t>
-            </a:r>
-            <a:r>
-              <a:rPr lang="ko-KR" altLang="en-US" sz="1400"/>
-              <a:t>게시글</a:t>
-            </a:r>
-            <a:r>
-              <a:rPr lang="en-US" altLang="ko-KR" sz="1400"/>
-              <a:t>id:f.k)</a:t>
-            </a:r>
-          </a:p>
-        </p:txBody>
-      </p:sp>
+              <a:rPr lang="en-US" altLang="ko-KR" sz="3200" b="1" dirty="0">
+                <a:solidFill>
+                  <a:schemeClr val="bg1"/>
+                </a:solidFill>
+              </a:rPr>
+              <a:t>Database (Lecture: CPP, MFC, Graphics, AR)</a:t>
+            </a:r>
+            <a:endParaRPr lang="ko-KR" altLang="en-US" sz="3200" b="1" dirty="0">
+              <a:solidFill>
+                <a:schemeClr val="bg1"/>
+              </a:solidFill>
+            </a:endParaRPr>
+          </a:p>
+        </p:txBody>
+      </p:sp>
+      <p:grpSp>
+        <p:nvGrpSpPr>
+          <p:cNvPr id="20" name="그룹 19">
+            <a:extLst>
+              <a:ext uri="{FF2B5EF4-FFF2-40B4-BE49-F238E27FC236}">
+                <a16:creationId xmlns:a16="http://schemas.microsoft.com/office/drawing/2014/main" id="{8B561F7B-575C-B6B4-99D1-3B3E85267FF6}"/>
+              </a:ext>
+            </a:extLst>
+          </p:cNvPr>
+          <p:cNvGrpSpPr/>
+          <p:nvPr/>
+        </p:nvGrpSpPr>
+        <p:grpSpPr>
+          <a:xfrm>
+            <a:off x="6599442" y="2185488"/>
+            <a:ext cx="4170522" cy="3594527"/>
+            <a:chOff x="1240377" y="1761688"/>
+            <a:chExt cx="4170522" cy="3594527"/>
+          </a:xfrm>
+        </p:grpSpPr>
+        <p:sp>
+          <p:nvSpPr>
+            <p:cNvPr id="21" name="직사각형 20">
+              <a:extLst>
+                <a:ext uri="{FF2B5EF4-FFF2-40B4-BE49-F238E27FC236}">
+                  <a16:creationId xmlns:a16="http://schemas.microsoft.com/office/drawing/2014/main" id="{05959908-411F-A708-E6E4-23481D13B6C4}"/>
+                </a:ext>
+              </a:extLst>
+            </p:cNvPr>
+            <p:cNvSpPr/>
+            <p:nvPr/>
+          </p:nvSpPr>
+          <p:spPr>
+            <a:xfrm>
+              <a:off x="1240377" y="2206570"/>
+              <a:ext cx="4170522" cy="3149645"/>
+            </a:xfrm>
+            <a:prstGeom prst="rect">
+              <a:avLst/>
+            </a:prstGeom>
+            <a:noFill/>
+            <a:ln w="38100">
+              <a:solidFill>
+                <a:schemeClr val="tx1"/>
+              </a:solidFill>
+            </a:ln>
+          </p:spPr>
+          <p:style>
+            <a:lnRef idx="2">
+              <a:schemeClr val="accent1">
+                <a:shade val="50000"/>
+              </a:schemeClr>
+            </a:lnRef>
+            <a:fillRef idx="1">
+              <a:schemeClr val="accent1"/>
+            </a:fillRef>
+            <a:effectRef idx="0">
+              <a:schemeClr val="accent1"/>
+            </a:effectRef>
+            <a:fontRef idx="minor">
+              <a:schemeClr val="lt1"/>
+            </a:fontRef>
+          </p:style>
+          <p:txBody>
+            <a:bodyPr rtlCol="0" anchor="t"/>
+            <a:lstStyle/>
+            <a:p>
+              <a:r>
+                <a:rPr lang="en-US" altLang="ko-KR" b="1" dirty="0">
+                  <a:solidFill>
+                    <a:schemeClr val="tx1"/>
+                  </a:solidFill>
+                </a:rPr>
+                <a:t>id		// PK,</a:t>
+              </a:r>
+              <a:r>
+                <a:rPr lang="ko-KR" altLang="en-US" b="1" dirty="0">
+                  <a:solidFill>
+                    <a:schemeClr val="tx1"/>
+                  </a:solidFill>
+                </a:rPr>
+                <a:t> 글 아이디</a:t>
+              </a:r>
+              <a:endParaRPr lang="en-US" altLang="ko-KR" b="1" dirty="0">
+                <a:solidFill>
+                  <a:schemeClr val="tx1"/>
+                </a:solidFill>
+              </a:endParaRPr>
+            </a:p>
+            <a:p>
+              <a:r>
+                <a:rPr lang="en-US" altLang="ko-KR" b="1" dirty="0">
+                  <a:solidFill>
+                    <a:schemeClr val="tx1"/>
+                  </a:solidFill>
+                </a:rPr>
+                <a:t>title		// </a:t>
+              </a:r>
+              <a:r>
+                <a:rPr lang="ko-KR" altLang="en-US" b="1" dirty="0">
+                  <a:solidFill>
+                    <a:schemeClr val="tx1"/>
+                  </a:solidFill>
+                </a:rPr>
+                <a:t>글 제목</a:t>
+              </a:r>
+              <a:endParaRPr lang="en-US" altLang="ko-KR" b="1" dirty="0">
+                <a:solidFill>
+                  <a:schemeClr val="tx1"/>
+                </a:solidFill>
+              </a:endParaRPr>
+            </a:p>
+            <a:p>
+              <a:r>
+                <a:rPr lang="en-US" altLang="ko-KR" b="1" dirty="0">
+                  <a:solidFill>
+                    <a:schemeClr val="tx1"/>
+                  </a:solidFill>
+                </a:rPr>
+                <a:t>content		// </a:t>
+              </a:r>
+              <a:r>
+                <a:rPr lang="ko-KR" altLang="en-US" b="1" dirty="0">
+                  <a:solidFill>
+                    <a:schemeClr val="tx1"/>
+                  </a:solidFill>
+                </a:rPr>
+                <a:t>글 내용</a:t>
+              </a:r>
+              <a:endParaRPr lang="en-US" altLang="ko-KR" b="1" dirty="0">
+                <a:solidFill>
+                  <a:schemeClr val="tx1"/>
+                </a:solidFill>
+              </a:endParaRPr>
+            </a:p>
+            <a:p>
+              <a:r>
+                <a:rPr lang="en-US" altLang="ko-KR" b="1" dirty="0">
+                  <a:solidFill>
+                    <a:schemeClr val="tx1"/>
+                  </a:solidFill>
+                </a:rPr>
+                <a:t>data		//</a:t>
+              </a:r>
+              <a:r>
+                <a:rPr lang="ko-KR" altLang="en-US" b="1" dirty="0">
+                  <a:solidFill>
+                    <a:schemeClr val="tx1"/>
+                  </a:solidFill>
+                </a:rPr>
+                <a:t> 첨부파일</a:t>
+              </a:r>
+              <a:endParaRPr lang="en-US" altLang="ko-KR" b="1" dirty="0">
+                <a:solidFill>
+                  <a:schemeClr val="tx1"/>
+                </a:solidFill>
+              </a:endParaRPr>
+            </a:p>
+            <a:p>
+              <a:r>
+                <a:rPr lang="en-US" altLang="ko-KR" b="1" dirty="0">
+                  <a:solidFill>
+                    <a:schemeClr val="tx1"/>
+                  </a:solidFill>
+                </a:rPr>
+                <a:t>hits		// </a:t>
+              </a:r>
+              <a:r>
+                <a:rPr lang="ko-KR" altLang="en-US" b="1" dirty="0">
+                  <a:solidFill>
+                    <a:schemeClr val="tx1"/>
+                  </a:solidFill>
+                </a:rPr>
+                <a:t>조회수</a:t>
+              </a:r>
+              <a:endParaRPr lang="en-US" altLang="ko-KR" b="1" dirty="0">
+                <a:solidFill>
+                  <a:schemeClr val="tx1"/>
+                </a:solidFill>
+              </a:endParaRPr>
+            </a:p>
+            <a:p>
+              <a:r>
+                <a:rPr lang="en-US" altLang="ko-KR" b="1" dirty="0" err="1">
+                  <a:solidFill>
+                    <a:schemeClr val="tx1"/>
+                  </a:solidFill>
+                </a:rPr>
+                <a:t>reg_date</a:t>
+              </a:r>
+              <a:r>
+                <a:rPr lang="en-US" altLang="ko-KR" b="1" dirty="0">
+                  <a:solidFill>
+                    <a:schemeClr val="tx1"/>
+                  </a:solidFill>
+                </a:rPr>
+                <a:t>	// </a:t>
+              </a:r>
+              <a:r>
+                <a:rPr lang="ko-KR" altLang="en-US" b="1" dirty="0">
+                  <a:solidFill>
+                    <a:schemeClr val="tx1"/>
+                  </a:solidFill>
+                </a:rPr>
+                <a:t>작성일</a:t>
+              </a:r>
+              <a:endParaRPr lang="en-US" altLang="ko-KR" b="1" dirty="0">
+                <a:solidFill>
+                  <a:schemeClr val="tx1"/>
+                </a:solidFill>
+              </a:endParaRPr>
+            </a:p>
+            <a:p>
+              <a:r>
+                <a:rPr lang="en-US" altLang="ko-KR" b="1" dirty="0" err="1">
+                  <a:solidFill>
+                    <a:schemeClr val="tx1"/>
+                  </a:solidFill>
+                </a:rPr>
+                <a:t>mod_date</a:t>
+              </a:r>
+              <a:r>
+                <a:rPr lang="en-US" altLang="ko-KR" b="1" dirty="0">
+                  <a:solidFill>
+                    <a:schemeClr val="tx1"/>
+                  </a:solidFill>
+                </a:rPr>
+                <a:t>	// </a:t>
+              </a:r>
+              <a:r>
+                <a:rPr lang="ko-KR" altLang="en-US" b="1" dirty="0">
+                  <a:solidFill>
+                    <a:schemeClr val="tx1"/>
+                  </a:solidFill>
+                </a:rPr>
+                <a:t>수정일</a:t>
+              </a:r>
+              <a:endParaRPr lang="en-US" altLang="ko-KR" b="1" dirty="0">
+                <a:solidFill>
+                  <a:schemeClr val="tx1"/>
+                </a:solidFill>
+              </a:endParaRPr>
+            </a:p>
+            <a:p>
+              <a:r>
+                <a:rPr lang="en-US" altLang="ko-KR" b="1" dirty="0">
+                  <a:solidFill>
+                    <a:schemeClr val="tx1"/>
+                  </a:solidFill>
+                </a:rPr>
+                <a:t>author		// </a:t>
+              </a:r>
+              <a:r>
+                <a:rPr lang="ko-KR" altLang="en-US" b="1" dirty="0">
+                  <a:solidFill>
+                    <a:schemeClr val="tx1"/>
+                  </a:solidFill>
+                </a:rPr>
+                <a:t>작성자</a:t>
+              </a:r>
+              <a:endParaRPr lang="en-US" altLang="ko-KR" b="1" dirty="0">
+                <a:solidFill>
+                  <a:schemeClr val="tx1"/>
+                </a:solidFill>
+              </a:endParaRPr>
+            </a:p>
+            <a:p>
+              <a:endParaRPr lang="en-US" altLang="ko-KR" b="1" dirty="0">
+                <a:solidFill>
+                  <a:schemeClr val="tx1"/>
+                </a:solidFill>
+              </a:endParaRPr>
+            </a:p>
+            <a:p>
+              <a:r>
+                <a:rPr lang="en-US" altLang="ko-KR" b="1" dirty="0" err="1">
+                  <a:solidFill>
+                    <a:schemeClr val="tx1"/>
+                  </a:solidFill>
+                </a:rPr>
+                <a:t>lecture_id</a:t>
+              </a:r>
+              <a:r>
+                <a:rPr lang="en-US" altLang="ko-KR" b="1" dirty="0">
+                  <a:solidFill>
+                    <a:schemeClr val="tx1"/>
+                  </a:solidFill>
+                </a:rPr>
+                <a:t>	// FK, </a:t>
+              </a:r>
+              <a:r>
+                <a:rPr lang="ko-KR" altLang="en-US" b="1" dirty="0">
+                  <a:solidFill>
+                    <a:schemeClr val="tx1"/>
+                  </a:solidFill>
+                </a:rPr>
+                <a:t>학수번호</a:t>
+              </a:r>
+              <a:endParaRPr lang="en-US" altLang="ko-KR" b="1" dirty="0">
+                <a:solidFill>
+                  <a:schemeClr val="tx1"/>
+                </a:solidFill>
+              </a:endParaRPr>
+            </a:p>
+            <a:p>
+              <a:r>
+                <a:rPr lang="en-US" altLang="ko-KR" b="1" dirty="0" err="1">
+                  <a:solidFill>
+                    <a:schemeClr val="tx1"/>
+                  </a:solidFill>
+                </a:rPr>
+                <a:t>lecture_year</a:t>
+              </a:r>
+              <a:r>
+                <a:rPr lang="en-US" altLang="ko-KR" b="1" dirty="0">
+                  <a:solidFill>
+                    <a:schemeClr val="tx1"/>
+                  </a:solidFill>
+                </a:rPr>
+                <a:t>	// FK, </a:t>
+              </a:r>
+              <a:r>
+                <a:rPr lang="ko-KR" altLang="en-US" b="1" dirty="0">
+                  <a:solidFill>
+                    <a:schemeClr val="tx1"/>
+                  </a:solidFill>
+                </a:rPr>
+                <a:t>수업연도</a:t>
+              </a:r>
+              <a:endParaRPr lang="en-US" altLang="ko-KR" b="1" dirty="0">
+                <a:solidFill>
+                  <a:schemeClr val="tx1"/>
+                </a:solidFill>
+              </a:endParaRPr>
+            </a:p>
+          </p:txBody>
+        </p:sp>
+        <p:sp>
+          <p:nvSpPr>
+            <p:cNvPr id="22" name="직사각형 21">
+              <a:extLst>
+                <a:ext uri="{FF2B5EF4-FFF2-40B4-BE49-F238E27FC236}">
+                  <a16:creationId xmlns:a16="http://schemas.microsoft.com/office/drawing/2014/main" id="{3ACE2569-F7BC-5702-2869-A7D3336FA9A8}"/>
+                </a:ext>
+              </a:extLst>
+            </p:cNvPr>
+            <p:cNvSpPr/>
+            <p:nvPr/>
+          </p:nvSpPr>
+          <p:spPr>
+            <a:xfrm>
+              <a:off x="1240377" y="1761688"/>
+              <a:ext cx="4170522" cy="444881"/>
+            </a:xfrm>
+            <a:prstGeom prst="rect">
+              <a:avLst/>
+            </a:prstGeom>
+            <a:noFill/>
+            <a:ln w="38100">
+              <a:solidFill>
+                <a:schemeClr val="tx1"/>
+              </a:solidFill>
+            </a:ln>
+          </p:spPr>
+          <p:style>
+            <a:lnRef idx="2">
+              <a:schemeClr val="accent1">
+                <a:shade val="50000"/>
+              </a:schemeClr>
+            </a:lnRef>
+            <a:fillRef idx="1">
+              <a:schemeClr val="accent1"/>
+            </a:fillRef>
+            <a:effectRef idx="0">
+              <a:schemeClr val="accent1"/>
+            </a:effectRef>
+            <a:fontRef idx="minor">
+              <a:schemeClr val="lt1"/>
+            </a:fontRef>
+          </p:style>
+          <p:txBody>
+            <a:bodyPr rtlCol="0" anchor="ctr"/>
+            <a:lstStyle/>
+            <a:p>
+              <a:pPr algn="ctr"/>
+              <a:r>
+                <a:rPr lang="en-US" altLang="ko-KR" b="1" dirty="0" err="1">
+                  <a:solidFill>
+                    <a:schemeClr val="tx1"/>
+                  </a:solidFill>
+                </a:rPr>
+                <a:t>cpp_presentation_board</a:t>
+              </a:r>
+              <a:endParaRPr lang="ko-KR" altLang="en-US" b="1" dirty="0">
+                <a:solidFill>
+                  <a:schemeClr val="tx1"/>
+                </a:solidFill>
+              </a:endParaRPr>
+            </a:p>
+          </p:txBody>
+        </p:sp>
+      </p:grpSp>
+      <p:sp>
+        <p:nvSpPr>
+          <p:cNvPr id="23" name="직사각형 22">
+            <a:extLst>
+              <a:ext uri="{FF2B5EF4-FFF2-40B4-BE49-F238E27FC236}">
+                <a16:creationId xmlns:a16="http://schemas.microsoft.com/office/drawing/2014/main" id="{46EBE17A-6E0F-D631-BAF5-1616B11BD432}"/>
+              </a:ext>
+            </a:extLst>
+          </p:cNvPr>
+          <p:cNvSpPr/>
+          <p:nvPr/>
+        </p:nvSpPr>
+        <p:spPr>
+          <a:xfrm>
+            <a:off x="1422036" y="1367250"/>
+            <a:ext cx="4170522" cy="444881"/>
+          </a:xfrm>
+          <a:prstGeom prst="rect">
+            <a:avLst/>
+          </a:prstGeom>
+          <a:noFill/>
+          <a:ln w="38100">
+            <a:solidFill>
+              <a:schemeClr val="tx1"/>
+            </a:solidFill>
+          </a:ln>
+        </p:spPr>
+        <p:style>
+          <a:lnRef idx="2">
+            <a:schemeClr val="accent1">
+              <a:shade val="50000"/>
+            </a:schemeClr>
+          </a:lnRef>
+          <a:fillRef idx="1">
+            <a:schemeClr val="accent1"/>
+          </a:fillRef>
+          <a:effectRef idx="0">
+            <a:schemeClr val="accent1"/>
+          </a:effectRef>
+          <a:fontRef idx="minor">
+            <a:schemeClr val="lt1"/>
+          </a:fontRef>
+        </p:style>
+        <p:txBody>
+          <a:bodyPr rtlCol="0" anchor="ctr"/>
+          <a:lstStyle/>
+          <a:p>
+            <a:pPr algn="ctr"/>
+            <a:r>
+              <a:rPr lang="ko-KR" altLang="en-US" b="1" dirty="0">
+                <a:solidFill>
+                  <a:schemeClr val="tx1"/>
+                </a:solidFill>
+              </a:rPr>
+              <a:t>자료 게시판</a:t>
+            </a:r>
+          </a:p>
+        </p:txBody>
+      </p:sp>
+      <p:sp>
+        <p:nvSpPr>
+          <p:cNvPr id="24" name="직사각형 23">
+            <a:extLst>
+              <a:ext uri="{FF2B5EF4-FFF2-40B4-BE49-F238E27FC236}">
+                <a16:creationId xmlns:a16="http://schemas.microsoft.com/office/drawing/2014/main" id="{D5604993-C9B4-A516-987F-B59249853D0E}"/>
+              </a:ext>
+            </a:extLst>
+          </p:cNvPr>
+          <p:cNvSpPr/>
+          <p:nvPr/>
+        </p:nvSpPr>
+        <p:spPr>
+          <a:xfrm>
+            <a:off x="6599442" y="1367250"/>
+            <a:ext cx="4170522" cy="444881"/>
+          </a:xfrm>
+          <a:prstGeom prst="rect">
+            <a:avLst/>
+          </a:prstGeom>
+          <a:noFill/>
+          <a:ln w="38100">
+            <a:solidFill>
+              <a:schemeClr val="tx1"/>
+            </a:solidFill>
+          </a:ln>
+        </p:spPr>
+        <p:style>
+          <a:lnRef idx="2">
+            <a:schemeClr val="accent1">
+              <a:shade val="50000"/>
+            </a:schemeClr>
+          </a:lnRef>
+          <a:fillRef idx="1">
+            <a:schemeClr val="accent1"/>
+          </a:fillRef>
+          <a:effectRef idx="0">
+            <a:schemeClr val="accent1"/>
+          </a:effectRef>
+          <a:fontRef idx="minor">
+            <a:schemeClr val="lt1"/>
+          </a:fontRef>
+        </p:style>
+        <p:txBody>
+          <a:bodyPr rtlCol="0" anchor="ctr"/>
+          <a:lstStyle/>
+          <a:p>
+            <a:pPr algn="ctr"/>
+            <a:r>
+              <a:rPr lang="ko-KR" altLang="en-US" b="1" dirty="0">
+                <a:solidFill>
+                  <a:schemeClr val="tx1"/>
+                </a:solidFill>
+              </a:rPr>
+              <a:t>발표 게시판</a:t>
+            </a:r>
+          </a:p>
+        </p:txBody>
+      </p:sp>
+      <p:grpSp>
+        <p:nvGrpSpPr>
+          <p:cNvPr id="26" name="그룹 25">
+            <a:extLst>
+              <a:ext uri="{FF2B5EF4-FFF2-40B4-BE49-F238E27FC236}">
+                <a16:creationId xmlns:a16="http://schemas.microsoft.com/office/drawing/2014/main" id="{E33BFF37-BAC6-E308-6F78-D61E9E9011B3}"/>
+              </a:ext>
+            </a:extLst>
+          </p:cNvPr>
+          <p:cNvGrpSpPr/>
+          <p:nvPr/>
+        </p:nvGrpSpPr>
+        <p:grpSpPr>
+          <a:xfrm>
+            <a:off x="1422036" y="2185488"/>
+            <a:ext cx="4173113" cy="3594527"/>
+            <a:chOff x="1422036" y="2185488"/>
+            <a:chExt cx="4173113" cy="3594527"/>
+          </a:xfrm>
+        </p:grpSpPr>
+        <p:sp>
+          <p:nvSpPr>
+            <p:cNvPr id="16" name="직사각형 15">
+              <a:extLst>
+                <a:ext uri="{FF2B5EF4-FFF2-40B4-BE49-F238E27FC236}">
+                  <a16:creationId xmlns:a16="http://schemas.microsoft.com/office/drawing/2014/main" id="{9BE6BB27-AE45-4EC2-9EE9-19AFA2484D9D}"/>
+                </a:ext>
+              </a:extLst>
+            </p:cNvPr>
+            <p:cNvSpPr/>
+            <p:nvPr/>
+          </p:nvSpPr>
+          <p:spPr>
+            <a:xfrm>
+              <a:off x="1422036" y="2185488"/>
+              <a:ext cx="4170522" cy="444881"/>
+            </a:xfrm>
+            <a:prstGeom prst="rect">
+              <a:avLst/>
+            </a:prstGeom>
+            <a:noFill/>
+            <a:ln w="38100">
+              <a:solidFill>
+                <a:schemeClr val="tx1"/>
+              </a:solidFill>
+            </a:ln>
+          </p:spPr>
+          <p:style>
+            <a:lnRef idx="2">
+              <a:schemeClr val="accent1">
+                <a:shade val="50000"/>
+              </a:schemeClr>
+            </a:lnRef>
+            <a:fillRef idx="1">
+              <a:schemeClr val="accent1"/>
+            </a:fillRef>
+            <a:effectRef idx="0">
+              <a:schemeClr val="accent1"/>
+            </a:effectRef>
+            <a:fontRef idx="minor">
+              <a:schemeClr val="lt1"/>
+            </a:fontRef>
+          </p:style>
+          <p:txBody>
+            <a:bodyPr rtlCol="0" anchor="ctr"/>
+            <a:lstStyle/>
+            <a:p>
+              <a:pPr algn="ctr"/>
+              <a:r>
+                <a:rPr lang="en-US" altLang="ko-KR" b="1" dirty="0" err="1">
+                  <a:solidFill>
+                    <a:schemeClr val="tx1"/>
+                  </a:solidFill>
+                </a:rPr>
+                <a:t>cpp_data_board</a:t>
+              </a:r>
+              <a:endParaRPr lang="ko-KR" altLang="en-US" b="1" dirty="0">
+                <a:solidFill>
+                  <a:schemeClr val="tx1"/>
+                </a:solidFill>
+              </a:endParaRPr>
+            </a:p>
+          </p:txBody>
+        </p:sp>
+        <p:sp>
+          <p:nvSpPr>
+            <p:cNvPr id="25" name="직사각형 24">
+              <a:extLst>
+                <a:ext uri="{FF2B5EF4-FFF2-40B4-BE49-F238E27FC236}">
+                  <a16:creationId xmlns:a16="http://schemas.microsoft.com/office/drawing/2014/main" id="{534778F8-0AB4-2EED-2A18-F1BA2833234F}"/>
+                </a:ext>
+              </a:extLst>
+            </p:cNvPr>
+            <p:cNvSpPr/>
+            <p:nvPr/>
+          </p:nvSpPr>
+          <p:spPr>
+            <a:xfrm>
+              <a:off x="1424627" y="2630370"/>
+              <a:ext cx="4170522" cy="3149645"/>
+            </a:xfrm>
+            <a:prstGeom prst="rect">
+              <a:avLst/>
+            </a:prstGeom>
+            <a:noFill/>
+            <a:ln w="38100">
+              <a:solidFill>
+                <a:schemeClr val="tx1"/>
+              </a:solidFill>
+            </a:ln>
+          </p:spPr>
+          <p:style>
+            <a:lnRef idx="2">
+              <a:schemeClr val="accent1">
+                <a:shade val="50000"/>
+              </a:schemeClr>
+            </a:lnRef>
+            <a:fillRef idx="1">
+              <a:schemeClr val="accent1"/>
+            </a:fillRef>
+            <a:effectRef idx="0">
+              <a:schemeClr val="accent1"/>
+            </a:effectRef>
+            <a:fontRef idx="minor">
+              <a:schemeClr val="lt1"/>
+            </a:fontRef>
+          </p:style>
+          <p:txBody>
+            <a:bodyPr rtlCol="0" anchor="t"/>
+            <a:lstStyle/>
+            <a:p>
+              <a:r>
+                <a:rPr lang="en-US" altLang="ko-KR" b="1" dirty="0">
+                  <a:solidFill>
+                    <a:schemeClr val="tx1"/>
+                  </a:solidFill>
+                </a:rPr>
+                <a:t>id		// PK,</a:t>
+              </a:r>
+              <a:r>
+                <a:rPr lang="ko-KR" altLang="en-US" b="1" dirty="0">
+                  <a:solidFill>
+                    <a:schemeClr val="tx1"/>
+                  </a:solidFill>
+                </a:rPr>
+                <a:t> 글 아이디</a:t>
+              </a:r>
+              <a:endParaRPr lang="en-US" altLang="ko-KR" b="1" dirty="0">
+                <a:solidFill>
+                  <a:schemeClr val="tx1"/>
+                </a:solidFill>
+              </a:endParaRPr>
+            </a:p>
+            <a:p>
+              <a:r>
+                <a:rPr lang="en-US" altLang="ko-KR" b="1" dirty="0">
+                  <a:solidFill>
+                    <a:schemeClr val="tx1"/>
+                  </a:solidFill>
+                </a:rPr>
+                <a:t>title		// </a:t>
+              </a:r>
+              <a:r>
+                <a:rPr lang="ko-KR" altLang="en-US" b="1" dirty="0">
+                  <a:solidFill>
+                    <a:schemeClr val="tx1"/>
+                  </a:solidFill>
+                </a:rPr>
+                <a:t>글 제목</a:t>
+              </a:r>
+              <a:endParaRPr lang="en-US" altLang="ko-KR" b="1" dirty="0">
+                <a:solidFill>
+                  <a:schemeClr val="tx1"/>
+                </a:solidFill>
+              </a:endParaRPr>
+            </a:p>
+            <a:p>
+              <a:r>
+                <a:rPr lang="en-US" altLang="ko-KR" b="1" dirty="0">
+                  <a:solidFill>
+                    <a:schemeClr val="tx1"/>
+                  </a:solidFill>
+                </a:rPr>
+                <a:t>content		// </a:t>
+              </a:r>
+              <a:r>
+                <a:rPr lang="ko-KR" altLang="en-US" b="1" dirty="0">
+                  <a:solidFill>
+                    <a:schemeClr val="tx1"/>
+                  </a:solidFill>
+                </a:rPr>
+                <a:t>글 내용</a:t>
+              </a:r>
+              <a:endParaRPr lang="en-US" altLang="ko-KR" b="1" dirty="0">
+                <a:solidFill>
+                  <a:schemeClr val="tx1"/>
+                </a:solidFill>
+              </a:endParaRPr>
+            </a:p>
+            <a:p>
+              <a:r>
+                <a:rPr lang="en-US" altLang="ko-KR" b="1" dirty="0">
+                  <a:solidFill>
+                    <a:schemeClr val="tx1"/>
+                  </a:solidFill>
+                </a:rPr>
+                <a:t>data		//</a:t>
+              </a:r>
+              <a:r>
+                <a:rPr lang="ko-KR" altLang="en-US" b="1" dirty="0">
+                  <a:solidFill>
+                    <a:schemeClr val="tx1"/>
+                  </a:solidFill>
+                </a:rPr>
+                <a:t> 첨부파일</a:t>
+              </a:r>
+              <a:endParaRPr lang="en-US" altLang="ko-KR" b="1" dirty="0">
+                <a:solidFill>
+                  <a:schemeClr val="tx1"/>
+                </a:solidFill>
+              </a:endParaRPr>
+            </a:p>
+            <a:p>
+              <a:r>
+                <a:rPr lang="en-US" altLang="ko-KR" b="1" dirty="0">
+                  <a:solidFill>
+                    <a:schemeClr val="tx1"/>
+                  </a:solidFill>
+                </a:rPr>
+                <a:t>hits		// </a:t>
+              </a:r>
+              <a:r>
+                <a:rPr lang="ko-KR" altLang="en-US" b="1" dirty="0">
+                  <a:solidFill>
+                    <a:schemeClr val="tx1"/>
+                  </a:solidFill>
+                </a:rPr>
+                <a:t>조회수</a:t>
+              </a:r>
+              <a:endParaRPr lang="en-US" altLang="ko-KR" b="1" dirty="0">
+                <a:solidFill>
+                  <a:schemeClr val="tx1"/>
+                </a:solidFill>
+              </a:endParaRPr>
+            </a:p>
+            <a:p>
+              <a:r>
+                <a:rPr lang="en-US" altLang="ko-KR" b="1" dirty="0" err="1">
+                  <a:solidFill>
+                    <a:schemeClr val="tx1"/>
+                  </a:solidFill>
+                </a:rPr>
+                <a:t>reg_date</a:t>
+              </a:r>
+              <a:r>
+                <a:rPr lang="en-US" altLang="ko-KR" b="1" dirty="0">
+                  <a:solidFill>
+                    <a:schemeClr val="tx1"/>
+                  </a:solidFill>
+                </a:rPr>
+                <a:t>	// </a:t>
+              </a:r>
+              <a:r>
+                <a:rPr lang="ko-KR" altLang="en-US" b="1" dirty="0">
+                  <a:solidFill>
+                    <a:schemeClr val="tx1"/>
+                  </a:solidFill>
+                </a:rPr>
+                <a:t>작성일</a:t>
+              </a:r>
+              <a:endParaRPr lang="en-US" altLang="ko-KR" b="1" dirty="0">
+                <a:solidFill>
+                  <a:schemeClr val="tx1"/>
+                </a:solidFill>
+              </a:endParaRPr>
+            </a:p>
+            <a:p>
+              <a:r>
+                <a:rPr lang="en-US" altLang="ko-KR" b="1" dirty="0" err="1">
+                  <a:solidFill>
+                    <a:schemeClr val="tx1"/>
+                  </a:solidFill>
+                </a:rPr>
+                <a:t>mod_date</a:t>
+              </a:r>
+              <a:r>
+                <a:rPr lang="en-US" altLang="ko-KR" b="1" dirty="0">
+                  <a:solidFill>
+                    <a:schemeClr val="tx1"/>
+                  </a:solidFill>
+                </a:rPr>
+                <a:t>	// </a:t>
+              </a:r>
+              <a:r>
+                <a:rPr lang="ko-KR" altLang="en-US" b="1" dirty="0">
+                  <a:solidFill>
+                    <a:schemeClr val="tx1"/>
+                  </a:solidFill>
+                </a:rPr>
+                <a:t>수정일</a:t>
+              </a:r>
+              <a:endParaRPr lang="en-US" altLang="ko-KR" b="1" dirty="0">
+                <a:solidFill>
+                  <a:schemeClr val="tx1"/>
+                </a:solidFill>
+              </a:endParaRPr>
+            </a:p>
+            <a:p>
+              <a:r>
+                <a:rPr lang="en-US" altLang="ko-KR" b="1" dirty="0">
+                  <a:solidFill>
+                    <a:schemeClr val="tx1"/>
+                  </a:solidFill>
+                </a:rPr>
+                <a:t>author		// </a:t>
+              </a:r>
+              <a:r>
+                <a:rPr lang="ko-KR" altLang="en-US" b="1" dirty="0">
+                  <a:solidFill>
+                    <a:schemeClr val="tx1"/>
+                  </a:solidFill>
+                </a:rPr>
+                <a:t>작성자</a:t>
+              </a:r>
+              <a:endParaRPr lang="en-US" altLang="ko-KR" b="1" dirty="0">
+                <a:solidFill>
+                  <a:schemeClr val="tx1"/>
+                </a:solidFill>
+              </a:endParaRPr>
+            </a:p>
+            <a:p>
+              <a:endParaRPr lang="en-US" altLang="ko-KR" b="1" dirty="0">
+                <a:solidFill>
+                  <a:schemeClr val="tx1"/>
+                </a:solidFill>
+              </a:endParaRPr>
+            </a:p>
+            <a:p>
+              <a:r>
+                <a:rPr lang="en-US" altLang="ko-KR" b="1" dirty="0" err="1">
+                  <a:solidFill>
+                    <a:schemeClr val="tx1"/>
+                  </a:solidFill>
+                </a:rPr>
+                <a:t>lecture_id</a:t>
+              </a:r>
+              <a:r>
+                <a:rPr lang="en-US" altLang="ko-KR" b="1" dirty="0">
+                  <a:solidFill>
+                    <a:schemeClr val="tx1"/>
+                  </a:solidFill>
+                </a:rPr>
+                <a:t>	// FK, </a:t>
+              </a:r>
+              <a:r>
+                <a:rPr lang="ko-KR" altLang="en-US" b="1" dirty="0">
+                  <a:solidFill>
+                    <a:schemeClr val="tx1"/>
+                  </a:solidFill>
+                </a:rPr>
+                <a:t>학수번호</a:t>
+              </a:r>
+              <a:endParaRPr lang="en-US" altLang="ko-KR" b="1" dirty="0">
+                <a:solidFill>
+                  <a:schemeClr val="tx1"/>
+                </a:solidFill>
+              </a:endParaRPr>
+            </a:p>
+            <a:p>
+              <a:r>
+                <a:rPr lang="en-US" altLang="ko-KR" b="1" dirty="0" err="1">
+                  <a:solidFill>
+                    <a:schemeClr val="tx1"/>
+                  </a:solidFill>
+                </a:rPr>
+                <a:t>lecture_year</a:t>
+              </a:r>
+              <a:r>
+                <a:rPr lang="en-US" altLang="ko-KR" b="1" dirty="0">
+                  <a:solidFill>
+                    <a:schemeClr val="tx1"/>
+                  </a:solidFill>
+                </a:rPr>
+                <a:t>	// FK, </a:t>
+              </a:r>
+              <a:r>
+                <a:rPr lang="ko-KR" altLang="en-US" b="1" dirty="0">
+                  <a:solidFill>
+                    <a:schemeClr val="tx1"/>
+                  </a:solidFill>
+                </a:rPr>
+                <a:t>수업연도</a:t>
+              </a:r>
+              <a:endParaRPr lang="en-US" altLang="ko-KR" b="1" dirty="0">
+                <a:solidFill>
+                  <a:schemeClr val="tx1"/>
+                </a:solidFill>
+              </a:endParaRPr>
+            </a:p>
+          </p:txBody>
+        </p:sp>
+      </p:grpSp>
     </p:spTree>
     <p:extLst>
       <p:ext uri="{BB962C8B-B14F-4D97-AF65-F5344CB8AC3E}">
-        <p14:creationId xmlns:p14="http://schemas.microsoft.com/office/powerpoint/2010/main" val="434875439"/>
+        <p14:creationId xmlns:p14="http://schemas.microsoft.com/office/powerpoint/2010/main" val="1541351112"/>
+      </p:ext>
+    </p:extLst>
+  </p:cSld>
+  <p:clrMapOvr>
+    <a:masterClrMapping/>
+  </p:clrMapOvr>
+</p:sld>
+</file>
+
+<file path=ppt/slides/slide26.xml><?xml version="1.0" encoding="utf-8"?>
+<p:sld xmlns:a="http://schemas.openxmlformats.org/drawingml/2006/main" xmlns:r="http://schemas.openxmlformats.org/officeDocument/2006/relationships" xmlns:p="http://schemas.openxmlformats.org/presentationml/2006/main">
+  <p:cSld>
+    <p:spTree>
+      <p:nvGrpSpPr>
+        <p:cNvPr id="1" name=""/>
+        <p:cNvGrpSpPr/>
+        <p:nvPr/>
+      </p:nvGrpSpPr>
+      <p:grpSpPr>
+        <a:xfrm>
+          <a:off x="0" y="0"/>
+          <a:ext cx="0" cy="0"/>
+          <a:chOff x="0" y="0"/>
+          <a:chExt cx="0" cy="0"/>
+        </a:xfrm>
+      </p:grpSpPr>
+      <p:sp>
+        <p:nvSpPr>
+          <p:cNvPr id="6" name="TextBox 5">
+            <a:extLst>
+              <a:ext uri="{FF2B5EF4-FFF2-40B4-BE49-F238E27FC236}">
+                <a16:creationId xmlns:a16="http://schemas.microsoft.com/office/drawing/2014/main" id="{F204C529-3208-C800-5178-EA5E6B6187AB}"/>
+              </a:ext>
+            </a:extLst>
+          </p:cNvPr>
+          <p:cNvSpPr txBox="1"/>
+          <p:nvPr/>
+        </p:nvSpPr>
+        <p:spPr>
+          <a:xfrm>
+            <a:off x="0" y="0"/>
+            <a:ext cx="12192000" cy="584775"/>
+          </a:xfrm>
+          <a:prstGeom prst="rect">
+            <a:avLst/>
+          </a:prstGeom>
+          <a:solidFill>
+            <a:schemeClr val="tx1"/>
+          </a:solidFill>
+        </p:spPr>
+        <p:txBody>
+          <a:bodyPr wrap="square" rtlCol="0">
+            <a:spAutoFit/>
+          </a:bodyPr>
+          <a:lstStyle/>
+          <a:p>
+            <a:r>
+              <a:rPr lang="en-US" altLang="ko-KR" sz="3200" b="1" dirty="0">
+                <a:solidFill>
+                  <a:schemeClr val="bg1"/>
+                </a:solidFill>
+              </a:rPr>
+              <a:t>Database (Lecture: CPP, MFC, Graphics, AR)</a:t>
+            </a:r>
+            <a:endParaRPr lang="ko-KR" altLang="en-US" sz="3200" b="1" dirty="0">
+              <a:solidFill>
+                <a:schemeClr val="bg1"/>
+              </a:solidFill>
+            </a:endParaRPr>
+          </a:p>
+        </p:txBody>
+      </p:sp>
+      <p:grpSp>
+        <p:nvGrpSpPr>
+          <p:cNvPr id="20" name="그룹 19">
+            <a:extLst>
+              <a:ext uri="{FF2B5EF4-FFF2-40B4-BE49-F238E27FC236}">
+                <a16:creationId xmlns:a16="http://schemas.microsoft.com/office/drawing/2014/main" id="{8B561F7B-575C-B6B4-99D1-3B3E85267FF6}"/>
+              </a:ext>
+            </a:extLst>
+          </p:cNvPr>
+          <p:cNvGrpSpPr/>
+          <p:nvPr/>
+        </p:nvGrpSpPr>
+        <p:grpSpPr>
+          <a:xfrm>
+            <a:off x="6599442" y="2185488"/>
+            <a:ext cx="4170522" cy="3594527"/>
+            <a:chOff x="1240377" y="1761688"/>
+            <a:chExt cx="4170522" cy="3594527"/>
+          </a:xfrm>
+        </p:grpSpPr>
+        <p:sp>
+          <p:nvSpPr>
+            <p:cNvPr id="21" name="직사각형 20">
+              <a:extLst>
+                <a:ext uri="{FF2B5EF4-FFF2-40B4-BE49-F238E27FC236}">
+                  <a16:creationId xmlns:a16="http://schemas.microsoft.com/office/drawing/2014/main" id="{05959908-411F-A708-E6E4-23481D13B6C4}"/>
+                </a:ext>
+              </a:extLst>
+            </p:cNvPr>
+            <p:cNvSpPr/>
+            <p:nvPr/>
+          </p:nvSpPr>
+          <p:spPr>
+            <a:xfrm>
+              <a:off x="1240377" y="2206570"/>
+              <a:ext cx="4170522" cy="3149645"/>
+            </a:xfrm>
+            <a:prstGeom prst="rect">
+              <a:avLst/>
+            </a:prstGeom>
+            <a:noFill/>
+            <a:ln w="38100">
+              <a:solidFill>
+                <a:schemeClr val="tx1"/>
+              </a:solidFill>
+            </a:ln>
+          </p:spPr>
+          <p:style>
+            <a:lnRef idx="2">
+              <a:schemeClr val="accent1">
+                <a:shade val="50000"/>
+              </a:schemeClr>
+            </a:lnRef>
+            <a:fillRef idx="1">
+              <a:schemeClr val="accent1"/>
+            </a:fillRef>
+            <a:effectRef idx="0">
+              <a:schemeClr val="accent1"/>
+            </a:effectRef>
+            <a:fontRef idx="minor">
+              <a:schemeClr val="lt1"/>
+            </a:fontRef>
+          </p:style>
+          <p:txBody>
+            <a:bodyPr rtlCol="0" anchor="t"/>
+            <a:lstStyle/>
+            <a:p>
+              <a:r>
+                <a:rPr lang="en-US" altLang="ko-KR" b="1" dirty="0">
+                  <a:solidFill>
+                    <a:schemeClr val="tx1"/>
+                  </a:solidFill>
+                </a:rPr>
+                <a:t>id		// PK,</a:t>
+              </a:r>
+              <a:r>
+                <a:rPr lang="ko-KR" altLang="en-US" b="1" dirty="0">
+                  <a:solidFill>
+                    <a:schemeClr val="tx1"/>
+                  </a:solidFill>
+                </a:rPr>
+                <a:t> 글 아이디</a:t>
+              </a:r>
+              <a:endParaRPr lang="en-US" altLang="ko-KR" b="1" dirty="0">
+                <a:solidFill>
+                  <a:schemeClr val="tx1"/>
+                </a:solidFill>
+              </a:endParaRPr>
+            </a:p>
+            <a:p>
+              <a:r>
+                <a:rPr lang="en-US" altLang="ko-KR" b="1" dirty="0">
+                  <a:solidFill>
+                    <a:schemeClr val="tx1"/>
+                  </a:solidFill>
+                </a:rPr>
+                <a:t>title		// </a:t>
+              </a:r>
+              <a:r>
+                <a:rPr lang="ko-KR" altLang="en-US" b="1" dirty="0">
+                  <a:solidFill>
+                    <a:schemeClr val="tx1"/>
+                  </a:solidFill>
+                </a:rPr>
+                <a:t>글 제목</a:t>
+              </a:r>
+              <a:endParaRPr lang="en-US" altLang="ko-KR" b="1" dirty="0">
+                <a:solidFill>
+                  <a:schemeClr val="tx1"/>
+                </a:solidFill>
+              </a:endParaRPr>
+            </a:p>
+            <a:p>
+              <a:r>
+                <a:rPr lang="en-US" altLang="ko-KR" b="1" dirty="0">
+                  <a:solidFill>
+                    <a:schemeClr val="tx1"/>
+                  </a:solidFill>
+                </a:rPr>
+                <a:t>content		// </a:t>
+              </a:r>
+              <a:r>
+                <a:rPr lang="ko-KR" altLang="en-US" b="1" dirty="0">
+                  <a:solidFill>
+                    <a:schemeClr val="tx1"/>
+                  </a:solidFill>
+                </a:rPr>
+                <a:t>글 내용</a:t>
+              </a:r>
+              <a:endParaRPr lang="en-US" altLang="ko-KR" b="1" dirty="0">
+                <a:solidFill>
+                  <a:schemeClr val="tx1"/>
+                </a:solidFill>
+              </a:endParaRPr>
+            </a:p>
+            <a:p>
+              <a:r>
+                <a:rPr lang="en-US" altLang="ko-KR" b="1" dirty="0">
+                  <a:solidFill>
+                    <a:schemeClr val="tx1"/>
+                  </a:solidFill>
+                </a:rPr>
+                <a:t>data		//</a:t>
+              </a:r>
+              <a:r>
+                <a:rPr lang="ko-KR" altLang="en-US" b="1" dirty="0">
+                  <a:solidFill>
+                    <a:schemeClr val="tx1"/>
+                  </a:solidFill>
+                </a:rPr>
+                <a:t> 첨부파일</a:t>
+              </a:r>
+              <a:endParaRPr lang="en-US" altLang="ko-KR" b="1" dirty="0">
+                <a:solidFill>
+                  <a:schemeClr val="tx1"/>
+                </a:solidFill>
+              </a:endParaRPr>
+            </a:p>
+            <a:p>
+              <a:r>
+                <a:rPr lang="en-US" altLang="ko-KR" b="1" dirty="0">
+                  <a:solidFill>
+                    <a:schemeClr val="tx1"/>
+                  </a:solidFill>
+                </a:rPr>
+                <a:t>hits		// </a:t>
+              </a:r>
+              <a:r>
+                <a:rPr lang="ko-KR" altLang="en-US" b="1" dirty="0">
+                  <a:solidFill>
+                    <a:schemeClr val="tx1"/>
+                  </a:solidFill>
+                </a:rPr>
+                <a:t>조회수</a:t>
+              </a:r>
+              <a:endParaRPr lang="en-US" altLang="ko-KR" b="1" dirty="0">
+                <a:solidFill>
+                  <a:schemeClr val="tx1"/>
+                </a:solidFill>
+              </a:endParaRPr>
+            </a:p>
+            <a:p>
+              <a:r>
+                <a:rPr lang="en-US" altLang="ko-KR" b="1" dirty="0" err="1">
+                  <a:solidFill>
+                    <a:schemeClr val="tx1"/>
+                  </a:solidFill>
+                </a:rPr>
+                <a:t>reg_date</a:t>
+              </a:r>
+              <a:r>
+                <a:rPr lang="en-US" altLang="ko-KR" b="1" dirty="0">
+                  <a:solidFill>
+                    <a:schemeClr val="tx1"/>
+                  </a:solidFill>
+                </a:rPr>
+                <a:t>	// </a:t>
+              </a:r>
+              <a:r>
+                <a:rPr lang="ko-KR" altLang="en-US" b="1" dirty="0">
+                  <a:solidFill>
+                    <a:schemeClr val="tx1"/>
+                  </a:solidFill>
+                </a:rPr>
+                <a:t>작성일</a:t>
+              </a:r>
+              <a:endParaRPr lang="en-US" altLang="ko-KR" b="1" dirty="0">
+                <a:solidFill>
+                  <a:schemeClr val="tx1"/>
+                </a:solidFill>
+              </a:endParaRPr>
+            </a:p>
+            <a:p>
+              <a:r>
+                <a:rPr lang="en-US" altLang="ko-KR" b="1" dirty="0" err="1">
+                  <a:solidFill>
+                    <a:schemeClr val="tx1"/>
+                  </a:solidFill>
+                </a:rPr>
+                <a:t>mod_date</a:t>
+              </a:r>
+              <a:r>
+                <a:rPr lang="en-US" altLang="ko-KR" b="1" dirty="0">
+                  <a:solidFill>
+                    <a:schemeClr val="tx1"/>
+                  </a:solidFill>
+                </a:rPr>
+                <a:t>	// </a:t>
+              </a:r>
+              <a:r>
+                <a:rPr lang="ko-KR" altLang="en-US" b="1" dirty="0">
+                  <a:solidFill>
+                    <a:schemeClr val="tx1"/>
+                  </a:solidFill>
+                </a:rPr>
+                <a:t>수정일</a:t>
+              </a:r>
+              <a:endParaRPr lang="en-US" altLang="ko-KR" b="1" dirty="0">
+                <a:solidFill>
+                  <a:schemeClr val="tx1"/>
+                </a:solidFill>
+              </a:endParaRPr>
+            </a:p>
+            <a:p>
+              <a:r>
+                <a:rPr lang="en-US" altLang="ko-KR" b="1" dirty="0">
+                  <a:solidFill>
+                    <a:schemeClr val="tx1"/>
+                  </a:solidFill>
+                </a:rPr>
+                <a:t>author		// </a:t>
+              </a:r>
+              <a:r>
+                <a:rPr lang="ko-KR" altLang="en-US" b="1" dirty="0">
+                  <a:solidFill>
+                    <a:schemeClr val="tx1"/>
+                  </a:solidFill>
+                </a:rPr>
+                <a:t>작성자</a:t>
+              </a:r>
+              <a:endParaRPr lang="en-US" altLang="ko-KR" b="1" dirty="0">
+                <a:solidFill>
+                  <a:schemeClr val="tx1"/>
+                </a:solidFill>
+              </a:endParaRPr>
+            </a:p>
+            <a:p>
+              <a:endParaRPr lang="en-US" altLang="ko-KR" b="1" dirty="0">
+                <a:solidFill>
+                  <a:schemeClr val="tx1"/>
+                </a:solidFill>
+              </a:endParaRPr>
+            </a:p>
+            <a:p>
+              <a:r>
+                <a:rPr lang="en-US" altLang="ko-KR" b="1" dirty="0" err="1">
+                  <a:solidFill>
+                    <a:schemeClr val="tx1"/>
+                  </a:solidFill>
+                </a:rPr>
+                <a:t>lecture_id</a:t>
+              </a:r>
+              <a:r>
+                <a:rPr lang="en-US" altLang="ko-KR" b="1" dirty="0">
+                  <a:solidFill>
+                    <a:schemeClr val="tx1"/>
+                  </a:solidFill>
+                </a:rPr>
+                <a:t>	// FK, </a:t>
+              </a:r>
+              <a:r>
+                <a:rPr lang="ko-KR" altLang="en-US" b="1" dirty="0">
+                  <a:solidFill>
+                    <a:schemeClr val="tx1"/>
+                  </a:solidFill>
+                </a:rPr>
+                <a:t>학수번호</a:t>
+              </a:r>
+              <a:endParaRPr lang="en-US" altLang="ko-KR" b="1" dirty="0">
+                <a:solidFill>
+                  <a:schemeClr val="tx1"/>
+                </a:solidFill>
+              </a:endParaRPr>
+            </a:p>
+            <a:p>
+              <a:r>
+                <a:rPr lang="en-US" altLang="ko-KR" b="1" dirty="0" err="1">
+                  <a:solidFill>
+                    <a:schemeClr val="tx1"/>
+                  </a:solidFill>
+                </a:rPr>
+                <a:t>lecture_year</a:t>
+              </a:r>
+              <a:r>
+                <a:rPr lang="en-US" altLang="ko-KR" b="1" dirty="0">
+                  <a:solidFill>
+                    <a:schemeClr val="tx1"/>
+                  </a:solidFill>
+                </a:rPr>
+                <a:t>	// FK, </a:t>
+              </a:r>
+              <a:r>
+                <a:rPr lang="ko-KR" altLang="en-US" b="1" dirty="0">
+                  <a:solidFill>
+                    <a:schemeClr val="tx1"/>
+                  </a:solidFill>
+                </a:rPr>
+                <a:t>수업연도</a:t>
+              </a:r>
+              <a:endParaRPr lang="en-US" altLang="ko-KR" b="1" dirty="0">
+                <a:solidFill>
+                  <a:schemeClr val="tx1"/>
+                </a:solidFill>
+              </a:endParaRPr>
+            </a:p>
+          </p:txBody>
+        </p:sp>
+        <p:sp>
+          <p:nvSpPr>
+            <p:cNvPr id="22" name="직사각형 21">
+              <a:extLst>
+                <a:ext uri="{FF2B5EF4-FFF2-40B4-BE49-F238E27FC236}">
+                  <a16:creationId xmlns:a16="http://schemas.microsoft.com/office/drawing/2014/main" id="{3ACE2569-F7BC-5702-2869-A7D3336FA9A8}"/>
+                </a:ext>
+              </a:extLst>
+            </p:cNvPr>
+            <p:cNvSpPr/>
+            <p:nvPr/>
+          </p:nvSpPr>
+          <p:spPr>
+            <a:xfrm>
+              <a:off x="1240377" y="1761688"/>
+              <a:ext cx="4170522" cy="444881"/>
+            </a:xfrm>
+            <a:prstGeom prst="rect">
+              <a:avLst/>
+            </a:prstGeom>
+            <a:noFill/>
+            <a:ln w="38100">
+              <a:solidFill>
+                <a:schemeClr val="tx1"/>
+              </a:solidFill>
+            </a:ln>
+          </p:spPr>
+          <p:style>
+            <a:lnRef idx="2">
+              <a:schemeClr val="accent1">
+                <a:shade val="50000"/>
+              </a:schemeClr>
+            </a:lnRef>
+            <a:fillRef idx="1">
+              <a:schemeClr val="accent1"/>
+            </a:fillRef>
+            <a:effectRef idx="0">
+              <a:schemeClr val="accent1"/>
+            </a:effectRef>
+            <a:fontRef idx="minor">
+              <a:schemeClr val="lt1"/>
+            </a:fontRef>
+          </p:style>
+          <p:txBody>
+            <a:bodyPr rtlCol="0" anchor="ctr"/>
+            <a:lstStyle/>
+            <a:p>
+              <a:pPr algn="ctr"/>
+              <a:r>
+                <a:rPr lang="en-US" altLang="ko-KR" b="1" dirty="0" err="1">
+                  <a:solidFill>
+                    <a:schemeClr val="tx1"/>
+                  </a:solidFill>
+                </a:rPr>
+                <a:t>cpp_assign_board</a:t>
+              </a:r>
+              <a:endParaRPr lang="ko-KR" altLang="en-US" b="1" dirty="0">
+                <a:solidFill>
+                  <a:schemeClr val="tx1"/>
+                </a:solidFill>
+              </a:endParaRPr>
+            </a:p>
+          </p:txBody>
+        </p:sp>
+      </p:grpSp>
+      <p:sp>
+        <p:nvSpPr>
+          <p:cNvPr id="23" name="직사각형 22">
+            <a:extLst>
+              <a:ext uri="{FF2B5EF4-FFF2-40B4-BE49-F238E27FC236}">
+                <a16:creationId xmlns:a16="http://schemas.microsoft.com/office/drawing/2014/main" id="{46EBE17A-6E0F-D631-BAF5-1616B11BD432}"/>
+              </a:ext>
+            </a:extLst>
+          </p:cNvPr>
+          <p:cNvSpPr/>
+          <p:nvPr/>
+        </p:nvSpPr>
+        <p:spPr>
+          <a:xfrm>
+            <a:off x="1422036" y="1367250"/>
+            <a:ext cx="4170522" cy="444881"/>
+          </a:xfrm>
+          <a:prstGeom prst="rect">
+            <a:avLst/>
+          </a:prstGeom>
+          <a:noFill/>
+          <a:ln w="38100">
+            <a:solidFill>
+              <a:schemeClr val="tx1"/>
+            </a:solidFill>
+          </a:ln>
+        </p:spPr>
+        <p:style>
+          <a:lnRef idx="2">
+            <a:schemeClr val="accent1">
+              <a:shade val="50000"/>
+            </a:schemeClr>
+          </a:lnRef>
+          <a:fillRef idx="1">
+            <a:schemeClr val="accent1"/>
+          </a:fillRef>
+          <a:effectRef idx="0">
+            <a:schemeClr val="accent1"/>
+          </a:effectRef>
+          <a:fontRef idx="minor">
+            <a:schemeClr val="lt1"/>
+          </a:fontRef>
+        </p:style>
+        <p:txBody>
+          <a:bodyPr rtlCol="0" anchor="ctr"/>
+          <a:lstStyle/>
+          <a:p>
+            <a:pPr algn="ctr"/>
+            <a:r>
+              <a:rPr lang="ko-KR" altLang="en-US" b="1" dirty="0">
+                <a:solidFill>
+                  <a:schemeClr val="tx1"/>
+                </a:solidFill>
+              </a:rPr>
+              <a:t>실습 게시판</a:t>
+            </a:r>
+          </a:p>
+        </p:txBody>
+      </p:sp>
+      <p:sp>
+        <p:nvSpPr>
+          <p:cNvPr id="24" name="직사각형 23">
+            <a:extLst>
+              <a:ext uri="{FF2B5EF4-FFF2-40B4-BE49-F238E27FC236}">
+                <a16:creationId xmlns:a16="http://schemas.microsoft.com/office/drawing/2014/main" id="{D5604993-C9B4-A516-987F-B59249853D0E}"/>
+              </a:ext>
+            </a:extLst>
+          </p:cNvPr>
+          <p:cNvSpPr/>
+          <p:nvPr/>
+        </p:nvSpPr>
+        <p:spPr>
+          <a:xfrm>
+            <a:off x="6599442" y="1367250"/>
+            <a:ext cx="4170522" cy="444881"/>
+          </a:xfrm>
+          <a:prstGeom prst="rect">
+            <a:avLst/>
+          </a:prstGeom>
+          <a:noFill/>
+          <a:ln w="38100">
+            <a:solidFill>
+              <a:schemeClr val="tx1"/>
+            </a:solidFill>
+          </a:ln>
+        </p:spPr>
+        <p:style>
+          <a:lnRef idx="2">
+            <a:schemeClr val="accent1">
+              <a:shade val="50000"/>
+            </a:schemeClr>
+          </a:lnRef>
+          <a:fillRef idx="1">
+            <a:schemeClr val="accent1"/>
+          </a:fillRef>
+          <a:effectRef idx="0">
+            <a:schemeClr val="accent1"/>
+          </a:effectRef>
+          <a:fontRef idx="minor">
+            <a:schemeClr val="lt1"/>
+          </a:fontRef>
+        </p:style>
+        <p:txBody>
+          <a:bodyPr rtlCol="0" anchor="ctr"/>
+          <a:lstStyle/>
+          <a:p>
+            <a:pPr algn="ctr"/>
+            <a:r>
+              <a:rPr lang="ko-KR" altLang="en-US" b="1" dirty="0">
+                <a:solidFill>
+                  <a:schemeClr val="tx1"/>
+                </a:solidFill>
+              </a:rPr>
+              <a:t>과제 게시판</a:t>
+            </a:r>
+          </a:p>
+        </p:txBody>
+      </p:sp>
+      <p:grpSp>
+        <p:nvGrpSpPr>
+          <p:cNvPr id="26" name="그룹 25">
+            <a:extLst>
+              <a:ext uri="{FF2B5EF4-FFF2-40B4-BE49-F238E27FC236}">
+                <a16:creationId xmlns:a16="http://schemas.microsoft.com/office/drawing/2014/main" id="{E33BFF37-BAC6-E308-6F78-D61E9E9011B3}"/>
+              </a:ext>
+            </a:extLst>
+          </p:cNvPr>
+          <p:cNvGrpSpPr/>
+          <p:nvPr/>
+        </p:nvGrpSpPr>
+        <p:grpSpPr>
+          <a:xfrm>
+            <a:off x="1422036" y="2185488"/>
+            <a:ext cx="4173113" cy="3594527"/>
+            <a:chOff x="1422036" y="2185488"/>
+            <a:chExt cx="4173113" cy="3594527"/>
+          </a:xfrm>
+        </p:grpSpPr>
+        <p:sp>
+          <p:nvSpPr>
+            <p:cNvPr id="16" name="직사각형 15">
+              <a:extLst>
+                <a:ext uri="{FF2B5EF4-FFF2-40B4-BE49-F238E27FC236}">
+                  <a16:creationId xmlns:a16="http://schemas.microsoft.com/office/drawing/2014/main" id="{9BE6BB27-AE45-4EC2-9EE9-19AFA2484D9D}"/>
+                </a:ext>
+              </a:extLst>
+            </p:cNvPr>
+            <p:cNvSpPr/>
+            <p:nvPr/>
+          </p:nvSpPr>
+          <p:spPr>
+            <a:xfrm>
+              <a:off x="1422036" y="2185488"/>
+              <a:ext cx="4170522" cy="444881"/>
+            </a:xfrm>
+            <a:prstGeom prst="rect">
+              <a:avLst/>
+            </a:prstGeom>
+            <a:noFill/>
+            <a:ln w="38100">
+              <a:solidFill>
+                <a:schemeClr val="tx1"/>
+              </a:solidFill>
+            </a:ln>
+          </p:spPr>
+          <p:style>
+            <a:lnRef idx="2">
+              <a:schemeClr val="accent1">
+                <a:shade val="50000"/>
+              </a:schemeClr>
+            </a:lnRef>
+            <a:fillRef idx="1">
+              <a:schemeClr val="accent1"/>
+            </a:fillRef>
+            <a:effectRef idx="0">
+              <a:schemeClr val="accent1"/>
+            </a:effectRef>
+            <a:fontRef idx="minor">
+              <a:schemeClr val="lt1"/>
+            </a:fontRef>
+          </p:style>
+          <p:txBody>
+            <a:bodyPr rtlCol="0" anchor="ctr"/>
+            <a:lstStyle/>
+            <a:p>
+              <a:pPr algn="ctr"/>
+              <a:r>
+                <a:rPr lang="en-US" altLang="ko-KR" b="1" dirty="0" err="1">
+                  <a:solidFill>
+                    <a:schemeClr val="tx1"/>
+                  </a:solidFill>
+                </a:rPr>
+                <a:t>cpp_practical_board</a:t>
+              </a:r>
+              <a:endParaRPr lang="ko-KR" altLang="en-US" b="1" dirty="0">
+                <a:solidFill>
+                  <a:schemeClr val="tx1"/>
+                </a:solidFill>
+              </a:endParaRPr>
+            </a:p>
+          </p:txBody>
+        </p:sp>
+        <p:sp>
+          <p:nvSpPr>
+            <p:cNvPr id="25" name="직사각형 24">
+              <a:extLst>
+                <a:ext uri="{FF2B5EF4-FFF2-40B4-BE49-F238E27FC236}">
+                  <a16:creationId xmlns:a16="http://schemas.microsoft.com/office/drawing/2014/main" id="{534778F8-0AB4-2EED-2A18-F1BA2833234F}"/>
+                </a:ext>
+              </a:extLst>
+            </p:cNvPr>
+            <p:cNvSpPr/>
+            <p:nvPr/>
+          </p:nvSpPr>
+          <p:spPr>
+            <a:xfrm>
+              <a:off x="1424627" y="2630370"/>
+              <a:ext cx="4170522" cy="3149645"/>
+            </a:xfrm>
+            <a:prstGeom prst="rect">
+              <a:avLst/>
+            </a:prstGeom>
+            <a:noFill/>
+            <a:ln w="38100">
+              <a:solidFill>
+                <a:schemeClr val="tx1"/>
+              </a:solidFill>
+            </a:ln>
+          </p:spPr>
+          <p:style>
+            <a:lnRef idx="2">
+              <a:schemeClr val="accent1">
+                <a:shade val="50000"/>
+              </a:schemeClr>
+            </a:lnRef>
+            <a:fillRef idx="1">
+              <a:schemeClr val="accent1"/>
+            </a:fillRef>
+            <a:effectRef idx="0">
+              <a:schemeClr val="accent1"/>
+            </a:effectRef>
+            <a:fontRef idx="minor">
+              <a:schemeClr val="lt1"/>
+            </a:fontRef>
+          </p:style>
+          <p:txBody>
+            <a:bodyPr rtlCol="0" anchor="t"/>
+            <a:lstStyle/>
+            <a:p>
+              <a:r>
+                <a:rPr lang="en-US" altLang="ko-KR" b="1" dirty="0">
+                  <a:solidFill>
+                    <a:schemeClr val="tx1"/>
+                  </a:solidFill>
+                </a:rPr>
+                <a:t>id		// PK,</a:t>
+              </a:r>
+              <a:r>
+                <a:rPr lang="ko-KR" altLang="en-US" b="1" dirty="0">
+                  <a:solidFill>
+                    <a:schemeClr val="tx1"/>
+                  </a:solidFill>
+                </a:rPr>
+                <a:t> 글 아이디</a:t>
+              </a:r>
+              <a:endParaRPr lang="en-US" altLang="ko-KR" b="1" dirty="0">
+                <a:solidFill>
+                  <a:schemeClr val="tx1"/>
+                </a:solidFill>
+              </a:endParaRPr>
+            </a:p>
+            <a:p>
+              <a:r>
+                <a:rPr lang="en-US" altLang="ko-KR" b="1" dirty="0">
+                  <a:solidFill>
+                    <a:schemeClr val="tx1"/>
+                  </a:solidFill>
+                </a:rPr>
+                <a:t>title		// </a:t>
+              </a:r>
+              <a:r>
+                <a:rPr lang="ko-KR" altLang="en-US" b="1" dirty="0">
+                  <a:solidFill>
+                    <a:schemeClr val="tx1"/>
+                  </a:solidFill>
+                </a:rPr>
+                <a:t>글 제목</a:t>
+              </a:r>
+              <a:endParaRPr lang="en-US" altLang="ko-KR" b="1" dirty="0">
+                <a:solidFill>
+                  <a:schemeClr val="tx1"/>
+                </a:solidFill>
+              </a:endParaRPr>
+            </a:p>
+            <a:p>
+              <a:r>
+                <a:rPr lang="en-US" altLang="ko-KR" b="1" dirty="0">
+                  <a:solidFill>
+                    <a:schemeClr val="tx1"/>
+                  </a:solidFill>
+                </a:rPr>
+                <a:t>content		// </a:t>
+              </a:r>
+              <a:r>
+                <a:rPr lang="ko-KR" altLang="en-US" b="1" dirty="0">
+                  <a:solidFill>
+                    <a:schemeClr val="tx1"/>
+                  </a:solidFill>
+                </a:rPr>
+                <a:t>글 내용</a:t>
+              </a:r>
+              <a:endParaRPr lang="en-US" altLang="ko-KR" b="1" dirty="0">
+                <a:solidFill>
+                  <a:schemeClr val="tx1"/>
+                </a:solidFill>
+              </a:endParaRPr>
+            </a:p>
+            <a:p>
+              <a:r>
+                <a:rPr lang="en-US" altLang="ko-KR" b="1" dirty="0">
+                  <a:solidFill>
+                    <a:schemeClr val="tx1"/>
+                  </a:solidFill>
+                </a:rPr>
+                <a:t>data		//</a:t>
+              </a:r>
+              <a:r>
+                <a:rPr lang="ko-KR" altLang="en-US" b="1" dirty="0">
+                  <a:solidFill>
+                    <a:schemeClr val="tx1"/>
+                  </a:solidFill>
+                </a:rPr>
+                <a:t> 첨부파일</a:t>
+              </a:r>
+              <a:endParaRPr lang="en-US" altLang="ko-KR" b="1" dirty="0">
+                <a:solidFill>
+                  <a:schemeClr val="tx1"/>
+                </a:solidFill>
+              </a:endParaRPr>
+            </a:p>
+            <a:p>
+              <a:r>
+                <a:rPr lang="en-US" altLang="ko-KR" b="1" dirty="0">
+                  <a:solidFill>
+                    <a:schemeClr val="tx1"/>
+                  </a:solidFill>
+                </a:rPr>
+                <a:t>hits		// </a:t>
+              </a:r>
+              <a:r>
+                <a:rPr lang="ko-KR" altLang="en-US" b="1" dirty="0">
+                  <a:solidFill>
+                    <a:schemeClr val="tx1"/>
+                  </a:solidFill>
+                </a:rPr>
+                <a:t>조회수</a:t>
+              </a:r>
+              <a:endParaRPr lang="en-US" altLang="ko-KR" b="1" dirty="0">
+                <a:solidFill>
+                  <a:schemeClr val="tx1"/>
+                </a:solidFill>
+              </a:endParaRPr>
+            </a:p>
+            <a:p>
+              <a:r>
+                <a:rPr lang="en-US" altLang="ko-KR" b="1" dirty="0" err="1">
+                  <a:solidFill>
+                    <a:schemeClr val="tx1"/>
+                  </a:solidFill>
+                </a:rPr>
+                <a:t>reg_date</a:t>
+              </a:r>
+              <a:r>
+                <a:rPr lang="en-US" altLang="ko-KR" b="1" dirty="0">
+                  <a:solidFill>
+                    <a:schemeClr val="tx1"/>
+                  </a:solidFill>
+                </a:rPr>
+                <a:t>	// </a:t>
+              </a:r>
+              <a:r>
+                <a:rPr lang="ko-KR" altLang="en-US" b="1" dirty="0">
+                  <a:solidFill>
+                    <a:schemeClr val="tx1"/>
+                  </a:solidFill>
+                </a:rPr>
+                <a:t>작성일</a:t>
+              </a:r>
+              <a:endParaRPr lang="en-US" altLang="ko-KR" b="1" dirty="0">
+                <a:solidFill>
+                  <a:schemeClr val="tx1"/>
+                </a:solidFill>
+              </a:endParaRPr>
+            </a:p>
+            <a:p>
+              <a:r>
+                <a:rPr lang="en-US" altLang="ko-KR" b="1" dirty="0" err="1">
+                  <a:solidFill>
+                    <a:schemeClr val="tx1"/>
+                  </a:solidFill>
+                </a:rPr>
+                <a:t>mod_date</a:t>
+              </a:r>
+              <a:r>
+                <a:rPr lang="en-US" altLang="ko-KR" b="1" dirty="0">
+                  <a:solidFill>
+                    <a:schemeClr val="tx1"/>
+                  </a:solidFill>
+                </a:rPr>
+                <a:t>	// </a:t>
+              </a:r>
+              <a:r>
+                <a:rPr lang="ko-KR" altLang="en-US" b="1" dirty="0">
+                  <a:solidFill>
+                    <a:schemeClr val="tx1"/>
+                  </a:solidFill>
+                </a:rPr>
+                <a:t>수정일</a:t>
+              </a:r>
+              <a:endParaRPr lang="en-US" altLang="ko-KR" b="1" dirty="0">
+                <a:solidFill>
+                  <a:schemeClr val="tx1"/>
+                </a:solidFill>
+              </a:endParaRPr>
+            </a:p>
+            <a:p>
+              <a:r>
+                <a:rPr lang="en-US" altLang="ko-KR" b="1" dirty="0">
+                  <a:solidFill>
+                    <a:schemeClr val="tx1"/>
+                  </a:solidFill>
+                </a:rPr>
+                <a:t>author		// </a:t>
+              </a:r>
+              <a:r>
+                <a:rPr lang="ko-KR" altLang="en-US" b="1" dirty="0">
+                  <a:solidFill>
+                    <a:schemeClr val="tx1"/>
+                  </a:solidFill>
+                </a:rPr>
+                <a:t>작성자</a:t>
+              </a:r>
+              <a:endParaRPr lang="en-US" altLang="ko-KR" b="1" dirty="0">
+                <a:solidFill>
+                  <a:schemeClr val="tx1"/>
+                </a:solidFill>
+              </a:endParaRPr>
+            </a:p>
+            <a:p>
+              <a:endParaRPr lang="en-US" altLang="ko-KR" b="1" dirty="0">
+                <a:solidFill>
+                  <a:schemeClr val="tx1"/>
+                </a:solidFill>
+              </a:endParaRPr>
+            </a:p>
+            <a:p>
+              <a:r>
+                <a:rPr lang="en-US" altLang="ko-KR" b="1" dirty="0" err="1">
+                  <a:solidFill>
+                    <a:schemeClr val="tx1"/>
+                  </a:solidFill>
+                </a:rPr>
+                <a:t>lecture_id</a:t>
+              </a:r>
+              <a:r>
+                <a:rPr lang="en-US" altLang="ko-KR" b="1" dirty="0">
+                  <a:solidFill>
+                    <a:schemeClr val="tx1"/>
+                  </a:solidFill>
+                </a:rPr>
+                <a:t>	// FK, </a:t>
+              </a:r>
+              <a:r>
+                <a:rPr lang="ko-KR" altLang="en-US" b="1" dirty="0">
+                  <a:solidFill>
+                    <a:schemeClr val="tx1"/>
+                  </a:solidFill>
+                </a:rPr>
+                <a:t>학수번호</a:t>
+              </a:r>
+              <a:endParaRPr lang="en-US" altLang="ko-KR" b="1" dirty="0">
+                <a:solidFill>
+                  <a:schemeClr val="tx1"/>
+                </a:solidFill>
+              </a:endParaRPr>
+            </a:p>
+            <a:p>
+              <a:r>
+                <a:rPr lang="en-US" altLang="ko-KR" b="1" dirty="0" err="1">
+                  <a:solidFill>
+                    <a:schemeClr val="tx1"/>
+                  </a:solidFill>
+                </a:rPr>
+                <a:t>lecture_year</a:t>
+              </a:r>
+              <a:r>
+                <a:rPr lang="en-US" altLang="ko-KR" b="1" dirty="0">
+                  <a:solidFill>
+                    <a:schemeClr val="tx1"/>
+                  </a:solidFill>
+                </a:rPr>
+                <a:t>	// FK, </a:t>
+              </a:r>
+              <a:r>
+                <a:rPr lang="ko-KR" altLang="en-US" b="1" dirty="0">
+                  <a:solidFill>
+                    <a:schemeClr val="tx1"/>
+                  </a:solidFill>
+                </a:rPr>
+                <a:t>수업연도</a:t>
+              </a:r>
+              <a:endParaRPr lang="en-US" altLang="ko-KR" b="1" dirty="0">
+                <a:solidFill>
+                  <a:schemeClr val="tx1"/>
+                </a:solidFill>
+              </a:endParaRPr>
+            </a:p>
+          </p:txBody>
+        </p:sp>
+      </p:grpSp>
+    </p:spTree>
+    <p:extLst>
+      <p:ext uri="{BB962C8B-B14F-4D97-AF65-F5344CB8AC3E}">
+        <p14:creationId xmlns:p14="http://schemas.microsoft.com/office/powerpoint/2010/main" val="1129462679"/>
+      </p:ext>
+    </p:extLst>
+  </p:cSld>
+  <p:clrMapOvr>
+    <a:masterClrMapping/>
+  </p:clrMapOvr>
+</p:sld>
+</file>
+
+<file path=ppt/slides/slide27.xml><?xml version="1.0" encoding="utf-8"?>
+<p:sld xmlns:a="http://schemas.openxmlformats.org/drawingml/2006/main" xmlns:r="http://schemas.openxmlformats.org/officeDocument/2006/relationships" xmlns:p="http://schemas.openxmlformats.org/presentationml/2006/main">
+  <p:cSld>
+    <p:spTree>
+      <p:nvGrpSpPr>
+        <p:cNvPr id="1" name=""/>
+        <p:cNvGrpSpPr/>
+        <p:nvPr/>
+      </p:nvGrpSpPr>
+      <p:grpSpPr>
+        <a:xfrm>
+          <a:off x="0" y="0"/>
+          <a:ext cx="0" cy="0"/>
+          <a:chOff x="0" y="0"/>
+          <a:chExt cx="0" cy="0"/>
+        </a:xfrm>
+      </p:grpSpPr>
+      <p:sp>
+        <p:nvSpPr>
+          <p:cNvPr id="4" name="TextBox 3">
+            <a:extLst>
+              <a:ext uri="{FF2B5EF4-FFF2-40B4-BE49-F238E27FC236}">
+                <a16:creationId xmlns:a16="http://schemas.microsoft.com/office/drawing/2014/main" id="{07F28203-A8AD-273E-C2C6-E0632B86F782}"/>
+              </a:ext>
+            </a:extLst>
+          </p:cNvPr>
+          <p:cNvSpPr txBox="1"/>
+          <p:nvPr/>
+        </p:nvSpPr>
+        <p:spPr>
+          <a:xfrm>
+            <a:off x="2572440" y="1843951"/>
+            <a:ext cx="7047121" cy="3170099"/>
+          </a:xfrm>
+          <a:prstGeom prst="rect">
+            <a:avLst/>
+          </a:prstGeom>
+          <a:noFill/>
+        </p:spPr>
+        <p:txBody>
+          <a:bodyPr wrap="none" rtlCol="0">
+            <a:spAutoFit/>
+          </a:bodyPr>
+          <a:lstStyle/>
+          <a:p>
+            <a:pPr algn="ctr"/>
+            <a:r>
+              <a:rPr lang="ko-KR" altLang="en-US" sz="10000" b="1" dirty="0"/>
+              <a:t>구분 페이지</a:t>
+            </a:r>
+            <a:endParaRPr lang="en-US" altLang="ko-KR" sz="10000" b="1" dirty="0"/>
+          </a:p>
+          <a:p>
+            <a:pPr algn="ctr"/>
+            <a:r>
+              <a:rPr lang="en-US" altLang="ko-KR" sz="10000" b="1" dirty="0"/>
+              <a:t>(Lab DB)</a:t>
+            </a:r>
+            <a:endParaRPr lang="ko-KR" altLang="en-US" sz="10000" b="1" dirty="0"/>
+          </a:p>
+        </p:txBody>
+      </p:sp>
+    </p:spTree>
+    <p:extLst>
+      <p:ext uri="{BB962C8B-B14F-4D97-AF65-F5344CB8AC3E}">
+        <p14:creationId xmlns:p14="http://schemas.microsoft.com/office/powerpoint/2010/main" val="541142545"/>
+      </p:ext>
+    </p:extLst>
+  </p:cSld>
+  <p:clrMapOvr>
+    <a:masterClrMapping/>
+  </p:clrMapOvr>
+</p:sld>
+</file>
+
+<file path=ppt/slides/slide28.xml><?xml version="1.0" encoding="utf-8"?>
+<p:sld xmlns:a="http://schemas.openxmlformats.org/drawingml/2006/main" xmlns:r="http://schemas.openxmlformats.org/officeDocument/2006/relationships" xmlns:p="http://schemas.openxmlformats.org/presentationml/2006/main">
+  <p:cSld>
+    <p:spTree>
+      <p:nvGrpSpPr>
+        <p:cNvPr id="1" name=""/>
+        <p:cNvGrpSpPr/>
+        <p:nvPr/>
+      </p:nvGrpSpPr>
+      <p:grpSpPr>
+        <a:xfrm>
+          <a:off x="0" y="0"/>
+          <a:ext cx="0" cy="0"/>
+          <a:chOff x="0" y="0"/>
+          <a:chExt cx="0" cy="0"/>
+        </a:xfrm>
+      </p:grpSpPr>
+      <p:sp>
+        <p:nvSpPr>
+          <p:cNvPr id="6" name="TextBox 5">
+            <a:extLst>
+              <a:ext uri="{FF2B5EF4-FFF2-40B4-BE49-F238E27FC236}">
+                <a16:creationId xmlns:a16="http://schemas.microsoft.com/office/drawing/2014/main" id="{F204C529-3208-C800-5178-EA5E6B6187AB}"/>
+              </a:ext>
+            </a:extLst>
+          </p:cNvPr>
+          <p:cNvSpPr txBox="1"/>
+          <p:nvPr/>
+        </p:nvSpPr>
+        <p:spPr>
+          <a:xfrm>
+            <a:off x="0" y="0"/>
+            <a:ext cx="12192000" cy="584775"/>
+          </a:xfrm>
+          <a:prstGeom prst="rect">
+            <a:avLst/>
+          </a:prstGeom>
+          <a:solidFill>
+            <a:schemeClr val="tx1"/>
+          </a:solidFill>
+        </p:spPr>
+        <p:txBody>
+          <a:bodyPr wrap="square" rtlCol="0">
+            <a:spAutoFit/>
+          </a:bodyPr>
+          <a:lstStyle/>
+          <a:p>
+            <a:r>
+              <a:rPr lang="en-US" altLang="ko-KR" sz="3200" b="1" dirty="0">
+                <a:solidFill>
+                  <a:schemeClr val="bg1"/>
+                </a:solidFill>
+              </a:rPr>
+              <a:t>Database (Lab: Project1, Project2, Project3)</a:t>
+            </a:r>
+            <a:endParaRPr lang="ko-KR" altLang="en-US" sz="3200" b="1" dirty="0">
+              <a:solidFill>
+                <a:schemeClr val="bg1"/>
+              </a:solidFill>
+            </a:endParaRPr>
+          </a:p>
+        </p:txBody>
+      </p:sp>
+      <p:grpSp>
+        <p:nvGrpSpPr>
+          <p:cNvPr id="2" name="그룹 1">
+            <a:extLst>
+              <a:ext uri="{FF2B5EF4-FFF2-40B4-BE49-F238E27FC236}">
+                <a16:creationId xmlns:a16="http://schemas.microsoft.com/office/drawing/2014/main" id="{A99EE9FB-F24C-86A6-A988-4ACC5B3192B8}"/>
+              </a:ext>
+            </a:extLst>
+          </p:cNvPr>
+          <p:cNvGrpSpPr/>
+          <p:nvPr/>
+        </p:nvGrpSpPr>
+        <p:grpSpPr>
+          <a:xfrm>
+            <a:off x="1422036" y="1589690"/>
+            <a:ext cx="9347928" cy="3678621"/>
+            <a:chOff x="1422036" y="1367250"/>
+            <a:chExt cx="9347928" cy="3678621"/>
+          </a:xfrm>
+        </p:grpSpPr>
+        <p:sp>
+          <p:nvSpPr>
+            <p:cNvPr id="23" name="직사각형 22">
+              <a:extLst>
+                <a:ext uri="{FF2B5EF4-FFF2-40B4-BE49-F238E27FC236}">
+                  <a16:creationId xmlns:a16="http://schemas.microsoft.com/office/drawing/2014/main" id="{46EBE17A-6E0F-D631-BAF5-1616B11BD432}"/>
+                </a:ext>
+              </a:extLst>
+            </p:cNvPr>
+            <p:cNvSpPr/>
+            <p:nvPr/>
+          </p:nvSpPr>
+          <p:spPr>
+            <a:xfrm>
+              <a:off x="1422036" y="1367250"/>
+              <a:ext cx="4170522" cy="444881"/>
+            </a:xfrm>
+            <a:prstGeom prst="rect">
+              <a:avLst/>
+            </a:prstGeom>
+            <a:noFill/>
+            <a:ln w="38100">
+              <a:solidFill>
+                <a:schemeClr val="tx1"/>
+              </a:solidFill>
+            </a:ln>
+          </p:spPr>
+          <p:style>
+            <a:lnRef idx="2">
+              <a:schemeClr val="accent1">
+                <a:shade val="50000"/>
+              </a:schemeClr>
+            </a:lnRef>
+            <a:fillRef idx="1">
+              <a:schemeClr val="accent1"/>
+            </a:fillRef>
+            <a:effectRef idx="0">
+              <a:schemeClr val="accent1"/>
+            </a:effectRef>
+            <a:fontRef idx="minor">
+              <a:schemeClr val="lt1"/>
+            </a:fontRef>
+          </p:style>
+          <p:txBody>
+            <a:bodyPr rtlCol="0" anchor="ctr"/>
+            <a:lstStyle/>
+            <a:p>
+              <a:pPr algn="ctr"/>
+              <a:r>
+                <a:rPr lang="ko-KR" altLang="en-US" b="1" dirty="0">
+                  <a:solidFill>
+                    <a:schemeClr val="tx1"/>
+                  </a:solidFill>
+                </a:rPr>
+                <a:t>공지 게시판</a:t>
+              </a:r>
+            </a:p>
+          </p:txBody>
+        </p:sp>
+        <p:sp>
+          <p:nvSpPr>
+            <p:cNvPr id="24" name="직사각형 23">
+              <a:extLst>
+                <a:ext uri="{FF2B5EF4-FFF2-40B4-BE49-F238E27FC236}">
+                  <a16:creationId xmlns:a16="http://schemas.microsoft.com/office/drawing/2014/main" id="{D5604993-C9B4-A516-987F-B59249853D0E}"/>
+                </a:ext>
+              </a:extLst>
+            </p:cNvPr>
+            <p:cNvSpPr/>
+            <p:nvPr/>
+          </p:nvSpPr>
+          <p:spPr>
+            <a:xfrm>
+              <a:off x="6599442" y="1367250"/>
+              <a:ext cx="4170522" cy="444881"/>
+            </a:xfrm>
+            <a:prstGeom prst="rect">
+              <a:avLst/>
+            </a:prstGeom>
+            <a:noFill/>
+            <a:ln w="38100">
+              <a:solidFill>
+                <a:schemeClr val="tx1"/>
+              </a:solidFill>
+            </a:ln>
+          </p:spPr>
+          <p:style>
+            <a:lnRef idx="2">
+              <a:schemeClr val="accent1">
+                <a:shade val="50000"/>
+              </a:schemeClr>
+            </a:lnRef>
+            <a:fillRef idx="1">
+              <a:schemeClr val="accent1"/>
+            </a:fillRef>
+            <a:effectRef idx="0">
+              <a:schemeClr val="accent1"/>
+            </a:effectRef>
+            <a:fontRef idx="minor">
+              <a:schemeClr val="lt1"/>
+            </a:fontRef>
+          </p:style>
+          <p:txBody>
+            <a:bodyPr rtlCol="0" anchor="ctr"/>
+            <a:lstStyle/>
+            <a:p>
+              <a:pPr algn="ctr"/>
+              <a:r>
+                <a:rPr lang="ko-KR" altLang="en-US" b="1" dirty="0">
+                  <a:solidFill>
+                    <a:schemeClr val="tx1"/>
+                  </a:solidFill>
+                </a:rPr>
+                <a:t>논문 게시판</a:t>
+              </a:r>
+            </a:p>
+          </p:txBody>
+        </p:sp>
+        <p:grpSp>
+          <p:nvGrpSpPr>
+            <p:cNvPr id="26" name="그룹 25">
+              <a:extLst>
+                <a:ext uri="{FF2B5EF4-FFF2-40B4-BE49-F238E27FC236}">
+                  <a16:creationId xmlns:a16="http://schemas.microsoft.com/office/drawing/2014/main" id="{E33BFF37-BAC6-E308-6F78-D61E9E9011B3}"/>
+                </a:ext>
+              </a:extLst>
+            </p:cNvPr>
+            <p:cNvGrpSpPr/>
+            <p:nvPr/>
+          </p:nvGrpSpPr>
+          <p:grpSpPr>
+            <a:xfrm>
+              <a:off x="1422036" y="2185488"/>
+              <a:ext cx="4173113" cy="2860383"/>
+              <a:chOff x="1422036" y="2185488"/>
+              <a:chExt cx="4173113" cy="2860383"/>
+            </a:xfrm>
+          </p:grpSpPr>
+          <p:sp>
+            <p:nvSpPr>
+              <p:cNvPr id="16" name="직사각형 15">
+                <a:extLst>
+                  <a:ext uri="{FF2B5EF4-FFF2-40B4-BE49-F238E27FC236}">
+                    <a16:creationId xmlns:a16="http://schemas.microsoft.com/office/drawing/2014/main" id="{9BE6BB27-AE45-4EC2-9EE9-19AFA2484D9D}"/>
+                  </a:ext>
+                </a:extLst>
+              </p:cNvPr>
+              <p:cNvSpPr/>
+              <p:nvPr/>
+            </p:nvSpPr>
+            <p:spPr>
+              <a:xfrm>
+                <a:off x="1422036" y="2185488"/>
+                <a:ext cx="4170522" cy="444881"/>
+              </a:xfrm>
+              <a:prstGeom prst="rect">
+                <a:avLst/>
+              </a:prstGeom>
+              <a:noFill/>
+              <a:ln w="38100">
+                <a:solidFill>
+                  <a:schemeClr val="tx1"/>
+                </a:solidFill>
+              </a:ln>
+            </p:spPr>
+            <p:style>
+              <a:lnRef idx="2">
+                <a:schemeClr val="accent1">
+                  <a:shade val="50000"/>
+                </a:schemeClr>
+              </a:lnRef>
+              <a:fillRef idx="1">
+                <a:schemeClr val="accent1"/>
+              </a:fillRef>
+              <a:effectRef idx="0">
+                <a:schemeClr val="accent1"/>
+              </a:effectRef>
+              <a:fontRef idx="minor">
+                <a:schemeClr val="lt1"/>
+              </a:fontRef>
+            </p:style>
+            <p:txBody>
+              <a:bodyPr rtlCol="0" anchor="ctr"/>
+              <a:lstStyle/>
+              <a:p>
+                <a:pPr algn="ctr"/>
+                <a:r>
+                  <a:rPr lang="en-US" altLang="ko-KR" b="1" dirty="0">
+                    <a:solidFill>
+                      <a:schemeClr val="tx1"/>
+                    </a:solidFill>
+                  </a:rPr>
+                  <a:t>project1_notice_board</a:t>
+                </a:r>
+                <a:endParaRPr lang="ko-KR" altLang="en-US" b="1" dirty="0">
+                  <a:solidFill>
+                    <a:schemeClr val="tx1"/>
+                  </a:solidFill>
+                </a:endParaRPr>
+              </a:p>
+            </p:txBody>
+          </p:sp>
+          <p:sp>
+            <p:nvSpPr>
+              <p:cNvPr id="25" name="직사각형 24">
+                <a:extLst>
+                  <a:ext uri="{FF2B5EF4-FFF2-40B4-BE49-F238E27FC236}">
+                    <a16:creationId xmlns:a16="http://schemas.microsoft.com/office/drawing/2014/main" id="{534778F8-0AB4-2EED-2A18-F1BA2833234F}"/>
+                  </a:ext>
+                </a:extLst>
+              </p:cNvPr>
+              <p:cNvSpPr/>
+              <p:nvPr/>
+            </p:nvSpPr>
+            <p:spPr>
+              <a:xfrm>
+                <a:off x="1424627" y="2630371"/>
+                <a:ext cx="4170522" cy="2415500"/>
+              </a:xfrm>
+              <a:prstGeom prst="rect">
+                <a:avLst/>
+              </a:prstGeom>
+              <a:noFill/>
+              <a:ln w="38100">
+                <a:solidFill>
+                  <a:schemeClr val="tx1"/>
+                </a:solidFill>
+              </a:ln>
+            </p:spPr>
+            <p:style>
+              <a:lnRef idx="2">
+                <a:schemeClr val="accent1">
+                  <a:shade val="50000"/>
+                </a:schemeClr>
+              </a:lnRef>
+              <a:fillRef idx="1">
+                <a:schemeClr val="accent1"/>
+              </a:fillRef>
+              <a:effectRef idx="0">
+                <a:schemeClr val="accent1"/>
+              </a:effectRef>
+              <a:fontRef idx="minor">
+                <a:schemeClr val="lt1"/>
+              </a:fontRef>
+            </p:style>
+            <p:txBody>
+              <a:bodyPr rtlCol="0" anchor="ctr"/>
+              <a:lstStyle/>
+              <a:p>
+                <a:r>
+                  <a:rPr lang="en-US" altLang="ko-KR" b="1" dirty="0">
+                    <a:solidFill>
+                      <a:schemeClr val="tx1"/>
+                    </a:solidFill>
+                  </a:rPr>
+                  <a:t>id		// PK,</a:t>
+                </a:r>
+                <a:r>
+                  <a:rPr lang="ko-KR" altLang="en-US" b="1" dirty="0">
+                    <a:solidFill>
+                      <a:schemeClr val="tx1"/>
+                    </a:solidFill>
+                  </a:rPr>
+                  <a:t> 글 아이디</a:t>
+                </a:r>
+                <a:endParaRPr lang="en-US" altLang="ko-KR" b="1" dirty="0">
+                  <a:solidFill>
+                    <a:schemeClr val="tx1"/>
+                  </a:solidFill>
+                </a:endParaRPr>
+              </a:p>
+              <a:p>
+                <a:r>
+                  <a:rPr lang="en-US" altLang="ko-KR" b="1" dirty="0">
+                    <a:solidFill>
+                      <a:schemeClr val="tx1"/>
+                    </a:solidFill>
+                  </a:rPr>
+                  <a:t>title		// </a:t>
+                </a:r>
+                <a:r>
+                  <a:rPr lang="ko-KR" altLang="en-US" b="1" dirty="0">
+                    <a:solidFill>
+                      <a:schemeClr val="tx1"/>
+                    </a:solidFill>
+                  </a:rPr>
+                  <a:t>글 제목</a:t>
+                </a:r>
+                <a:endParaRPr lang="en-US" altLang="ko-KR" b="1" dirty="0">
+                  <a:solidFill>
+                    <a:schemeClr val="tx1"/>
+                  </a:solidFill>
+                </a:endParaRPr>
+              </a:p>
+              <a:p>
+                <a:r>
+                  <a:rPr lang="en-US" altLang="ko-KR" b="1" dirty="0">
+                    <a:solidFill>
+                      <a:schemeClr val="tx1"/>
+                    </a:solidFill>
+                  </a:rPr>
+                  <a:t>content		// </a:t>
+                </a:r>
+                <a:r>
+                  <a:rPr lang="ko-KR" altLang="en-US" b="1" dirty="0">
+                    <a:solidFill>
+                      <a:schemeClr val="tx1"/>
+                    </a:solidFill>
+                  </a:rPr>
+                  <a:t>글 내용</a:t>
+                </a:r>
+                <a:endParaRPr lang="en-US" altLang="ko-KR" b="1" dirty="0">
+                  <a:solidFill>
+                    <a:schemeClr val="tx1"/>
+                  </a:solidFill>
+                </a:endParaRPr>
+              </a:p>
+              <a:p>
+                <a:r>
+                  <a:rPr lang="en-US" altLang="ko-KR" b="1" dirty="0">
+                    <a:solidFill>
+                      <a:schemeClr val="tx1"/>
+                    </a:solidFill>
+                  </a:rPr>
+                  <a:t>data		//</a:t>
+                </a:r>
+                <a:r>
+                  <a:rPr lang="ko-KR" altLang="en-US" b="1" dirty="0">
+                    <a:solidFill>
+                      <a:schemeClr val="tx1"/>
+                    </a:solidFill>
+                  </a:rPr>
+                  <a:t> 첨부파일</a:t>
+                </a:r>
+                <a:endParaRPr lang="en-US" altLang="ko-KR" b="1" dirty="0">
+                  <a:solidFill>
+                    <a:schemeClr val="tx1"/>
+                  </a:solidFill>
+                </a:endParaRPr>
+              </a:p>
+              <a:p>
+                <a:r>
+                  <a:rPr lang="en-US" altLang="ko-KR" b="1" dirty="0">
+                    <a:solidFill>
+                      <a:schemeClr val="tx1"/>
+                    </a:solidFill>
+                  </a:rPr>
+                  <a:t>hits		// </a:t>
+                </a:r>
+                <a:r>
+                  <a:rPr lang="ko-KR" altLang="en-US" b="1" dirty="0">
+                    <a:solidFill>
+                      <a:schemeClr val="tx1"/>
+                    </a:solidFill>
+                  </a:rPr>
+                  <a:t>조회수</a:t>
+                </a:r>
+                <a:endParaRPr lang="en-US" altLang="ko-KR" b="1" dirty="0">
+                  <a:solidFill>
+                    <a:schemeClr val="tx1"/>
+                  </a:solidFill>
+                </a:endParaRPr>
+              </a:p>
+              <a:p>
+                <a:r>
+                  <a:rPr lang="en-US" altLang="ko-KR" b="1" dirty="0" err="1">
+                    <a:solidFill>
+                      <a:schemeClr val="tx1"/>
+                    </a:solidFill>
+                  </a:rPr>
+                  <a:t>reg_date</a:t>
+                </a:r>
+                <a:r>
+                  <a:rPr lang="en-US" altLang="ko-KR" b="1" dirty="0">
+                    <a:solidFill>
+                      <a:schemeClr val="tx1"/>
+                    </a:solidFill>
+                  </a:rPr>
+                  <a:t>	// </a:t>
+                </a:r>
+                <a:r>
+                  <a:rPr lang="ko-KR" altLang="en-US" b="1" dirty="0">
+                    <a:solidFill>
+                      <a:schemeClr val="tx1"/>
+                    </a:solidFill>
+                  </a:rPr>
+                  <a:t>작성일</a:t>
+                </a:r>
+                <a:endParaRPr lang="en-US" altLang="ko-KR" b="1" dirty="0">
+                  <a:solidFill>
+                    <a:schemeClr val="tx1"/>
+                  </a:solidFill>
+                </a:endParaRPr>
+              </a:p>
+              <a:p>
+                <a:r>
+                  <a:rPr lang="en-US" altLang="ko-KR" b="1" dirty="0" err="1">
+                    <a:solidFill>
+                      <a:schemeClr val="tx1"/>
+                    </a:solidFill>
+                  </a:rPr>
+                  <a:t>mod_date</a:t>
+                </a:r>
+                <a:r>
+                  <a:rPr lang="en-US" altLang="ko-KR" b="1" dirty="0">
+                    <a:solidFill>
+                      <a:schemeClr val="tx1"/>
+                    </a:solidFill>
+                  </a:rPr>
+                  <a:t>	// </a:t>
+                </a:r>
+                <a:r>
+                  <a:rPr lang="ko-KR" altLang="en-US" b="1" dirty="0">
+                    <a:solidFill>
+                      <a:schemeClr val="tx1"/>
+                    </a:solidFill>
+                  </a:rPr>
+                  <a:t>수정일</a:t>
+                </a:r>
+                <a:endParaRPr lang="en-US" altLang="ko-KR" b="1" dirty="0">
+                  <a:solidFill>
+                    <a:schemeClr val="tx1"/>
+                  </a:solidFill>
+                </a:endParaRPr>
+              </a:p>
+              <a:p>
+                <a:r>
+                  <a:rPr lang="en-US" altLang="ko-KR" b="1" dirty="0">
+                    <a:solidFill>
+                      <a:schemeClr val="tx1"/>
+                    </a:solidFill>
+                  </a:rPr>
+                  <a:t>author		// </a:t>
+                </a:r>
+                <a:r>
+                  <a:rPr lang="ko-KR" altLang="en-US" b="1" dirty="0">
+                    <a:solidFill>
+                      <a:schemeClr val="tx1"/>
+                    </a:solidFill>
+                  </a:rPr>
+                  <a:t>작성자</a:t>
+                </a:r>
+                <a:endParaRPr lang="en-US" altLang="ko-KR" b="1" dirty="0">
+                  <a:solidFill>
+                    <a:schemeClr val="tx1"/>
+                  </a:solidFill>
+                </a:endParaRPr>
+              </a:p>
+            </p:txBody>
+          </p:sp>
+        </p:grpSp>
+        <p:grpSp>
+          <p:nvGrpSpPr>
+            <p:cNvPr id="11" name="그룹 10">
+              <a:extLst>
+                <a:ext uri="{FF2B5EF4-FFF2-40B4-BE49-F238E27FC236}">
+                  <a16:creationId xmlns:a16="http://schemas.microsoft.com/office/drawing/2014/main" id="{129E7AFF-8CA7-1E07-571F-CE0AA2AC24B5}"/>
+                </a:ext>
+              </a:extLst>
+            </p:cNvPr>
+            <p:cNvGrpSpPr/>
+            <p:nvPr/>
+          </p:nvGrpSpPr>
+          <p:grpSpPr>
+            <a:xfrm>
+              <a:off x="6594260" y="2185488"/>
+              <a:ext cx="4173113" cy="2860383"/>
+              <a:chOff x="1422036" y="2185488"/>
+              <a:chExt cx="4173113" cy="2860383"/>
+            </a:xfrm>
+          </p:grpSpPr>
+          <p:sp>
+            <p:nvSpPr>
+              <p:cNvPr id="12" name="직사각형 11">
+                <a:extLst>
+                  <a:ext uri="{FF2B5EF4-FFF2-40B4-BE49-F238E27FC236}">
+                    <a16:creationId xmlns:a16="http://schemas.microsoft.com/office/drawing/2014/main" id="{A912F3CC-76AE-1815-EE33-43D9E0291624}"/>
+                  </a:ext>
+                </a:extLst>
+              </p:cNvPr>
+              <p:cNvSpPr/>
+              <p:nvPr/>
+            </p:nvSpPr>
+            <p:spPr>
+              <a:xfrm>
+                <a:off x="1422036" y="2185488"/>
+                <a:ext cx="4170522" cy="444881"/>
+              </a:xfrm>
+              <a:prstGeom prst="rect">
+                <a:avLst/>
+              </a:prstGeom>
+              <a:noFill/>
+              <a:ln w="38100">
+                <a:solidFill>
+                  <a:schemeClr val="tx1"/>
+                </a:solidFill>
+              </a:ln>
+            </p:spPr>
+            <p:style>
+              <a:lnRef idx="2">
+                <a:schemeClr val="accent1">
+                  <a:shade val="50000"/>
+                </a:schemeClr>
+              </a:lnRef>
+              <a:fillRef idx="1">
+                <a:schemeClr val="accent1"/>
+              </a:fillRef>
+              <a:effectRef idx="0">
+                <a:schemeClr val="accent1"/>
+              </a:effectRef>
+              <a:fontRef idx="minor">
+                <a:schemeClr val="lt1"/>
+              </a:fontRef>
+            </p:style>
+            <p:txBody>
+              <a:bodyPr rtlCol="0" anchor="ctr"/>
+              <a:lstStyle/>
+              <a:p>
+                <a:pPr algn="ctr"/>
+                <a:r>
+                  <a:rPr lang="en-US" altLang="ko-KR" b="1" dirty="0">
+                    <a:solidFill>
+                      <a:schemeClr val="tx1"/>
+                    </a:solidFill>
+                  </a:rPr>
+                  <a:t>project1_paper_board</a:t>
+                </a:r>
+                <a:endParaRPr lang="ko-KR" altLang="en-US" b="1" dirty="0">
+                  <a:solidFill>
+                    <a:schemeClr val="tx1"/>
+                  </a:solidFill>
+                </a:endParaRPr>
+              </a:p>
+            </p:txBody>
+          </p:sp>
+          <p:sp>
+            <p:nvSpPr>
+              <p:cNvPr id="13" name="직사각형 12">
+                <a:extLst>
+                  <a:ext uri="{FF2B5EF4-FFF2-40B4-BE49-F238E27FC236}">
+                    <a16:creationId xmlns:a16="http://schemas.microsoft.com/office/drawing/2014/main" id="{09F5619A-32C5-D28D-F4EB-2BA5216CA525}"/>
+                  </a:ext>
+                </a:extLst>
+              </p:cNvPr>
+              <p:cNvSpPr/>
+              <p:nvPr/>
+            </p:nvSpPr>
+            <p:spPr>
+              <a:xfrm>
+                <a:off x="1424627" y="2630371"/>
+                <a:ext cx="4170522" cy="2415500"/>
+              </a:xfrm>
+              <a:prstGeom prst="rect">
+                <a:avLst/>
+              </a:prstGeom>
+              <a:noFill/>
+              <a:ln w="38100">
+                <a:solidFill>
+                  <a:schemeClr val="tx1"/>
+                </a:solidFill>
+              </a:ln>
+            </p:spPr>
+            <p:style>
+              <a:lnRef idx="2">
+                <a:schemeClr val="accent1">
+                  <a:shade val="50000"/>
+                </a:schemeClr>
+              </a:lnRef>
+              <a:fillRef idx="1">
+                <a:schemeClr val="accent1"/>
+              </a:fillRef>
+              <a:effectRef idx="0">
+                <a:schemeClr val="accent1"/>
+              </a:effectRef>
+              <a:fontRef idx="minor">
+                <a:schemeClr val="lt1"/>
+              </a:fontRef>
+            </p:style>
+            <p:txBody>
+              <a:bodyPr rtlCol="0" anchor="ctr"/>
+              <a:lstStyle/>
+              <a:p>
+                <a:r>
+                  <a:rPr lang="en-US" altLang="ko-KR" b="1" dirty="0">
+                    <a:solidFill>
+                      <a:schemeClr val="tx1"/>
+                    </a:solidFill>
+                  </a:rPr>
+                  <a:t>id		// PK,</a:t>
+                </a:r>
+                <a:r>
+                  <a:rPr lang="ko-KR" altLang="en-US" b="1" dirty="0">
+                    <a:solidFill>
+                      <a:schemeClr val="tx1"/>
+                    </a:solidFill>
+                  </a:rPr>
+                  <a:t> 글 아이디</a:t>
+                </a:r>
+                <a:endParaRPr lang="en-US" altLang="ko-KR" b="1" dirty="0">
+                  <a:solidFill>
+                    <a:schemeClr val="tx1"/>
+                  </a:solidFill>
+                </a:endParaRPr>
+              </a:p>
+              <a:p>
+                <a:r>
+                  <a:rPr lang="en-US" altLang="ko-KR" b="1" dirty="0">
+                    <a:solidFill>
+                      <a:schemeClr val="tx1"/>
+                    </a:solidFill>
+                  </a:rPr>
+                  <a:t>title		// </a:t>
+                </a:r>
+                <a:r>
+                  <a:rPr lang="ko-KR" altLang="en-US" b="1" dirty="0">
+                    <a:solidFill>
+                      <a:schemeClr val="tx1"/>
+                    </a:solidFill>
+                  </a:rPr>
+                  <a:t>글 제목</a:t>
+                </a:r>
+                <a:endParaRPr lang="en-US" altLang="ko-KR" b="1" dirty="0">
+                  <a:solidFill>
+                    <a:schemeClr val="tx1"/>
+                  </a:solidFill>
+                </a:endParaRPr>
+              </a:p>
+              <a:p>
+                <a:r>
+                  <a:rPr lang="en-US" altLang="ko-KR" b="1" dirty="0">
+                    <a:solidFill>
+                      <a:schemeClr val="tx1"/>
+                    </a:solidFill>
+                  </a:rPr>
+                  <a:t>content		// </a:t>
+                </a:r>
+                <a:r>
+                  <a:rPr lang="ko-KR" altLang="en-US" b="1" dirty="0">
+                    <a:solidFill>
+                      <a:schemeClr val="tx1"/>
+                    </a:solidFill>
+                  </a:rPr>
+                  <a:t>글 내용</a:t>
+                </a:r>
+                <a:endParaRPr lang="en-US" altLang="ko-KR" b="1" dirty="0">
+                  <a:solidFill>
+                    <a:schemeClr val="tx1"/>
+                  </a:solidFill>
+                </a:endParaRPr>
+              </a:p>
+              <a:p>
+                <a:r>
+                  <a:rPr lang="en-US" altLang="ko-KR" b="1" dirty="0">
+                    <a:solidFill>
+                      <a:schemeClr val="tx1"/>
+                    </a:solidFill>
+                  </a:rPr>
+                  <a:t>data		//</a:t>
+                </a:r>
+                <a:r>
+                  <a:rPr lang="ko-KR" altLang="en-US" b="1" dirty="0">
+                    <a:solidFill>
+                      <a:schemeClr val="tx1"/>
+                    </a:solidFill>
+                  </a:rPr>
+                  <a:t> 첨부파일</a:t>
+                </a:r>
+                <a:endParaRPr lang="en-US" altLang="ko-KR" b="1" dirty="0">
+                  <a:solidFill>
+                    <a:schemeClr val="tx1"/>
+                  </a:solidFill>
+                </a:endParaRPr>
+              </a:p>
+              <a:p>
+                <a:r>
+                  <a:rPr lang="en-US" altLang="ko-KR" b="1" dirty="0">
+                    <a:solidFill>
+                      <a:schemeClr val="tx1"/>
+                    </a:solidFill>
+                  </a:rPr>
+                  <a:t>hits		// </a:t>
+                </a:r>
+                <a:r>
+                  <a:rPr lang="ko-KR" altLang="en-US" b="1" dirty="0">
+                    <a:solidFill>
+                      <a:schemeClr val="tx1"/>
+                    </a:solidFill>
+                  </a:rPr>
+                  <a:t>조회수</a:t>
+                </a:r>
+                <a:endParaRPr lang="en-US" altLang="ko-KR" b="1" dirty="0">
+                  <a:solidFill>
+                    <a:schemeClr val="tx1"/>
+                  </a:solidFill>
+                </a:endParaRPr>
+              </a:p>
+              <a:p>
+                <a:r>
+                  <a:rPr lang="en-US" altLang="ko-KR" b="1" dirty="0" err="1">
+                    <a:solidFill>
+                      <a:schemeClr val="tx1"/>
+                    </a:solidFill>
+                  </a:rPr>
+                  <a:t>reg_date</a:t>
+                </a:r>
+                <a:r>
+                  <a:rPr lang="en-US" altLang="ko-KR" b="1" dirty="0">
+                    <a:solidFill>
+                      <a:schemeClr val="tx1"/>
+                    </a:solidFill>
+                  </a:rPr>
+                  <a:t>	// </a:t>
+                </a:r>
+                <a:r>
+                  <a:rPr lang="ko-KR" altLang="en-US" b="1" dirty="0">
+                    <a:solidFill>
+                      <a:schemeClr val="tx1"/>
+                    </a:solidFill>
+                  </a:rPr>
+                  <a:t>작성일</a:t>
+                </a:r>
+                <a:endParaRPr lang="en-US" altLang="ko-KR" b="1" dirty="0">
+                  <a:solidFill>
+                    <a:schemeClr val="tx1"/>
+                  </a:solidFill>
+                </a:endParaRPr>
+              </a:p>
+              <a:p>
+                <a:r>
+                  <a:rPr lang="en-US" altLang="ko-KR" b="1" dirty="0" err="1">
+                    <a:solidFill>
+                      <a:schemeClr val="tx1"/>
+                    </a:solidFill>
+                  </a:rPr>
+                  <a:t>mod_date</a:t>
+                </a:r>
+                <a:r>
+                  <a:rPr lang="en-US" altLang="ko-KR" b="1" dirty="0">
+                    <a:solidFill>
+                      <a:schemeClr val="tx1"/>
+                    </a:solidFill>
+                  </a:rPr>
+                  <a:t>	// </a:t>
+                </a:r>
+                <a:r>
+                  <a:rPr lang="ko-KR" altLang="en-US" b="1" dirty="0">
+                    <a:solidFill>
+                      <a:schemeClr val="tx1"/>
+                    </a:solidFill>
+                  </a:rPr>
+                  <a:t>수정일</a:t>
+                </a:r>
+                <a:endParaRPr lang="en-US" altLang="ko-KR" b="1" dirty="0">
+                  <a:solidFill>
+                    <a:schemeClr val="tx1"/>
+                  </a:solidFill>
+                </a:endParaRPr>
+              </a:p>
+              <a:p>
+                <a:r>
+                  <a:rPr lang="en-US" altLang="ko-KR" b="1" dirty="0">
+                    <a:solidFill>
+                      <a:schemeClr val="tx1"/>
+                    </a:solidFill>
+                  </a:rPr>
+                  <a:t>author		// </a:t>
+                </a:r>
+                <a:r>
+                  <a:rPr lang="ko-KR" altLang="en-US" b="1" dirty="0">
+                    <a:solidFill>
+                      <a:schemeClr val="tx1"/>
+                    </a:solidFill>
+                  </a:rPr>
+                  <a:t>작성자</a:t>
+                </a:r>
+                <a:endParaRPr lang="en-US" altLang="ko-KR" b="1" dirty="0">
+                  <a:solidFill>
+                    <a:schemeClr val="tx1"/>
+                  </a:solidFill>
+                </a:endParaRPr>
+              </a:p>
+            </p:txBody>
+          </p:sp>
+        </p:grpSp>
+      </p:grpSp>
+    </p:spTree>
+    <p:extLst>
+      <p:ext uri="{BB962C8B-B14F-4D97-AF65-F5344CB8AC3E}">
+        <p14:creationId xmlns:p14="http://schemas.microsoft.com/office/powerpoint/2010/main" val="3615977395"/>
+      </p:ext>
+    </p:extLst>
+  </p:cSld>
+  <p:clrMapOvr>
+    <a:masterClrMapping/>
+  </p:clrMapOvr>
+</p:sld>
+</file>
+
+<file path=ppt/slides/slide29.xml><?xml version="1.0" encoding="utf-8"?>
+<p:sld xmlns:a="http://schemas.openxmlformats.org/drawingml/2006/main" xmlns:r="http://schemas.openxmlformats.org/officeDocument/2006/relationships" xmlns:p="http://schemas.openxmlformats.org/presentationml/2006/main">
+  <p:cSld>
+    <p:spTree>
+      <p:nvGrpSpPr>
+        <p:cNvPr id="1" name=""/>
+        <p:cNvGrpSpPr/>
+        <p:nvPr/>
+      </p:nvGrpSpPr>
+      <p:grpSpPr>
+        <a:xfrm>
+          <a:off x="0" y="0"/>
+          <a:ext cx="0" cy="0"/>
+          <a:chOff x="0" y="0"/>
+          <a:chExt cx="0" cy="0"/>
+        </a:xfrm>
+      </p:grpSpPr>
+      <p:sp>
+        <p:nvSpPr>
+          <p:cNvPr id="6" name="TextBox 5">
+            <a:extLst>
+              <a:ext uri="{FF2B5EF4-FFF2-40B4-BE49-F238E27FC236}">
+                <a16:creationId xmlns:a16="http://schemas.microsoft.com/office/drawing/2014/main" id="{F204C529-3208-C800-5178-EA5E6B6187AB}"/>
+              </a:ext>
+            </a:extLst>
+          </p:cNvPr>
+          <p:cNvSpPr txBox="1"/>
+          <p:nvPr/>
+        </p:nvSpPr>
+        <p:spPr>
+          <a:xfrm>
+            <a:off x="0" y="0"/>
+            <a:ext cx="12192000" cy="584775"/>
+          </a:xfrm>
+          <a:prstGeom prst="rect">
+            <a:avLst/>
+          </a:prstGeom>
+          <a:solidFill>
+            <a:schemeClr val="tx1"/>
+          </a:solidFill>
+        </p:spPr>
+        <p:txBody>
+          <a:bodyPr wrap="square" rtlCol="0">
+            <a:spAutoFit/>
+          </a:bodyPr>
+          <a:lstStyle/>
+          <a:p>
+            <a:r>
+              <a:rPr lang="en-US" altLang="ko-KR" sz="3200" b="1" dirty="0">
+                <a:solidFill>
+                  <a:schemeClr val="bg1"/>
+                </a:solidFill>
+              </a:rPr>
+              <a:t>Database (Lab: Project1, Project2, Project3)</a:t>
+            </a:r>
+            <a:endParaRPr lang="ko-KR" altLang="en-US" sz="3200" b="1" dirty="0">
+              <a:solidFill>
+                <a:schemeClr val="bg1"/>
+              </a:solidFill>
+            </a:endParaRPr>
+          </a:p>
+        </p:txBody>
+      </p:sp>
+      <p:grpSp>
+        <p:nvGrpSpPr>
+          <p:cNvPr id="2" name="그룹 1">
+            <a:extLst>
+              <a:ext uri="{FF2B5EF4-FFF2-40B4-BE49-F238E27FC236}">
+                <a16:creationId xmlns:a16="http://schemas.microsoft.com/office/drawing/2014/main" id="{EBA1BD0B-5763-62BD-C34B-8DC6C6ACFCA0}"/>
+              </a:ext>
+            </a:extLst>
+          </p:cNvPr>
+          <p:cNvGrpSpPr/>
+          <p:nvPr/>
+        </p:nvGrpSpPr>
+        <p:grpSpPr>
+          <a:xfrm>
+            <a:off x="4009444" y="1589690"/>
+            <a:ext cx="4173113" cy="3678621"/>
+            <a:chOff x="1422036" y="1367250"/>
+            <a:chExt cx="4173113" cy="3678621"/>
+          </a:xfrm>
+        </p:grpSpPr>
+        <p:sp>
+          <p:nvSpPr>
+            <p:cNvPr id="23" name="직사각형 22">
+              <a:extLst>
+                <a:ext uri="{FF2B5EF4-FFF2-40B4-BE49-F238E27FC236}">
+                  <a16:creationId xmlns:a16="http://schemas.microsoft.com/office/drawing/2014/main" id="{46EBE17A-6E0F-D631-BAF5-1616B11BD432}"/>
+                </a:ext>
+              </a:extLst>
+            </p:cNvPr>
+            <p:cNvSpPr/>
+            <p:nvPr/>
+          </p:nvSpPr>
+          <p:spPr>
+            <a:xfrm>
+              <a:off x="1422036" y="1367250"/>
+              <a:ext cx="4170522" cy="444881"/>
+            </a:xfrm>
+            <a:prstGeom prst="rect">
+              <a:avLst/>
+            </a:prstGeom>
+            <a:noFill/>
+            <a:ln w="38100">
+              <a:solidFill>
+                <a:schemeClr val="tx1"/>
+              </a:solidFill>
+            </a:ln>
+          </p:spPr>
+          <p:style>
+            <a:lnRef idx="2">
+              <a:schemeClr val="accent1">
+                <a:shade val="50000"/>
+              </a:schemeClr>
+            </a:lnRef>
+            <a:fillRef idx="1">
+              <a:schemeClr val="accent1"/>
+            </a:fillRef>
+            <a:effectRef idx="0">
+              <a:schemeClr val="accent1"/>
+            </a:effectRef>
+            <a:fontRef idx="minor">
+              <a:schemeClr val="lt1"/>
+            </a:fontRef>
+          </p:style>
+          <p:txBody>
+            <a:bodyPr rtlCol="0" anchor="ctr"/>
+            <a:lstStyle/>
+            <a:p>
+              <a:pPr algn="ctr"/>
+              <a:r>
+                <a:rPr lang="ko-KR" altLang="en-US" b="1" dirty="0">
+                  <a:solidFill>
+                    <a:schemeClr val="tx1"/>
+                  </a:solidFill>
+                </a:rPr>
+                <a:t>자료 게시판</a:t>
+              </a:r>
+            </a:p>
+          </p:txBody>
+        </p:sp>
+        <p:grpSp>
+          <p:nvGrpSpPr>
+            <p:cNvPr id="26" name="그룹 25">
+              <a:extLst>
+                <a:ext uri="{FF2B5EF4-FFF2-40B4-BE49-F238E27FC236}">
+                  <a16:creationId xmlns:a16="http://schemas.microsoft.com/office/drawing/2014/main" id="{E33BFF37-BAC6-E308-6F78-D61E9E9011B3}"/>
+                </a:ext>
+              </a:extLst>
+            </p:cNvPr>
+            <p:cNvGrpSpPr/>
+            <p:nvPr/>
+          </p:nvGrpSpPr>
+          <p:grpSpPr>
+            <a:xfrm>
+              <a:off x="1422036" y="2185488"/>
+              <a:ext cx="4173113" cy="2860383"/>
+              <a:chOff x="1422036" y="2185488"/>
+              <a:chExt cx="4173113" cy="2860383"/>
+            </a:xfrm>
+          </p:grpSpPr>
+          <p:sp>
+            <p:nvSpPr>
+              <p:cNvPr id="16" name="직사각형 15">
+                <a:extLst>
+                  <a:ext uri="{FF2B5EF4-FFF2-40B4-BE49-F238E27FC236}">
+                    <a16:creationId xmlns:a16="http://schemas.microsoft.com/office/drawing/2014/main" id="{9BE6BB27-AE45-4EC2-9EE9-19AFA2484D9D}"/>
+                  </a:ext>
+                </a:extLst>
+              </p:cNvPr>
+              <p:cNvSpPr/>
+              <p:nvPr/>
+            </p:nvSpPr>
+            <p:spPr>
+              <a:xfrm>
+                <a:off x="1422036" y="2185488"/>
+                <a:ext cx="4170522" cy="444881"/>
+              </a:xfrm>
+              <a:prstGeom prst="rect">
+                <a:avLst/>
+              </a:prstGeom>
+              <a:noFill/>
+              <a:ln w="38100">
+                <a:solidFill>
+                  <a:schemeClr val="tx1"/>
+                </a:solidFill>
+              </a:ln>
+            </p:spPr>
+            <p:style>
+              <a:lnRef idx="2">
+                <a:schemeClr val="accent1">
+                  <a:shade val="50000"/>
+                </a:schemeClr>
+              </a:lnRef>
+              <a:fillRef idx="1">
+                <a:schemeClr val="accent1"/>
+              </a:fillRef>
+              <a:effectRef idx="0">
+                <a:schemeClr val="accent1"/>
+              </a:effectRef>
+              <a:fontRef idx="minor">
+                <a:schemeClr val="lt1"/>
+              </a:fontRef>
+            </p:style>
+            <p:txBody>
+              <a:bodyPr rtlCol="0" anchor="ctr"/>
+              <a:lstStyle/>
+              <a:p>
+                <a:pPr algn="ctr"/>
+                <a:r>
+                  <a:rPr lang="en-US" altLang="ko-KR" b="1" dirty="0">
+                    <a:solidFill>
+                      <a:schemeClr val="tx1"/>
+                    </a:solidFill>
+                  </a:rPr>
+                  <a:t>project1_data_board</a:t>
+                </a:r>
+                <a:endParaRPr lang="ko-KR" altLang="en-US" b="1" dirty="0">
+                  <a:solidFill>
+                    <a:schemeClr val="tx1"/>
+                  </a:solidFill>
+                </a:endParaRPr>
+              </a:p>
+            </p:txBody>
+          </p:sp>
+          <p:sp>
+            <p:nvSpPr>
+              <p:cNvPr id="25" name="직사각형 24">
+                <a:extLst>
+                  <a:ext uri="{FF2B5EF4-FFF2-40B4-BE49-F238E27FC236}">
+                    <a16:creationId xmlns:a16="http://schemas.microsoft.com/office/drawing/2014/main" id="{534778F8-0AB4-2EED-2A18-F1BA2833234F}"/>
+                  </a:ext>
+                </a:extLst>
+              </p:cNvPr>
+              <p:cNvSpPr/>
+              <p:nvPr/>
+            </p:nvSpPr>
+            <p:spPr>
+              <a:xfrm>
+                <a:off x="1424627" y="2630371"/>
+                <a:ext cx="4170522" cy="2415500"/>
+              </a:xfrm>
+              <a:prstGeom prst="rect">
+                <a:avLst/>
+              </a:prstGeom>
+              <a:noFill/>
+              <a:ln w="38100">
+                <a:solidFill>
+                  <a:schemeClr val="tx1"/>
+                </a:solidFill>
+              </a:ln>
+            </p:spPr>
+            <p:style>
+              <a:lnRef idx="2">
+                <a:schemeClr val="accent1">
+                  <a:shade val="50000"/>
+                </a:schemeClr>
+              </a:lnRef>
+              <a:fillRef idx="1">
+                <a:schemeClr val="accent1"/>
+              </a:fillRef>
+              <a:effectRef idx="0">
+                <a:schemeClr val="accent1"/>
+              </a:effectRef>
+              <a:fontRef idx="minor">
+                <a:schemeClr val="lt1"/>
+              </a:fontRef>
+            </p:style>
+            <p:txBody>
+              <a:bodyPr rtlCol="0" anchor="ctr"/>
+              <a:lstStyle/>
+              <a:p>
+                <a:r>
+                  <a:rPr lang="en-US" altLang="ko-KR" b="1" dirty="0">
+                    <a:solidFill>
+                      <a:schemeClr val="tx1"/>
+                    </a:solidFill>
+                  </a:rPr>
+                  <a:t>id		// PK,</a:t>
+                </a:r>
+                <a:r>
+                  <a:rPr lang="ko-KR" altLang="en-US" b="1" dirty="0">
+                    <a:solidFill>
+                      <a:schemeClr val="tx1"/>
+                    </a:solidFill>
+                  </a:rPr>
+                  <a:t> 글 아이디</a:t>
+                </a:r>
+                <a:endParaRPr lang="en-US" altLang="ko-KR" b="1" dirty="0">
+                  <a:solidFill>
+                    <a:schemeClr val="tx1"/>
+                  </a:solidFill>
+                </a:endParaRPr>
+              </a:p>
+              <a:p>
+                <a:r>
+                  <a:rPr lang="en-US" altLang="ko-KR" b="1" dirty="0">
+                    <a:solidFill>
+                      <a:schemeClr val="tx1"/>
+                    </a:solidFill>
+                  </a:rPr>
+                  <a:t>title		// </a:t>
+                </a:r>
+                <a:r>
+                  <a:rPr lang="ko-KR" altLang="en-US" b="1" dirty="0">
+                    <a:solidFill>
+                      <a:schemeClr val="tx1"/>
+                    </a:solidFill>
+                  </a:rPr>
+                  <a:t>글 제목</a:t>
+                </a:r>
+                <a:endParaRPr lang="en-US" altLang="ko-KR" b="1" dirty="0">
+                  <a:solidFill>
+                    <a:schemeClr val="tx1"/>
+                  </a:solidFill>
+                </a:endParaRPr>
+              </a:p>
+              <a:p>
+                <a:r>
+                  <a:rPr lang="en-US" altLang="ko-KR" b="1" dirty="0">
+                    <a:solidFill>
+                      <a:schemeClr val="tx1"/>
+                    </a:solidFill>
+                  </a:rPr>
+                  <a:t>content		// </a:t>
+                </a:r>
+                <a:r>
+                  <a:rPr lang="ko-KR" altLang="en-US" b="1" dirty="0">
+                    <a:solidFill>
+                      <a:schemeClr val="tx1"/>
+                    </a:solidFill>
+                  </a:rPr>
+                  <a:t>글 내용</a:t>
+                </a:r>
+                <a:endParaRPr lang="en-US" altLang="ko-KR" b="1" dirty="0">
+                  <a:solidFill>
+                    <a:schemeClr val="tx1"/>
+                  </a:solidFill>
+                </a:endParaRPr>
+              </a:p>
+              <a:p>
+                <a:r>
+                  <a:rPr lang="en-US" altLang="ko-KR" b="1" dirty="0">
+                    <a:solidFill>
+                      <a:schemeClr val="tx1"/>
+                    </a:solidFill>
+                  </a:rPr>
+                  <a:t>data		//</a:t>
+                </a:r>
+                <a:r>
+                  <a:rPr lang="ko-KR" altLang="en-US" b="1" dirty="0">
+                    <a:solidFill>
+                      <a:schemeClr val="tx1"/>
+                    </a:solidFill>
+                  </a:rPr>
+                  <a:t> 첨부파일</a:t>
+                </a:r>
+                <a:endParaRPr lang="en-US" altLang="ko-KR" b="1" dirty="0">
+                  <a:solidFill>
+                    <a:schemeClr val="tx1"/>
+                  </a:solidFill>
+                </a:endParaRPr>
+              </a:p>
+              <a:p>
+                <a:r>
+                  <a:rPr lang="en-US" altLang="ko-KR" b="1" dirty="0">
+                    <a:solidFill>
+                      <a:schemeClr val="tx1"/>
+                    </a:solidFill>
+                  </a:rPr>
+                  <a:t>hits		// </a:t>
+                </a:r>
+                <a:r>
+                  <a:rPr lang="ko-KR" altLang="en-US" b="1" dirty="0">
+                    <a:solidFill>
+                      <a:schemeClr val="tx1"/>
+                    </a:solidFill>
+                  </a:rPr>
+                  <a:t>조회수</a:t>
+                </a:r>
+                <a:endParaRPr lang="en-US" altLang="ko-KR" b="1" dirty="0">
+                  <a:solidFill>
+                    <a:schemeClr val="tx1"/>
+                  </a:solidFill>
+                </a:endParaRPr>
+              </a:p>
+              <a:p>
+                <a:r>
+                  <a:rPr lang="en-US" altLang="ko-KR" b="1" dirty="0" err="1">
+                    <a:solidFill>
+                      <a:schemeClr val="tx1"/>
+                    </a:solidFill>
+                  </a:rPr>
+                  <a:t>reg_date</a:t>
+                </a:r>
+                <a:r>
+                  <a:rPr lang="en-US" altLang="ko-KR" b="1" dirty="0">
+                    <a:solidFill>
+                      <a:schemeClr val="tx1"/>
+                    </a:solidFill>
+                  </a:rPr>
+                  <a:t>	// </a:t>
+                </a:r>
+                <a:r>
+                  <a:rPr lang="ko-KR" altLang="en-US" b="1" dirty="0">
+                    <a:solidFill>
+                      <a:schemeClr val="tx1"/>
+                    </a:solidFill>
+                  </a:rPr>
+                  <a:t>작성일</a:t>
+                </a:r>
+                <a:endParaRPr lang="en-US" altLang="ko-KR" b="1" dirty="0">
+                  <a:solidFill>
+                    <a:schemeClr val="tx1"/>
+                  </a:solidFill>
+                </a:endParaRPr>
+              </a:p>
+              <a:p>
+                <a:r>
+                  <a:rPr lang="en-US" altLang="ko-KR" b="1" dirty="0" err="1">
+                    <a:solidFill>
+                      <a:schemeClr val="tx1"/>
+                    </a:solidFill>
+                  </a:rPr>
+                  <a:t>mod_date</a:t>
+                </a:r>
+                <a:r>
+                  <a:rPr lang="en-US" altLang="ko-KR" b="1" dirty="0">
+                    <a:solidFill>
+                      <a:schemeClr val="tx1"/>
+                    </a:solidFill>
+                  </a:rPr>
+                  <a:t>	// </a:t>
+                </a:r>
+                <a:r>
+                  <a:rPr lang="ko-KR" altLang="en-US" b="1" dirty="0">
+                    <a:solidFill>
+                      <a:schemeClr val="tx1"/>
+                    </a:solidFill>
+                  </a:rPr>
+                  <a:t>수정일</a:t>
+                </a:r>
+                <a:endParaRPr lang="en-US" altLang="ko-KR" b="1" dirty="0">
+                  <a:solidFill>
+                    <a:schemeClr val="tx1"/>
+                  </a:solidFill>
+                </a:endParaRPr>
+              </a:p>
+              <a:p>
+                <a:r>
+                  <a:rPr lang="en-US" altLang="ko-KR" b="1" dirty="0">
+                    <a:solidFill>
+                      <a:schemeClr val="tx1"/>
+                    </a:solidFill>
+                  </a:rPr>
+                  <a:t>author		// </a:t>
+                </a:r>
+                <a:r>
+                  <a:rPr lang="ko-KR" altLang="en-US" b="1" dirty="0">
+                    <a:solidFill>
+                      <a:schemeClr val="tx1"/>
+                    </a:solidFill>
+                  </a:rPr>
+                  <a:t>작성자</a:t>
+                </a:r>
+                <a:endParaRPr lang="en-US" altLang="ko-KR" b="1" dirty="0">
+                  <a:solidFill>
+                    <a:schemeClr val="tx1"/>
+                  </a:solidFill>
+                </a:endParaRPr>
+              </a:p>
+            </p:txBody>
+          </p:sp>
+        </p:grpSp>
+      </p:grpSp>
+    </p:spTree>
+    <p:extLst>
+      <p:ext uri="{BB962C8B-B14F-4D97-AF65-F5344CB8AC3E}">
+        <p14:creationId xmlns:p14="http://schemas.microsoft.com/office/powerpoint/2010/main" val="2787168162"/>
       </p:ext>
     </p:extLst>
   </p:cSld>
@@ -15459,6 +20449,1095 @@
     <p:extLst>
       <p:ext uri="{BB962C8B-B14F-4D97-AF65-F5344CB8AC3E}">
         <p14:creationId xmlns:p14="http://schemas.microsoft.com/office/powerpoint/2010/main" val="1196208655"/>
+      </p:ext>
+    </p:extLst>
+  </p:cSld>
+  <p:clrMapOvr>
+    <a:masterClrMapping/>
+  </p:clrMapOvr>
+</p:sld>
+</file>
+
+<file path=ppt/slides/slide30.xml><?xml version="1.0" encoding="utf-8"?>
+<p:sld xmlns:a="http://schemas.openxmlformats.org/drawingml/2006/main" xmlns:r="http://schemas.openxmlformats.org/officeDocument/2006/relationships" xmlns:p="http://schemas.openxmlformats.org/presentationml/2006/main">
+  <p:cSld>
+    <p:spTree>
+      <p:nvGrpSpPr>
+        <p:cNvPr id="1" name=""/>
+        <p:cNvGrpSpPr/>
+        <p:nvPr/>
+      </p:nvGrpSpPr>
+      <p:grpSpPr>
+        <a:xfrm>
+          <a:off x="0" y="0"/>
+          <a:ext cx="0" cy="0"/>
+          <a:chOff x="0" y="0"/>
+          <a:chExt cx="0" cy="0"/>
+        </a:xfrm>
+      </p:grpSpPr>
+      <p:sp>
+        <p:nvSpPr>
+          <p:cNvPr id="4" name="TextBox 3">
+            <a:extLst>
+              <a:ext uri="{FF2B5EF4-FFF2-40B4-BE49-F238E27FC236}">
+                <a16:creationId xmlns:a16="http://schemas.microsoft.com/office/drawing/2014/main" id="{07F28203-A8AD-273E-C2C6-E0632B86F782}"/>
+              </a:ext>
+            </a:extLst>
+          </p:cNvPr>
+          <p:cNvSpPr txBox="1"/>
+          <p:nvPr/>
+        </p:nvSpPr>
+        <p:spPr>
+          <a:xfrm>
+            <a:off x="2572439" y="2613392"/>
+            <a:ext cx="7047122" cy="1631216"/>
+          </a:xfrm>
+          <a:prstGeom prst="rect">
+            <a:avLst/>
+          </a:prstGeom>
+          <a:noFill/>
+        </p:spPr>
+        <p:txBody>
+          <a:bodyPr wrap="none" rtlCol="0">
+            <a:spAutoFit/>
+          </a:bodyPr>
+          <a:lstStyle/>
+          <a:p>
+            <a:r>
+              <a:rPr lang="ko-KR" altLang="en-US" sz="10000" b="1"/>
+              <a:t>구분 페이지</a:t>
+            </a:r>
+          </a:p>
+        </p:txBody>
+      </p:sp>
+    </p:spTree>
+    <p:extLst>
+      <p:ext uri="{BB962C8B-B14F-4D97-AF65-F5344CB8AC3E}">
+        <p14:creationId xmlns:p14="http://schemas.microsoft.com/office/powerpoint/2010/main" val="400947639"/>
+      </p:ext>
+    </p:extLst>
+  </p:cSld>
+  <p:clrMapOvr>
+    <a:masterClrMapping/>
+  </p:clrMapOvr>
+</p:sld>
+</file>
+
+<file path=ppt/slides/slide31.xml><?xml version="1.0" encoding="utf-8"?>
+<p:sld xmlns:a="http://schemas.openxmlformats.org/drawingml/2006/main" xmlns:r="http://schemas.openxmlformats.org/officeDocument/2006/relationships" xmlns:p="http://schemas.openxmlformats.org/presentationml/2006/main">
+  <p:cSld>
+    <p:spTree>
+      <p:nvGrpSpPr>
+        <p:cNvPr id="1" name=""/>
+        <p:cNvGrpSpPr/>
+        <p:nvPr/>
+      </p:nvGrpSpPr>
+      <p:grpSpPr>
+        <a:xfrm>
+          <a:off x="0" y="0"/>
+          <a:ext cx="0" cy="0"/>
+          <a:chOff x="0" y="0"/>
+          <a:chExt cx="0" cy="0"/>
+        </a:xfrm>
+      </p:grpSpPr>
+      <p:sp>
+        <p:nvSpPr>
+          <p:cNvPr id="5" name="TextBox 4">
+            <a:extLst>
+              <a:ext uri="{FF2B5EF4-FFF2-40B4-BE49-F238E27FC236}">
+                <a16:creationId xmlns:a16="http://schemas.microsoft.com/office/drawing/2014/main" id="{C8ECAF98-496C-0D84-6BD8-A2D0ECAE6E50}"/>
+              </a:ext>
+            </a:extLst>
+          </p:cNvPr>
+          <p:cNvSpPr txBox="1"/>
+          <p:nvPr/>
+        </p:nvSpPr>
+        <p:spPr>
+          <a:xfrm>
+            <a:off x="0" y="1082693"/>
+            <a:ext cx="12192000" cy="1569660"/>
+          </a:xfrm>
+          <a:prstGeom prst="rect">
+            <a:avLst/>
+          </a:prstGeom>
+          <a:noFill/>
+        </p:spPr>
+        <p:txBody>
+          <a:bodyPr wrap="square" rtlCol="0">
+            <a:spAutoFit/>
+          </a:bodyPr>
+          <a:lstStyle/>
+          <a:p>
+            <a:pPr marL="457200" indent="-457200">
+              <a:buAutoNum type="arabicParenR"/>
+            </a:pPr>
+            <a:r>
+              <a:rPr lang="ko-KR" altLang="en-US" sz="2400" b="1" dirty="0"/>
+              <a:t>공동개발환경 세팅</a:t>
+            </a:r>
+            <a:endParaRPr lang="en-US" altLang="ko-KR" sz="2400" b="1" dirty="0"/>
+          </a:p>
+          <a:p>
+            <a:pPr marL="457200" indent="-457200">
+              <a:buAutoNum type="arabicParenR"/>
+            </a:pPr>
+            <a:r>
+              <a:rPr lang="ko-KR" altLang="en-US" sz="2400" b="1" dirty="0"/>
+              <a:t>페이지구상</a:t>
+            </a:r>
+            <a:endParaRPr lang="en-US" altLang="ko-KR" sz="2400" b="1" dirty="0"/>
+          </a:p>
+          <a:p>
+            <a:pPr marL="457200" indent="-457200">
+              <a:buAutoNum type="arabicParenR"/>
+            </a:pPr>
+            <a:r>
+              <a:rPr lang="ko-KR" altLang="en-US" sz="2400" b="1" dirty="0"/>
+              <a:t>기능 구상</a:t>
+            </a:r>
+            <a:endParaRPr lang="en-US" altLang="ko-KR" sz="2400" b="1" dirty="0"/>
+          </a:p>
+          <a:p>
+            <a:pPr marL="457200" indent="-457200">
+              <a:buFontTx/>
+              <a:buAutoNum type="arabicParenR"/>
+            </a:pPr>
+            <a:r>
+              <a:rPr lang="en-US" altLang="ko-KR" sz="2400" b="1" dirty="0">
+                <a:solidFill>
+                  <a:srgbClr val="FF0000"/>
+                </a:solidFill>
+              </a:rPr>
+              <a:t>ERD</a:t>
+            </a:r>
+            <a:r>
+              <a:rPr lang="ko-KR" altLang="en-US" sz="2400" b="1" dirty="0">
+                <a:solidFill>
+                  <a:srgbClr val="FF0000"/>
+                </a:solidFill>
+              </a:rPr>
+              <a:t> 구상</a:t>
+            </a:r>
+            <a:endParaRPr lang="en-US" altLang="ko-KR" sz="2400" b="1" dirty="0">
+              <a:solidFill>
+                <a:srgbClr val="FF0000"/>
+              </a:solidFill>
+            </a:endParaRPr>
+          </a:p>
+        </p:txBody>
+      </p:sp>
+      <p:sp>
+        <p:nvSpPr>
+          <p:cNvPr id="6" name="TextBox 5">
+            <a:extLst>
+              <a:ext uri="{FF2B5EF4-FFF2-40B4-BE49-F238E27FC236}">
+                <a16:creationId xmlns:a16="http://schemas.microsoft.com/office/drawing/2014/main" id="{8B73F40B-2B9A-AA4C-5FBD-2F71BE983F70}"/>
+              </a:ext>
+            </a:extLst>
+          </p:cNvPr>
+          <p:cNvSpPr txBox="1"/>
+          <p:nvPr/>
+        </p:nvSpPr>
+        <p:spPr>
+          <a:xfrm>
+            <a:off x="0" y="0"/>
+            <a:ext cx="12192000" cy="584775"/>
+          </a:xfrm>
+          <a:prstGeom prst="rect">
+            <a:avLst/>
+          </a:prstGeom>
+          <a:solidFill>
+            <a:schemeClr val="tx1"/>
+          </a:solidFill>
+        </p:spPr>
+        <p:txBody>
+          <a:bodyPr wrap="square" rtlCol="0">
+            <a:spAutoFit/>
+          </a:bodyPr>
+          <a:lstStyle/>
+          <a:p>
+            <a:r>
+              <a:rPr lang="ko-KR" altLang="en-US" sz="3200" b="1" dirty="0" err="1">
+                <a:solidFill>
+                  <a:schemeClr val="bg1"/>
+                </a:solidFill>
+              </a:rPr>
+              <a:t>임시할일</a:t>
+            </a:r>
+            <a:endParaRPr lang="ko-KR" altLang="en-US" sz="3200" b="1" dirty="0">
+              <a:solidFill>
+                <a:schemeClr val="bg1"/>
+              </a:solidFill>
+            </a:endParaRPr>
+          </a:p>
+        </p:txBody>
+      </p:sp>
+      <p:sp>
+        <p:nvSpPr>
+          <p:cNvPr id="7" name="TextBox 6">
+            <a:extLst>
+              <a:ext uri="{FF2B5EF4-FFF2-40B4-BE49-F238E27FC236}">
+                <a16:creationId xmlns:a16="http://schemas.microsoft.com/office/drawing/2014/main" id="{52AA772F-8CF1-193B-CBDF-EB1BC9C0891B}"/>
+              </a:ext>
+            </a:extLst>
+          </p:cNvPr>
+          <p:cNvSpPr txBox="1"/>
+          <p:nvPr/>
+        </p:nvSpPr>
+        <p:spPr>
+          <a:xfrm>
+            <a:off x="-1" y="3150271"/>
+            <a:ext cx="12191999" cy="1200329"/>
+          </a:xfrm>
+          <a:prstGeom prst="rect">
+            <a:avLst/>
+          </a:prstGeom>
+          <a:noFill/>
+        </p:spPr>
+        <p:txBody>
+          <a:bodyPr wrap="square" rtlCol="0">
+            <a:spAutoFit/>
+          </a:bodyPr>
+          <a:lstStyle/>
+          <a:p>
+            <a:pPr marL="457200" indent="-457200">
+              <a:buAutoNum type="arabicParenR"/>
+            </a:pPr>
+            <a:r>
+              <a:rPr lang="ko-KR" altLang="en-US" sz="2400" b="1" dirty="0"/>
+              <a:t>페이지 개발</a:t>
+            </a:r>
+            <a:endParaRPr lang="en-US" altLang="ko-KR" sz="2400" b="1" dirty="0"/>
+          </a:p>
+          <a:p>
+            <a:pPr marL="457200" indent="-457200">
+              <a:buAutoNum type="arabicParenR"/>
+            </a:pPr>
+            <a:r>
+              <a:rPr lang="ko-KR" altLang="en-US" sz="2400" b="1" dirty="0"/>
+              <a:t>기능 개발</a:t>
+            </a:r>
+            <a:endParaRPr lang="en-US" altLang="ko-KR" sz="2400" b="1" dirty="0"/>
+          </a:p>
+          <a:p>
+            <a:pPr marL="457200" indent="-457200">
+              <a:buAutoNum type="arabicParenR"/>
+            </a:pPr>
+            <a:r>
+              <a:rPr lang="en-US" altLang="ko-KR" sz="2400" b="1" dirty="0" err="1"/>
+              <a:t>BootStrap</a:t>
+            </a:r>
+            <a:r>
+              <a:rPr lang="en-US" altLang="ko-KR" sz="2400" b="1" dirty="0"/>
+              <a:t> </a:t>
+            </a:r>
+            <a:r>
+              <a:rPr lang="ko-KR" altLang="en-US" sz="2400" b="1" dirty="0"/>
+              <a:t>디자인</a:t>
+            </a:r>
+            <a:endParaRPr lang="en-US" altLang="ko-KR" sz="2400" b="1" dirty="0"/>
+          </a:p>
+        </p:txBody>
+      </p:sp>
+    </p:spTree>
+    <p:extLst>
+      <p:ext uri="{BB962C8B-B14F-4D97-AF65-F5344CB8AC3E}">
+        <p14:creationId xmlns:p14="http://schemas.microsoft.com/office/powerpoint/2010/main" val="970150301"/>
+      </p:ext>
+    </p:extLst>
+  </p:cSld>
+  <p:clrMapOvr>
+    <a:masterClrMapping/>
+  </p:clrMapOvr>
+</p:sld>
+</file>
+
+<file path=ppt/slides/slide32.xml><?xml version="1.0" encoding="utf-8"?>
+<p:sld xmlns:a="http://schemas.openxmlformats.org/drawingml/2006/main" xmlns:r="http://schemas.openxmlformats.org/officeDocument/2006/relationships" xmlns:p="http://schemas.openxmlformats.org/presentationml/2006/main">
+  <p:cSld>
+    <p:spTree>
+      <p:nvGrpSpPr>
+        <p:cNvPr id="1" name=""/>
+        <p:cNvGrpSpPr/>
+        <p:nvPr/>
+      </p:nvGrpSpPr>
+      <p:grpSpPr>
+        <a:xfrm>
+          <a:off x="0" y="0"/>
+          <a:ext cx="0" cy="0"/>
+          <a:chOff x="0" y="0"/>
+          <a:chExt cx="0" cy="0"/>
+        </a:xfrm>
+      </p:grpSpPr>
+      <p:sp>
+        <p:nvSpPr>
+          <p:cNvPr id="6" name="TextBox 5">
+            <a:extLst>
+              <a:ext uri="{FF2B5EF4-FFF2-40B4-BE49-F238E27FC236}">
+                <a16:creationId xmlns:a16="http://schemas.microsoft.com/office/drawing/2014/main" id="{8B73F40B-2B9A-AA4C-5FBD-2F71BE983F70}"/>
+              </a:ext>
+            </a:extLst>
+          </p:cNvPr>
+          <p:cNvSpPr txBox="1"/>
+          <p:nvPr/>
+        </p:nvSpPr>
+        <p:spPr>
+          <a:xfrm>
+            <a:off x="0" y="0"/>
+            <a:ext cx="12192000" cy="584775"/>
+          </a:xfrm>
+          <a:prstGeom prst="rect">
+            <a:avLst/>
+          </a:prstGeom>
+          <a:solidFill>
+            <a:schemeClr val="tx1"/>
+          </a:solidFill>
+        </p:spPr>
+        <p:txBody>
+          <a:bodyPr wrap="square" rtlCol="0">
+            <a:spAutoFit/>
+          </a:bodyPr>
+          <a:lstStyle/>
+          <a:p>
+            <a:r>
+              <a:rPr lang="ko-KR" altLang="en-US" sz="3200" b="1" dirty="0" err="1">
+                <a:solidFill>
+                  <a:schemeClr val="bg1"/>
+                </a:solidFill>
+              </a:rPr>
+              <a:t>임시할일</a:t>
+            </a:r>
+            <a:endParaRPr lang="ko-KR" altLang="en-US" sz="3200" b="1" dirty="0">
+              <a:solidFill>
+                <a:schemeClr val="bg1"/>
+              </a:solidFill>
+            </a:endParaRPr>
+          </a:p>
+        </p:txBody>
+      </p:sp>
+      <p:sp>
+        <p:nvSpPr>
+          <p:cNvPr id="8" name="TextBox 7">
+            <a:extLst>
+              <a:ext uri="{FF2B5EF4-FFF2-40B4-BE49-F238E27FC236}">
+                <a16:creationId xmlns:a16="http://schemas.microsoft.com/office/drawing/2014/main" id="{A5BBC1BF-4965-B478-0BF1-5869EE3F37BF}"/>
+              </a:ext>
+            </a:extLst>
+          </p:cNvPr>
+          <p:cNvSpPr txBox="1"/>
+          <p:nvPr/>
+        </p:nvSpPr>
+        <p:spPr>
+          <a:xfrm>
+            <a:off x="201336" y="699625"/>
+            <a:ext cx="1152880" cy="369332"/>
+          </a:xfrm>
+          <a:prstGeom prst="rect">
+            <a:avLst/>
+          </a:prstGeom>
+          <a:noFill/>
+        </p:spPr>
+        <p:txBody>
+          <a:bodyPr wrap="none" rtlCol="0">
+            <a:spAutoFit/>
+          </a:bodyPr>
+          <a:lstStyle/>
+          <a:p>
+            <a:r>
+              <a:rPr lang="en-US" altLang="ko-KR"/>
+              <a:t>ERD </a:t>
+            </a:r>
+            <a:r>
+              <a:rPr lang="ko-KR" altLang="en-US"/>
+              <a:t>관련</a:t>
+            </a:r>
+          </a:p>
+        </p:txBody>
+      </p:sp>
+      <mc:AlternateContent xmlns:mc="http://schemas.openxmlformats.org/markup-compatibility/2006">
+        <mc:Choice xmlns:a14="http://schemas.microsoft.com/office/drawing/2010/main" Requires="a14">
+          <p:sp>
+            <p:nvSpPr>
+              <p:cNvPr id="9" name="TextBox 8">
+                <a:extLst>
+                  <a:ext uri="{FF2B5EF4-FFF2-40B4-BE49-F238E27FC236}">
+                    <a16:creationId xmlns:a16="http://schemas.microsoft.com/office/drawing/2014/main" id="{8F31B641-1A36-3407-22BE-659B9BC3FF9B}"/>
+                  </a:ext>
+                </a:extLst>
+              </p:cNvPr>
+              <p:cNvSpPr txBox="1"/>
+              <p:nvPr/>
+            </p:nvSpPr>
+            <p:spPr>
+              <a:xfrm>
+                <a:off x="342181" y="1273717"/>
+                <a:ext cx="11507638" cy="4616648"/>
+              </a:xfrm>
+              <a:prstGeom prst="rect">
+                <a:avLst/>
+              </a:prstGeom>
+              <a:noFill/>
+              <a:ln>
+                <a:solidFill>
+                  <a:schemeClr val="tx1"/>
+                </a:solidFill>
+              </a:ln>
+            </p:spPr>
+            <p:txBody>
+              <a:bodyPr wrap="square" rtlCol="0">
+                <a:spAutoFit/>
+              </a:bodyPr>
+              <a:lstStyle/>
+              <a:p>
+                <a:r>
+                  <a:rPr lang="ko-KR" altLang="en-US" sz="1400" b="1" dirty="0"/>
+                  <a:t>회원 관리</a:t>
+                </a:r>
+                <a:endParaRPr lang="en-US" altLang="ko-KR" sz="1400" b="1" dirty="0"/>
+              </a:p>
+              <a:p>
+                <a:endParaRPr lang="en-US" altLang="ko-KR" sz="1400" b="1" dirty="0"/>
+              </a:p>
+              <a:p>
+                <a:r>
+                  <a:rPr lang="ko-KR" altLang="en-US" sz="1400" dirty="0"/>
+                  <a:t>방식</a:t>
+                </a:r>
+                <a:r>
+                  <a:rPr lang="en-US" altLang="ko-KR" sz="1400" dirty="0"/>
+                  <a:t>1 (</a:t>
+                </a:r>
+                <a:r>
+                  <a:rPr lang="ko-KR" altLang="en-US" sz="1400" dirty="0"/>
+                  <a:t>관리자 가입허가 방식 </a:t>
+                </a:r>
+                <a:r>
+                  <a:rPr lang="en-US" altLang="ko-KR" sz="1400" dirty="0"/>
+                  <a:t>-&gt; </a:t>
+                </a:r>
+                <a:r>
+                  <a:rPr lang="ko-KR" altLang="en-US" sz="1400" dirty="0"/>
+                  <a:t>이건 관리자가 일일이 </a:t>
+                </a:r>
+                <a:r>
+                  <a:rPr lang="ko-KR" altLang="en-US" sz="1400" dirty="0" err="1"/>
+                  <a:t>허가해줘야하는</a:t>
+                </a:r>
+                <a:r>
+                  <a:rPr lang="ko-KR" altLang="en-US" sz="1400" dirty="0"/>
+                  <a:t> 단점 존재</a:t>
+                </a:r>
+                <a:r>
+                  <a:rPr lang="en-US" altLang="ko-KR" sz="1400" dirty="0"/>
+                  <a:t>)</a:t>
+                </a:r>
+              </a:p>
+              <a:p>
+                <a:r>
+                  <a:rPr lang="en-US" altLang="ko-KR" sz="1400" dirty="0"/>
+                  <a:t>- </a:t>
+                </a:r>
+                <a:r>
+                  <a:rPr lang="ko-KR" altLang="en-US" sz="1400" dirty="0" err="1"/>
+                  <a:t>회원엔티티</a:t>
+                </a:r>
+                <a:r>
+                  <a:rPr lang="en-US" altLang="ko-KR" sz="1400" dirty="0"/>
+                  <a:t>(</a:t>
+                </a:r>
+                <a:r>
+                  <a:rPr lang="ko-KR" altLang="en-US" sz="1400" dirty="0"/>
+                  <a:t>아이디</a:t>
+                </a:r>
+                <a:r>
+                  <a:rPr lang="en-US" altLang="ko-KR" sz="1400" dirty="0"/>
+                  <a:t>:</a:t>
+                </a:r>
+                <a:r>
+                  <a:rPr lang="en-US" altLang="ko-KR" sz="1400" dirty="0" err="1"/>
+                  <a:t>p.k</a:t>
+                </a:r>
+                <a:r>
+                  <a:rPr lang="en-US" altLang="ko-KR" sz="1400" dirty="0"/>
+                  <a:t>, </a:t>
+                </a:r>
+                <a:r>
+                  <a:rPr lang="ko-KR" altLang="en-US" sz="1400" dirty="0"/>
+                  <a:t>비밀번호</a:t>
+                </a:r>
+                <a:r>
+                  <a:rPr lang="en-US" altLang="ko-KR" sz="1400" dirty="0"/>
+                  <a:t>, </a:t>
+                </a:r>
+                <a:r>
+                  <a:rPr lang="ko-KR" altLang="en-US" sz="1400" dirty="0"/>
+                  <a:t>이름</a:t>
+                </a:r>
+                <a:r>
+                  <a:rPr lang="en-US" altLang="ko-KR" sz="1400" dirty="0"/>
+                  <a:t>, </a:t>
+                </a:r>
+                <a:r>
+                  <a:rPr lang="ko-KR" altLang="en-US" sz="1400" dirty="0"/>
+                  <a:t>학번</a:t>
+                </a:r>
+                <a:r>
+                  <a:rPr lang="en-US" altLang="ko-KR" sz="1400" dirty="0"/>
+                  <a:t>, </a:t>
+                </a:r>
+                <a:r>
+                  <a:rPr lang="ko-KR" altLang="en-US" sz="1400" dirty="0"/>
+                  <a:t>관리권한</a:t>
+                </a:r>
+                <a:r>
+                  <a:rPr lang="en-US" altLang="ko-KR" sz="1400" dirty="0"/>
+                  <a:t>)</a:t>
+                </a:r>
+              </a:p>
+              <a:p>
+                <a:r>
+                  <a:rPr lang="en-US" altLang="ko-KR" sz="1400" dirty="0"/>
+                  <a:t>- </a:t>
+                </a:r>
+                <a:r>
+                  <a:rPr lang="ko-KR" altLang="en-US" sz="1400" dirty="0" err="1"/>
+                  <a:t>가입대기엔티티</a:t>
+                </a:r>
+                <a:r>
+                  <a:rPr lang="en-US" altLang="ko-KR" sz="1400" dirty="0"/>
+                  <a:t>(</a:t>
+                </a:r>
+                <a:r>
+                  <a:rPr lang="ko-KR" altLang="en-US" sz="1400" dirty="0"/>
+                  <a:t>아이디</a:t>
+                </a:r>
+                <a:r>
+                  <a:rPr lang="en-US" altLang="ko-KR" sz="1400" dirty="0"/>
+                  <a:t>:pk, </a:t>
+                </a:r>
+                <a:r>
+                  <a:rPr lang="ko-KR" altLang="en-US" sz="1400" dirty="0"/>
+                  <a:t>이름</a:t>
+                </a:r>
+                <a:r>
+                  <a:rPr lang="en-US" altLang="ko-KR" sz="1400" dirty="0"/>
+                  <a:t>, </a:t>
+                </a:r>
+                <a:r>
+                  <a:rPr lang="ko-KR" altLang="en-US" sz="1400" dirty="0"/>
+                  <a:t>학번</a:t>
+                </a:r>
+                <a:r>
+                  <a:rPr lang="en-US" altLang="ko-KR" sz="1400" dirty="0"/>
+                  <a:t>)</a:t>
+                </a:r>
+              </a:p>
+              <a:p>
+                <a:pPr marL="285750" indent="-285750">
+                  <a:buFont typeface="Wingdings" panose="05000000000000000000" pitchFamily="2" charset="2"/>
+                  <a:buChar char="Ø"/>
+                </a:pPr>
+                <a:endParaRPr lang="en-US" altLang="ko-KR" sz="1400" dirty="0"/>
+              </a:p>
+              <a:p>
+                <a:r>
+                  <a:rPr lang="ko-KR" altLang="en-US" sz="1400" dirty="0"/>
+                  <a:t>방식</a:t>
+                </a:r>
+                <a:r>
+                  <a:rPr lang="en-US" altLang="ko-KR" sz="1400" dirty="0"/>
+                  <a:t>2 (Portal </a:t>
+                </a:r>
+                <a:r>
+                  <a:rPr lang="ko-KR" altLang="en-US" sz="1400" dirty="0"/>
+                  <a:t>연동</a:t>
+                </a:r>
+                <a:r>
+                  <a:rPr lang="en-US" altLang="ko-KR" sz="1400" dirty="0"/>
+                  <a:t>)</a:t>
+                </a:r>
+              </a:p>
+              <a:p>
+                <a:r>
+                  <a:rPr lang="en-US" altLang="ko-KR" sz="1400" dirty="0"/>
+                  <a:t>- </a:t>
+                </a:r>
+                <a:r>
+                  <a:rPr lang="ko-KR" altLang="en-US" sz="1400" dirty="0"/>
+                  <a:t>로그인 시 해당 정보를 </a:t>
+                </a:r>
+                <a:r>
+                  <a:rPr lang="en-US" altLang="ko-KR" sz="1400" dirty="0"/>
+                  <a:t>portal</a:t>
+                </a:r>
+                <a:r>
+                  <a:rPr lang="ko-KR" altLang="en-US" sz="1400" dirty="0"/>
+                  <a:t>에 </a:t>
+                </a:r>
+                <a:r>
+                  <a:rPr lang="en-US" altLang="ko-KR" sz="1400" dirty="0" err="1"/>
+                  <a:t>httprequest</a:t>
+                </a:r>
+                <a:r>
+                  <a:rPr lang="en-US" altLang="ko-KR" sz="1400" dirty="0"/>
+                  <a:t> payload</a:t>
+                </a:r>
+                <a:r>
+                  <a:rPr lang="ko-KR" altLang="en-US" sz="1400" dirty="0"/>
+                  <a:t>를 보내어 학수번호 체크하고 해당 수업에 대한 권한 주기</a:t>
+                </a:r>
+                <a:endParaRPr lang="en-US" altLang="ko-KR" sz="1400" dirty="0"/>
+              </a:p>
+              <a:p>
+                <a:endParaRPr lang="en-US" altLang="ko-KR" sz="1400" dirty="0"/>
+              </a:p>
+              <a:p>
+                <a:r>
+                  <a:rPr lang="ko-KR" altLang="en-US" sz="1400" b="1" dirty="0"/>
+                  <a:t>게시판 관련</a:t>
+                </a:r>
+                <a:endParaRPr lang="en-US" altLang="ko-KR" sz="1400" b="1" dirty="0"/>
+              </a:p>
+              <a:p>
+                <a:endParaRPr lang="en-US" altLang="ko-KR" sz="1400" b="1" dirty="0"/>
+              </a:p>
+              <a:p>
+                <a:r>
+                  <a:rPr lang="en-US" altLang="ko-KR" sz="1400" dirty="0"/>
+                  <a:t>- </a:t>
+                </a:r>
+                <a:r>
+                  <a:rPr lang="ko-KR" altLang="en-US" sz="1400" dirty="0" err="1"/>
+                  <a:t>페이지엔티티</a:t>
+                </a:r>
+                <a:r>
+                  <a:rPr lang="en-US" altLang="ko-KR" sz="1400" dirty="0"/>
+                  <a:t>(</a:t>
+                </a:r>
+                <a:r>
+                  <a:rPr lang="ko-KR" altLang="en-US" sz="1400" dirty="0"/>
+                  <a:t>페이지</a:t>
+                </a:r>
+                <a:r>
+                  <a:rPr lang="en-US" altLang="ko-KR" sz="1400" dirty="0"/>
+                  <a:t>id, </a:t>
+                </a:r>
+                <a:r>
+                  <a:rPr lang="ko-KR" altLang="en-US" sz="1400" dirty="0"/>
+                  <a:t>게시판</a:t>
+                </a:r>
+                <a:r>
+                  <a:rPr lang="en-US" altLang="ko-KR" sz="1400" dirty="0"/>
+                  <a:t>id) &lt;- </a:t>
+                </a:r>
+                <a:r>
+                  <a:rPr lang="ko-KR" altLang="en-US" sz="1400" dirty="0"/>
+                  <a:t>페이지차원에서의 작업이 없다면 없어도 무방</a:t>
+                </a:r>
+                <a:r>
+                  <a:rPr lang="en-US" altLang="ko-KR" sz="1400" dirty="0"/>
+                  <a:t>(</a:t>
+                </a:r>
+                <a:r>
+                  <a:rPr lang="ko-KR" altLang="en-US" sz="1400" dirty="0"/>
+                  <a:t>연구 페이지의 통합공지로 인해 필요할 듯</a:t>
+                </a:r>
+                <a:r>
+                  <a:rPr lang="en-US" altLang="ko-KR" sz="1400" dirty="0"/>
+                  <a:t>)</a:t>
+                </a:r>
+              </a:p>
+              <a:p>
+                <a:r>
+                  <a:rPr lang="en-US" altLang="ko-KR" sz="1400" dirty="0"/>
+                  <a:t>- </a:t>
+                </a:r>
+                <a:r>
+                  <a:rPr lang="ko-KR" altLang="en-US" sz="1400" dirty="0" err="1"/>
+                  <a:t>게시글엔티티</a:t>
+                </a:r>
+                <a:r>
+                  <a:rPr lang="en-US" altLang="ko-KR" sz="1400" dirty="0"/>
+                  <a:t>(</a:t>
+                </a:r>
+                <a:r>
+                  <a:rPr lang="ko-KR" altLang="en-US" sz="1400" dirty="0"/>
+                  <a:t>게시판</a:t>
+                </a:r>
+                <a:r>
+                  <a:rPr lang="en-US" altLang="ko-KR" sz="1400" dirty="0"/>
+                  <a:t>id, </a:t>
+                </a:r>
+                <a:r>
+                  <a:rPr lang="ko-KR" altLang="en-US" sz="1400" dirty="0"/>
+                  <a:t>게시글</a:t>
+                </a:r>
+                <a:r>
+                  <a:rPr lang="en-US" altLang="ko-KR" sz="1400" dirty="0"/>
+                  <a:t>id, </a:t>
+                </a:r>
+                <a:r>
+                  <a:rPr lang="ko-KR" altLang="en-US" sz="1400" dirty="0"/>
+                  <a:t>제목</a:t>
+                </a:r>
+                <a:r>
+                  <a:rPr lang="en-US" altLang="ko-KR" sz="1400" dirty="0"/>
+                  <a:t>, </a:t>
+                </a:r>
+                <a:r>
+                  <a:rPr lang="ko-KR" altLang="en-US" sz="1400" dirty="0"/>
+                  <a:t>작성자</a:t>
+                </a:r>
+                <a:r>
+                  <a:rPr lang="en-US" altLang="ko-KR" sz="1400" dirty="0"/>
+                  <a:t>(</a:t>
+                </a:r>
+                <a:r>
+                  <a:rPr lang="ko-KR" altLang="en-US" sz="1400" dirty="0"/>
+                  <a:t>학번</a:t>
+                </a:r>
+                <a:r>
+                  <a:rPr lang="en-US" altLang="ko-KR" sz="1400" dirty="0"/>
+                  <a:t>+</a:t>
+                </a:r>
+                <a:r>
+                  <a:rPr lang="ko-KR" altLang="en-US" sz="1400" dirty="0"/>
+                  <a:t>이름</a:t>
+                </a:r>
+                <a:r>
+                  <a:rPr lang="en-US" altLang="ko-KR" sz="1400" dirty="0"/>
+                  <a:t>), </a:t>
+                </a:r>
+                <a:r>
+                  <a:rPr lang="ko-KR" altLang="en-US" sz="1400" dirty="0"/>
+                  <a:t>내용</a:t>
+                </a:r>
+                <a:r>
+                  <a:rPr lang="en-US" altLang="ko-KR" sz="1400" dirty="0"/>
+                  <a:t>, </a:t>
+                </a:r>
+                <a:r>
+                  <a:rPr lang="ko-KR" altLang="en-US" sz="1400" dirty="0"/>
+                  <a:t>작성일</a:t>
+                </a:r>
+                <a:r>
+                  <a:rPr lang="en-US" altLang="ko-KR" sz="1400" dirty="0"/>
+                  <a:t>, </a:t>
+                </a:r>
+                <a:r>
+                  <a:rPr lang="ko-KR" altLang="en-US" sz="1400" dirty="0"/>
+                  <a:t>댓글</a:t>
+                </a:r>
+                <a:r>
+                  <a:rPr lang="en-US" altLang="ko-KR" sz="1400" dirty="0"/>
+                  <a:t>, </a:t>
+                </a:r>
+                <a:r>
+                  <a:rPr lang="ko-KR" altLang="en-US" sz="1400" dirty="0"/>
+                  <a:t>조회수</a:t>
+                </a:r>
+                <a:r>
+                  <a:rPr lang="en-US" altLang="ko-KR" sz="1400" dirty="0"/>
+                  <a:t>)</a:t>
+                </a:r>
+              </a:p>
+              <a:p>
+                <a:r>
+                  <a:rPr lang="en-US" altLang="ko-KR" sz="1400" dirty="0"/>
+                  <a:t>- </a:t>
+                </a:r>
+                <a:r>
+                  <a:rPr lang="ko-KR" altLang="en-US" sz="1400" dirty="0" err="1"/>
+                  <a:t>댓글엔티티</a:t>
+                </a:r>
+                <a:r>
+                  <a:rPr lang="en-US" altLang="ko-KR" sz="1400" dirty="0"/>
+                  <a:t>(</a:t>
+                </a:r>
+                <a:r>
+                  <a:rPr lang="ko-KR" altLang="en-US" sz="1400" dirty="0"/>
+                  <a:t>게시판</a:t>
+                </a:r>
+                <a:r>
+                  <a:rPr lang="en-US" altLang="ko-KR" sz="1400" dirty="0"/>
+                  <a:t>id, </a:t>
+                </a:r>
+                <a:r>
+                  <a:rPr lang="ko-KR" altLang="en-US" sz="1400" dirty="0"/>
+                  <a:t>댓글</a:t>
+                </a:r>
+                <a:r>
+                  <a:rPr lang="en-US" altLang="ko-KR" sz="1400" dirty="0"/>
+                  <a:t>id, </a:t>
+                </a:r>
+                <a:r>
+                  <a:rPr lang="ko-KR" altLang="en-US" sz="1400" dirty="0"/>
+                  <a:t>댓글내용</a:t>
+                </a:r>
+                <a:r>
+                  <a:rPr lang="en-US" altLang="ko-KR" sz="1400" dirty="0"/>
+                  <a:t>, </a:t>
+                </a:r>
+                <a:r>
+                  <a:rPr lang="ko-KR" altLang="en-US" sz="1400" dirty="0"/>
+                  <a:t>작성자</a:t>
+                </a:r>
+                <a:r>
+                  <a:rPr lang="en-US" altLang="ko-KR" sz="1400" dirty="0"/>
+                  <a:t>(</a:t>
+                </a:r>
+                <a:r>
+                  <a:rPr lang="ko-KR" altLang="en-US" sz="1400" dirty="0"/>
+                  <a:t>학번</a:t>
+                </a:r>
+                <a:r>
+                  <a:rPr lang="en-US" altLang="ko-KR" sz="1400" dirty="0"/>
+                  <a:t>+</a:t>
+                </a:r>
+                <a:r>
+                  <a:rPr lang="ko-KR" altLang="en-US" sz="1400" dirty="0"/>
+                  <a:t>이름</a:t>
+                </a:r>
+                <a:r>
+                  <a:rPr lang="en-US" altLang="ko-KR" sz="1400" dirty="0"/>
+                  <a:t>), </a:t>
+                </a:r>
+                <a:r>
+                  <a:rPr lang="ko-KR" altLang="en-US" sz="1400" dirty="0"/>
+                  <a:t>작성일</a:t>
+                </a:r>
+                <a:r>
+                  <a:rPr lang="en-US" altLang="ko-KR" sz="1400" dirty="0"/>
+                  <a:t>, </a:t>
+                </a:r>
+                <a:r>
+                  <a:rPr lang="ko-KR" altLang="en-US" sz="1400" dirty="0"/>
+                  <a:t>게시글</a:t>
+                </a:r>
+                <a:r>
+                  <a:rPr lang="en-US" altLang="ko-KR" sz="1400" dirty="0" err="1"/>
+                  <a:t>id:f.k</a:t>
+                </a:r>
+                <a:r>
+                  <a:rPr lang="en-US" altLang="ko-KR" sz="1400" dirty="0"/>
+                  <a:t>)</a:t>
+                </a:r>
+              </a:p>
+              <a:p>
+                <a:endParaRPr lang="en-US" altLang="ko-KR" sz="1400" dirty="0"/>
+              </a:p>
+              <a:p>
+                <a:endParaRPr lang="en-US" altLang="ko-KR" sz="1400" dirty="0"/>
+              </a:p>
+              <a:p>
+                <a:r>
+                  <a:rPr lang="ko-KR" altLang="en-US" sz="1400" b="1" dirty="0"/>
+                  <a:t>공지 페이지 필요 </a:t>
+                </a:r>
+                <a:r>
+                  <a:rPr lang="en-US" altLang="ko-KR" sz="1400" b="1" dirty="0"/>
+                  <a:t>DB</a:t>
+                </a:r>
+                <a:endParaRPr lang="ko-KR" altLang="en-US" sz="1400" b="1" dirty="0"/>
+              </a:p>
+              <a:p>
+                <a:r>
+                  <a:rPr lang="ko-KR" altLang="en-US" sz="1400" dirty="0"/>
+                  <a:t>   </a:t>
+                </a:r>
+                <a:r>
+                  <a:rPr lang="ko-KR" altLang="en-US" sz="1400" dirty="0" err="1"/>
+                  <a:t>ㄴ</a:t>
+                </a:r>
+                <a:r>
+                  <a:rPr lang="ko-KR" altLang="en-US" sz="1400" dirty="0"/>
+                  <a:t> 전체 공지 게시판</a:t>
+                </a:r>
+                <a:r>
+                  <a:rPr lang="en-US" altLang="ko-KR" sz="1400" dirty="0"/>
+                  <a:t>		-&gt; 4 + </a:t>
+                </a:r>
+                <a14:m>
+                  <m:oMath xmlns:m="http://schemas.openxmlformats.org/officeDocument/2006/math">
+                    <m:r>
+                      <a:rPr lang="ko-KR" altLang="en-US" sz="1400" i="1" smtClean="0">
+                        <a:latin typeface="Cambria Math" panose="02040503050406030204" pitchFamily="18" charset="0"/>
+                      </a:rPr>
+                      <m:t>𝛼</m:t>
+                    </m:r>
+                  </m:oMath>
+                </a14:m>
+                <a:r>
+                  <a:rPr lang="ko-KR" altLang="en-US" sz="1400" dirty="0"/>
+                  <a:t>개</a:t>
+                </a:r>
+                <a:r>
+                  <a:rPr lang="en-US" altLang="ko-KR" sz="1400" dirty="0"/>
+                  <a:t>		// </a:t>
+                </a:r>
+                <a:r>
+                  <a:rPr lang="ko-KR" altLang="en-US" sz="1400" dirty="0"/>
+                  <a:t>참조</a:t>
+                </a:r>
+              </a:p>
+              <a:p>
+                <a:r>
+                  <a:rPr lang="ko-KR" altLang="en-US" sz="1400" dirty="0"/>
+                  <a:t>   </a:t>
+                </a:r>
+                <a:r>
+                  <a:rPr lang="ko-KR" altLang="en-US" sz="1400" dirty="0" err="1"/>
+                  <a:t>ㄴ</a:t>
+                </a:r>
+                <a:r>
+                  <a:rPr lang="ko-KR" altLang="en-US" sz="1400" dirty="0"/>
+                  <a:t> 전체 수업 공지 게시판</a:t>
+                </a:r>
+                <a:r>
+                  <a:rPr lang="en-US" altLang="ko-KR" sz="1400" dirty="0"/>
+                  <a:t>	-&gt; 4</a:t>
+                </a:r>
+                <a:r>
+                  <a:rPr lang="ko-KR" altLang="en-US" sz="1400" dirty="0"/>
+                  <a:t>개</a:t>
+                </a:r>
+                <a:r>
+                  <a:rPr lang="en-US" altLang="ko-KR" sz="1400" dirty="0"/>
+                  <a:t>		// </a:t>
+                </a:r>
+                <a:r>
+                  <a:rPr lang="ko-KR" altLang="en-US" sz="1400" dirty="0"/>
+                  <a:t>참조</a:t>
+                </a:r>
+              </a:p>
+              <a:p>
+                <a:r>
+                  <a:rPr lang="ko-KR" altLang="en-US" sz="1400" dirty="0"/>
+                  <a:t>   </a:t>
+                </a:r>
+                <a:r>
+                  <a:rPr lang="ko-KR" altLang="en-US" sz="1400" dirty="0" err="1"/>
+                  <a:t>ㄴ</a:t>
+                </a:r>
+                <a:r>
+                  <a:rPr lang="ko-KR" altLang="en-US" sz="1400" dirty="0"/>
+                  <a:t> 일반 공지 게시판 </a:t>
+                </a:r>
+                <a:r>
+                  <a:rPr lang="en-US" altLang="ko-KR" sz="1400" dirty="0"/>
+                  <a:t>	-&gt; 1</a:t>
+                </a:r>
+                <a:r>
+                  <a:rPr lang="ko-KR" altLang="en-US" sz="1400" dirty="0"/>
+                  <a:t>개</a:t>
+                </a:r>
+                <a:r>
+                  <a:rPr lang="en-US" altLang="ko-KR" sz="1400" dirty="0"/>
+                  <a:t>		// </a:t>
+                </a:r>
+                <a:r>
+                  <a:rPr lang="ko-KR" altLang="en-US" sz="1400" dirty="0"/>
+                  <a:t>자체 </a:t>
+                </a:r>
+                <a:r>
+                  <a:rPr lang="en-US" altLang="ko-KR" sz="1400" dirty="0"/>
+                  <a:t>DB</a:t>
+                </a:r>
+              </a:p>
+              <a:p>
+                <a:r>
+                  <a:rPr lang="en-US" altLang="ko-KR" sz="1400" dirty="0"/>
+                  <a:t>   </a:t>
+                </a:r>
+                <a:r>
+                  <a:rPr lang="ko-KR" altLang="en-US" sz="1400" dirty="0"/>
+                  <a:t>ㄴ 전체 연구 공지 게시판 </a:t>
+                </a:r>
+                <a:r>
+                  <a:rPr lang="en-US" altLang="ko-KR" sz="1400" dirty="0"/>
+                  <a:t>	-&gt; </a:t>
+                </a:r>
+                <a14:m>
+                  <m:oMath xmlns:m="http://schemas.openxmlformats.org/officeDocument/2006/math">
+                    <m:r>
+                      <a:rPr lang="ko-KR" altLang="en-US" sz="1400" i="1" smtClean="0">
+                        <a:latin typeface="Cambria Math" panose="02040503050406030204" pitchFamily="18" charset="0"/>
+                      </a:rPr>
+                      <m:t>𝛼</m:t>
+                    </m:r>
+                  </m:oMath>
+                </a14:m>
+                <a:r>
+                  <a:rPr lang="ko-KR" altLang="en-US" sz="1400" dirty="0"/>
+                  <a:t>개</a:t>
+                </a:r>
+                <a:r>
+                  <a:rPr lang="en-US" altLang="ko-KR" sz="1400" dirty="0"/>
+                  <a:t>		// </a:t>
+                </a:r>
+                <a:r>
+                  <a:rPr lang="ko-KR" altLang="en-US" sz="1400" dirty="0"/>
+                  <a:t>참조</a:t>
+                </a:r>
+                <a:endParaRPr lang="en-US" altLang="ko-KR" sz="1400" dirty="0"/>
+              </a:p>
+            </p:txBody>
+          </p:sp>
+        </mc:Choice>
+        <mc:Fallback>
+          <p:sp>
+            <p:nvSpPr>
+              <p:cNvPr id="9" name="TextBox 8">
+                <a:extLst>
+                  <a:ext uri="{FF2B5EF4-FFF2-40B4-BE49-F238E27FC236}">
+                    <a16:creationId xmlns:a16="http://schemas.microsoft.com/office/drawing/2014/main" id="{8F31B641-1A36-3407-22BE-659B9BC3FF9B}"/>
+                  </a:ext>
+                </a:extLst>
+              </p:cNvPr>
+              <p:cNvSpPr txBox="1">
+                <a:spLocks noRot="1" noChangeAspect="1" noMove="1" noResize="1" noEditPoints="1" noAdjustHandles="1" noChangeArrowheads="1" noChangeShapeType="1" noTextEdit="1"/>
+              </p:cNvSpPr>
+              <p:nvPr/>
+            </p:nvSpPr>
+            <p:spPr>
+              <a:xfrm>
+                <a:off x="342181" y="1273717"/>
+                <a:ext cx="11507638" cy="4616648"/>
+              </a:xfrm>
+              <a:prstGeom prst="rect">
+                <a:avLst/>
+              </a:prstGeom>
+              <a:blipFill>
+                <a:blip r:embed="rId2"/>
+                <a:stretch>
+                  <a:fillRect l="-106" t="-132" b="-264"/>
+                </a:stretch>
+              </a:blipFill>
+              <a:ln>
+                <a:solidFill>
+                  <a:schemeClr val="tx1"/>
+                </a:solidFill>
+              </a:ln>
+            </p:spPr>
+            <p:txBody>
+              <a:bodyPr/>
+              <a:lstStyle/>
+              <a:p>
+                <a:r>
+                  <a:rPr lang="ko-KR" altLang="en-US">
+                    <a:noFill/>
+                  </a:rPr>
+                  <a:t> </a:t>
+                </a:r>
+              </a:p>
+            </p:txBody>
+          </p:sp>
+        </mc:Fallback>
+      </mc:AlternateContent>
+    </p:spTree>
+    <p:extLst>
+      <p:ext uri="{BB962C8B-B14F-4D97-AF65-F5344CB8AC3E}">
+        <p14:creationId xmlns:p14="http://schemas.microsoft.com/office/powerpoint/2010/main" val="434875439"/>
       </p:ext>
     </p:extLst>
   </p:cSld>

--- a/documents/01_프로젝트_개발계획.pptx
+++ b/documents/01_프로젝트_개발계획.pptx
@@ -5,7 +5,7 @@
     <p:sldMasterId id="2147483648" r:id="rId1"/>
   </p:sldMasterIdLst>
   <p:notesMasterIdLst>
-    <p:notesMasterId r:id="rId43"/>
+    <p:notesMasterId r:id="rId45"/>
   </p:notesMasterIdLst>
   <p:sldIdLst>
     <p:sldId id="263" r:id="rId2"/>
@@ -29,26 +29,28 @@
     <p:sldId id="348" r:id="rId20"/>
     <p:sldId id="349" r:id="rId21"/>
     <p:sldId id="293" r:id="rId22"/>
-    <p:sldId id="297" r:id="rId23"/>
-    <p:sldId id="318" r:id="rId24"/>
-    <p:sldId id="322" r:id="rId25"/>
-    <p:sldId id="324" r:id="rId26"/>
-    <p:sldId id="312" r:id="rId27"/>
-    <p:sldId id="326" r:id="rId28"/>
-    <p:sldId id="325" r:id="rId29"/>
-    <p:sldId id="354" r:id="rId30"/>
-    <p:sldId id="350" r:id="rId31"/>
-    <p:sldId id="351" r:id="rId32"/>
-    <p:sldId id="352" r:id="rId33"/>
-    <p:sldId id="353" r:id="rId34"/>
-    <p:sldId id="327" r:id="rId35"/>
-    <p:sldId id="328" r:id="rId36"/>
-    <p:sldId id="329" r:id="rId37"/>
-    <p:sldId id="330" r:id="rId38"/>
-    <p:sldId id="331" r:id="rId39"/>
-    <p:sldId id="296" r:id="rId40"/>
-    <p:sldId id="295" r:id="rId41"/>
-    <p:sldId id="265" r:id="rId42"/>
+    <p:sldId id="356" r:id="rId23"/>
+    <p:sldId id="355" r:id="rId24"/>
+    <p:sldId id="297" r:id="rId25"/>
+    <p:sldId id="318" r:id="rId26"/>
+    <p:sldId id="322" r:id="rId27"/>
+    <p:sldId id="324" r:id="rId28"/>
+    <p:sldId id="312" r:id="rId29"/>
+    <p:sldId id="326" r:id="rId30"/>
+    <p:sldId id="325" r:id="rId31"/>
+    <p:sldId id="354" r:id="rId32"/>
+    <p:sldId id="350" r:id="rId33"/>
+    <p:sldId id="351" r:id="rId34"/>
+    <p:sldId id="352" r:id="rId35"/>
+    <p:sldId id="353" r:id="rId36"/>
+    <p:sldId id="327" r:id="rId37"/>
+    <p:sldId id="328" r:id="rId38"/>
+    <p:sldId id="329" r:id="rId39"/>
+    <p:sldId id="330" r:id="rId40"/>
+    <p:sldId id="331" r:id="rId41"/>
+    <p:sldId id="296" r:id="rId42"/>
+    <p:sldId id="295" r:id="rId43"/>
+    <p:sldId id="265" r:id="rId44"/>
   </p:sldIdLst>
   <p:sldSz cx="12192000" cy="6858000"/>
   <p:notesSz cx="6858000" cy="9144000"/>
@@ -20254,8 +20256,8 @@
         </p:nvSpPr>
         <p:spPr>
           <a:xfrm>
-            <a:off x="1875133" y="1843951"/>
-            <a:ext cx="8441734" cy="4708981"/>
+            <a:off x="2572439" y="1843951"/>
+            <a:ext cx="7047122" cy="3170099"/>
           </a:xfrm>
           <a:prstGeom prst="rect">
             <a:avLst/>
@@ -20281,21 +20283,7 @@
               <a:rPr lang="en-US" altLang="ko-KR" sz="10000" b="1" dirty="0" err="1"/>
               <a:t>DataBase</a:t>
             </a:r>
-            <a:r>
-              <a:rPr lang="en-US" altLang="ko-KR" sz="10000" b="1" dirty="0"/>
-              <a:t> Lab</a:t>
-            </a:r>
-          </a:p>
-          <a:p>
-            <a:pPr algn="ctr"/>
-            <a:r>
-              <a:rPr lang="en-US" altLang="ko-KR" sz="10000" b="1" dirty="0"/>
-              <a:t>Tag </a:t>
-            </a:r>
-            <a:r>
-              <a:rPr lang="ko-KR" altLang="en-US" sz="10000" b="1" dirty="0"/>
-              <a:t>수정필요</a:t>
-            </a:r>
+            <a:endParaRPr lang="ko-KR" altLang="en-US" sz="10000" b="1" dirty="0"/>
           </a:p>
         </p:txBody>
       </p:sp>
@@ -20313,6 +20301,969 @@
 </file>
 
 <file path=ppt/slides/slide22.xml><?xml version="1.0" encoding="utf-8"?>
+<p:sld xmlns:a="http://schemas.openxmlformats.org/drawingml/2006/main" xmlns:r="http://schemas.openxmlformats.org/officeDocument/2006/relationships" xmlns:p="http://schemas.openxmlformats.org/presentationml/2006/main">
+  <p:cSld>
+    <p:spTree>
+      <p:nvGrpSpPr>
+        <p:cNvPr id="1" name=""/>
+        <p:cNvGrpSpPr/>
+        <p:nvPr/>
+      </p:nvGrpSpPr>
+      <p:grpSpPr>
+        <a:xfrm>
+          <a:off x="0" y="0"/>
+          <a:ext cx="0" cy="0"/>
+          <a:chOff x="0" y="0"/>
+          <a:chExt cx="0" cy="0"/>
+        </a:xfrm>
+      </p:grpSpPr>
+      <p:grpSp>
+        <p:nvGrpSpPr>
+          <p:cNvPr id="18" name="그룹 17">
+            <a:extLst>
+              <a:ext uri="{FF2B5EF4-FFF2-40B4-BE49-F238E27FC236}">
+                <a16:creationId xmlns:a16="http://schemas.microsoft.com/office/drawing/2014/main" id="{01ADD381-C209-53B5-9694-951B9DCEE211}"/>
+              </a:ext>
+            </a:extLst>
+          </p:cNvPr>
+          <p:cNvGrpSpPr/>
+          <p:nvPr/>
+        </p:nvGrpSpPr>
+        <p:grpSpPr>
+          <a:xfrm>
+            <a:off x="1520775" y="1086232"/>
+            <a:ext cx="9150450" cy="4685537"/>
+            <a:chOff x="1140901" y="973123"/>
+            <a:chExt cx="9150450" cy="4685537"/>
+          </a:xfrm>
+        </p:grpSpPr>
+        <p:grpSp>
+          <p:nvGrpSpPr>
+            <p:cNvPr id="11" name="그룹 10">
+              <a:extLst>
+                <a:ext uri="{FF2B5EF4-FFF2-40B4-BE49-F238E27FC236}">
+                  <a16:creationId xmlns:a16="http://schemas.microsoft.com/office/drawing/2014/main" id="{8E21B9D8-2C31-CCC7-E125-8430096AF159}"/>
+                </a:ext>
+              </a:extLst>
+            </p:cNvPr>
+            <p:cNvGrpSpPr/>
+            <p:nvPr/>
+          </p:nvGrpSpPr>
+          <p:grpSpPr>
+            <a:xfrm>
+              <a:off x="1140901" y="973123"/>
+              <a:ext cx="3129095" cy="4685537"/>
+              <a:chOff x="1140901" y="973123"/>
+              <a:chExt cx="3129095" cy="4685537"/>
+            </a:xfrm>
+          </p:grpSpPr>
+          <p:sp>
+            <p:nvSpPr>
+              <p:cNvPr id="10" name="직사각형 9">
+                <a:extLst>
+                  <a:ext uri="{FF2B5EF4-FFF2-40B4-BE49-F238E27FC236}">
+                    <a16:creationId xmlns:a16="http://schemas.microsoft.com/office/drawing/2014/main" id="{7897770A-A6DC-F98F-282D-83C870DBFC6A}"/>
+                  </a:ext>
+                </a:extLst>
+              </p:cNvPr>
+              <p:cNvSpPr/>
+              <p:nvPr/>
+            </p:nvSpPr>
+            <p:spPr>
+              <a:xfrm>
+                <a:off x="1140901" y="1568741"/>
+                <a:ext cx="3129093" cy="3494301"/>
+              </a:xfrm>
+              <a:prstGeom prst="rect">
+                <a:avLst/>
+              </a:prstGeom>
+              <a:solidFill>
+                <a:schemeClr val="bg1"/>
+              </a:solidFill>
+              <a:ln w="38100">
+                <a:noFill/>
+              </a:ln>
+            </p:spPr>
+            <p:style>
+              <a:lnRef idx="2">
+                <a:schemeClr val="accent1">
+                  <a:shade val="50000"/>
+                </a:schemeClr>
+              </a:lnRef>
+              <a:fillRef idx="1">
+                <a:schemeClr val="accent1"/>
+              </a:fillRef>
+              <a:effectRef idx="0">
+                <a:schemeClr val="accent1"/>
+              </a:effectRef>
+              <a:fontRef idx="minor">
+                <a:schemeClr val="lt1"/>
+              </a:fontRef>
+            </p:style>
+            <p:txBody>
+              <a:bodyPr rtlCol="0" anchor="ctr"/>
+              <a:lstStyle/>
+              <a:p>
+                <a:pPr algn="ctr"/>
+                <a:r>
+                  <a:rPr lang="en-US" altLang="ko-KR" b="1" dirty="0" err="1">
+                    <a:solidFill>
+                      <a:schemeClr val="tx1"/>
+                    </a:solidFill>
+                  </a:rPr>
+                  <a:t>UserTable</a:t>
+                </a:r>
+                <a:endParaRPr lang="en-US" altLang="ko-KR" b="1" dirty="0">
+                  <a:solidFill>
+                    <a:schemeClr val="tx1"/>
+                  </a:solidFill>
+                </a:endParaRPr>
+              </a:p>
+              <a:p>
+                <a:pPr algn="ctr"/>
+                <a:r>
+                  <a:rPr lang="en-US" altLang="ko-KR" b="1" dirty="0" err="1">
+                    <a:solidFill>
+                      <a:schemeClr val="tx1"/>
+                    </a:solidFill>
+                  </a:rPr>
+                  <a:t>DataTable</a:t>
+                </a:r>
+                <a:endParaRPr lang="en-US" altLang="ko-KR" b="1" dirty="0">
+                  <a:solidFill>
+                    <a:schemeClr val="tx1"/>
+                  </a:solidFill>
+                </a:endParaRPr>
+              </a:p>
+              <a:p>
+                <a:pPr algn="ctr"/>
+                <a:r>
+                  <a:rPr lang="en-US" altLang="ko-KR" b="1" dirty="0" err="1">
+                    <a:solidFill>
+                      <a:schemeClr val="tx1"/>
+                    </a:solidFill>
+                  </a:rPr>
+                  <a:t>TagTable</a:t>
+                </a:r>
+                <a:endParaRPr lang="en-US" altLang="ko-KR" b="1" dirty="0">
+                  <a:solidFill>
+                    <a:schemeClr val="tx1"/>
+                  </a:solidFill>
+                </a:endParaRPr>
+              </a:p>
+              <a:p>
+                <a:pPr algn="ctr"/>
+                <a:endParaRPr lang="en-US" altLang="ko-KR" b="1" dirty="0">
+                  <a:solidFill>
+                    <a:schemeClr val="tx1"/>
+                  </a:solidFill>
+                </a:endParaRPr>
+              </a:p>
+              <a:p>
+                <a:pPr algn="ctr"/>
+                <a:r>
+                  <a:rPr lang="ko-KR" altLang="en-US" b="1" dirty="0">
+                    <a:solidFill>
+                      <a:schemeClr val="tx1"/>
+                    </a:solidFill>
+                  </a:rPr>
+                  <a:t>일반 공지사항</a:t>
+                </a:r>
+                <a:endParaRPr lang="en-US" altLang="ko-KR" b="1" dirty="0">
+                  <a:solidFill>
+                    <a:schemeClr val="tx1"/>
+                  </a:solidFill>
+                </a:endParaRPr>
+              </a:p>
+              <a:p>
+                <a:pPr algn="ctr"/>
+                <a:r>
+                  <a:rPr lang="ko-KR" altLang="en-US" b="1" dirty="0">
+                    <a:solidFill>
+                      <a:schemeClr val="tx1"/>
+                    </a:solidFill>
+                  </a:rPr>
+                  <a:t>수업 공지사항</a:t>
+                </a:r>
+                <a:endParaRPr lang="en-US" altLang="ko-KR" b="1" dirty="0">
+                  <a:solidFill>
+                    <a:schemeClr val="tx1"/>
+                  </a:solidFill>
+                </a:endParaRPr>
+              </a:p>
+              <a:p>
+                <a:pPr algn="ctr"/>
+                <a:r>
+                  <a:rPr lang="ko-KR" altLang="en-US" b="1" dirty="0">
+                    <a:solidFill>
+                      <a:schemeClr val="tx1"/>
+                    </a:solidFill>
+                  </a:rPr>
+                  <a:t>연구 공지사항</a:t>
+                </a:r>
+                <a:endParaRPr lang="en-US" altLang="ko-KR" b="1" dirty="0">
+                  <a:solidFill>
+                    <a:schemeClr val="tx1"/>
+                  </a:solidFill>
+                </a:endParaRPr>
+              </a:p>
+              <a:p>
+                <a:pPr algn="ctr"/>
+                <a:endParaRPr lang="en-US" altLang="ko-KR" b="1" dirty="0">
+                  <a:solidFill>
+                    <a:schemeClr val="tx1"/>
+                  </a:solidFill>
+                </a:endParaRPr>
+              </a:p>
+              <a:p>
+                <a:pPr algn="ctr"/>
+                <a:r>
+                  <a:rPr lang="ko-KR" altLang="en-US" b="1" dirty="0">
+                    <a:solidFill>
+                      <a:schemeClr val="tx1"/>
+                    </a:solidFill>
+                  </a:rPr>
+                  <a:t>공지 게시판</a:t>
+                </a:r>
+                <a:endParaRPr lang="en-US" altLang="ko-KR" b="1" dirty="0">
+                  <a:solidFill>
+                    <a:schemeClr val="tx1"/>
+                  </a:solidFill>
+                </a:endParaRPr>
+              </a:p>
+              <a:p>
+                <a:pPr algn="ctr"/>
+                <a:r>
+                  <a:rPr lang="ko-KR" altLang="en-US" b="1" dirty="0">
+                    <a:solidFill>
+                      <a:schemeClr val="tx1"/>
+                    </a:solidFill>
+                  </a:rPr>
+                  <a:t>논문 게시판</a:t>
+                </a:r>
+                <a:endParaRPr lang="en-US" altLang="ko-KR" b="1" dirty="0">
+                  <a:solidFill>
+                    <a:schemeClr val="tx1"/>
+                  </a:solidFill>
+                </a:endParaRPr>
+              </a:p>
+              <a:p>
+                <a:pPr algn="ctr"/>
+                <a:r>
+                  <a:rPr lang="ko-KR" altLang="en-US" b="1" dirty="0">
+                    <a:solidFill>
+                      <a:schemeClr val="tx1"/>
+                    </a:solidFill>
+                  </a:rPr>
+                  <a:t>자료 게시판</a:t>
+                </a:r>
+              </a:p>
+            </p:txBody>
+          </p:sp>
+          <p:sp>
+            <p:nvSpPr>
+              <p:cNvPr id="2" name="타원 1">
+                <a:extLst>
+                  <a:ext uri="{FF2B5EF4-FFF2-40B4-BE49-F238E27FC236}">
+                    <a16:creationId xmlns:a16="http://schemas.microsoft.com/office/drawing/2014/main" id="{785DBFB4-E98C-D93C-1C2B-A0461D4070CD}"/>
+                  </a:ext>
+                </a:extLst>
+              </p:cNvPr>
+              <p:cNvSpPr/>
+              <p:nvPr/>
+            </p:nvSpPr>
+            <p:spPr>
+              <a:xfrm>
+                <a:off x="1140902" y="973123"/>
+                <a:ext cx="3129094" cy="595618"/>
+              </a:xfrm>
+              <a:prstGeom prst="ellipse">
+                <a:avLst/>
+              </a:prstGeom>
+              <a:solidFill>
+                <a:schemeClr val="bg1"/>
+              </a:solidFill>
+              <a:ln w="38100">
+                <a:solidFill>
+                  <a:schemeClr val="tx1"/>
+                </a:solidFill>
+              </a:ln>
+            </p:spPr>
+            <p:style>
+              <a:lnRef idx="2">
+                <a:schemeClr val="accent1">
+                  <a:shade val="50000"/>
+                </a:schemeClr>
+              </a:lnRef>
+              <a:fillRef idx="1">
+                <a:schemeClr val="accent1"/>
+              </a:fillRef>
+              <a:effectRef idx="0">
+                <a:schemeClr val="accent1"/>
+              </a:effectRef>
+              <a:fontRef idx="minor">
+                <a:schemeClr val="lt1"/>
+              </a:fontRef>
+            </p:style>
+            <p:txBody>
+              <a:bodyPr rtlCol="0" anchor="ctr"/>
+              <a:lstStyle/>
+              <a:p>
+                <a:pPr algn="ctr"/>
+                <a:endParaRPr lang="ko-KR" altLang="en-US"/>
+              </a:p>
+            </p:txBody>
+          </p:sp>
+          <p:sp>
+            <p:nvSpPr>
+              <p:cNvPr id="5" name="타원 4">
+                <a:extLst>
+                  <a:ext uri="{FF2B5EF4-FFF2-40B4-BE49-F238E27FC236}">
+                    <a16:creationId xmlns:a16="http://schemas.microsoft.com/office/drawing/2014/main" id="{94C8F35D-5287-7218-E2A4-7DC2493EBBC6}"/>
+                  </a:ext>
+                </a:extLst>
+              </p:cNvPr>
+              <p:cNvSpPr/>
+              <p:nvPr/>
+            </p:nvSpPr>
+            <p:spPr>
+              <a:xfrm>
+                <a:off x="1140902" y="5063042"/>
+                <a:ext cx="3129094" cy="595618"/>
+              </a:xfrm>
+              <a:prstGeom prst="ellipse">
+                <a:avLst/>
+              </a:prstGeom>
+              <a:solidFill>
+                <a:schemeClr val="bg1"/>
+              </a:solidFill>
+              <a:ln w="38100">
+                <a:solidFill>
+                  <a:schemeClr val="tx1"/>
+                </a:solidFill>
+              </a:ln>
+            </p:spPr>
+            <p:style>
+              <a:lnRef idx="2">
+                <a:schemeClr val="accent1">
+                  <a:shade val="50000"/>
+                </a:schemeClr>
+              </a:lnRef>
+              <a:fillRef idx="1">
+                <a:schemeClr val="accent1"/>
+              </a:fillRef>
+              <a:effectRef idx="0">
+                <a:schemeClr val="accent1"/>
+              </a:effectRef>
+              <a:fontRef idx="minor">
+                <a:schemeClr val="lt1"/>
+              </a:fontRef>
+            </p:style>
+            <p:txBody>
+              <a:bodyPr rtlCol="0" anchor="ctr"/>
+              <a:lstStyle/>
+              <a:p>
+                <a:pPr algn="ctr"/>
+                <a:endParaRPr lang="ko-KR" altLang="en-US"/>
+              </a:p>
+            </p:txBody>
+          </p:sp>
+          <p:cxnSp>
+            <p:nvCxnSpPr>
+              <p:cNvPr id="6" name="직선 연결선 5">
+                <a:extLst>
+                  <a:ext uri="{FF2B5EF4-FFF2-40B4-BE49-F238E27FC236}">
+                    <a16:creationId xmlns:a16="http://schemas.microsoft.com/office/drawing/2014/main" id="{30B7D218-B557-E052-E9AB-1C7ABB9A5B7B}"/>
+                  </a:ext>
+                </a:extLst>
+              </p:cNvPr>
+              <p:cNvCxnSpPr>
+                <a:stCxn id="2" idx="2"/>
+                <a:endCxn id="5" idx="2"/>
+              </p:cNvCxnSpPr>
+              <p:nvPr/>
+            </p:nvCxnSpPr>
+            <p:spPr>
+              <a:xfrm>
+                <a:off x="1140902" y="1270932"/>
+                <a:ext cx="0" cy="4089919"/>
+              </a:xfrm>
+              <a:prstGeom prst="line">
+                <a:avLst/>
+              </a:prstGeom>
+              <a:ln w="38100">
+                <a:solidFill>
+                  <a:schemeClr val="tx1"/>
+                </a:solidFill>
+              </a:ln>
+            </p:spPr>
+            <p:style>
+              <a:lnRef idx="1">
+                <a:schemeClr val="accent1"/>
+              </a:lnRef>
+              <a:fillRef idx="0">
+                <a:schemeClr val="accent1"/>
+              </a:fillRef>
+              <a:effectRef idx="0">
+                <a:schemeClr val="accent1"/>
+              </a:effectRef>
+              <a:fontRef idx="minor">
+                <a:schemeClr val="tx1"/>
+              </a:fontRef>
+            </p:style>
+          </p:cxnSp>
+          <p:cxnSp>
+            <p:nvCxnSpPr>
+              <p:cNvPr id="7" name="직선 연결선 6">
+                <a:extLst>
+                  <a:ext uri="{FF2B5EF4-FFF2-40B4-BE49-F238E27FC236}">
+                    <a16:creationId xmlns:a16="http://schemas.microsoft.com/office/drawing/2014/main" id="{A8F5117C-4A8A-4E24-F102-431DA1A364BC}"/>
+                  </a:ext>
+                </a:extLst>
+              </p:cNvPr>
+              <p:cNvCxnSpPr>
+                <a:cxnSpLocks/>
+                <a:stCxn id="2" idx="6"/>
+                <a:endCxn id="5" idx="6"/>
+              </p:cNvCxnSpPr>
+              <p:nvPr/>
+            </p:nvCxnSpPr>
+            <p:spPr>
+              <a:xfrm>
+                <a:off x="4269996" y="1270932"/>
+                <a:ext cx="0" cy="4089919"/>
+              </a:xfrm>
+              <a:prstGeom prst="line">
+                <a:avLst/>
+              </a:prstGeom>
+              <a:ln w="38100">
+                <a:solidFill>
+                  <a:schemeClr val="tx1"/>
+                </a:solidFill>
+              </a:ln>
+            </p:spPr>
+            <p:style>
+              <a:lnRef idx="1">
+                <a:schemeClr val="accent1"/>
+              </a:lnRef>
+              <a:fillRef idx="0">
+                <a:schemeClr val="accent1"/>
+              </a:fillRef>
+              <a:effectRef idx="0">
+                <a:schemeClr val="accent1"/>
+              </a:effectRef>
+              <a:fontRef idx="minor">
+                <a:schemeClr val="tx1"/>
+              </a:fontRef>
+            </p:style>
+          </p:cxnSp>
+        </p:grpSp>
+        <p:grpSp>
+          <p:nvGrpSpPr>
+            <p:cNvPr id="12" name="그룹 11">
+              <a:extLst>
+                <a:ext uri="{FF2B5EF4-FFF2-40B4-BE49-F238E27FC236}">
+                  <a16:creationId xmlns:a16="http://schemas.microsoft.com/office/drawing/2014/main" id="{622B46F5-7B5E-1701-B119-0D764FF7D91B}"/>
+                </a:ext>
+              </a:extLst>
+            </p:cNvPr>
+            <p:cNvGrpSpPr/>
+            <p:nvPr/>
+          </p:nvGrpSpPr>
+          <p:grpSpPr>
+            <a:xfrm>
+              <a:off x="7162256" y="973123"/>
+              <a:ext cx="3129095" cy="4685537"/>
+              <a:chOff x="1140901" y="973123"/>
+              <a:chExt cx="3129095" cy="4685537"/>
+            </a:xfrm>
+          </p:grpSpPr>
+          <p:sp>
+            <p:nvSpPr>
+              <p:cNvPr id="13" name="직사각형 12">
+                <a:extLst>
+                  <a:ext uri="{FF2B5EF4-FFF2-40B4-BE49-F238E27FC236}">
+                    <a16:creationId xmlns:a16="http://schemas.microsoft.com/office/drawing/2014/main" id="{829243C6-DA2B-4375-0139-BFF3D5F9C9B7}"/>
+                  </a:ext>
+                </a:extLst>
+              </p:cNvPr>
+              <p:cNvSpPr/>
+              <p:nvPr/>
+            </p:nvSpPr>
+            <p:spPr>
+              <a:xfrm>
+                <a:off x="1140901" y="1568741"/>
+                <a:ext cx="3129093" cy="3494301"/>
+              </a:xfrm>
+              <a:prstGeom prst="rect">
+                <a:avLst/>
+              </a:prstGeom>
+              <a:solidFill>
+                <a:schemeClr val="bg1"/>
+              </a:solidFill>
+              <a:ln w="38100">
+                <a:noFill/>
+              </a:ln>
+            </p:spPr>
+            <p:style>
+              <a:lnRef idx="2">
+                <a:schemeClr val="accent1">
+                  <a:shade val="50000"/>
+                </a:schemeClr>
+              </a:lnRef>
+              <a:fillRef idx="1">
+                <a:schemeClr val="accent1"/>
+              </a:fillRef>
+              <a:effectRef idx="0">
+                <a:schemeClr val="accent1"/>
+              </a:effectRef>
+              <a:fontRef idx="minor">
+                <a:schemeClr val="lt1"/>
+              </a:fontRef>
+            </p:style>
+            <p:txBody>
+              <a:bodyPr rtlCol="0" anchor="ctr"/>
+              <a:lstStyle/>
+              <a:p>
+                <a:pPr algn="ctr"/>
+                <a:r>
+                  <a:rPr lang="en-US" altLang="ko-KR" b="1" dirty="0" err="1">
+                    <a:solidFill>
+                      <a:schemeClr val="tx1"/>
+                    </a:solidFill>
+                  </a:rPr>
+                  <a:t>UserTable</a:t>
+                </a:r>
+                <a:endParaRPr lang="en-US" altLang="ko-KR" b="1" dirty="0">
+                  <a:solidFill>
+                    <a:schemeClr val="tx1"/>
+                  </a:solidFill>
+                </a:endParaRPr>
+              </a:p>
+              <a:p>
+                <a:pPr algn="ctr"/>
+                <a:r>
+                  <a:rPr lang="en-US" altLang="ko-KR" b="1" dirty="0" err="1">
+                    <a:solidFill>
+                      <a:schemeClr val="tx1"/>
+                    </a:solidFill>
+                  </a:rPr>
+                  <a:t>DataTable</a:t>
+                </a:r>
+                <a:endParaRPr lang="en-US" altLang="ko-KR" b="1" dirty="0">
+                  <a:solidFill>
+                    <a:schemeClr val="tx1"/>
+                  </a:solidFill>
+                </a:endParaRPr>
+              </a:p>
+              <a:p>
+                <a:pPr algn="ctr"/>
+                <a:r>
+                  <a:rPr lang="en-US" altLang="ko-KR" b="1" dirty="0" err="1">
+                    <a:solidFill>
+                      <a:schemeClr val="tx1"/>
+                    </a:solidFill>
+                  </a:rPr>
+                  <a:t>TagTable</a:t>
+                </a:r>
+                <a:endParaRPr lang="en-US" altLang="ko-KR" b="1" dirty="0">
+                  <a:solidFill>
+                    <a:schemeClr val="tx1"/>
+                  </a:solidFill>
+                </a:endParaRPr>
+              </a:p>
+              <a:p>
+                <a:pPr algn="ctr"/>
+                <a:endParaRPr lang="en-US" altLang="ko-KR" b="1" dirty="0">
+                  <a:solidFill>
+                    <a:schemeClr val="tx1"/>
+                  </a:solidFill>
+                </a:endParaRPr>
+              </a:p>
+              <a:p>
+                <a:pPr algn="ctr"/>
+                <a:r>
+                  <a:rPr lang="ko-KR" altLang="en-US" b="1" dirty="0">
+                    <a:solidFill>
+                      <a:schemeClr val="tx1"/>
+                    </a:solidFill>
+                  </a:rPr>
+                  <a:t>공지 게시판</a:t>
+                </a:r>
+                <a:endParaRPr lang="en-US" altLang="ko-KR" b="1" dirty="0">
+                  <a:solidFill>
+                    <a:schemeClr val="tx1"/>
+                  </a:solidFill>
+                </a:endParaRPr>
+              </a:p>
+              <a:p>
+                <a:pPr algn="ctr"/>
+                <a:r>
+                  <a:rPr lang="ko-KR" altLang="en-US" b="1" dirty="0">
+                    <a:solidFill>
+                      <a:schemeClr val="tx1"/>
+                    </a:solidFill>
+                  </a:rPr>
+                  <a:t>자료 게시판</a:t>
+                </a:r>
+                <a:endParaRPr lang="en-US" altLang="ko-KR" b="1" dirty="0">
+                  <a:solidFill>
+                    <a:schemeClr val="tx1"/>
+                  </a:solidFill>
+                </a:endParaRPr>
+              </a:p>
+              <a:p>
+                <a:pPr algn="ctr"/>
+                <a:r>
+                  <a:rPr lang="ko-KR" altLang="en-US" b="1" dirty="0">
+                    <a:solidFill>
+                      <a:schemeClr val="tx1"/>
+                    </a:solidFill>
+                  </a:rPr>
+                  <a:t>발표 게시판</a:t>
+                </a:r>
+                <a:endParaRPr lang="en-US" altLang="ko-KR" b="1" dirty="0">
+                  <a:solidFill>
+                    <a:schemeClr val="tx1"/>
+                  </a:solidFill>
+                </a:endParaRPr>
+              </a:p>
+              <a:p>
+                <a:pPr algn="ctr"/>
+                <a:r>
+                  <a:rPr lang="ko-KR" altLang="en-US" b="1" dirty="0">
+                    <a:solidFill>
+                      <a:schemeClr val="tx1"/>
+                    </a:solidFill>
+                  </a:rPr>
+                  <a:t>실습 게시판</a:t>
+                </a:r>
+                <a:endParaRPr lang="en-US" altLang="ko-KR" b="1" dirty="0">
+                  <a:solidFill>
+                    <a:schemeClr val="tx1"/>
+                  </a:solidFill>
+                </a:endParaRPr>
+              </a:p>
+              <a:p>
+                <a:pPr algn="ctr"/>
+                <a:r>
+                  <a:rPr lang="ko-KR" altLang="en-US" b="1" dirty="0">
+                    <a:solidFill>
+                      <a:schemeClr val="tx1"/>
+                    </a:solidFill>
+                  </a:rPr>
+                  <a:t>과제 게시판</a:t>
+                </a:r>
+                <a:endParaRPr lang="en-US" altLang="ko-KR" b="1" dirty="0">
+                  <a:solidFill>
+                    <a:schemeClr val="tx1"/>
+                  </a:solidFill>
+                </a:endParaRPr>
+              </a:p>
+            </p:txBody>
+          </p:sp>
+          <p:sp>
+            <p:nvSpPr>
+              <p:cNvPr id="14" name="타원 13">
+                <a:extLst>
+                  <a:ext uri="{FF2B5EF4-FFF2-40B4-BE49-F238E27FC236}">
+                    <a16:creationId xmlns:a16="http://schemas.microsoft.com/office/drawing/2014/main" id="{44785B19-F791-2B78-6BDF-F1A97705E7B7}"/>
+                  </a:ext>
+                </a:extLst>
+              </p:cNvPr>
+              <p:cNvSpPr/>
+              <p:nvPr/>
+            </p:nvSpPr>
+            <p:spPr>
+              <a:xfrm>
+                <a:off x="1140902" y="973123"/>
+                <a:ext cx="3129094" cy="595618"/>
+              </a:xfrm>
+              <a:prstGeom prst="ellipse">
+                <a:avLst/>
+              </a:prstGeom>
+              <a:solidFill>
+                <a:schemeClr val="bg1"/>
+              </a:solidFill>
+              <a:ln w="38100">
+                <a:solidFill>
+                  <a:schemeClr val="tx1"/>
+                </a:solidFill>
+              </a:ln>
+            </p:spPr>
+            <p:style>
+              <a:lnRef idx="2">
+                <a:schemeClr val="accent1">
+                  <a:shade val="50000"/>
+                </a:schemeClr>
+              </a:lnRef>
+              <a:fillRef idx="1">
+                <a:schemeClr val="accent1"/>
+              </a:fillRef>
+              <a:effectRef idx="0">
+                <a:schemeClr val="accent1"/>
+              </a:effectRef>
+              <a:fontRef idx="minor">
+                <a:schemeClr val="lt1"/>
+              </a:fontRef>
+            </p:style>
+            <p:txBody>
+              <a:bodyPr rtlCol="0" anchor="ctr"/>
+              <a:lstStyle/>
+              <a:p>
+                <a:pPr algn="ctr"/>
+                <a:endParaRPr lang="ko-KR" altLang="en-US"/>
+              </a:p>
+            </p:txBody>
+          </p:sp>
+          <p:sp>
+            <p:nvSpPr>
+              <p:cNvPr id="15" name="타원 14">
+                <a:extLst>
+                  <a:ext uri="{FF2B5EF4-FFF2-40B4-BE49-F238E27FC236}">
+                    <a16:creationId xmlns:a16="http://schemas.microsoft.com/office/drawing/2014/main" id="{62E455D7-64A6-4920-3794-4ADECA6C1E10}"/>
+                  </a:ext>
+                </a:extLst>
+              </p:cNvPr>
+              <p:cNvSpPr/>
+              <p:nvPr/>
+            </p:nvSpPr>
+            <p:spPr>
+              <a:xfrm>
+                <a:off x="1140902" y="5063042"/>
+                <a:ext cx="3129094" cy="595618"/>
+              </a:xfrm>
+              <a:prstGeom prst="ellipse">
+                <a:avLst/>
+              </a:prstGeom>
+              <a:solidFill>
+                <a:schemeClr val="bg1"/>
+              </a:solidFill>
+              <a:ln w="38100">
+                <a:solidFill>
+                  <a:schemeClr val="tx1"/>
+                </a:solidFill>
+              </a:ln>
+            </p:spPr>
+            <p:style>
+              <a:lnRef idx="2">
+                <a:schemeClr val="accent1">
+                  <a:shade val="50000"/>
+                </a:schemeClr>
+              </a:lnRef>
+              <a:fillRef idx="1">
+                <a:schemeClr val="accent1"/>
+              </a:fillRef>
+              <a:effectRef idx="0">
+                <a:schemeClr val="accent1"/>
+              </a:effectRef>
+              <a:fontRef idx="minor">
+                <a:schemeClr val="lt1"/>
+              </a:fontRef>
+            </p:style>
+            <p:txBody>
+              <a:bodyPr rtlCol="0" anchor="ctr"/>
+              <a:lstStyle/>
+              <a:p>
+                <a:pPr algn="ctr"/>
+                <a:endParaRPr lang="ko-KR" altLang="en-US"/>
+              </a:p>
+            </p:txBody>
+          </p:sp>
+          <p:cxnSp>
+            <p:nvCxnSpPr>
+              <p:cNvPr id="16" name="직선 연결선 15">
+                <a:extLst>
+                  <a:ext uri="{FF2B5EF4-FFF2-40B4-BE49-F238E27FC236}">
+                    <a16:creationId xmlns:a16="http://schemas.microsoft.com/office/drawing/2014/main" id="{13869EDB-0771-8DBB-CE3A-A489BDF20BD9}"/>
+                  </a:ext>
+                </a:extLst>
+              </p:cNvPr>
+              <p:cNvCxnSpPr>
+                <a:stCxn id="14" idx="2"/>
+                <a:endCxn id="15" idx="2"/>
+              </p:cNvCxnSpPr>
+              <p:nvPr/>
+            </p:nvCxnSpPr>
+            <p:spPr>
+              <a:xfrm>
+                <a:off x="1140902" y="1270932"/>
+                <a:ext cx="0" cy="4089919"/>
+              </a:xfrm>
+              <a:prstGeom prst="line">
+                <a:avLst/>
+              </a:prstGeom>
+              <a:ln w="38100">
+                <a:solidFill>
+                  <a:schemeClr val="tx1"/>
+                </a:solidFill>
+              </a:ln>
+            </p:spPr>
+            <p:style>
+              <a:lnRef idx="1">
+                <a:schemeClr val="accent1"/>
+              </a:lnRef>
+              <a:fillRef idx="0">
+                <a:schemeClr val="accent1"/>
+              </a:fillRef>
+              <a:effectRef idx="0">
+                <a:schemeClr val="accent1"/>
+              </a:effectRef>
+              <a:fontRef idx="minor">
+                <a:schemeClr val="tx1"/>
+              </a:fontRef>
+            </p:style>
+          </p:cxnSp>
+          <p:cxnSp>
+            <p:nvCxnSpPr>
+              <p:cNvPr id="17" name="직선 연결선 16">
+                <a:extLst>
+                  <a:ext uri="{FF2B5EF4-FFF2-40B4-BE49-F238E27FC236}">
+                    <a16:creationId xmlns:a16="http://schemas.microsoft.com/office/drawing/2014/main" id="{D41EF1B6-3683-F382-342E-510EFEECB5AC}"/>
+                  </a:ext>
+                </a:extLst>
+              </p:cNvPr>
+              <p:cNvCxnSpPr>
+                <a:cxnSpLocks/>
+                <a:stCxn id="14" idx="6"/>
+                <a:endCxn id="15" idx="6"/>
+              </p:cNvCxnSpPr>
+              <p:nvPr/>
+            </p:nvCxnSpPr>
+            <p:spPr>
+              <a:xfrm>
+                <a:off x="4269996" y="1270932"/>
+                <a:ext cx="0" cy="4089919"/>
+              </a:xfrm>
+              <a:prstGeom prst="line">
+                <a:avLst/>
+              </a:prstGeom>
+              <a:ln w="38100">
+                <a:solidFill>
+                  <a:schemeClr val="tx1"/>
+                </a:solidFill>
+              </a:ln>
+            </p:spPr>
+            <p:style>
+              <a:lnRef idx="1">
+                <a:schemeClr val="accent1"/>
+              </a:lnRef>
+              <a:fillRef idx="0">
+                <a:schemeClr val="accent1"/>
+              </a:fillRef>
+              <a:effectRef idx="0">
+                <a:schemeClr val="accent1"/>
+              </a:effectRef>
+              <a:fontRef idx="minor">
+                <a:schemeClr val="tx1"/>
+              </a:fontRef>
+            </p:style>
+          </p:cxnSp>
+        </p:grpSp>
+      </p:grpSp>
+    </p:spTree>
+    <p:extLst>
+      <p:ext uri="{BB962C8B-B14F-4D97-AF65-F5344CB8AC3E}">
+        <p14:creationId xmlns:p14="http://schemas.microsoft.com/office/powerpoint/2010/main" val="513678536"/>
+      </p:ext>
+    </p:extLst>
+  </p:cSld>
+  <p:clrMapOvr>
+    <a:masterClrMapping/>
+  </p:clrMapOvr>
+</p:sld>
+</file>
+
+<file path=ppt/slides/slide23.xml><?xml version="1.0" encoding="utf-8"?>
+<p:sld xmlns:a="http://schemas.openxmlformats.org/drawingml/2006/main" xmlns:r="http://schemas.openxmlformats.org/officeDocument/2006/relationships" xmlns:p="http://schemas.openxmlformats.org/presentationml/2006/main">
+  <p:cSld>
+    <p:spTree>
+      <p:nvGrpSpPr>
+        <p:cNvPr id="1" name=""/>
+        <p:cNvGrpSpPr/>
+        <p:nvPr/>
+      </p:nvGrpSpPr>
+      <p:grpSpPr>
+        <a:xfrm>
+          <a:off x="0" y="0"/>
+          <a:ext cx="0" cy="0"/>
+          <a:chOff x="0" y="0"/>
+          <a:chExt cx="0" cy="0"/>
+        </a:xfrm>
+      </p:grpSpPr>
+      <p:sp>
+        <p:nvSpPr>
+          <p:cNvPr id="4" name="TextBox 3">
+            <a:extLst>
+              <a:ext uri="{FF2B5EF4-FFF2-40B4-BE49-F238E27FC236}">
+                <a16:creationId xmlns:a16="http://schemas.microsoft.com/office/drawing/2014/main" id="{07F28203-A8AD-273E-C2C6-E0632B86F782}"/>
+              </a:ext>
+            </a:extLst>
+          </p:cNvPr>
+          <p:cNvSpPr txBox="1"/>
+          <p:nvPr/>
+        </p:nvSpPr>
+        <p:spPr>
+          <a:xfrm>
+            <a:off x="1875133" y="1843951"/>
+            <a:ext cx="8441734" cy="4708981"/>
+          </a:xfrm>
+          <a:prstGeom prst="rect">
+            <a:avLst/>
+          </a:prstGeom>
+          <a:noFill/>
+        </p:spPr>
+        <p:txBody>
+          <a:bodyPr wrap="none" rtlCol="0">
+            <a:spAutoFit/>
+          </a:bodyPr>
+          <a:lstStyle/>
+          <a:p>
+            <a:pPr algn="ctr"/>
+            <a:r>
+              <a:rPr lang="ko-KR" altLang="en-US" sz="10000" b="1" dirty="0"/>
+              <a:t>구분 페이지</a:t>
+            </a:r>
+            <a:endParaRPr lang="en-US" altLang="ko-KR" sz="10000" b="1" dirty="0"/>
+          </a:p>
+          <a:p>
+            <a:pPr algn="ctr"/>
+            <a:r>
+              <a:rPr lang="en-US" altLang="ko-KR" sz="10000" b="1" dirty="0" err="1"/>
+              <a:t>DataBase</a:t>
+            </a:r>
+            <a:r>
+              <a:rPr lang="en-US" altLang="ko-KR" sz="10000" b="1" dirty="0"/>
+              <a:t> Lab</a:t>
+            </a:r>
+          </a:p>
+          <a:p>
+            <a:pPr algn="ctr"/>
+            <a:r>
+              <a:rPr lang="en-US" altLang="ko-KR" sz="10000" b="1" dirty="0"/>
+              <a:t>Tag </a:t>
+            </a:r>
+            <a:r>
+              <a:rPr lang="ko-KR" altLang="en-US" sz="10000" b="1" dirty="0"/>
+              <a:t>수정필요</a:t>
+            </a:r>
+          </a:p>
+        </p:txBody>
+      </p:sp>
+    </p:spTree>
+    <p:extLst>
+      <p:ext uri="{BB962C8B-B14F-4D97-AF65-F5344CB8AC3E}">
+        <p14:creationId xmlns:p14="http://schemas.microsoft.com/office/powerpoint/2010/main" val="1583057760"/>
+      </p:ext>
+    </p:extLst>
+  </p:cSld>
+  <p:clrMapOvr>
+    <a:masterClrMapping/>
+  </p:clrMapOvr>
+</p:sld>
+</file>
+
+<file path=ppt/slides/slide24.xml><?xml version="1.0" encoding="utf-8"?>
 <p:sld xmlns:a="http://schemas.openxmlformats.org/drawingml/2006/main" xmlns:r="http://schemas.openxmlformats.org/officeDocument/2006/relationships" xmlns:p="http://schemas.openxmlformats.org/presentationml/2006/main">
   <p:cSld>
     <p:spTree>
@@ -20905,7 +21856,7 @@
 </p:sld>
 </file>
 
-<file path=ppt/slides/slide23.xml><?xml version="1.0" encoding="utf-8"?>
+<file path=ppt/slides/slide25.xml><?xml version="1.0" encoding="utf-8"?>
 <p:sld xmlns:a="http://schemas.openxmlformats.org/drawingml/2006/main" xmlns:r="http://schemas.openxmlformats.org/officeDocument/2006/relationships" xmlns:p="http://schemas.openxmlformats.org/presentationml/2006/main">
   <p:cSld>
     <p:spTree>
@@ -21224,7 +22175,7 @@
 </p:sld>
 </file>
 
-<file path=ppt/slides/slide24.xml><?xml version="1.0" encoding="utf-8"?>
+<file path=ppt/slides/slide26.xml><?xml version="1.0" encoding="utf-8"?>
 <p:sld xmlns:a="http://schemas.openxmlformats.org/drawingml/2006/main" xmlns:r="http://schemas.openxmlformats.org/officeDocument/2006/relationships" xmlns:p="http://schemas.openxmlformats.org/presentationml/2006/main">
   <p:cSld>
     <p:spTree>
@@ -21466,7 +22417,7 @@
 </p:sld>
 </file>
 
-<file path=ppt/slides/slide25.xml><?xml version="1.0" encoding="utf-8"?>
+<file path=ppt/slides/slide27.xml><?xml version="1.0" encoding="utf-8"?>
 <p:sld xmlns:a="http://schemas.openxmlformats.org/drawingml/2006/main" xmlns:r="http://schemas.openxmlformats.org/officeDocument/2006/relationships" xmlns:p="http://schemas.openxmlformats.org/presentationml/2006/main">
   <p:cSld>
     <p:spTree>
@@ -22078,7 +23029,7 @@
 </p:sld>
 </file>
 
-<file path=ppt/slides/slide26.xml><?xml version="1.0" encoding="utf-8"?>
+<file path=ppt/slides/slide28.xml><?xml version="1.0" encoding="utf-8"?>
 <p:sld xmlns:a="http://schemas.openxmlformats.org/drawingml/2006/main" xmlns:r="http://schemas.openxmlformats.org/officeDocument/2006/relationships" xmlns:p="http://schemas.openxmlformats.org/presentationml/2006/main">
   <p:cSld>
     <p:spTree>
@@ -23151,7 +24102,7 @@
 </p:sld>
 </file>
 
-<file path=ppt/slides/slide27.xml><?xml version="1.0" encoding="utf-8"?>
+<file path=ppt/slides/slide29.xml><?xml version="1.0" encoding="utf-8"?>
 <p:sld xmlns:a="http://schemas.openxmlformats.org/drawingml/2006/main" xmlns:r="http://schemas.openxmlformats.org/officeDocument/2006/relationships" xmlns:p="http://schemas.openxmlformats.org/presentationml/2006/main">
   <p:cSld>
     <p:spTree>
@@ -24192,7 +25143,308 @@
 </p:sld>
 </file>
 
-<file path=ppt/slides/slide28.xml><?xml version="1.0" encoding="utf-8"?>
+<file path=ppt/slides/slide3.xml><?xml version="1.0" encoding="utf-8"?>
+<p:sld xmlns:a="http://schemas.openxmlformats.org/drawingml/2006/main" xmlns:r="http://schemas.openxmlformats.org/officeDocument/2006/relationships" xmlns:p="http://schemas.openxmlformats.org/presentationml/2006/main">
+  <p:cSld>
+    <p:spTree>
+      <p:nvGrpSpPr>
+        <p:cNvPr id="1" name=""/>
+        <p:cNvGrpSpPr/>
+        <p:nvPr/>
+      </p:nvGrpSpPr>
+      <p:grpSpPr>
+        <a:xfrm>
+          <a:off x="0" y="0"/>
+          <a:ext cx="0" cy="0"/>
+          <a:chOff x="0" y="0"/>
+          <a:chExt cx="0" cy="0"/>
+        </a:xfrm>
+      </p:grpSpPr>
+      <p:sp>
+        <p:nvSpPr>
+          <p:cNvPr id="5" name="TextBox 4">
+            <a:extLst>
+              <a:ext uri="{FF2B5EF4-FFF2-40B4-BE49-F238E27FC236}">
+                <a16:creationId xmlns:a16="http://schemas.microsoft.com/office/drawing/2014/main" id="{C8ECAF98-496C-0D84-6BD8-A2D0ECAE6E50}"/>
+              </a:ext>
+            </a:extLst>
+          </p:cNvPr>
+          <p:cNvSpPr txBox="1"/>
+          <p:nvPr/>
+        </p:nvSpPr>
+        <p:spPr>
+          <a:xfrm>
+            <a:off x="0" y="1082693"/>
+            <a:ext cx="12192000" cy="3046988"/>
+          </a:xfrm>
+          <a:prstGeom prst="rect">
+            <a:avLst/>
+          </a:prstGeom>
+          <a:noFill/>
+        </p:spPr>
+        <p:txBody>
+          <a:bodyPr wrap="square" rtlCol="0">
+            <a:spAutoFit/>
+          </a:bodyPr>
+          <a:lstStyle/>
+          <a:p>
+            <a:r>
+              <a:rPr lang="en-US" altLang="ko-KR" sz="2400" b="1" dirty="0"/>
+              <a:t>7</a:t>
+            </a:r>
+            <a:r>
+              <a:rPr lang="ko-KR" altLang="en-US" sz="2400" b="1" dirty="0"/>
+              <a:t>월 </a:t>
+            </a:r>
+            <a:r>
+              <a:rPr lang="en-US" altLang="ko-KR" sz="2400" b="1" dirty="0"/>
+              <a:t>2</a:t>
+            </a:r>
+            <a:r>
+              <a:rPr lang="ko-KR" altLang="en-US" sz="2400" b="1" dirty="0"/>
+              <a:t>주차</a:t>
+            </a:r>
+            <a:r>
+              <a:rPr lang="en-US" altLang="ko-KR" sz="2400" b="1" dirty="0"/>
+              <a:t>: </a:t>
+            </a:r>
+            <a:r>
+              <a:rPr lang="ko-KR" altLang="en-US" sz="2400" b="1" dirty="0"/>
+              <a:t>공동개발환경 세팅 </a:t>
+            </a:r>
+            <a:r>
+              <a:rPr lang="en-US" altLang="ko-KR" sz="2400" b="1" dirty="0"/>
+              <a:t>/ </a:t>
+            </a:r>
+            <a:r>
+              <a:rPr lang="ko-KR" altLang="en-US" sz="2400" b="1" dirty="0"/>
+              <a:t>개발계획</a:t>
+            </a:r>
+            <a:endParaRPr lang="en-US" altLang="ko-KR" sz="2400" b="1" dirty="0"/>
+          </a:p>
+          <a:p>
+            <a:r>
+              <a:rPr lang="en-US" altLang="ko-KR" sz="2400" b="1" dirty="0"/>
+              <a:t>7</a:t>
+            </a:r>
+            <a:r>
+              <a:rPr lang="ko-KR" altLang="en-US" sz="2400" b="1" dirty="0"/>
+              <a:t>월 </a:t>
+            </a:r>
+            <a:r>
+              <a:rPr lang="en-US" altLang="ko-KR" sz="2400" b="1" dirty="0"/>
+              <a:t>3</a:t>
+            </a:r>
+            <a:r>
+              <a:rPr lang="ko-KR" altLang="en-US" sz="2400" b="1" dirty="0"/>
+              <a:t>주차</a:t>
+            </a:r>
+            <a:r>
+              <a:rPr lang="en-US" altLang="ko-KR" sz="2400" b="1" dirty="0"/>
+              <a:t>: </a:t>
+            </a:r>
+            <a:r>
+              <a:rPr lang="ko-KR" altLang="en-US" sz="2400" b="1" dirty="0"/>
+              <a:t>공동개발환경 세팅</a:t>
+            </a:r>
+            <a:r>
+              <a:rPr lang="en-US" altLang="ko-KR" sz="2400" b="1" dirty="0"/>
+              <a:t>(Server, </a:t>
+            </a:r>
+            <a:r>
+              <a:rPr lang="en-US" altLang="ko-KR" sz="2400" b="1" dirty="0" err="1"/>
+              <a:t>NginX</a:t>
+            </a:r>
+            <a:r>
+              <a:rPr lang="en-US" altLang="ko-KR" sz="2400" b="1" dirty="0"/>
+              <a:t>, MySQL), ERD</a:t>
+            </a:r>
+          </a:p>
+          <a:p>
+            <a:r>
+              <a:rPr lang="en-US" altLang="ko-KR" sz="2400" b="1" dirty="0"/>
+              <a:t>7</a:t>
+            </a:r>
+            <a:r>
+              <a:rPr lang="ko-KR" altLang="en-US" sz="2400" b="1" dirty="0"/>
+              <a:t>월 </a:t>
+            </a:r>
+            <a:r>
+              <a:rPr lang="en-US" altLang="ko-KR" sz="2400" b="1" dirty="0"/>
+              <a:t>4</a:t>
+            </a:r>
+            <a:r>
+              <a:rPr lang="ko-KR" altLang="en-US" sz="2400" b="1" dirty="0"/>
+              <a:t>주차</a:t>
+            </a:r>
+            <a:r>
+              <a:rPr lang="en-US" altLang="ko-KR" sz="2400" b="1" dirty="0"/>
+              <a:t>: </a:t>
+            </a:r>
+            <a:r>
+              <a:rPr lang="ko-KR" altLang="en-US" sz="2400" b="1" dirty="0"/>
+              <a:t>개발시작</a:t>
+            </a:r>
+          </a:p>
+          <a:p>
+            <a:endParaRPr lang="en-US" altLang="ko-KR" sz="2400" b="1" dirty="0"/>
+          </a:p>
+          <a:p>
+            <a:r>
+              <a:rPr lang="en-US" altLang="ko-KR" sz="2400" b="1" dirty="0"/>
+              <a:t>8</a:t>
+            </a:r>
+            <a:r>
+              <a:rPr lang="ko-KR" altLang="en-US" sz="2400" b="1" dirty="0"/>
+              <a:t>월 </a:t>
+            </a:r>
+            <a:r>
+              <a:rPr lang="en-US" altLang="ko-KR" sz="2400" b="1" dirty="0"/>
+              <a:t>1</a:t>
+            </a:r>
+            <a:r>
+              <a:rPr lang="ko-KR" altLang="en-US" sz="2400" b="1" dirty="0"/>
+              <a:t>주차</a:t>
+            </a:r>
+            <a:r>
+              <a:rPr lang="en-US" altLang="ko-KR" sz="2400" b="1" dirty="0"/>
+              <a:t>: </a:t>
+            </a:r>
+          </a:p>
+          <a:p>
+            <a:r>
+              <a:rPr lang="en-US" altLang="ko-KR" sz="2400" b="1" dirty="0"/>
+              <a:t>8</a:t>
+            </a:r>
+            <a:r>
+              <a:rPr lang="ko-KR" altLang="en-US" sz="2400" b="1" dirty="0"/>
+              <a:t>월 </a:t>
+            </a:r>
+            <a:r>
+              <a:rPr lang="en-US" altLang="ko-KR" sz="2400" b="1" dirty="0"/>
+              <a:t>2</a:t>
+            </a:r>
+            <a:r>
+              <a:rPr lang="ko-KR" altLang="en-US" sz="2400" b="1" dirty="0"/>
+              <a:t>주차</a:t>
+            </a:r>
+            <a:r>
+              <a:rPr lang="en-US" altLang="ko-KR" sz="2400" b="1" dirty="0"/>
+              <a:t>: </a:t>
+            </a:r>
+            <a:endParaRPr lang="ko-KR" altLang="en-US" sz="2400" b="1" dirty="0"/>
+          </a:p>
+          <a:p>
+            <a:r>
+              <a:rPr lang="en-US" altLang="ko-KR" sz="2400" b="1" dirty="0"/>
+              <a:t>8</a:t>
+            </a:r>
+            <a:r>
+              <a:rPr lang="ko-KR" altLang="en-US" sz="2400" b="1" dirty="0"/>
+              <a:t>월 </a:t>
+            </a:r>
+            <a:r>
+              <a:rPr lang="en-US" altLang="ko-KR" sz="2400" b="1" dirty="0"/>
+              <a:t>3</a:t>
+            </a:r>
+            <a:r>
+              <a:rPr lang="ko-KR" altLang="en-US" sz="2400" b="1" dirty="0"/>
+              <a:t>주차</a:t>
+            </a:r>
+            <a:r>
+              <a:rPr lang="en-US" altLang="ko-KR" sz="2400" b="1" dirty="0"/>
+              <a:t>: </a:t>
+            </a:r>
+            <a:endParaRPr lang="ko-KR" altLang="en-US" sz="2400" b="1" dirty="0"/>
+          </a:p>
+          <a:p>
+            <a:r>
+              <a:rPr lang="en-US" altLang="ko-KR" sz="2400" b="1" dirty="0"/>
+              <a:t>8</a:t>
+            </a:r>
+            <a:r>
+              <a:rPr lang="ko-KR" altLang="en-US" sz="2400" b="1" dirty="0"/>
+              <a:t>월 </a:t>
+            </a:r>
+            <a:r>
+              <a:rPr lang="en-US" altLang="ko-KR" sz="2400" b="1" dirty="0"/>
+              <a:t>4</a:t>
+            </a:r>
+            <a:r>
+              <a:rPr lang="ko-KR" altLang="en-US" sz="2400" b="1" dirty="0"/>
+              <a:t>주차</a:t>
+            </a:r>
+            <a:r>
+              <a:rPr lang="en-US" altLang="ko-KR" sz="2400" b="1" dirty="0"/>
+              <a:t>: </a:t>
+            </a:r>
+            <a:endParaRPr lang="ko-KR" altLang="en-US" sz="2400" b="1" dirty="0"/>
+          </a:p>
+        </p:txBody>
+      </p:sp>
+      <p:sp>
+        <p:nvSpPr>
+          <p:cNvPr id="6" name="TextBox 5">
+            <a:extLst>
+              <a:ext uri="{FF2B5EF4-FFF2-40B4-BE49-F238E27FC236}">
+                <a16:creationId xmlns:a16="http://schemas.microsoft.com/office/drawing/2014/main" id="{8B73F40B-2B9A-AA4C-5FBD-2F71BE983F70}"/>
+              </a:ext>
+            </a:extLst>
+          </p:cNvPr>
+          <p:cNvSpPr txBox="1"/>
+          <p:nvPr/>
+        </p:nvSpPr>
+        <p:spPr>
+          <a:xfrm>
+            <a:off x="0" y="0"/>
+            <a:ext cx="12192000" cy="584775"/>
+          </a:xfrm>
+          <a:prstGeom prst="rect">
+            <a:avLst/>
+          </a:prstGeom>
+          <a:solidFill>
+            <a:schemeClr val="tx1"/>
+          </a:solidFill>
+        </p:spPr>
+        <p:txBody>
+          <a:bodyPr wrap="square" rtlCol="0">
+            <a:spAutoFit/>
+          </a:bodyPr>
+          <a:lstStyle/>
+          <a:p>
+            <a:r>
+              <a:rPr lang="en-US" altLang="ko-KR" sz="3200" b="1" dirty="0">
+                <a:solidFill>
+                  <a:schemeClr val="bg1"/>
+                </a:solidFill>
+              </a:rPr>
+              <a:t>2. </a:t>
+            </a:r>
+            <a:r>
+              <a:rPr lang="ko-KR" altLang="en-US" sz="3200" b="1" dirty="0">
+                <a:solidFill>
+                  <a:schemeClr val="bg1"/>
+                </a:solidFill>
+              </a:rPr>
+              <a:t>개발일정</a:t>
+            </a:r>
+          </a:p>
+        </p:txBody>
+      </p:sp>
+    </p:spTree>
+    <p:extLst>
+      <p:ext uri="{BB962C8B-B14F-4D97-AF65-F5344CB8AC3E}">
+        <p14:creationId xmlns:p14="http://schemas.microsoft.com/office/powerpoint/2010/main" val="1196208655"/>
+      </p:ext>
+    </p:extLst>
+  </p:cSld>
+  <p:clrMapOvr>
+    <a:masterClrMapping/>
+  </p:clrMapOvr>
+</p:sld>
+</file>
+
+<file path=ppt/slides/slide30.xml><?xml version="1.0" encoding="utf-8"?>
 <p:sld xmlns:a="http://schemas.openxmlformats.org/drawingml/2006/main" xmlns:r="http://schemas.openxmlformats.org/officeDocument/2006/relationships" xmlns:p="http://schemas.openxmlformats.org/presentationml/2006/main">
   <p:cSld>
     <p:spTree>
@@ -25233,7 +26485,7 @@
 </p:sld>
 </file>
 
-<file path=ppt/slides/slide29.xml><?xml version="1.0" encoding="utf-8"?>
+<file path=ppt/slides/slide31.xml><?xml version="1.0" encoding="utf-8"?>
 <p:sld xmlns:a="http://schemas.openxmlformats.org/drawingml/2006/main" xmlns:r="http://schemas.openxmlformats.org/officeDocument/2006/relationships" xmlns:p="http://schemas.openxmlformats.org/presentationml/2006/main">
   <p:cSld>
     <p:spTree>
@@ -25312,308 +26564,7 @@
 </p:sld>
 </file>
 
-<file path=ppt/slides/slide3.xml><?xml version="1.0" encoding="utf-8"?>
-<p:sld xmlns:a="http://schemas.openxmlformats.org/drawingml/2006/main" xmlns:r="http://schemas.openxmlformats.org/officeDocument/2006/relationships" xmlns:p="http://schemas.openxmlformats.org/presentationml/2006/main">
-  <p:cSld>
-    <p:spTree>
-      <p:nvGrpSpPr>
-        <p:cNvPr id="1" name=""/>
-        <p:cNvGrpSpPr/>
-        <p:nvPr/>
-      </p:nvGrpSpPr>
-      <p:grpSpPr>
-        <a:xfrm>
-          <a:off x="0" y="0"/>
-          <a:ext cx="0" cy="0"/>
-          <a:chOff x="0" y="0"/>
-          <a:chExt cx="0" cy="0"/>
-        </a:xfrm>
-      </p:grpSpPr>
-      <p:sp>
-        <p:nvSpPr>
-          <p:cNvPr id="5" name="TextBox 4">
-            <a:extLst>
-              <a:ext uri="{FF2B5EF4-FFF2-40B4-BE49-F238E27FC236}">
-                <a16:creationId xmlns:a16="http://schemas.microsoft.com/office/drawing/2014/main" id="{C8ECAF98-496C-0D84-6BD8-A2D0ECAE6E50}"/>
-              </a:ext>
-            </a:extLst>
-          </p:cNvPr>
-          <p:cNvSpPr txBox="1"/>
-          <p:nvPr/>
-        </p:nvSpPr>
-        <p:spPr>
-          <a:xfrm>
-            <a:off x="0" y="1082693"/>
-            <a:ext cx="12192000" cy="3046988"/>
-          </a:xfrm>
-          <a:prstGeom prst="rect">
-            <a:avLst/>
-          </a:prstGeom>
-          <a:noFill/>
-        </p:spPr>
-        <p:txBody>
-          <a:bodyPr wrap="square" rtlCol="0">
-            <a:spAutoFit/>
-          </a:bodyPr>
-          <a:lstStyle/>
-          <a:p>
-            <a:r>
-              <a:rPr lang="en-US" altLang="ko-KR" sz="2400" b="1" dirty="0"/>
-              <a:t>7</a:t>
-            </a:r>
-            <a:r>
-              <a:rPr lang="ko-KR" altLang="en-US" sz="2400" b="1" dirty="0"/>
-              <a:t>월 </a:t>
-            </a:r>
-            <a:r>
-              <a:rPr lang="en-US" altLang="ko-KR" sz="2400" b="1" dirty="0"/>
-              <a:t>2</a:t>
-            </a:r>
-            <a:r>
-              <a:rPr lang="ko-KR" altLang="en-US" sz="2400" b="1" dirty="0"/>
-              <a:t>주차</a:t>
-            </a:r>
-            <a:r>
-              <a:rPr lang="en-US" altLang="ko-KR" sz="2400" b="1" dirty="0"/>
-              <a:t>: </a:t>
-            </a:r>
-            <a:r>
-              <a:rPr lang="ko-KR" altLang="en-US" sz="2400" b="1" dirty="0"/>
-              <a:t>공동개발환경 세팅 </a:t>
-            </a:r>
-            <a:r>
-              <a:rPr lang="en-US" altLang="ko-KR" sz="2400" b="1" dirty="0"/>
-              <a:t>/ </a:t>
-            </a:r>
-            <a:r>
-              <a:rPr lang="ko-KR" altLang="en-US" sz="2400" b="1" dirty="0"/>
-              <a:t>개발계획</a:t>
-            </a:r>
-            <a:endParaRPr lang="en-US" altLang="ko-KR" sz="2400" b="1" dirty="0"/>
-          </a:p>
-          <a:p>
-            <a:r>
-              <a:rPr lang="en-US" altLang="ko-KR" sz="2400" b="1" dirty="0"/>
-              <a:t>7</a:t>
-            </a:r>
-            <a:r>
-              <a:rPr lang="ko-KR" altLang="en-US" sz="2400" b="1" dirty="0"/>
-              <a:t>월 </a:t>
-            </a:r>
-            <a:r>
-              <a:rPr lang="en-US" altLang="ko-KR" sz="2400" b="1" dirty="0"/>
-              <a:t>3</a:t>
-            </a:r>
-            <a:r>
-              <a:rPr lang="ko-KR" altLang="en-US" sz="2400" b="1" dirty="0"/>
-              <a:t>주차</a:t>
-            </a:r>
-            <a:r>
-              <a:rPr lang="en-US" altLang="ko-KR" sz="2400" b="1" dirty="0"/>
-              <a:t>: </a:t>
-            </a:r>
-            <a:r>
-              <a:rPr lang="ko-KR" altLang="en-US" sz="2400" b="1" dirty="0"/>
-              <a:t>공동개발환경 세팅</a:t>
-            </a:r>
-            <a:r>
-              <a:rPr lang="en-US" altLang="ko-KR" sz="2400" b="1" dirty="0"/>
-              <a:t>(Server, </a:t>
-            </a:r>
-            <a:r>
-              <a:rPr lang="en-US" altLang="ko-KR" sz="2400" b="1" dirty="0" err="1"/>
-              <a:t>NginX</a:t>
-            </a:r>
-            <a:r>
-              <a:rPr lang="en-US" altLang="ko-KR" sz="2400" b="1" dirty="0"/>
-              <a:t>, MySQL), ERD</a:t>
-            </a:r>
-          </a:p>
-          <a:p>
-            <a:r>
-              <a:rPr lang="en-US" altLang="ko-KR" sz="2400" b="1" dirty="0"/>
-              <a:t>7</a:t>
-            </a:r>
-            <a:r>
-              <a:rPr lang="ko-KR" altLang="en-US" sz="2400" b="1" dirty="0"/>
-              <a:t>월 </a:t>
-            </a:r>
-            <a:r>
-              <a:rPr lang="en-US" altLang="ko-KR" sz="2400" b="1" dirty="0"/>
-              <a:t>4</a:t>
-            </a:r>
-            <a:r>
-              <a:rPr lang="ko-KR" altLang="en-US" sz="2400" b="1" dirty="0"/>
-              <a:t>주차</a:t>
-            </a:r>
-            <a:r>
-              <a:rPr lang="en-US" altLang="ko-KR" sz="2400" b="1" dirty="0"/>
-              <a:t>: </a:t>
-            </a:r>
-            <a:r>
-              <a:rPr lang="ko-KR" altLang="en-US" sz="2400" b="1" dirty="0"/>
-              <a:t>개발시작</a:t>
-            </a:r>
-          </a:p>
-          <a:p>
-            <a:endParaRPr lang="en-US" altLang="ko-KR" sz="2400" b="1" dirty="0"/>
-          </a:p>
-          <a:p>
-            <a:r>
-              <a:rPr lang="en-US" altLang="ko-KR" sz="2400" b="1" dirty="0"/>
-              <a:t>8</a:t>
-            </a:r>
-            <a:r>
-              <a:rPr lang="ko-KR" altLang="en-US" sz="2400" b="1" dirty="0"/>
-              <a:t>월 </a:t>
-            </a:r>
-            <a:r>
-              <a:rPr lang="en-US" altLang="ko-KR" sz="2400" b="1" dirty="0"/>
-              <a:t>1</a:t>
-            </a:r>
-            <a:r>
-              <a:rPr lang="ko-KR" altLang="en-US" sz="2400" b="1" dirty="0"/>
-              <a:t>주차</a:t>
-            </a:r>
-            <a:r>
-              <a:rPr lang="en-US" altLang="ko-KR" sz="2400" b="1" dirty="0"/>
-              <a:t>: </a:t>
-            </a:r>
-          </a:p>
-          <a:p>
-            <a:r>
-              <a:rPr lang="en-US" altLang="ko-KR" sz="2400" b="1" dirty="0"/>
-              <a:t>8</a:t>
-            </a:r>
-            <a:r>
-              <a:rPr lang="ko-KR" altLang="en-US" sz="2400" b="1" dirty="0"/>
-              <a:t>월 </a:t>
-            </a:r>
-            <a:r>
-              <a:rPr lang="en-US" altLang="ko-KR" sz="2400" b="1" dirty="0"/>
-              <a:t>2</a:t>
-            </a:r>
-            <a:r>
-              <a:rPr lang="ko-KR" altLang="en-US" sz="2400" b="1" dirty="0"/>
-              <a:t>주차</a:t>
-            </a:r>
-            <a:r>
-              <a:rPr lang="en-US" altLang="ko-KR" sz="2400" b="1" dirty="0"/>
-              <a:t>: </a:t>
-            </a:r>
-            <a:endParaRPr lang="ko-KR" altLang="en-US" sz="2400" b="1" dirty="0"/>
-          </a:p>
-          <a:p>
-            <a:r>
-              <a:rPr lang="en-US" altLang="ko-KR" sz="2400" b="1" dirty="0"/>
-              <a:t>8</a:t>
-            </a:r>
-            <a:r>
-              <a:rPr lang="ko-KR" altLang="en-US" sz="2400" b="1" dirty="0"/>
-              <a:t>월 </a:t>
-            </a:r>
-            <a:r>
-              <a:rPr lang="en-US" altLang="ko-KR" sz="2400" b="1" dirty="0"/>
-              <a:t>3</a:t>
-            </a:r>
-            <a:r>
-              <a:rPr lang="ko-KR" altLang="en-US" sz="2400" b="1" dirty="0"/>
-              <a:t>주차</a:t>
-            </a:r>
-            <a:r>
-              <a:rPr lang="en-US" altLang="ko-KR" sz="2400" b="1" dirty="0"/>
-              <a:t>: </a:t>
-            </a:r>
-            <a:endParaRPr lang="ko-KR" altLang="en-US" sz="2400" b="1" dirty="0"/>
-          </a:p>
-          <a:p>
-            <a:r>
-              <a:rPr lang="en-US" altLang="ko-KR" sz="2400" b="1" dirty="0"/>
-              <a:t>8</a:t>
-            </a:r>
-            <a:r>
-              <a:rPr lang="ko-KR" altLang="en-US" sz="2400" b="1" dirty="0"/>
-              <a:t>월 </a:t>
-            </a:r>
-            <a:r>
-              <a:rPr lang="en-US" altLang="ko-KR" sz="2400" b="1" dirty="0"/>
-              <a:t>4</a:t>
-            </a:r>
-            <a:r>
-              <a:rPr lang="ko-KR" altLang="en-US" sz="2400" b="1" dirty="0"/>
-              <a:t>주차</a:t>
-            </a:r>
-            <a:r>
-              <a:rPr lang="en-US" altLang="ko-KR" sz="2400" b="1" dirty="0"/>
-              <a:t>: </a:t>
-            </a:r>
-            <a:endParaRPr lang="ko-KR" altLang="en-US" sz="2400" b="1" dirty="0"/>
-          </a:p>
-        </p:txBody>
-      </p:sp>
-      <p:sp>
-        <p:nvSpPr>
-          <p:cNvPr id="6" name="TextBox 5">
-            <a:extLst>
-              <a:ext uri="{FF2B5EF4-FFF2-40B4-BE49-F238E27FC236}">
-                <a16:creationId xmlns:a16="http://schemas.microsoft.com/office/drawing/2014/main" id="{8B73F40B-2B9A-AA4C-5FBD-2F71BE983F70}"/>
-              </a:ext>
-            </a:extLst>
-          </p:cNvPr>
-          <p:cNvSpPr txBox="1"/>
-          <p:nvPr/>
-        </p:nvSpPr>
-        <p:spPr>
-          <a:xfrm>
-            <a:off x="0" y="0"/>
-            <a:ext cx="12192000" cy="584775"/>
-          </a:xfrm>
-          <a:prstGeom prst="rect">
-            <a:avLst/>
-          </a:prstGeom>
-          <a:solidFill>
-            <a:schemeClr val="tx1"/>
-          </a:solidFill>
-        </p:spPr>
-        <p:txBody>
-          <a:bodyPr wrap="square" rtlCol="0">
-            <a:spAutoFit/>
-          </a:bodyPr>
-          <a:lstStyle/>
-          <a:p>
-            <a:r>
-              <a:rPr lang="en-US" altLang="ko-KR" sz="3200" b="1" dirty="0">
-                <a:solidFill>
-                  <a:schemeClr val="bg1"/>
-                </a:solidFill>
-              </a:rPr>
-              <a:t>2. </a:t>
-            </a:r>
-            <a:r>
-              <a:rPr lang="ko-KR" altLang="en-US" sz="3200" b="1" dirty="0">
-                <a:solidFill>
-                  <a:schemeClr val="bg1"/>
-                </a:solidFill>
-              </a:rPr>
-              <a:t>개발일정</a:t>
-            </a:r>
-          </a:p>
-        </p:txBody>
-      </p:sp>
-    </p:spTree>
-    <p:extLst>
-      <p:ext uri="{BB962C8B-B14F-4D97-AF65-F5344CB8AC3E}">
-        <p14:creationId xmlns:p14="http://schemas.microsoft.com/office/powerpoint/2010/main" val="1196208655"/>
-      </p:ext>
-    </p:extLst>
-  </p:cSld>
-  <p:clrMapOvr>
-    <a:masterClrMapping/>
-  </p:clrMapOvr>
-</p:sld>
-</file>
-
-<file path=ppt/slides/slide30.xml><?xml version="1.0" encoding="utf-8"?>
+<file path=ppt/slides/slide32.xml><?xml version="1.0" encoding="utf-8"?>
 <p:sld xmlns:a="http://schemas.openxmlformats.org/drawingml/2006/main" xmlns:r="http://schemas.openxmlformats.org/officeDocument/2006/relationships" xmlns:p="http://schemas.openxmlformats.org/presentationml/2006/main">
   <p:cSld>
     <p:spTree>
@@ -26206,7 +27157,7 @@
 </p:sld>
 </file>
 
-<file path=ppt/slides/slide31.xml><?xml version="1.0" encoding="utf-8"?>
+<file path=ppt/slides/slide33.xml><?xml version="1.0" encoding="utf-8"?>
 <p:sld xmlns:a="http://schemas.openxmlformats.org/drawingml/2006/main" xmlns:r="http://schemas.openxmlformats.org/officeDocument/2006/relationships" xmlns:p="http://schemas.openxmlformats.org/presentationml/2006/main">
   <p:cSld>
     <p:spTree>
@@ -26525,7 +27476,7 @@
 </p:sld>
 </file>
 
-<file path=ppt/slides/slide32.xml><?xml version="1.0" encoding="utf-8"?>
+<file path=ppt/slides/slide34.xml><?xml version="1.0" encoding="utf-8"?>
 <p:sld xmlns:a="http://schemas.openxmlformats.org/drawingml/2006/main" xmlns:r="http://schemas.openxmlformats.org/officeDocument/2006/relationships" xmlns:p="http://schemas.openxmlformats.org/presentationml/2006/main">
   <p:cSld>
     <p:spTree>
@@ -26767,7 +27718,7 @@
 </p:sld>
 </file>
 
-<file path=ppt/slides/slide33.xml><?xml version="1.0" encoding="utf-8"?>
+<file path=ppt/slides/slide35.xml><?xml version="1.0" encoding="utf-8"?>
 <p:sld xmlns:a="http://schemas.openxmlformats.org/drawingml/2006/main" xmlns:r="http://schemas.openxmlformats.org/officeDocument/2006/relationships" xmlns:p="http://schemas.openxmlformats.org/presentationml/2006/main">
   <p:cSld>
     <p:spTree>
@@ -27392,7 +28343,7 @@
 </p:sld>
 </file>
 
-<file path=ppt/slides/slide34.xml><?xml version="1.0" encoding="utf-8"?>
+<file path=ppt/slides/slide36.xml><?xml version="1.0" encoding="utf-8"?>
 <p:sld xmlns:a="http://schemas.openxmlformats.org/drawingml/2006/main" xmlns:r="http://schemas.openxmlformats.org/officeDocument/2006/relationships" xmlns:p="http://schemas.openxmlformats.org/presentationml/2006/main">
   <p:cSld>
     <p:spTree>
@@ -28550,7 +29501,7 @@
 </p:sld>
 </file>
 
-<file path=ppt/slides/slide35.xml><?xml version="1.0" encoding="utf-8"?>
+<file path=ppt/slides/slide37.xml><?xml version="1.0" encoding="utf-8"?>
 <p:sld xmlns:a="http://schemas.openxmlformats.org/drawingml/2006/main" xmlns:r="http://schemas.openxmlformats.org/officeDocument/2006/relationships" xmlns:p="http://schemas.openxmlformats.org/presentationml/2006/main">
   <p:cSld>
     <p:spTree>
@@ -29708,7 +30659,7 @@
 </p:sld>
 </file>
 
-<file path=ppt/slides/slide36.xml><?xml version="1.0" encoding="utf-8"?>
+<file path=ppt/slides/slide38.xml><?xml version="1.0" encoding="utf-8"?>
 <p:sld xmlns:a="http://schemas.openxmlformats.org/drawingml/2006/main" xmlns:r="http://schemas.openxmlformats.org/officeDocument/2006/relationships" xmlns:p="http://schemas.openxmlformats.org/presentationml/2006/main">
   <p:cSld>
     <p:spTree>
@@ -30866,7 +31817,7 @@
 </p:sld>
 </file>
 
-<file path=ppt/slides/slide37.xml><?xml version="1.0" encoding="utf-8"?>
+<file path=ppt/slides/slide39.xml><?xml version="1.0" encoding="utf-8"?>
 <p:sld xmlns:a="http://schemas.openxmlformats.org/drawingml/2006/main" xmlns:r="http://schemas.openxmlformats.org/officeDocument/2006/relationships" xmlns:p="http://schemas.openxmlformats.org/presentationml/2006/main">
   <p:cSld>
     <p:spTree>
@@ -32015,1229 +32966,6 @@
     <p:extLst>
       <p:ext uri="{BB962C8B-B14F-4D97-AF65-F5344CB8AC3E}">
         <p14:creationId xmlns:p14="http://schemas.microsoft.com/office/powerpoint/2010/main" val="1703447945"/>
-      </p:ext>
-    </p:extLst>
-  </p:cSld>
-  <p:clrMapOvr>
-    <a:masterClrMapping/>
-  </p:clrMapOvr>
-</p:sld>
-</file>
-
-<file path=ppt/slides/slide38.xml><?xml version="1.0" encoding="utf-8"?>
-<p:sld xmlns:a="http://schemas.openxmlformats.org/drawingml/2006/main" xmlns:r="http://schemas.openxmlformats.org/officeDocument/2006/relationships" xmlns:p="http://schemas.openxmlformats.org/presentationml/2006/main">
-  <p:cSld>
-    <p:spTree>
-      <p:nvGrpSpPr>
-        <p:cNvPr id="1" name=""/>
-        <p:cNvGrpSpPr/>
-        <p:nvPr/>
-      </p:nvGrpSpPr>
-      <p:grpSpPr>
-        <a:xfrm>
-          <a:off x="0" y="0"/>
-          <a:ext cx="0" cy="0"/>
-          <a:chOff x="0" y="0"/>
-          <a:chExt cx="0" cy="0"/>
-        </a:xfrm>
-      </p:grpSpPr>
-      <p:sp>
-        <p:nvSpPr>
-          <p:cNvPr id="6" name="TextBox 5">
-            <a:extLst>
-              <a:ext uri="{FF2B5EF4-FFF2-40B4-BE49-F238E27FC236}">
-                <a16:creationId xmlns:a16="http://schemas.microsoft.com/office/drawing/2014/main" id="{F204C529-3208-C800-5178-EA5E6B6187AB}"/>
-              </a:ext>
-            </a:extLst>
-          </p:cNvPr>
-          <p:cNvSpPr txBox="1"/>
-          <p:nvPr/>
-        </p:nvSpPr>
-        <p:spPr>
-          <a:xfrm>
-            <a:off x="0" y="0"/>
-            <a:ext cx="12192000" cy="584775"/>
-          </a:xfrm>
-          <a:prstGeom prst="rect">
-            <a:avLst/>
-          </a:prstGeom>
-          <a:solidFill>
-            <a:schemeClr val="tx1"/>
-          </a:solidFill>
-        </p:spPr>
-        <p:txBody>
-          <a:bodyPr wrap="square" rtlCol="0">
-            <a:spAutoFit/>
-          </a:bodyPr>
-          <a:lstStyle/>
-          <a:p>
-            <a:r>
-              <a:rPr lang="en-US" altLang="ko-KR" sz="3200" b="1" dirty="0">
-                <a:solidFill>
-                  <a:schemeClr val="bg1"/>
-                </a:solidFill>
-              </a:rPr>
-              <a:t>Database: Assignment Board(CPP/MFC/CG/AR)</a:t>
-            </a:r>
-            <a:endParaRPr lang="ko-KR" altLang="en-US" sz="3200" b="1" dirty="0">
-              <a:solidFill>
-                <a:schemeClr val="bg1"/>
-              </a:solidFill>
-            </a:endParaRPr>
-          </a:p>
-        </p:txBody>
-      </p:sp>
-      <p:grpSp>
-        <p:nvGrpSpPr>
-          <p:cNvPr id="7" name="그룹 6">
-            <a:extLst>
-              <a:ext uri="{FF2B5EF4-FFF2-40B4-BE49-F238E27FC236}">
-                <a16:creationId xmlns:a16="http://schemas.microsoft.com/office/drawing/2014/main" id="{F53C5AFC-9185-0786-0ADA-669CF63CE2BE}"/>
-              </a:ext>
-            </a:extLst>
-          </p:cNvPr>
-          <p:cNvGrpSpPr/>
-          <p:nvPr/>
-        </p:nvGrpSpPr>
-        <p:grpSpPr>
-          <a:xfrm>
-            <a:off x="1213045" y="1288037"/>
-            <a:ext cx="9765911" cy="4953734"/>
-            <a:chOff x="1374840" y="1288037"/>
-            <a:chExt cx="9765911" cy="4953734"/>
-          </a:xfrm>
-        </p:grpSpPr>
-        <p:sp>
-          <p:nvSpPr>
-            <p:cNvPr id="21" name="직사각형 20">
-              <a:extLst>
-                <a:ext uri="{FF2B5EF4-FFF2-40B4-BE49-F238E27FC236}">
-                  <a16:creationId xmlns:a16="http://schemas.microsoft.com/office/drawing/2014/main" id="{05959908-411F-A708-E6E4-23481D13B6C4}"/>
-                </a:ext>
-              </a:extLst>
-            </p:cNvPr>
-            <p:cNvSpPr/>
-            <p:nvPr/>
-          </p:nvSpPr>
-          <p:spPr>
-            <a:xfrm>
-              <a:off x="1374840" y="2551156"/>
-              <a:ext cx="4170522" cy="3690615"/>
-            </a:xfrm>
-            <a:prstGeom prst="rect">
-              <a:avLst/>
-            </a:prstGeom>
-            <a:noFill/>
-            <a:ln w="38100">
-              <a:solidFill>
-                <a:schemeClr val="tx1"/>
-              </a:solidFill>
-            </a:ln>
-          </p:spPr>
-          <p:style>
-            <a:lnRef idx="2">
-              <a:schemeClr val="accent1">
-                <a:shade val="50000"/>
-              </a:schemeClr>
-            </a:lnRef>
-            <a:fillRef idx="1">
-              <a:schemeClr val="accent1"/>
-            </a:fillRef>
-            <a:effectRef idx="0">
-              <a:schemeClr val="accent1"/>
-            </a:effectRef>
-            <a:fontRef idx="minor">
-              <a:schemeClr val="lt1"/>
-            </a:fontRef>
-          </p:style>
-          <p:txBody>
-            <a:bodyPr rtlCol="0" anchor="t"/>
-            <a:lstStyle/>
-            <a:p>
-              <a:r>
-                <a:rPr lang="en-US" altLang="ko-KR" b="1" dirty="0">
-                  <a:solidFill>
-                    <a:schemeClr val="tx1"/>
-                  </a:solidFill>
-                </a:rPr>
-                <a:t>id		// PK,</a:t>
-              </a:r>
-              <a:r>
-                <a:rPr lang="ko-KR" altLang="en-US" b="1" dirty="0">
-                  <a:solidFill>
-                    <a:schemeClr val="tx1"/>
-                  </a:solidFill>
-                </a:rPr>
-                <a:t> 글 아이디</a:t>
-              </a:r>
-              <a:endParaRPr lang="en-US" altLang="ko-KR" b="1" dirty="0">
-                <a:solidFill>
-                  <a:schemeClr val="tx1"/>
-                </a:solidFill>
-              </a:endParaRPr>
-            </a:p>
-            <a:p>
-              <a:r>
-                <a:rPr lang="en-US" altLang="ko-KR" b="1" dirty="0">
-                  <a:solidFill>
-                    <a:schemeClr val="tx1"/>
-                  </a:solidFill>
-                </a:rPr>
-                <a:t>title		// </a:t>
-              </a:r>
-              <a:r>
-                <a:rPr lang="ko-KR" altLang="en-US" b="1" dirty="0">
-                  <a:solidFill>
-                    <a:schemeClr val="tx1"/>
-                  </a:solidFill>
-                </a:rPr>
-                <a:t>글 제목</a:t>
-              </a:r>
-              <a:endParaRPr lang="en-US" altLang="ko-KR" b="1" dirty="0">
-                <a:solidFill>
-                  <a:schemeClr val="tx1"/>
-                </a:solidFill>
-              </a:endParaRPr>
-            </a:p>
-            <a:p>
-              <a:r>
-                <a:rPr lang="en-US" altLang="ko-KR" b="1" dirty="0">
-                  <a:solidFill>
-                    <a:schemeClr val="tx1"/>
-                  </a:solidFill>
-                </a:rPr>
-                <a:t>content		// </a:t>
-              </a:r>
-              <a:r>
-                <a:rPr lang="ko-KR" altLang="en-US" b="1" dirty="0">
-                  <a:solidFill>
-                    <a:schemeClr val="tx1"/>
-                  </a:solidFill>
-                </a:rPr>
-                <a:t>글 내용</a:t>
-              </a:r>
-              <a:endParaRPr lang="en-US" altLang="ko-KR" b="1" dirty="0">
-                <a:solidFill>
-                  <a:schemeClr val="tx1"/>
-                </a:solidFill>
-              </a:endParaRPr>
-            </a:p>
-            <a:p>
-              <a:r>
-                <a:rPr lang="en-US" altLang="ko-KR" b="1" dirty="0">
-                  <a:solidFill>
-                    <a:schemeClr val="tx1"/>
-                  </a:solidFill>
-                </a:rPr>
-                <a:t>hits		// </a:t>
-              </a:r>
-              <a:r>
-                <a:rPr lang="ko-KR" altLang="en-US" b="1" dirty="0">
-                  <a:solidFill>
-                    <a:schemeClr val="tx1"/>
-                  </a:solidFill>
-                </a:rPr>
-                <a:t>조회수</a:t>
-              </a:r>
-              <a:endParaRPr lang="en-US" altLang="ko-KR" b="1" dirty="0">
-                <a:solidFill>
-                  <a:schemeClr val="tx1"/>
-                </a:solidFill>
-              </a:endParaRPr>
-            </a:p>
-            <a:p>
-              <a:r>
-                <a:rPr lang="en-US" altLang="ko-KR" b="1" dirty="0">
-                  <a:solidFill>
-                    <a:schemeClr val="tx1"/>
-                  </a:solidFill>
-                </a:rPr>
-                <a:t>author		// </a:t>
-              </a:r>
-              <a:r>
-                <a:rPr lang="ko-KR" altLang="en-US" b="1" dirty="0">
-                  <a:solidFill>
-                    <a:schemeClr val="tx1"/>
-                  </a:solidFill>
-                </a:rPr>
-                <a:t>작성자</a:t>
-              </a:r>
-              <a:endParaRPr lang="en-US" altLang="ko-KR" b="1" dirty="0">
-                <a:solidFill>
-                  <a:schemeClr val="tx1"/>
-                </a:solidFill>
-              </a:endParaRPr>
-            </a:p>
-            <a:p>
-              <a:r>
-                <a:rPr lang="en-US" altLang="ko-KR" b="1" dirty="0" err="1">
-                  <a:solidFill>
-                    <a:schemeClr val="tx1"/>
-                  </a:solidFill>
-                </a:rPr>
-                <a:t>reg_date</a:t>
-              </a:r>
-              <a:r>
-                <a:rPr lang="en-US" altLang="ko-KR" b="1" dirty="0">
-                  <a:solidFill>
-                    <a:schemeClr val="tx1"/>
-                  </a:solidFill>
-                </a:rPr>
-                <a:t>	// </a:t>
-              </a:r>
-              <a:r>
-                <a:rPr lang="ko-KR" altLang="en-US" b="1" dirty="0">
-                  <a:solidFill>
-                    <a:schemeClr val="tx1"/>
-                  </a:solidFill>
-                </a:rPr>
-                <a:t>작성일</a:t>
-              </a:r>
-              <a:endParaRPr lang="en-US" altLang="ko-KR" b="1" dirty="0">
-                <a:solidFill>
-                  <a:schemeClr val="tx1"/>
-                </a:solidFill>
-              </a:endParaRPr>
-            </a:p>
-            <a:p>
-              <a:r>
-                <a:rPr lang="en-US" altLang="ko-KR" b="1" dirty="0" err="1">
-                  <a:solidFill>
-                    <a:schemeClr val="tx1"/>
-                  </a:solidFill>
-                </a:rPr>
-                <a:t>mod_date</a:t>
-              </a:r>
-              <a:r>
-                <a:rPr lang="en-US" altLang="ko-KR" b="1" dirty="0">
-                  <a:solidFill>
-                    <a:schemeClr val="tx1"/>
-                  </a:solidFill>
-                </a:rPr>
-                <a:t>	// </a:t>
-              </a:r>
-              <a:r>
-                <a:rPr lang="ko-KR" altLang="en-US" b="1" dirty="0">
-                  <a:solidFill>
-                    <a:schemeClr val="tx1"/>
-                  </a:solidFill>
-                </a:rPr>
-                <a:t>수정일</a:t>
-              </a:r>
-              <a:endParaRPr lang="en-US" altLang="ko-KR" b="1" dirty="0">
-                <a:solidFill>
-                  <a:schemeClr val="tx1"/>
-                </a:solidFill>
-              </a:endParaRPr>
-            </a:p>
-            <a:p>
-              <a:endParaRPr lang="en-US" altLang="ko-KR" b="1" dirty="0">
-                <a:solidFill>
-                  <a:schemeClr val="tx1"/>
-                </a:solidFill>
-              </a:endParaRPr>
-            </a:p>
-            <a:p>
-              <a:r>
-                <a:rPr lang="en-US" altLang="ko-KR" b="1" dirty="0">
-                  <a:solidFill>
-                    <a:schemeClr val="tx1"/>
-                  </a:solidFill>
-                </a:rPr>
-                <a:t>tag1		//</a:t>
-              </a:r>
-              <a:r>
-                <a:rPr lang="ko-KR" altLang="en-US" b="1" dirty="0">
-                  <a:solidFill>
-                    <a:schemeClr val="tx1"/>
-                  </a:solidFill>
-                </a:rPr>
-                <a:t> </a:t>
-              </a:r>
-              <a:r>
-                <a:rPr lang="en-US" altLang="ko-KR" b="1" dirty="0">
-                  <a:solidFill>
-                    <a:schemeClr val="tx1"/>
-                  </a:solidFill>
-                </a:rPr>
-                <a:t>FK, 1</a:t>
-              </a:r>
-              <a:r>
-                <a:rPr lang="ko-KR" altLang="en-US" b="1" dirty="0">
-                  <a:solidFill>
-                    <a:schemeClr val="tx1"/>
-                  </a:solidFill>
-                </a:rPr>
-                <a:t>차 태그</a:t>
-              </a:r>
-              <a:endParaRPr lang="en-US" altLang="ko-KR" b="1" dirty="0">
-                <a:solidFill>
-                  <a:schemeClr val="tx1"/>
-                </a:solidFill>
-              </a:endParaRPr>
-            </a:p>
-            <a:p>
-              <a:r>
-                <a:rPr lang="en-US" altLang="ko-KR" b="1" dirty="0">
-                  <a:solidFill>
-                    <a:schemeClr val="tx1"/>
-                  </a:solidFill>
-                </a:rPr>
-                <a:t>tag2		//</a:t>
-              </a:r>
-              <a:r>
-                <a:rPr lang="ko-KR" altLang="en-US" b="1" dirty="0">
-                  <a:solidFill>
-                    <a:schemeClr val="tx1"/>
-                  </a:solidFill>
-                </a:rPr>
-                <a:t> </a:t>
-              </a:r>
-              <a:r>
-                <a:rPr lang="en-US" altLang="ko-KR" b="1" dirty="0">
-                  <a:solidFill>
-                    <a:schemeClr val="tx1"/>
-                  </a:solidFill>
-                </a:rPr>
-                <a:t>FK, 2</a:t>
-              </a:r>
-              <a:r>
-                <a:rPr lang="ko-KR" altLang="en-US" b="1" dirty="0">
-                  <a:solidFill>
-                    <a:schemeClr val="tx1"/>
-                  </a:solidFill>
-                </a:rPr>
-                <a:t>차 태그</a:t>
-              </a:r>
-              <a:endParaRPr lang="en-US" altLang="ko-KR" b="1" dirty="0">
-                <a:solidFill>
-                  <a:schemeClr val="tx1"/>
-                </a:solidFill>
-              </a:endParaRPr>
-            </a:p>
-            <a:p>
-              <a:r>
-                <a:rPr lang="en-US" altLang="ko-KR" b="1" dirty="0" err="1">
-                  <a:solidFill>
-                    <a:schemeClr val="tx1"/>
-                  </a:solidFill>
-                </a:rPr>
-                <a:t>attachment_id</a:t>
-              </a:r>
-              <a:r>
-                <a:rPr lang="en-US" altLang="ko-KR" b="1" dirty="0">
-                  <a:solidFill>
-                    <a:schemeClr val="tx1"/>
-                  </a:solidFill>
-                </a:rPr>
-                <a:t>	// FK, </a:t>
-              </a:r>
-              <a:r>
-                <a:rPr lang="ko-KR" altLang="en-US" b="1" dirty="0">
-                  <a:solidFill>
-                    <a:schemeClr val="tx1"/>
-                  </a:solidFill>
-                </a:rPr>
-                <a:t>첨부파일</a:t>
-              </a:r>
-              <a:endParaRPr lang="en-US" altLang="ko-KR" b="1" dirty="0">
-                <a:solidFill>
-                  <a:schemeClr val="tx1"/>
-                </a:solidFill>
-              </a:endParaRPr>
-            </a:p>
-            <a:p>
-              <a:r>
-                <a:rPr lang="en-US" altLang="ko-KR" b="1" dirty="0" err="1">
-                  <a:solidFill>
-                    <a:schemeClr val="tx1"/>
-                  </a:solidFill>
-                </a:rPr>
-                <a:t>lecture_id</a:t>
-              </a:r>
-              <a:r>
-                <a:rPr lang="en-US" altLang="ko-KR" b="1" dirty="0">
-                  <a:solidFill>
-                    <a:schemeClr val="tx1"/>
-                  </a:solidFill>
-                </a:rPr>
-                <a:t>	// FK, </a:t>
-              </a:r>
-              <a:r>
-                <a:rPr lang="ko-KR" altLang="en-US" b="1" dirty="0">
-                  <a:solidFill>
-                    <a:schemeClr val="tx1"/>
-                  </a:solidFill>
-                </a:rPr>
-                <a:t>학수번호</a:t>
-              </a:r>
-              <a:endParaRPr lang="en-US" altLang="ko-KR" b="1" dirty="0">
-                <a:solidFill>
-                  <a:schemeClr val="tx1"/>
-                </a:solidFill>
-              </a:endParaRPr>
-            </a:p>
-            <a:p>
-              <a:r>
-                <a:rPr lang="en-US" altLang="ko-KR" b="1" dirty="0" err="1">
-                  <a:solidFill>
-                    <a:schemeClr val="tx1"/>
-                  </a:solidFill>
-                </a:rPr>
-                <a:t>lecture_year</a:t>
-              </a:r>
-              <a:r>
-                <a:rPr lang="en-US" altLang="ko-KR" b="1" dirty="0">
-                  <a:solidFill>
-                    <a:schemeClr val="tx1"/>
-                  </a:solidFill>
-                </a:rPr>
-                <a:t>	// FK, </a:t>
-              </a:r>
-              <a:r>
-                <a:rPr lang="ko-KR" altLang="en-US" b="1" dirty="0">
-                  <a:solidFill>
-                    <a:schemeClr val="tx1"/>
-                  </a:solidFill>
-                </a:rPr>
-                <a:t>수업연도</a:t>
-              </a:r>
-              <a:endParaRPr lang="en-US" altLang="ko-KR" b="1" dirty="0">
-                <a:solidFill>
-                  <a:schemeClr val="tx1"/>
-                </a:solidFill>
-              </a:endParaRPr>
-            </a:p>
-            <a:p>
-              <a:endParaRPr lang="en-US" altLang="ko-KR" b="1" dirty="0">
-                <a:solidFill>
-                  <a:schemeClr val="tx1"/>
-                </a:solidFill>
-              </a:endParaRPr>
-            </a:p>
-          </p:txBody>
-        </p:sp>
-        <p:sp>
-          <p:nvSpPr>
-            <p:cNvPr id="22" name="직사각형 21">
-              <a:extLst>
-                <a:ext uri="{FF2B5EF4-FFF2-40B4-BE49-F238E27FC236}">
-                  <a16:creationId xmlns:a16="http://schemas.microsoft.com/office/drawing/2014/main" id="{3ACE2569-F7BC-5702-2869-A7D3336FA9A8}"/>
-                </a:ext>
-              </a:extLst>
-            </p:cNvPr>
-            <p:cNvSpPr/>
-            <p:nvPr/>
-          </p:nvSpPr>
-          <p:spPr>
-            <a:xfrm>
-              <a:off x="1374840" y="2106275"/>
-              <a:ext cx="4170522" cy="444881"/>
-            </a:xfrm>
-            <a:prstGeom prst="rect">
-              <a:avLst/>
-            </a:prstGeom>
-            <a:noFill/>
-            <a:ln w="38100">
-              <a:solidFill>
-                <a:schemeClr val="tx1"/>
-              </a:solidFill>
-            </a:ln>
-          </p:spPr>
-          <p:style>
-            <a:lnRef idx="2">
-              <a:schemeClr val="accent1">
-                <a:shade val="50000"/>
-              </a:schemeClr>
-            </a:lnRef>
-            <a:fillRef idx="1">
-              <a:schemeClr val="accent1"/>
-            </a:fillRef>
-            <a:effectRef idx="0">
-              <a:schemeClr val="accent1"/>
-            </a:effectRef>
-            <a:fontRef idx="minor">
-              <a:schemeClr val="lt1"/>
-            </a:fontRef>
-          </p:style>
-          <p:txBody>
-            <a:bodyPr rtlCol="0" anchor="ctr"/>
-            <a:lstStyle/>
-            <a:p>
-              <a:pPr algn="ctr"/>
-              <a:r>
-                <a:rPr lang="en-US" altLang="ko-KR" b="1" dirty="0" err="1">
-                  <a:solidFill>
-                    <a:schemeClr val="tx1"/>
-                  </a:solidFill>
-                </a:rPr>
-                <a:t>assignment_board</a:t>
-              </a:r>
-              <a:endParaRPr lang="ko-KR" altLang="en-US" b="1" dirty="0">
-                <a:solidFill>
-                  <a:schemeClr val="tx1"/>
-                </a:solidFill>
-              </a:endParaRPr>
-            </a:p>
-          </p:txBody>
-        </p:sp>
-        <p:sp>
-          <p:nvSpPr>
-            <p:cNvPr id="24" name="직사각형 23">
-              <a:extLst>
-                <a:ext uri="{FF2B5EF4-FFF2-40B4-BE49-F238E27FC236}">
-                  <a16:creationId xmlns:a16="http://schemas.microsoft.com/office/drawing/2014/main" id="{D5604993-C9B4-A516-987F-B59249853D0E}"/>
-                </a:ext>
-              </a:extLst>
-            </p:cNvPr>
-            <p:cNvSpPr/>
-            <p:nvPr/>
-          </p:nvSpPr>
-          <p:spPr>
-            <a:xfrm>
-              <a:off x="1374840" y="1288037"/>
-              <a:ext cx="4170522" cy="444881"/>
-            </a:xfrm>
-            <a:prstGeom prst="rect">
-              <a:avLst/>
-            </a:prstGeom>
-            <a:noFill/>
-            <a:ln w="38100">
-              <a:solidFill>
-                <a:schemeClr val="tx1"/>
-              </a:solidFill>
-            </a:ln>
-          </p:spPr>
-          <p:style>
-            <a:lnRef idx="2">
-              <a:schemeClr val="accent1">
-                <a:shade val="50000"/>
-              </a:schemeClr>
-            </a:lnRef>
-            <a:fillRef idx="1">
-              <a:schemeClr val="accent1"/>
-            </a:fillRef>
-            <a:effectRef idx="0">
-              <a:schemeClr val="accent1"/>
-            </a:effectRef>
-            <a:fontRef idx="minor">
-              <a:schemeClr val="lt1"/>
-            </a:fontRef>
-          </p:style>
-          <p:txBody>
-            <a:bodyPr rtlCol="0" anchor="ctr"/>
-            <a:lstStyle/>
-            <a:p>
-              <a:pPr algn="ctr"/>
-              <a:r>
-                <a:rPr lang="ko-KR" altLang="en-US" b="1" dirty="0">
-                  <a:solidFill>
-                    <a:schemeClr val="tx1"/>
-                  </a:solidFill>
-                </a:rPr>
-                <a:t>과제 게시판</a:t>
-              </a:r>
-            </a:p>
-          </p:txBody>
-        </p:sp>
-        <p:grpSp>
-          <p:nvGrpSpPr>
-            <p:cNvPr id="2" name="그룹 1">
-              <a:extLst>
-                <a:ext uri="{FF2B5EF4-FFF2-40B4-BE49-F238E27FC236}">
-                  <a16:creationId xmlns:a16="http://schemas.microsoft.com/office/drawing/2014/main" id="{3922906A-C648-48B8-29F8-E228A4DC8FFC}"/>
-                </a:ext>
-              </a:extLst>
-            </p:cNvPr>
-            <p:cNvGrpSpPr/>
-            <p:nvPr/>
-          </p:nvGrpSpPr>
-          <p:grpSpPr>
-            <a:xfrm>
-              <a:off x="6902107" y="1288037"/>
-              <a:ext cx="4238644" cy="1927257"/>
-              <a:chOff x="5619147" y="2451916"/>
-              <a:chExt cx="3915053" cy="1927257"/>
-            </a:xfrm>
-          </p:grpSpPr>
-          <p:sp>
-            <p:nvSpPr>
-              <p:cNvPr id="8" name="직사각형 7">
-                <a:extLst>
-                  <a:ext uri="{FF2B5EF4-FFF2-40B4-BE49-F238E27FC236}">
-                    <a16:creationId xmlns:a16="http://schemas.microsoft.com/office/drawing/2014/main" id="{BB3C6947-2084-9ED4-1014-AC7D7103FCB1}"/>
-                  </a:ext>
-                </a:extLst>
-              </p:cNvPr>
-              <p:cNvSpPr/>
-              <p:nvPr/>
-            </p:nvSpPr>
-            <p:spPr>
-              <a:xfrm>
-                <a:off x="5619147" y="2896797"/>
-                <a:ext cx="3915053" cy="1482376"/>
-              </a:xfrm>
-              <a:prstGeom prst="rect">
-                <a:avLst/>
-              </a:prstGeom>
-              <a:noFill/>
-              <a:ln w="38100">
-                <a:solidFill>
-                  <a:schemeClr val="tx1"/>
-                </a:solidFill>
-              </a:ln>
-            </p:spPr>
-            <p:style>
-              <a:lnRef idx="2">
-                <a:schemeClr val="accent1">
-                  <a:shade val="50000"/>
-                </a:schemeClr>
-              </a:lnRef>
-              <a:fillRef idx="1">
-                <a:schemeClr val="accent1"/>
-              </a:fillRef>
-              <a:effectRef idx="0">
-                <a:schemeClr val="accent1"/>
-              </a:effectRef>
-              <a:fontRef idx="minor">
-                <a:schemeClr val="lt1"/>
-              </a:fontRef>
-            </p:style>
-            <p:txBody>
-              <a:bodyPr rtlCol="0" anchor="t"/>
-              <a:lstStyle/>
-              <a:p>
-                <a:r>
-                  <a:rPr lang="en-US" altLang="ko-KR" b="1" dirty="0">
-                    <a:solidFill>
-                      <a:schemeClr val="tx1"/>
-                    </a:solidFill>
-                  </a:rPr>
-                  <a:t>id		// PK</a:t>
-                </a:r>
-              </a:p>
-              <a:p>
-                <a:r>
-                  <a:rPr lang="en-US" altLang="ko-KR" b="1" dirty="0">
-                    <a:solidFill>
-                      <a:schemeClr val="tx1"/>
-                    </a:solidFill>
-                  </a:rPr>
-                  <a:t>content		// </a:t>
-                </a:r>
-                <a:r>
-                  <a:rPr lang="ko-KR" altLang="en-US" b="1" dirty="0">
-                    <a:solidFill>
-                      <a:schemeClr val="tx1"/>
-                    </a:solidFill>
-                  </a:rPr>
-                  <a:t>태그내용</a:t>
-                </a:r>
-                <a:endParaRPr lang="en-US" altLang="ko-KR" b="1" dirty="0">
-                  <a:solidFill>
-                    <a:schemeClr val="tx1"/>
-                  </a:solidFill>
-                </a:endParaRPr>
-              </a:p>
-              <a:p>
-                <a:endParaRPr lang="en-US" altLang="ko-KR" b="1" dirty="0">
-                  <a:solidFill>
-                    <a:schemeClr val="tx1"/>
-                  </a:solidFill>
-                </a:endParaRPr>
-              </a:p>
-              <a:p>
-                <a:endParaRPr lang="en-US" altLang="ko-KR" b="1" dirty="0">
-                  <a:solidFill>
-                    <a:schemeClr val="tx1"/>
-                  </a:solidFill>
-                </a:endParaRPr>
-              </a:p>
-              <a:p>
-                <a:r>
-                  <a:rPr lang="en-US" altLang="ko-KR" b="1" dirty="0">
-                    <a:solidFill>
-                      <a:schemeClr val="tx1"/>
-                    </a:solidFill>
-                  </a:rPr>
-                  <a:t>※ </a:t>
-                </a:r>
-                <a:r>
-                  <a:rPr lang="ko-KR" altLang="en-US" b="1" dirty="0">
-                    <a:solidFill>
-                      <a:schemeClr val="tx1"/>
-                    </a:solidFill>
-                  </a:rPr>
-                  <a:t>태그내용</a:t>
-                </a:r>
-                <a:r>
-                  <a:rPr lang="en-US" altLang="ko-KR" b="1" dirty="0">
-                    <a:solidFill>
-                      <a:schemeClr val="tx1"/>
-                    </a:solidFill>
-                  </a:rPr>
-                  <a:t>: </a:t>
-                </a:r>
-                <a:r>
-                  <a:rPr lang="ko-KR" altLang="en-US" b="1" dirty="0">
-                    <a:solidFill>
-                      <a:schemeClr val="tx1"/>
-                    </a:solidFill>
-                  </a:rPr>
-                  <a:t>공지</a:t>
-                </a:r>
-                <a:r>
-                  <a:rPr lang="en-US" altLang="ko-KR" b="1" dirty="0">
-                    <a:solidFill>
-                      <a:schemeClr val="tx1"/>
-                    </a:solidFill>
-                  </a:rPr>
-                  <a:t>/</a:t>
-                </a:r>
-                <a:r>
-                  <a:rPr lang="ko-KR" altLang="en-US" b="1" dirty="0">
-                    <a:solidFill>
-                      <a:schemeClr val="tx1"/>
-                    </a:solidFill>
-                  </a:rPr>
-                  <a:t>자료</a:t>
-                </a:r>
-                <a:r>
-                  <a:rPr lang="en-US" altLang="ko-KR" b="1" dirty="0">
-                    <a:solidFill>
-                      <a:schemeClr val="tx1"/>
-                    </a:solidFill>
-                  </a:rPr>
-                  <a:t>/</a:t>
-                </a:r>
-                <a:r>
-                  <a:rPr lang="ko-KR" altLang="en-US" b="1" dirty="0">
-                    <a:solidFill>
-                      <a:schemeClr val="tx1"/>
-                    </a:solidFill>
-                  </a:rPr>
-                  <a:t>발표</a:t>
-                </a:r>
-                <a:r>
-                  <a:rPr lang="en-US" altLang="ko-KR" b="1" dirty="0">
-                    <a:solidFill>
-                      <a:schemeClr val="tx1"/>
-                    </a:solidFill>
-                  </a:rPr>
-                  <a:t>/</a:t>
-                </a:r>
-                <a:r>
-                  <a:rPr lang="ko-KR" altLang="en-US" b="1" dirty="0">
-                    <a:solidFill>
-                      <a:schemeClr val="tx1"/>
-                    </a:solidFill>
-                  </a:rPr>
-                  <a:t>실습</a:t>
-                </a:r>
-                <a:r>
-                  <a:rPr lang="en-US" altLang="ko-KR" b="1" dirty="0">
-                    <a:solidFill>
-                      <a:schemeClr val="tx1"/>
-                    </a:solidFill>
-                  </a:rPr>
-                  <a:t>/</a:t>
-                </a:r>
-                <a:r>
-                  <a:rPr lang="ko-KR" altLang="en-US" b="1" dirty="0">
-                    <a:solidFill>
-                      <a:schemeClr val="tx1"/>
-                    </a:solidFill>
-                  </a:rPr>
-                  <a:t>과제</a:t>
-                </a:r>
-                <a:endParaRPr lang="en-US" altLang="ko-KR" b="1" dirty="0">
-                  <a:solidFill>
-                    <a:schemeClr val="tx1"/>
-                  </a:solidFill>
-                </a:endParaRPr>
-              </a:p>
-            </p:txBody>
-          </p:sp>
-          <p:sp>
-            <p:nvSpPr>
-              <p:cNvPr id="9" name="직사각형 8">
-                <a:extLst>
-                  <a:ext uri="{FF2B5EF4-FFF2-40B4-BE49-F238E27FC236}">
-                    <a16:creationId xmlns:a16="http://schemas.microsoft.com/office/drawing/2014/main" id="{4E4BF0B1-B6FF-7AFC-E1D6-F25E37593898}"/>
-                  </a:ext>
-                </a:extLst>
-              </p:cNvPr>
-              <p:cNvSpPr/>
-              <p:nvPr/>
-            </p:nvSpPr>
-            <p:spPr>
-              <a:xfrm>
-                <a:off x="5619147" y="2451916"/>
-                <a:ext cx="3915053" cy="444881"/>
-              </a:xfrm>
-              <a:prstGeom prst="rect">
-                <a:avLst/>
-              </a:prstGeom>
-              <a:noFill/>
-              <a:ln w="38100">
-                <a:solidFill>
-                  <a:schemeClr val="tx1"/>
-                </a:solidFill>
-              </a:ln>
-            </p:spPr>
-            <p:style>
-              <a:lnRef idx="2">
-                <a:schemeClr val="accent1">
-                  <a:shade val="50000"/>
-                </a:schemeClr>
-              </a:lnRef>
-              <a:fillRef idx="1">
-                <a:schemeClr val="accent1"/>
-              </a:fillRef>
-              <a:effectRef idx="0">
-                <a:schemeClr val="accent1"/>
-              </a:effectRef>
-              <a:fontRef idx="minor">
-                <a:schemeClr val="lt1"/>
-              </a:fontRef>
-            </p:style>
-            <p:txBody>
-              <a:bodyPr rtlCol="0" anchor="ctr"/>
-              <a:lstStyle/>
-              <a:p>
-                <a:pPr algn="ctr"/>
-                <a:r>
-                  <a:rPr lang="en-US" altLang="ko-KR" b="1" dirty="0">
-                    <a:solidFill>
-                      <a:schemeClr val="tx1"/>
-                    </a:solidFill>
-                  </a:rPr>
-                  <a:t>tag1</a:t>
-                </a:r>
-                <a:endParaRPr lang="ko-KR" altLang="en-US" b="1" dirty="0">
-                  <a:solidFill>
-                    <a:schemeClr val="tx1"/>
-                  </a:solidFill>
-                </a:endParaRPr>
-              </a:p>
-            </p:txBody>
-          </p:sp>
-        </p:grpSp>
-        <p:grpSp>
-          <p:nvGrpSpPr>
-            <p:cNvPr id="3" name="그룹 2">
-              <a:extLst>
-                <a:ext uri="{FF2B5EF4-FFF2-40B4-BE49-F238E27FC236}">
-                  <a16:creationId xmlns:a16="http://schemas.microsoft.com/office/drawing/2014/main" id="{FACB4339-4EB5-035A-5592-3A80004D80B5}"/>
-                </a:ext>
-              </a:extLst>
-            </p:cNvPr>
-            <p:cNvGrpSpPr/>
-            <p:nvPr/>
-          </p:nvGrpSpPr>
-          <p:grpSpPr>
-            <a:xfrm>
-              <a:off x="6902107" y="4314514"/>
-              <a:ext cx="4238644" cy="1927257"/>
-              <a:chOff x="5619148" y="4909713"/>
-              <a:chExt cx="3915053" cy="1927257"/>
-            </a:xfrm>
-          </p:grpSpPr>
-          <p:sp>
-            <p:nvSpPr>
-              <p:cNvPr id="11" name="직사각형 10">
-                <a:extLst>
-                  <a:ext uri="{FF2B5EF4-FFF2-40B4-BE49-F238E27FC236}">
-                    <a16:creationId xmlns:a16="http://schemas.microsoft.com/office/drawing/2014/main" id="{47301BFA-AC0C-F73E-46D2-F95EF0CD65F9}"/>
-                  </a:ext>
-                </a:extLst>
-              </p:cNvPr>
-              <p:cNvSpPr/>
-              <p:nvPr/>
-            </p:nvSpPr>
-            <p:spPr>
-              <a:xfrm>
-                <a:off x="5619148" y="5354594"/>
-                <a:ext cx="3915053" cy="1482376"/>
-              </a:xfrm>
-              <a:prstGeom prst="rect">
-                <a:avLst/>
-              </a:prstGeom>
-              <a:noFill/>
-              <a:ln w="38100">
-                <a:solidFill>
-                  <a:schemeClr val="tx1"/>
-                </a:solidFill>
-              </a:ln>
-            </p:spPr>
-            <p:style>
-              <a:lnRef idx="2">
-                <a:schemeClr val="accent1">
-                  <a:shade val="50000"/>
-                </a:schemeClr>
-              </a:lnRef>
-              <a:fillRef idx="1">
-                <a:schemeClr val="accent1"/>
-              </a:fillRef>
-              <a:effectRef idx="0">
-                <a:schemeClr val="accent1"/>
-              </a:effectRef>
-              <a:fontRef idx="minor">
-                <a:schemeClr val="lt1"/>
-              </a:fontRef>
-            </p:style>
-            <p:txBody>
-              <a:bodyPr rtlCol="0" anchor="t"/>
-              <a:lstStyle/>
-              <a:p>
-                <a:r>
-                  <a:rPr lang="en-US" altLang="ko-KR" b="1" dirty="0">
-                    <a:solidFill>
-                      <a:schemeClr val="tx1"/>
-                    </a:solidFill>
-                  </a:rPr>
-                  <a:t>id		// PK</a:t>
-                </a:r>
-              </a:p>
-              <a:p>
-                <a:r>
-                  <a:rPr lang="en-US" altLang="ko-KR" b="1" dirty="0">
-                    <a:solidFill>
-                      <a:schemeClr val="tx1"/>
-                    </a:solidFill>
-                  </a:rPr>
-                  <a:t>content 		// </a:t>
-                </a:r>
-                <a:r>
-                  <a:rPr lang="ko-KR" altLang="en-US" b="1" dirty="0">
-                    <a:solidFill>
-                      <a:schemeClr val="tx1"/>
-                    </a:solidFill>
-                  </a:rPr>
-                  <a:t>태그내용</a:t>
-                </a:r>
-                <a:endParaRPr lang="en-US" altLang="ko-KR" b="1" dirty="0">
-                  <a:solidFill>
-                    <a:schemeClr val="tx1"/>
-                  </a:solidFill>
-                </a:endParaRPr>
-              </a:p>
-              <a:p>
-                <a:endParaRPr lang="en-US" altLang="ko-KR" b="1" dirty="0">
-                  <a:solidFill>
-                    <a:schemeClr val="tx1"/>
-                  </a:solidFill>
-                </a:endParaRPr>
-              </a:p>
-              <a:p>
-                <a:endParaRPr lang="en-US" altLang="ko-KR" b="1" dirty="0">
-                  <a:solidFill>
-                    <a:schemeClr val="tx1"/>
-                  </a:solidFill>
-                </a:endParaRPr>
-              </a:p>
-              <a:p>
-                <a:r>
-                  <a:rPr lang="en-US" altLang="ko-KR" b="1" dirty="0">
-                    <a:solidFill>
-                      <a:schemeClr val="tx1"/>
-                    </a:solidFill>
-                  </a:rPr>
-                  <a:t>※ </a:t>
-                </a:r>
-                <a:r>
-                  <a:rPr lang="ko-KR" altLang="en-US" b="1" dirty="0">
-                    <a:solidFill>
-                      <a:schemeClr val="tx1"/>
-                    </a:solidFill>
-                  </a:rPr>
-                  <a:t>태그내용</a:t>
-                </a:r>
-                <a:r>
-                  <a:rPr lang="en-US" altLang="ko-KR" b="1" dirty="0">
-                    <a:solidFill>
-                      <a:schemeClr val="tx1"/>
-                    </a:solidFill>
-                  </a:rPr>
-                  <a:t>: </a:t>
-                </a:r>
-                <a:r>
-                  <a:rPr lang="ko-KR" altLang="en-US" b="1" dirty="0">
-                    <a:solidFill>
-                      <a:schemeClr val="tx1"/>
-                    </a:solidFill>
-                  </a:rPr>
-                  <a:t>실습</a:t>
-                </a:r>
-                <a:r>
-                  <a:rPr lang="en-US" altLang="ko-KR" b="1" dirty="0">
-                    <a:solidFill>
-                      <a:schemeClr val="tx1"/>
-                    </a:solidFill>
-                  </a:rPr>
-                  <a:t>/</a:t>
-                </a:r>
-                <a:r>
-                  <a:rPr lang="ko-KR" altLang="en-US" b="1" dirty="0">
-                    <a:solidFill>
-                      <a:schemeClr val="tx1"/>
-                    </a:solidFill>
-                  </a:rPr>
-                  <a:t>과제</a:t>
-                </a:r>
-                <a:r>
-                  <a:rPr lang="en-US" altLang="ko-KR" b="1" dirty="0">
-                    <a:solidFill>
-                      <a:schemeClr val="tx1"/>
-                    </a:solidFill>
-                  </a:rPr>
-                  <a:t>-1/2/3/4/5</a:t>
-                </a:r>
-              </a:p>
-              <a:p>
-                <a:endParaRPr lang="en-US" altLang="ko-KR" b="1" dirty="0">
-                  <a:solidFill>
-                    <a:schemeClr val="tx1"/>
-                  </a:solidFill>
-                </a:endParaRPr>
-              </a:p>
-            </p:txBody>
-          </p:sp>
-          <p:sp>
-            <p:nvSpPr>
-              <p:cNvPr id="12" name="직사각형 11">
-                <a:extLst>
-                  <a:ext uri="{FF2B5EF4-FFF2-40B4-BE49-F238E27FC236}">
-                    <a16:creationId xmlns:a16="http://schemas.microsoft.com/office/drawing/2014/main" id="{5D2EDA59-5AD2-683C-F82C-4E3D4BA67FA8}"/>
-                  </a:ext>
-                </a:extLst>
-              </p:cNvPr>
-              <p:cNvSpPr/>
-              <p:nvPr/>
-            </p:nvSpPr>
-            <p:spPr>
-              <a:xfrm>
-                <a:off x="5619148" y="4909713"/>
-                <a:ext cx="3915053" cy="444881"/>
-              </a:xfrm>
-              <a:prstGeom prst="rect">
-                <a:avLst/>
-              </a:prstGeom>
-              <a:noFill/>
-              <a:ln w="38100">
-                <a:solidFill>
-                  <a:schemeClr val="tx1"/>
-                </a:solidFill>
-              </a:ln>
-            </p:spPr>
-            <p:style>
-              <a:lnRef idx="2">
-                <a:schemeClr val="accent1">
-                  <a:shade val="50000"/>
-                </a:schemeClr>
-              </a:lnRef>
-              <a:fillRef idx="1">
-                <a:schemeClr val="accent1"/>
-              </a:fillRef>
-              <a:effectRef idx="0">
-                <a:schemeClr val="accent1"/>
-              </a:effectRef>
-              <a:fontRef idx="minor">
-                <a:schemeClr val="lt1"/>
-              </a:fontRef>
-            </p:style>
-            <p:txBody>
-              <a:bodyPr rtlCol="0" anchor="ctr"/>
-              <a:lstStyle/>
-              <a:p>
-                <a:pPr algn="ctr"/>
-                <a:r>
-                  <a:rPr lang="en-US" altLang="ko-KR" b="1" dirty="0">
-                    <a:solidFill>
-                      <a:schemeClr val="tx1"/>
-                    </a:solidFill>
-                  </a:rPr>
-                  <a:t>tag2</a:t>
-                </a:r>
-                <a:endParaRPr lang="ko-KR" altLang="en-US" b="1" dirty="0">
-                  <a:solidFill>
-                    <a:schemeClr val="tx1"/>
-                  </a:solidFill>
-                </a:endParaRPr>
-              </a:p>
-            </p:txBody>
-          </p:sp>
-        </p:grpSp>
-      </p:grpSp>
-    </p:spTree>
-    <p:extLst>
-      <p:ext uri="{BB962C8B-B14F-4D97-AF65-F5344CB8AC3E}">
-        <p14:creationId xmlns:p14="http://schemas.microsoft.com/office/powerpoint/2010/main" val="969675998"/>
-      </p:ext>
-    </p:extLst>
-  </p:cSld>
-  <p:clrMapOvr>
-    <a:masterClrMapping/>
-  </p:clrMapOvr>
-</p:sld>
-</file>
-
-<file path=ppt/slides/slide39.xml><?xml version="1.0" encoding="utf-8"?>
-<p:sld xmlns:a="http://schemas.openxmlformats.org/drawingml/2006/main" xmlns:r="http://schemas.openxmlformats.org/officeDocument/2006/relationships" xmlns:p="http://schemas.openxmlformats.org/presentationml/2006/main">
-  <p:cSld>
-    <p:spTree>
-      <p:nvGrpSpPr>
-        <p:cNvPr id="1" name=""/>
-        <p:cNvGrpSpPr/>
-        <p:nvPr/>
-      </p:nvGrpSpPr>
-      <p:grpSpPr>
-        <a:xfrm>
-          <a:off x="0" y="0"/>
-          <a:ext cx="0" cy="0"/>
-          <a:chOff x="0" y="0"/>
-          <a:chExt cx="0" cy="0"/>
-        </a:xfrm>
-      </p:grpSpPr>
-      <p:sp>
-        <p:nvSpPr>
-          <p:cNvPr id="4" name="TextBox 3">
-            <a:extLst>
-              <a:ext uri="{FF2B5EF4-FFF2-40B4-BE49-F238E27FC236}">
-                <a16:creationId xmlns:a16="http://schemas.microsoft.com/office/drawing/2014/main" id="{07F28203-A8AD-273E-C2C6-E0632B86F782}"/>
-              </a:ext>
-            </a:extLst>
-          </p:cNvPr>
-          <p:cNvSpPr txBox="1"/>
-          <p:nvPr/>
-        </p:nvSpPr>
-        <p:spPr>
-          <a:xfrm>
-            <a:off x="2572439" y="2613392"/>
-            <a:ext cx="7047122" cy="1631216"/>
-          </a:xfrm>
-          <a:prstGeom prst="rect">
-            <a:avLst/>
-          </a:prstGeom>
-          <a:noFill/>
-        </p:spPr>
-        <p:txBody>
-          <a:bodyPr wrap="none" rtlCol="0">
-            <a:spAutoFit/>
-          </a:bodyPr>
-          <a:lstStyle/>
-          <a:p>
-            <a:r>
-              <a:rPr lang="ko-KR" altLang="en-US" sz="10000" b="1"/>
-              <a:t>구분 페이지</a:t>
-            </a:r>
-          </a:p>
-        </p:txBody>
-      </p:sp>
-    </p:spTree>
-    <p:extLst>
-      <p:ext uri="{BB962C8B-B14F-4D97-AF65-F5344CB8AC3E}">
-        <p14:creationId xmlns:p14="http://schemas.microsoft.com/office/powerpoint/2010/main" val="400947639"/>
       </p:ext>
     </p:extLst>
   </p:cSld>
@@ -34550,6 +34278,1229 @@
 </file>
 
 <file path=ppt/slides/slide40.xml><?xml version="1.0" encoding="utf-8"?>
+<p:sld xmlns:a="http://schemas.openxmlformats.org/drawingml/2006/main" xmlns:r="http://schemas.openxmlformats.org/officeDocument/2006/relationships" xmlns:p="http://schemas.openxmlformats.org/presentationml/2006/main">
+  <p:cSld>
+    <p:spTree>
+      <p:nvGrpSpPr>
+        <p:cNvPr id="1" name=""/>
+        <p:cNvGrpSpPr/>
+        <p:nvPr/>
+      </p:nvGrpSpPr>
+      <p:grpSpPr>
+        <a:xfrm>
+          <a:off x="0" y="0"/>
+          <a:ext cx="0" cy="0"/>
+          <a:chOff x="0" y="0"/>
+          <a:chExt cx="0" cy="0"/>
+        </a:xfrm>
+      </p:grpSpPr>
+      <p:sp>
+        <p:nvSpPr>
+          <p:cNvPr id="6" name="TextBox 5">
+            <a:extLst>
+              <a:ext uri="{FF2B5EF4-FFF2-40B4-BE49-F238E27FC236}">
+                <a16:creationId xmlns:a16="http://schemas.microsoft.com/office/drawing/2014/main" id="{F204C529-3208-C800-5178-EA5E6B6187AB}"/>
+              </a:ext>
+            </a:extLst>
+          </p:cNvPr>
+          <p:cNvSpPr txBox="1"/>
+          <p:nvPr/>
+        </p:nvSpPr>
+        <p:spPr>
+          <a:xfrm>
+            <a:off x="0" y="0"/>
+            <a:ext cx="12192000" cy="584775"/>
+          </a:xfrm>
+          <a:prstGeom prst="rect">
+            <a:avLst/>
+          </a:prstGeom>
+          <a:solidFill>
+            <a:schemeClr val="tx1"/>
+          </a:solidFill>
+        </p:spPr>
+        <p:txBody>
+          <a:bodyPr wrap="square" rtlCol="0">
+            <a:spAutoFit/>
+          </a:bodyPr>
+          <a:lstStyle/>
+          <a:p>
+            <a:r>
+              <a:rPr lang="en-US" altLang="ko-KR" sz="3200" b="1" dirty="0">
+                <a:solidFill>
+                  <a:schemeClr val="bg1"/>
+                </a:solidFill>
+              </a:rPr>
+              <a:t>Database: Assignment Board(CPP/MFC/CG/AR)</a:t>
+            </a:r>
+            <a:endParaRPr lang="ko-KR" altLang="en-US" sz="3200" b="1" dirty="0">
+              <a:solidFill>
+                <a:schemeClr val="bg1"/>
+              </a:solidFill>
+            </a:endParaRPr>
+          </a:p>
+        </p:txBody>
+      </p:sp>
+      <p:grpSp>
+        <p:nvGrpSpPr>
+          <p:cNvPr id="7" name="그룹 6">
+            <a:extLst>
+              <a:ext uri="{FF2B5EF4-FFF2-40B4-BE49-F238E27FC236}">
+                <a16:creationId xmlns:a16="http://schemas.microsoft.com/office/drawing/2014/main" id="{F53C5AFC-9185-0786-0ADA-669CF63CE2BE}"/>
+              </a:ext>
+            </a:extLst>
+          </p:cNvPr>
+          <p:cNvGrpSpPr/>
+          <p:nvPr/>
+        </p:nvGrpSpPr>
+        <p:grpSpPr>
+          <a:xfrm>
+            <a:off x="1213045" y="1288037"/>
+            <a:ext cx="9765911" cy="4953734"/>
+            <a:chOff x="1374840" y="1288037"/>
+            <a:chExt cx="9765911" cy="4953734"/>
+          </a:xfrm>
+        </p:grpSpPr>
+        <p:sp>
+          <p:nvSpPr>
+            <p:cNvPr id="21" name="직사각형 20">
+              <a:extLst>
+                <a:ext uri="{FF2B5EF4-FFF2-40B4-BE49-F238E27FC236}">
+                  <a16:creationId xmlns:a16="http://schemas.microsoft.com/office/drawing/2014/main" id="{05959908-411F-A708-E6E4-23481D13B6C4}"/>
+                </a:ext>
+              </a:extLst>
+            </p:cNvPr>
+            <p:cNvSpPr/>
+            <p:nvPr/>
+          </p:nvSpPr>
+          <p:spPr>
+            <a:xfrm>
+              <a:off x="1374840" y="2551156"/>
+              <a:ext cx="4170522" cy="3690615"/>
+            </a:xfrm>
+            <a:prstGeom prst="rect">
+              <a:avLst/>
+            </a:prstGeom>
+            <a:noFill/>
+            <a:ln w="38100">
+              <a:solidFill>
+                <a:schemeClr val="tx1"/>
+              </a:solidFill>
+            </a:ln>
+          </p:spPr>
+          <p:style>
+            <a:lnRef idx="2">
+              <a:schemeClr val="accent1">
+                <a:shade val="50000"/>
+              </a:schemeClr>
+            </a:lnRef>
+            <a:fillRef idx="1">
+              <a:schemeClr val="accent1"/>
+            </a:fillRef>
+            <a:effectRef idx="0">
+              <a:schemeClr val="accent1"/>
+            </a:effectRef>
+            <a:fontRef idx="minor">
+              <a:schemeClr val="lt1"/>
+            </a:fontRef>
+          </p:style>
+          <p:txBody>
+            <a:bodyPr rtlCol="0" anchor="t"/>
+            <a:lstStyle/>
+            <a:p>
+              <a:r>
+                <a:rPr lang="en-US" altLang="ko-KR" b="1" dirty="0">
+                  <a:solidFill>
+                    <a:schemeClr val="tx1"/>
+                  </a:solidFill>
+                </a:rPr>
+                <a:t>id		// PK,</a:t>
+              </a:r>
+              <a:r>
+                <a:rPr lang="ko-KR" altLang="en-US" b="1" dirty="0">
+                  <a:solidFill>
+                    <a:schemeClr val="tx1"/>
+                  </a:solidFill>
+                </a:rPr>
+                <a:t> 글 아이디</a:t>
+              </a:r>
+              <a:endParaRPr lang="en-US" altLang="ko-KR" b="1" dirty="0">
+                <a:solidFill>
+                  <a:schemeClr val="tx1"/>
+                </a:solidFill>
+              </a:endParaRPr>
+            </a:p>
+            <a:p>
+              <a:r>
+                <a:rPr lang="en-US" altLang="ko-KR" b="1" dirty="0">
+                  <a:solidFill>
+                    <a:schemeClr val="tx1"/>
+                  </a:solidFill>
+                </a:rPr>
+                <a:t>title		// </a:t>
+              </a:r>
+              <a:r>
+                <a:rPr lang="ko-KR" altLang="en-US" b="1" dirty="0">
+                  <a:solidFill>
+                    <a:schemeClr val="tx1"/>
+                  </a:solidFill>
+                </a:rPr>
+                <a:t>글 제목</a:t>
+              </a:r>
+              <a:endParaRPr lang="en-US" altLang="ko-KR" b="1" dirty="0">
+                <a:solidFill>
+                  <a:schemeClr val="tx1"/>
+                </a:solidFill>
+              </a:endParaRPr>
+            </a:p>
+            <a:p>
+              <a:r>
+                <a:rPr lang="en-US" altLang="ko-KR" b="1" dirty="0">
+                  <a:solidFill>
+                    <a:schemeClr val="tx1"/>
+                  </a:solidFill>
+                </a:rPr>
+                <a:t>content		// </a:t>
+              </a:r>
+              <a:r>
+                <a:rPr lang="ko-KR" altLang="en-US" b="1" dirty="0">
+                  <a:solidFill>
+                    <a:schemeClr val="tx1"/>
+                  </a:solidFill>
+                </a:rPr>
+                <a:t>글 내용</a:t>
+              </a:r>
+              <a:endParaRPr lang="en-US" altLang="ko-KR" b="1" dirty="0">
+                <a:solidFill>
+                  <a:schemeClr val="tx1"/>
+                </a:solidFill>
+              </a:endParaRPr>
+            </a:p>
+            <a:p>
+              <a:r>
+                <a:rPr lang="en-US" altLang="ko-KR" b="1" dirty="0">
+                  <a:solidFill>
+                    <a:schemeClr val="tx1"/>
+                  </a:solidFill>
+                </a:rPr>
+                <a:t>hits		// </a:t>
+              </a:r>
+              <a:r>
+                <a:rPr lang="ko-KR" altLang="en-US" b="1" dirty="0">
+                  <a:solidFill>
+                    <a:schemeClr val="tx1"/>
+                  </a:solidFill>
+                </a:rPr>
+                <a:t>조회수</a:t>
+              </a:r>
+              <a:endParaRPr lang="en-US" altLang="ko-KR" b="1" dirty="0">
+                <a:solidFill>
+                  <a:schemeClr val="tx1"/>
+                </a:solidFill>
+              </a:endParaRPr>
+            </a:p>
+            <a:p>
+              <a:r>
+                <a:rPr lang="en-US" altLang="ko-KR" b="1" dirty="0">
+                  <a:solidFill>
+                    <a:schemeClr val="tx1"/>
+                  </a:solidFill>
+                </a:rPr>
+                <a:t>author		// </a:t>
+              </a:r>
+              <a:r>
+                <a:rPr lang="ko-KR" altLang="en-US" b="1" dirty="0">
+                  <a:solidFill>
+                    <a:schemeClr val="tx1"/>
+                  </a:solidFill>
+                </a:rPr>
+                <a:t>작성자</a:t>
+              </a:r>
+              <a:endParaRPr lang="en-US" altLang="ko-KR" b="1" dirty="0">
+                <a:solidFill>
+                  <a:schemeClr val="tx1"/>
+                </a:solidFill>
+              </a:endParaRPr>
+            </a:p>
+            <a:p>
+              <a:r>
+                <a:rPr lang="en-US" altLang="ko-KR" b="1" dirty="0" err="1">
+                  <a:solidFill>
+                    <a:schemeClr val="tx1"/>
+                  </a:solidFill>
+                </a:rPr>
+                <a:t>reg_date</a:t>
+              </a:r>
+              <a:r>
+                <a:rPr lang="en-US" altLang="ko-KR" b="1" dirty="0">
+                  <a:solidFill>
+                    <a:schemeClr val="tx1"/>
+                  </a:solidFill>
+                </a:rPr>
+                <a:t>	// </a:t>
+              </a:r>
+              <a:r>
+                <a:rPr lang="ko-KR" altLang="en-US" b="1" dirty="0">
+                  <a:solidFill>
+                    <a:schemeClr val="tx1"/>
+                  </a:solidFill>
+                </a:rPr>
+                <a:t>작성일</a:t>
+              </a:r>
+              <a:endParaRPr lang="en-US" altLang="ko-KR" b="1" dirty="0">
+                <a:solidFill>
+                  <a:schemeClr val="tx1"/>
+                </a:solidFill>
+              </a:endParaRPr>
+            </a:p>
+            <a:p>
+              <a:r>
+                <a:rPr lang="en-US" altLang="ko-KR" b="1" dirty="0" err="1">
+                  <a:solidFill>
+                    <a:schemeClr val="tx1"/>
+                  </a:solidFill>
+                </a:rPr>
+                <a:t>mod_date</a:t>
+              </a:r>
+              <a:r>
+                <a:rPr lang="en-US" altLang="ko-KR" b="1" dirty="0">
+                  <a:solidFill>
+                    <a:schemeClr val="tx1"/>
+                  </a:solidFill>
+                </a:rPr>
+                <a:t>	// </a:t>
+              </a:r>
+              <a:r>
+                <a:rPr lang="ko-KR" altLang="en-US" b="1" dirty="0">
+                  <a:solidFill>
+                    <a:schemeClr val="tx1"/>
+                  </a:solidFill>
+                </a:rPr>
+                <a:t>수정일</a:t>
+              </a:r>
+              <a:endParaRPr lang="en-US" altLang="ko-KR" b="1" dirty="0">
+                <a:solidFill>
+                  <a:schemeClr val="tx1"/>
+                </a:solidFill>
+              </a:endParaRPr>
+            </a:p>
+            <a:p>
+              <a:endParaRPr lang="en-US" altLang="ko-KR" b="1" dirty="0">
+                <a:solidFill>
+                  <a:schemeClr val="tx1"/>
+                </a:solidFill>
+              </a:endParaRPr>
+            </a:p>
+            <a:p>
+              <a:r>
+                <a:rPr lang="en-US" altLang="ko-KR" b="1" dirty="0">
+                  <a:solidFill>
+                    <a:schemeClr val="tx1"/>
+                  </a:solidFill>
+                </a:rPr>
+                <a:t>tag1		//</a:t>
+              </a:r>
+              <a:r>
+                <a:rPr lang="ko-KR" altLang="en-US" b="1" dirty="0">
+                  <a:solidFill>
+                    <a:schemeClr val="tx1"/>
+                  </a:solidFill>
+                </a:rPr>
+                <a:t> </a:t>
+              </a:r>
+              <a:r>
+                <a:rPr lang="en-US" altLang="ko-KR" b="1" dirty="0">
+                  <a:solidFill>
+                    <a:schemeClr val="tx1"/>
+                  </a:solidFill>
+                </a:rPr>
+                <a:t>FK, 1</a:t>
+              </a:r>
+              <a:r>
+                <a:rPr lang="ko-KR" altLang="en-US" b="1" dirty="0">
+                  <a:solidFill>
+                    <a:schemeClr val="tx1"/>
+                  </a:solidFill>
+                </a:rPr>
+                <a:t>차 태그</a:t>
+              </a:r>
+              <a:endParaRPr lang="en-US" altLang="ko-KR" b="1" dirty="0">
+                <a:solidFill>
+                  <a:schemeClr val="tx1"/>
+                </a:solidFill>
+              </a:endParaRPr>
+            </a:p>
+            <a:p>
+              <a:r>
+                <a:rPr lang="en-US" altLang="ko-KR" b="1" dirty="0">
+                  <a:solidFill>
+                    <a:schemeClr val="tx1"/>
+                  </a:solidFill>
+                </a:rPr>
+                <a:t>tag2		//</a:t>
+              </a:r>
+              <a:r>
+                <a:rPr lang="ko-KR" altLang="en-US" b="1" dirty="0">
+                  <a:solidFill>
+                    <a:schemeClr val="tx1"/>
+                  </a:solidFill>
+                </a:rPr>
+                <a:t> </a:t>
+              </a:r>
+              <a:r>
+                <a:rPr lang="en-US" altLang="ko-KR" b="1" dirty="0">
+                  <a:solidFill>
+                    <a:schemeClr val="tx1"/>
+                  </a:solidFill>
+                </a:rPr>
+                <a:t>FK, 2</a:t>
+              </a:r>
+              <a:r>
+                <a:rPr lang="ko-KR" altLang="en-US" b="1" dirty="0">
+                  <a:solidFill>
+                    <a:schemeClr val="tx1"/>
+                  </a:solidFill>
+                </a:rPr>
+                <a:t>차 태그</a:t>
+              </a:r>
+              <a:endParaRPr lang="en-US" altLang="ko-KR" b="1" dirty="0">
+                <a:solidFill>
+                  <a:schemeClr val="tx1"/>
+                </a:solidFill>
+              </a:endParaRPr>
+            </a:p>
+            <a:p>
+              <a:r>
+                <a:rPr lang="en-US" altLang="ko-KR" b="1" dirty="0" err="1">
+                  <a:solidFill>
+                    <a:schemeClr val="tx1"/>
+                  </a:solidFill>
+                </a:rPr>
+                <a:t>attachment_id</a:t>
+              </a:r>
+              <a:r>
+                <a:rPr lang="en-US" altLang="ko-KR" b="1" dirty="0">
+                  <a:solidFill>
+                    <a:schemeClr val="tx1"/>
+                  </a:solidFill>
+                </a:rPr>
+                <a:t>	// FK, </a:t>
+              </a:r>
+              <a:r>
+                <a:rPr lang="ko-KR" altLang="en-US" b="1" dirty="0">
+                  <a:solidFill>
+                    <a:schemeClr val="tx1"/>
+                  </a:solidFill>
+                </a:rPr>
+                <a:t>첨부파일</a:t>
+              </a:r>
+              <a:endParaRPr lang="en-US" altLang="ko-KR" b="1" dirty="0">
+                <a:solidFill>
+                  <a:schemeClr val="tx1"/>
+                </a:solidFill>
+              </a:endParaRPr>
+            </a:p>
+            <a:p>
+              <a:r>
+                <a:rPr lang="en-US" altLang="ko-KR" b="1" dirty="0" err="1">
+                  <a:solidFill>
+                    <a:schemeClr val="tx1"/>
+                  </a:solidFill>
+                </a:rPr>
+                <a:t>lecture_id</a:t>
+              </a:r>
+              <a:r>
+                <a:rPr lang="en-US" altLang="ko-KR" b="1" dirty="0">
+                  <a:solidFill>
+                    <a:schemeClr val="tx1"/>
+                  </a:solidFill>
+                </a:rPr>
+                <a:t>	// FK, </a:t>
+              </a:r>
+              <a:r>
+                <a:rPr lang="ko-KR" altLang="en-US" b="1" dirty="0">
+                  <a:solidFill>
+                    <a:schemeClr val="tx1"/>
+                  </a:solidFill>
+                </a:rPr>
+                <a:t>학수번호</a:t>
+              </a:r>
+              <a:endParaRPr lang="en-US" altLang="ko-KR" b="1" dirty="0">
+                <a:solidFill>
+                  <a:schemeClr val="tx1"/>
+                </a:solidFill>
+              </a:endParaRPr>
+            </a:p>
+            <a:p>
+              <a:r>
+                <a:rPr lang="en-US" altLang="ko-KR" b="1" dirty="0" err="1">
+                  <a:solidFill>
+                    <a:schemeClr val="tx1"/>
+                  </a:solidFill>
+                </a:rPr>
+                <a:t>lecture_year</a:t>
+              </a:r>
+              <a:r>
+                <a:rPr lang="en-US" altLang="ko-KR" b="1" dirty="0">
+                  <a:solidFill>
+                    <a:schemeClr val="tx1"/>
+                  </a:solidFill>
+                </a:rPr>
+                <a:t>	// FK, </a:t>
+              </a:r>
+              <a:r>
+                <a:rPr lang="ko-KR" altLang="en-US" b="1" dirty="0">
+                  <a:solidFill>
+                    <a:schemeClr val="tx1"/>
+                  </a:solidFill>
+                </a:rPr>
+                <a:t>수업연도</a:t>
+              </a:r>
+              <a:endParaRPr lang="en-US" altLang="ko-KR" b="1" dirty="0">
+                <a:solidFill>
+                  <a:schemeClr val="tx1"/>
+                </a:solidFill>
+              </a:endParaRPr>
+            </a:p>
+            <a:p>
+              <a:endParaRPr lang="en-US" altLang="ko-KR" b="1" dirty="0">
+                <a:solidFill>
+                  <a:schemeClr val="tx1"/>
+                </a:solidFill>
+              </a:endParaRPr>
+            </a:p>
+          </p:txBody>
+        </p:sp>
+        <p:sp>
+          <p:nvSpPr>
+            <p:cNvPr id="22" name="직사각형 21">
+              <a:extLst>
+                <a:ext uri="{FF2B5EF4-FFF2-40B4-BE49-F238E27FC236}">
+                  <a16:creationId xmlns:a16="http://schemas.microsoft.com/office/drawing/2014/main" id="{3ACE2569-F7BC-5702-2869-A7D3336FA9A8}"/>
+                </a:ext>
+              </a:extLst>
+            </p:cNvPr>
+            <p:cNvSpPr/>
+            <p:nvPr/>
+          </p:nvSpPr>
+          <p:spPr>
+            <a:xfrm>
+              <a:off x="1374840" y="2106275"/>
+              <a:ext cx="4170522" cy="444881"/>
+            </a:xfrm>
+            <a:prstGeom prst="rect">
+              <a:avLst/>
+            </a:prstGeom>
+            <a:noFill/>
+            <a:ln w="38100">
+              <a:solidFill>
+                <a:schemeClr val="tx1"/>
+              </a:solidFill>
+            </a:ln>
+          </p:spPr>
+          <p:style>
+            <a:lnRef idx="2">
+              <a:schemeClr val="accent1">
+                <a:shade val="50000"/>
+              </a:schemeClr>
+            </a:lnRef>
+            <a:fillRef idx="1">
+              <a:schemeClr val="accent1"/>
+            </a:fillRef>
+            <a:effectRef idx="0">
+              <a:schemeClr val="accent1"/>
+            </a:effectRef>
+            <a:fontRef idx="minor">
+              <a:schemeClr val="lt1"/>
+            </a:fontRef>
+          </p:style>
+          <p:txBody>
+            <a:bodyPr rtlCol="0" anchor="ctr"/>
+            <a:lstStyle/>
+            <a:p>
+              <a:pPr algn="ctr"/>
+              <a:r>
+                <a:rPr lang="en-US" altLang="ko-KR" b="1" dirty="0" err="1">
+                  <a:solidFill>
+                    <a:schemeClr val="tx1"/>
+                  </a:solidFill>
+                </a:rPr>
+                <a:t>assignment_board</a:t>
+              </a:r>
+              <a:endParaRPr lang="ko-KR" altLang="en-US" b="1" dirty="0">
+                <a:solidFill>
+                  <a:schemeClr val="tx1"/>
+                </a:solidFill>
+              </a:endParaRPr>
+            </a:p>
+          </p:txBody>
+        </p:sp>
+        <p:sp>
+          <p:nvSpPr>
+            <p:cNvPr id="24" name="직사각형 23">
+              <a:extLst>
+                <a:ext uri="{FF2B5EF4-FFF2-40B4-BE49-F238E27FC236}">
+                  <a16:creationId xmlns:a16="http://schemas.microsoft.com/office/drawing/2014/main" id="{D5604993-C9B4-A516-987F-B59249853D0E}"/>
+                </a:ext>
+              </a:extLst>
+            </p:cNvPr>
+            <p:cNvSpPr/>
+            <p:nvPr/>
+          </p:nvSpPr>
+          <p:spPr>
+            <a:xfrm>
+              <a:off x="1374840" y="1288037"/>
+              <a:ext cx="4170522" cy="444881"/>
+            </a:xfrm>
+            <a:prstGeom prst="rect">
+              <a:avLst/>
+            </a:prstGeom>
+            <a:noFill/>
+            <a:ln w="38100">
+              <a:solidFill>
+                <a:schemeClr val="tx1"/>
+              </a:solidFill>
+            </a:ln>
+          </p:spPr>
+          <p:style>
+            <a:lnRef idx="2">
+              <a:schemeClr val="accent1">
+                <a:shade val="50000"/>
+              </a:schemeClr>
+            </a:lnRef>
+            <a:fillRef idx="1">
+              <a:schemeClr val="accent1"/>
+            </a:fillRef>
+            <a:effectRef idx="0">
+              <a:schemeClr val="accent1"/>
+            </a:effectRef>
+            <a:fontRef idx="minor">
+              <a:schemeClr val="lt1"/>
+            </a:fontRef>
+          </p:style>
+          <p:txBody>
+            <a:bodyPr rtlCol="0" anchor="ctr"/>
+            <a:lstStyle/>
+            <a:p>
+              <a:pPr algn="ctr"/>
+              <a:r>
+                <a:rPr lang="ko-KR" altLang="en-US" b="1" dirty="0">
+                  <a:solidFill>
+                    <a:schemeClr val="tx1"/>
+                  </a:solidFill>
+                </a:rPr>
+                <a:t>과제 게시판</a:t>
+              </a:r>
+            </a:p>
+          </p:txBody>
+        </p:sp>
+        <p:grpSp>
+          <p:nvGrpSpPr>
+            <p:cNvPr id="2" name="그룹 1">
+              <a:extLst>
+                <a:ext uri="{FF2B5EF4-FFF2-40B4-BE49-F238E27FC236}">
+                  <a16:creationId xmlns:a16="http://schemas.microsoft.com/office/drawing/2014/main" id="{3922906A-C648-48B8-29F8-E228A4DC8FFC}"/>
+                </a:ext>
+              </a:extLst>
+            </p:cNvPr>
+            <p:cNvGrpSpPr/>
+            <p:nvPr/>
+          </p:nvGrpSpPr>
+          <p:grpSpPr>
+            <a:xfrm>
+              <a:off x="6902107" y="1288037"/>
+              <a:ext cx="4238644" cy="1927257"/>
+              <a:chOff x="5619147" y="2451916"/>
+              <a:chExt cx="3915053" cy="1927257"/>
+            </a:xfrm>
+          </p:grpSpPr>
+          <p:sp>
+            <p:nvSpPr>
+              <p:cNvPr id="8" name="직사각형 7">
+                <a:extLst>
+                  <a:ext uri="{FF2B5EF4-FFF2-40B4-BE49-F238E27FC236}">
+                    <a16:creationId xmlns:a16="http://schemas.microsoft.com/office/drawing/2014/main" id="{BB3C6947-2084-9ED4-1014-AC7D7103FCB1}"/>
+                  </a:ext>
+                </a:extLst>
+              </p:cNvPr>
+              <p:cNvSpPr/>
+              <p:nvPr/>
+            </p:nvSpPr>
+            <p:spPr>
+              <a:xfrm>
+                <a:off x="5619147" y="2896797"/>
+                <a:ext cx="3915053" cy="1482376"/>
+              </a:xfrm>
+              <a:prstGeom prst="rect">
+                <a:avLst/>
+              </a:prstGeom>
+              <a:noFill/>
+              <a:ln w="38100">
+                <a:solidFill>
+                  <a:schemeClr val="tx1"/>
+                </a:solidFill>
+              </a:ln>
+            </p:spPr>
+            <p:style>
+              <a:lnRef idx="2">
+                <a:schemeClr val="accent1">
+                  <a:shade val="50000"/>
+                </a:schemeClr>
+              </a:lnRef>
+              <a:fillRef idx="1">
+                <a:schemeClr val="accent1"/>
+              </a:fillRef>
+              <a:effectRef idx="0">
+                <a:schemeClr val="accent1"/>
+              </a:effectRef>
+              <a:fontRef idx="minor">
+                <a:schemeClr val="lt1"/>
+              </a:fontRef>
+            </p:style>
+            <p:txBody>
+              <a:bodyPr rtlCol="0" anchor="t"/>
+              <a:lstStyle/>
+              <a:p>
+                <a:r>
+                  <a:rPr lang="en-US" altLang="ko-KR" b="1" dirty="0">
+                    <a:solidFill>
+                      <a:schemeClr val="tx1"/>
+                    </a:solidFill>
+                  </a:rPr>
+                  <a:t>id		// PK</a:t>
+                </a:r>
+              </a:p>
+              <a:p>
+                <a:r>
+                  <a:rPr lang="en-US" altLang="ko-KR" b="1" dirty="0">
+                    <a:solidFill>
+                      <a:schemeClr val="tx1"/>
+                    </a:solidFill>
+                  </a:rPr>
+                  <a:t>content		// </a:t>
+                </a:r>
+                <a:r>
+                  <a:rPr lang="ko-KR" altLang="en-US" b="1" dirty="0">
+                    <a:solidFill>
+                      <a:schemeClr val="tx1"/>
+                    </a:solidFill>
+                  </a:rPr>
+                  <a:t>태그내용</a:t>
+                </a:r>
+                <a:endParaRPr lang="en-US" altLang="ko-KR" b="1" dirty="0">
+                  <a:solidFill>
+                    <a:schemeClr val="tx1"/>
+                  </a:solidFill>
+                </a:endParaRPr>
+              </a:p>
+              <a:p>
+                <a:endParaRPr lang="en-US" altLang="ko-KR" b="1" dirty="0">
+                  <a:solidFill>
+                    <a:schemeClr val="tx1"/>
+                  </a:solidFill>
+                </a:endParaRPr>
+              </a:p>
+              <a:p>
+                <a:endParaRPr lang="en-US" altLang="ko-KR" b="1" dirty="0">
+                  <a:solidFill>
+                    <a:schemeClr val="tx1"/>
+                  </a:solidFill>
+                </a:endParaRPr>
+              </a:p>
+              <a:p>
+                <a:r>
+                  <a:rPr lang="en-US" altLang="ko-KR" b="1" dirty="0">
+                    <a:solidFill>
+                      <a:schemeClr val="tx1"/>
+                    </a:solidFill>
+                  </a:rPr>
+                  <a:t>※ </a:t>
+                </a:r>
+                <a:r>
+                  <a:rPr lang="ko-KR" altLang="en-US" b="1" dirty="0">
+                    <a:solidFill>
+                      <a:schemeClr val="tx1"/>
+                    </a:solidFill>
+                  </a:rPr>
+                  <a:t>태그내용</a:t>
+                </a:r>
+                <a:r>
+                  <a:rPr lang="en-US" altLang="ko-KR" b="1" dirty="0">
+                    <a:solidFill>
+                      <a:schemeClr val="tx1"/>
+                    </a:solidFill>
+                  </a:rPr>
+                  <a:t>: </a:t>
+                </a:r>
+                <a:r>
+                  <a:rPr lang="ko-KR" altLang="en-US" b="1" dirty="0">
+                    <a:solidFill>
+                      <a:schemeClr val="tx1"/>
+                    </a:solidFill>
+                  </a:rPr>
+                  <a:t>공지</a:t>
+                </a:r>
+                <a:r>
+                  <a:rPr lang="en-US" altLang="ko-KR" b="1" dirty="0">
+                    <a:solidFill>
+                      <a:schemeClr val="tx1"/>
+                    </a:solidFill>
+                  </a:rPr>
+                  <a:t>/</a:t>
+                </a:r>
+                <a:r>
+                  <a:rPr lang="ko-KR" altLang="en-US" b="1" dirty="0">
+                    <a:solidFill>
+                      <a:schemeClr val="tx1"/>
+                    </a:solidFill>
+                  </a:rPr>
+                  <a:t>자료</a:t>
+                </a:r>
+                <a:r>
+                  <a:rPr lang="en-US" altLang="ko-KR" b="1" dirty="0">
+                    <a:solidFill>
+                      <a:schemeClr val="tx1"/>
+                    </a:solidFill>
+                  </a:rPr>
+                  <a:t>/</a:t>
+                </a:r>
+                <a:r>
+                  <a:rPr lang="ko-KR" altLang="en-US" b="1" dirty="0">
+                    <a:solidFill>
+                      <a:schemeClr val="tx1"/>
+                    </a:solidFill>
+                  </a:rPr>
+                  <a:t>발표</a:t>
+                </a:r>
+                <a:r>
+                  <a:rPr lang="en-US" altLang="ko-KR" b="1" dirty="0">
+                    <a:solidFill>
+                      <a:schemeClr val="tx1"/>
+                    </a:solidFill>
+                  </a:rPr>
+                  <a:t>/</a:t>
+                </a:r>
+                <a:r>
+                  <a:rPr lang="ko-KR" altLang="en-US" b="1" dirty="0">
+                    <a:solidFill>
+                      <a:schemeClr val="tx1"/>
+                    </a:solidFill>
+                  </a:rPr>
+                  <a:t>실습</a:t>
+                </a:r>
+                <a:r>
+                  <a:rPr lang="en-US" altLang="ko-KR" b="1" dirty="0">
+                    <a:solidFill>
+                      <a:schemeClr val="tx1"/>
+                    </a:solidFill>
+                  </a:rPr>
+                  <a:t>/</a:t>
+                </a:r>
+                <a:r>
+                  <a:rPr lang="ko-KR" altLang="en-US" b="1" dirty="0">
+                    <a:solidFill>
+                      <a:schemeClr val="tx1"/>
+                    </a:solidFill>
+                  </a:rPr>
+                  <a:t>과제</a:t>
+                </a:r>
+                <a:endParaRPr lang="en-US" altLang="ko-KR" b="1" dirty="0">
+                  <a:solidFill>
+                    <a:schemeClr val="tx1"/>
+                  </a:solidFill>
+                </a:endParaRPr>
+              </a:p>
+            </p:txBody>
+          </p:sp>
+          <p:sp>
+            <p:nvSpPr>
+              <p:cNvPr id="9" name="직사각형 8">
+                <a:extLst>
+                  <a:ext uri="{FF2B5EF4-FFF2-40B4-BE49-F238E27FC236}">
+                    <a16:creationId xmlns:a16="http://schemas.microsoft.com/office/drawing/2014/main" id="{4E4BF0B1-B6FF-7AFC-E1D6-F25E37593898}"/>
+                  </a:ext>
+                </a:extLst>
+              </p:cNvPr>
+              <p:cNvSpPr/>
+              <p:nvPr/>
+            </p:nvSpPr>
+            <p:spPr>
+              <a:xfrm>
+                <a:off x="5619147" y="2451916"/>
+                <a:ext cx="3915053" cy="444881"/>
+              </a:xfrm>
+              <a:prstGeom prst="rect">
+                <a:avLst/>
+              </a:prstGeom>
+              <a:noFill/>
+              <a:ln w="38100">
+                <a:solidFill>
+                  <a:schemeClr val="tx1"/>
+                </a:solidFill>
+              </a:ln>
+            </p:spPr>
+            <p:style>
+              <a:lnRef idx="2">
+                <a:schemeClr val="accent1">
+                  <a:shade val="50000"/>
+                </a:schemeClr>
+              </a:lnRef>
+              <a:fillRef idx="1">
+                <a:schemeClr val="accent1"/>
+              </a:fillRef>
+              <a:effectRef idx="0">
+                <a:schemeClr val="accent1"/>
+              </a:effectRef>
+              <a:fontRef idx="minor">
+                <a:schemeClr val="lt1"/>
+              </a:fontRef>
+            </p:style>
+            <p:txBody>
+              <a:bodyPr rtlCol="0" anchor="ctr"/>
+              <a:lstStyle/>
+              <a:p>
+                <a:pPr algn="ctr"/>
+                <a:r>
+                  <a:rPr lang="en-US" altLang="ko-KR" b="1" dirty="0">
+                    <a:solidFill>
+                      <a:schemeClr val="tx1"/>
+                    </a:solidFill>
+                  </a:rPr>
+                  <a:t>tag1</a:t>
+                </a:r>
+                <a:endParaRPr lang="ko-KR" altLang="en-US" b="1" dirty="0">
+                  <a:solidFill>
+                    <a:schemeClr val="tx1"/>
+                  </a:solidFill>
+                </a:endParaRPr>
+              </a:p>
+            </p:txBody>
+          </p:sp>
+        </p:grpSp>
+        <p:grpSp>
+          <p:nvGrpSpPr>
+            <p:cNvPr id="3" name="그룹 2">
+              <a:extLst>
+                <a:ext uri="{FF2B5EF4-FFF2-40B4-BE49-F238E27FC236}">
+                  <a16:creationId xmlns:a16="http://schemas.microsoft.com/office/drawing/2014/main" id="{FACB4339-4EB5-035A-5592-3A80004D80B5}"/>
+                </a:ext>
+              </a:extLst>
+            </p:cNvPr>
+            <p:cNvGrpSpPr/>
+            <p:nvPr/>
+          </p:nvGrpSpPr>
+          <p:grpSpPr>
+            <a:xfrm>
+              <a:off x="6902107" y="4314514"/>
+              <a:ext cx="4238644" cy="1927257"/>
+              <a:chOff x="5619148" y="4909713"/>
+              <a:chExt cx="3915053" cy="1927257"/>
+            </a:xfrm>
+          </p:grpSpPr>
+          <p:sp>
+            <p:nvSpPr>
+              <p:cNvPr id="11" name="직사각형 10">
+                <a:extLst>
+                  <a:ext uri="{FF2B5EF4-FFF2-40B4-BE49-F238E27FC236}">
+                    <a16:creationId xmlns:a16="http://schemas.microsoft.com/office/drawing/2014/main" id="{47301BFA-AC0C-F73E-46D2-F95EF0CD65F9}"/>
+                  </a:ext>
+                </a:extLst>
+              </p:cNvPr>
+              <p:cNvSpPr/>
+              <p:nvPr/>
+            </p:nvSpPr>
+            <p:spPr>
+              <a:xfrm>
+                <a:off x="5619148" y="5354594"/>
+                <a:ext cx="3915053" cy="1482376"/>
+              </a:xfrm>
+              <a:prstGeom prst="rect">
+                <a:avLst/>
+              </a:prstGeom>
+              <a:noFill/>
+              <a:ln w="38100">
+                <a:solidFill>
+                  <a:schemeClr val="tx1"/>
+                </a:solidFill>
+              </a:ln>
+            </p:spPr>
+            <p:style>
+              <a:lnRef idx="2">
+                <a:schemeClr val="accent1">
+                  <a:shade val="50000"/>
+                </a:schemeClr>
+              </a:lnRef>
+              <a:fillRef idx="1">
+                <a:schemeClr val="accent1"/>
+              </a:fillRef>
+              <a:effectRef idx="0">
+                <a:schemeClr val="accent1"/>
+              </a:effectRef>
+              <a:fontRef idx="minor">
+                <a:schemeClr val="lt1"/>
+              </a:fontRef>
+            </p:style>
+            <p:txBody>
+              <a:bodyPr rtlCol="0" anchor="t"/>
+              <a:lstStyle/>
+              <a:p>
+                <a:r>
+                  <a:rPr lang="en-US" altLang="ko-KR" b="1" dirty="0">
+                    <a:solidFill>
+                      <a:schemeClr val="tx1"/>
+                    </a:solidFill>
+                  </a:rPr>
+                  <a:t>id		// PK</a:t>
+                </a:r>
+              </a:p>
+              <a:p>
+                <a:r>
+                  <a:rPr lang="en-US" altLang="ko-KR" b="1" dirty="0">
+                    <a:solidFill>
+                      <a:schemeClr val="tx1"/>
+                    </a:solidFill>
+                  </a:rPr>
+                  <a:t>content 		// </a:t>
+                </a:r>
+                <a:r>
+                  <a:rPr lang="ko-KR" altLang="en-US" b="1" dirty="0">
+                    <a:solidFill>
+                      <a:schemeClr val="tx1"/>
+                    </a:solidFill>
+                  </a:rPr>
+                  <a:t>태그내용</a:t>
+                </a:r>
+                <a:endParaRPr lang="en-US" altLang="ko-KR" b="1" dirty="0">
+                  <a:solidFill>
+                    <a:schemeClr val="tx1"/>
+                  </a:solidFill>
+                </a:endParaRPr>
+              </a:p>
+              <a:p>
+                <a:endParaRPr lang="en-US" altLang="ko-KR" b="1" dirty="0">
+                  <a:solidFill>
+                    <a:schemeClr val="tx1"/>
+                  </a:solidFill>
+                </a:endParaRPr>
+              </a:p>
+              <a:p>
+                <a:endParaRPr lang="en-US" altLang="ko-KR" b="1" dirty="0">
+                  <a:solidFill>
+                    <a:schemeClr val="tx1"/>
+                  </a:solidFill>
+                </a:endParaRPr>
+              </a:p>
+              <a:p>
+                <a:r>
+                  <a:rPr lang="en-US" altLang="ko-KR" b="1" dirty="0">
+                    <a:solidFill>
+                      <a:schemeClr val="tx1"/>
+                    </a:solidFill>
+                  </a:rPr>
+                  <a:t>※ </a:t>
+                </a:r>
+                <a:r>
+                  <a:rPr lang="ko-KR" altLang="en-US" b="1" dirty="0">
+                    <a:solidFill>
+                      <a:schemeClr val="tx1"/>
+                    </a:solidFill>
+                  </a:rPr>
+                  <a:t>태그내용</a:t>
+                </a:r>
+                <a:r>
+                  <a:rPr lang="en-US" altLang="ko-KR" b="1" dirty="0">
+                    <a:solidFill>
+                      <a:schemeClr val="tx1"/>
+                    </a:solidFill>
+                  </a:rPr>
+                  <a:t>: </a:t>
+                </a:r>
+                <a:r>
+                  <a:rPr lang="ko-KR" altLang="en-US" b="1" dirty="0">
+                    <a:solidFill>
+                      <a:schemeClr val="tx1"/>
+                    </a:solidFill>
+                  </a:rPr>
+                  <a:t>실습</a:t>
+                </a:r>
+                <a:r>
+                  <a:rPr lang="en-US" altLang="ko-KR" b="1" dirty="0">
+                    <a:solidFill>
+                      <a:schemeClr val="tx1"/>
+                    </a:solidFill>
+                  </a:rPr>
+                  <a:t>/</a:t>
+                </a:r>
+                <a:r>
+                  <a:rPr lang="ko-KR" altLang="en-US" b="1" dirty="0">
+                    <a:solidFill>
+                      <a:schemeClr val="tx1"/>
+                    </a:solidFill>
+                  </a:rPr>
+                  <a:t>과제</a:t>
+                </a:r>
+                <a:r>
+                  <a:rPr lang="en-US" altLang="ko-KR" b="1" dirty="0">
+                    <a:solidFill>
+                      <a:schemeClr val="tx1"/>
+                    </a:solidFill>
+                  </a:rPr>
+                  <a:t>-1/2/3/4/5</a:t>
+                </a:r>
+              </a:p>
+              <a:p>
+                <a:endParaRPr lang="en-US" altLang="ko-KR" b="1" dirty="0">
+                  <a:solidFill>
+                    <a:schemeClr val="tx1"/>
+                  </a:solidFill>
+                </a:endParaRPr>
+              </a:p>
+            </p:txBody>
+          </p:sp>
+          <p:sp>
+            <p:nvSpPr>
+              <p:cNvPr id="12" name="직사각형 11">
+                <a:extLst>
+                  <a:ext uri="{FF2B5EF4-FFF2-40B4-BE49-F238E27FC236}">
+                    <a16:creationId xmlns:a16="http://schemas.microsoft.com/office/drawing/2014/main" id="{5D2EDA59-5AD2-683C-F82C-4E3D4BA67FA8}"/>
+                  </a:ext>
+                </a:extLst>
+              </p:cNvPr>
+              <p:cNvSpPr/>
+              <p:nvPr/>
+            </p:nvSpPr>
+            <p:spPr>
+              <a:xfrm>
+                <a:off x="5619148" y="4909713"/>
+                <a:ext cx="3915053" cy="444881"/>
+              </a:xfrm>
+              <a:prstGeom prst="rect">
+                <a:avLst/>
+              </a:prstGeom>
+              <a:noFill/>
+              <a:ln w="38100">
+                <a:solidFill>
+                  <a:schemeClr val="tx1"/>
+                </a:solidFill>
+              </a:ln>
+            </p:spPr>
+            <p:style>
+              <a:lnRef idx="2">
+                <a:schemeClr val="accent1">
+                  <a:shade val="50000"/>
+                </a:schemeClr>
+              </a:lnRef>
+              <a:fillRef idx="1">
+                <a:schemeClr val="accent1"/>
+              </a:fillRef>
+              <a:effectRef idx="0">
+                <a:schemeClr val="accent1"/>
+              </a:effectRef>
+              <a:fontRef idx="minor">
+                <a:schemeClr val="lt1"/>
+              </a:fontRef>
+            </p:style>
+            <p:txBody>
+              <a:bodyPr rtlCol="0" anchor="ctr"/>
+              <a:lstStyle/>
+              <a:p>
+                <a:pPr algn="ctr"/>
+                <a:r>
+                  <a:rPr lang="en-US" altLang="ko-KR" b="1" dirty="0">
+                    <a:solidFill>
+                      <a:schemeClr val="tx1"/>
+                    </a:solidFill>
+                  </a:rPr>
+                  <a:t>tag2</a:t>
+                </a:r>
+                <a:endParaRPr lang="ko-KR" altLang="en-US" b="1" dirty="0">
+                  <a:solidFill>
+                    <a:schemeClr val="tx1"/>
+                  </a:solidFill>
+                </a:endParaRPr>
+              </a:p>
+            </p:txBody>
+          </p:sp>
+        </p:grpSp>
+      </p:grpSp>
+    </p:spTree>
+    <p:extLst>
+      <p:ext uri="{BB962C8B-B14F-4D97-AF65-F5344CB8AC3E}">
+        <p14:creationId xmlns:p14="http://schemas.microsoft.com/office/powerpoint/2010/main" val="969675998"/>
+      </p:ext>
+    </p:extLst>
+  </p:cSld>
+  <p:clrMapOvr>
+    <a:masterClrMapping/>
+  </p:clrMapOvr>
+</p:sld>
+</file>
+
+<file path=ppt/slides/slide41.xml><?xml version="1.0" encoding="utf-8"?>
+<p:sld xmlns:a="http://schemas.openxmlformats.org/drawingml/2006/main" xmlns:r="http://schemas.openxmlformats.org/officeDocument/2006/relationships" xmlns:p="http://schemas.openxmlformats.org/presentationml/2006/main">
+  <p:cSld>
+    <p:spTree>
+      <p:nvGrpSpPr>
+        <p:cNvPr id="1" name=""/>
+        <p:cNvGrpSpPr/>
+        <p:nvPr/>
+      </p:nvGrpSpPr>
+      <p:grpSpPr>
+        <a:xfrm>
+          <a:off x="0" y="0"/>
+          <a:ext cx="0" cy="0"/>
+          <a:chOff x="0" y="0"/>
+          <a:chExt cx="0" cy="0"/>
+        </a:xfrm>
+      </p:grpSpPr>
+      <p:sp>
+        <p:nvSpPr>
+          <p:cNvPr id="4" name="TextBox 3">
+            <a:extLst>
+              <a:ext uri="{FF2B5EF4-FFF2-40B4-BE49-F238E27FC236}">
+                <a16:creationId xmlns:a16="http://schemas.microsoft.com/office/drawing/2014/main" id="{07F28203-A8AD-273E-C2C6-E0632B86F782}"/>
+              </a:ext>
+            </a:extLst>
+          </p:cNvPr>
+          <p:cNvSpPr txBox="1"/>
+          <p:nvPr/>
+        </p:nvSpPr>
+        <p:spPr>
+          <a:xfrm>
+            <a:off x="2572439" y="2613392"/>
+            <a:ext cx="7047122" cy="1631216"/>
+          </a:xfrm>
+          <a:prstGeom prst="rect">
+            <a:avLst/>
+          </a:prstGeom>
+          <a:noFill/>
+        </p:spPr>
+        <p:txBody>
+          <a:bodyPr wrap="none" rtlCol="0">
+            <a:spAutoFit/>
+          </a:bodyPr>
+          <a:lstStyle/>
+          <a:p>
+            <a:r>
+              <a:rPr lang="ko-KR" altLang="en-US" sz="10000" b="1"/>
+              <a:t>구분 페이지</a:t>
+            </a:r>
+          </a:p>
+        </p:txBody>
+      </p:sp>
+    </p:spTree>
+    <p:extLst>
+      <p:ext uri="{BB962C8B-B14F-4D97-AF65-F5344CB8AC3E}">
+        <p14:creationId xmlns:p14="http://schemas.microsoft.com/office/powerpoint/2010/main" val="400947639"/>
+      </p:ext>
+    </p:extLst>
+  </p:cSld>
+  <p:clrMapOvr>
+    <a:masterClrMapping/>
+  </p:clrMapOvr>
+</p:sld>
+</file>
+
+<file path=ppt/slides/slide42.xml><?xml version="1.0" encoding="utf-8"?>
 <p:sld xmlns:a="http://schemas.openxmlformats.org/drawingml/2006/main" xmlns:r="http://schemas.openxmlformats.org/officeDocument/2006/relationships" xmlns:p="http://schemas.openxmlformats.org/presentationml/2006/main">
   <p:cSld>
     <p:spTree>
@@ -35344,7 +36295,7 @@
 </p:sld>
 </file>
 
-<file path=ppt/slides/slide41.xml><?xml version="1.0" encoding="utf-8"?>
+<file path=ppt/slides/slide43.xml><?xml version="1.0" encoding="utf-8"?>
 <p:sld xmlns:a="http://schemas.openxmlformats.org/drawingml/2006/main" xmlns:r="http://schemas.openxmlformats.org/officeDocument/2006/relationships" xmlns:p="http://schemas.openxmlformats.org/presentationml/2006/main">
   <p:cSld>
     <p:spTree>

--- a/documents/01_프로젝트_개발계획.pptx
+++ b/documents/01_프로젝트_개발계획.pptx
@@ -5,7 +5,7 @@
     <p:sldMasterId id="2147483648" r:id="rId1"/>
   </p:sldMasterIdLst>
   <p:notesMasterIdLst>
-    <p:notesMasterId r:id="rId55"/>
+    <p:notesMasterId r:id="rId58"/>
   </p:notesMasterIdLst>
   <p:sldIdLst>
     <p:sldId id="263" r:id="rId2"/>
@@ -36,31 +36,34 @@
     <p:sldId id="318" r:id="rId27"/>
     <p:sldId id="322" r:id="rId28"/>
     <p:sldId id="357" r:id="rId29"/>
-    <p:sldId id="358" r:id="rId30"/>
-    <p:sldId id="359" r:id="rId31"/>
+    <p:sldId id="373" r:id="rId30"/>
+    <p:sldId id="374" r:id="rId31"/>
     <p:sldId id="360" r:id="rId32"/>
-    <p:sldId id="361" r:id="rId33"/>
-    <p:sldId id="362" r:id="rId34"/>
-    <p:sldId id="354" r:id="rId35"/>
-    <p:sldId id="350" r:id="rId36"/>
-    <p:sldId id="351" r:id="rId37"/>
-    <p:sldId id="352" r:id="rId38"/>
-    <p:sldId id="371" r:id="rId39"/>
-    <p:sldId id="363" r:id="rId40"/>
-    <p:sldId id="366" r:id="rId41"/>
-    <p:sldId id="328" r:id="rId42"/>
-    <p:sldId id="365" r:id="rId43"/>
-    <p:sldId id="329" r:id="rId44"/>
-    <p:sldId id="330" r:id="rId45"/>
-    <p:sldId id="331" r:id="rId46"/>
-    <p:sldId id="327" r:id="rId47"/>
-    <p:sldId id="296" r:id="rId48"/>
-    <p:sldId id="367" r:id="rId49"/>
-    <p:sldId id="368" r:id="rId50"/>
-    <p:sldId id="369" r:id="rId51"/>
-    <p:sldId id="370" r:id="rId52"/>
-    <p:sldId id="265" r:id="rId53"/>
-    <p:sldId id="295" r:id="rId54"/>
+    <p:sldId id="376" r:id="rId33"/>
+    <p:sldId id="377" r:id="rId34"/>
+    <p:sldId id="378" r:id="rId35"/>
+    <p:sldId id="354" r:id="rId36"/>
+    <p:sldId id="350" r:id="rId37"/>
+    <p:sldId id="351" r:id="rId38"/>
+    <p:sldId id="352" r:id="rId39"/>
+    <p:sldId id="371" r:id="rId40"/>
+    <p:sldId id="379" r:id="rId41"/>
+    <p:sldId id="363" r:id="rId42"/>
+    <p:sldId id="366" r:id="rId43"/>
+    <p:sldId id="328" r:id="rId44"/>
+    <p:sldId id="365" r:id="rId45"/>
+    <p:sldId id="329" r:id="rId46"/>
+    <p:sldId id="330" r:id="rId47"/>
+    <p:sldId id="331" r:id="rId48"/>
+    <p:sldId id="327" r:id="rId49"/>
+    <p:sldId id="296" r:id="rId50"/>
+    <p:sldId id="380" r:id="rId51"/>
+    <p:sldId id="367" r:id="rId52"/>
+    <p:sldId id="368" r:id="rId53"/>
+    <p:sldId id="369" r:id="rId54"/>
+    <p:sldId id="370" r:id="rId55"/>
+    <p:sldId id="265" r:id="rId56"/>
+    <p:sldId id="295" r:id="rId57"/>
   </p:sldIdLst>
   <p:sldSz cx="12192000" cy="6858000"/>
   <p:notesSz cx="6858000" cy="9144000"/>
@@ -261,7 +264,7 @@
           <a:p>
             <a:fld id="{30904987-88C6-4B84-812C-800BC7B15E4D}" type="datetimeFigureOut">
               <a:rPr lang="ko-KR" altLang="en-US" smtClean="0"/>
-              <a:t>2022-08-05</a:t>
+              <a:t>2022-08-10</a:t>
             </a:fld>
             <a:endParaRPr lang="ko-KR" altLang="en-US"/>
           </a:p>
@@ -675,7 +678,7 @@
           <a:p>
             <a:fld id="{1039453B-B551-4551-88DC-4F9062C711DC}" type="datetimeFigureOut">
               <a:rPr lang="ko-KR" altLang="en-US" smtClean="0"/>
-              <a:t>2022-08-05</a:t>
+              <a:t>2022-08-10</a:t>
             </a:fld>
             <a:endParaRPr lang="ko-KR" altLang="en-US"/>
           </a:p>
@@ -873,7 +876,7 @@
           <a:p>
             <a:fld id="{1039453B-B551-4551-88DC-4F9062C711DC}" type="datetimeFigureOut">
               <a:rPr lang="ko-KR" altLang="en-US" smtClean="0"/>
-              <a:t>2022-08-05</a:t>
+              <a:t>2022-08-10</a:t>
             </a:fld>
             <a:endParaRPr lang="ko-KR" altLang="en-US"/>
           </a:p>
@@ -1081,7 +1084,7 @@
           <a:p>
             <a:fld id="{1039453B-B551-4551-88DC-4F9062C711DC}" type="datetimeFigureOut">
               <a:rPr lang="ko-KR" altLang="en-US" smtClean="0"/>
-              <a:t>2022-08-05</a:t>
+              <a:t>2022-08-10</a:t>
             </a:fld>
             <a:endParaRPr lang="ko-KR" altLang="en-US"/>
           </a:p>
@@ -1279,7 +1282,7 @@
           <a:p>
             <a:fld id="{1039453B-B551-4551-88DC-4F9062C711DC}" type="datetimeFigureOut">
               <a:rPr lang="ko-KR" altLang="en-US" smtClean="0"/>
-              <a:t>2022-08-05</a:t>
+              <a:t>2022-08-10</a:t>
             </a:fld>
             <a:endParaRPr lang="ko-KR" altLang="en-US"/>
           </a:p>
@@ -1554,7 +1557,7 @@
           <a:p>
             <a:fld id="{1039453B-B551-4551-88DC-4F9062C711DC}" type="datetimeFigureOut">
               <a:rPr lang="ko-KR" altLang="en-US" smtClean="0"/>
-              <a:t>2022-08-05</a:t>
+              <a:t>2022-08-10</a:t>
             </a:fld>
             <a:endParaRPr lang="ko-KR" altLang="en-US"/>
           </a:p>
@@ -1819,7 +1822,7 @@
           <a:p>
             <a:fld id="{1039453B-B551-4551-88DC-4F9062C711DC}" type="datetimeFigureOut">
               <a:rPr lang="ko-KR" altLang="en-US" smtClean="0"/>
-              <a:t>2022-08-05</a:t>
+              <a:t>2022-08-10</a:t>
             </a:fld>
             <a:endParaRPr lang="ko-KR" altLang="en-US"/>
           </a:p>
@@ -2231,7 +2234,7 @@
           <a:p>
             <a:fld id="{1039453B-B551-4551-88DC-4F9062C711DC}" type="datetimeFigureOut">
               <a:rPr lang="ko-KR" altLang="en-US" smtClean="0"/>
-              <a:t>2022-08-05</a:t>
+              <a:t>2022-08-10</a:t>
             </a:fld>
             <a:endParaRPr lang="ko-KR" altLang="en-US"/>
           </a:p>
@@ -2372,7 +2375,7 @@
           <a:p>
             <a:fld id="{1039453B-B551-4551-88DC-4F9062C711DC}" type="datetimeFigureOut">
               <a:rPr lang="ko-KR" altLang="en-US" smtClean="0"/>
-              <a:t>2022-08-05</a:t>
+              <a:t>2022-08-10</a:t>
             </a:fld>
             <a:endParaRPr lang="ko-KR" altLang="en-US"/>
           </a:p>
@@ -2485,7 +2488,7 @@
           <a:p>
             <a:fld id="{1039453B-B551-4551-88DC-4F9062C711DC}" type="datetimeFigureOut">
               <a:rPr lang="ko-KR" altLang="en-US" smtClean="0"/>
-              <a:t>2022-08-05</a:t>
+              <a:t>2022-08-10</a:t>
             </a:fld>
             <a:endParaRPr lang="ko-KR" altLang="en-US"/>
           </a:p>
@@ -2796,7 +2799,7 @@
           <a:p>
             <a:fld id="{1039453B-B551-4551-88DC-4F9062C711DC}" type="datetimeFigureOut">
               <a:rPr lang="ko-KR" altLang="en-US" smtClean="0"/>
-              <a:t>2022-08-05</a:t>
+              <a:t>2022-08-10</a:t>
             </a:fld>
             <a:endParaRPr lang="ko-KR" altLang="en-US"/>
           </a:p>
@@ -3084,7 +3087,7 @@
           <a:p>
             <a:fld id="{1039453B-B551-4551-88DC-4F9062C711DC}" type="datetimeFigureOut">
               <a:rPr lang="ko-KR" altLang="en-US" smtClean="0"/>
-              <a:t>2022-08-05</a:t>
+              <a:t>2022-08-10</a:t>
             </a:fld>
             <a:endParaRPr lang="ko-KR" altLang="en-US"/>
           </a:p>
@@ -3325,7 +3328,7 @@
           <a:p>
             <a:fld id="{1039453B-B551-4551-88DC-4F9062C711DC}" type="datetimeFigureOut">
               <a:rPr lang="ko-KR" altLang="en-US" smtClean="0"/>
-              <a:t>2022-08-05</a:t>
+              <a:t>2022-08-10</a:t>
             </a:fld>
             <a:endParaRPr lang="ko-KR" altLang="en-US"/>
           </a:p>
@@ -22841,7 +22844,7 @@
               <a:pPr algn="ctr"/>
               <a:r>
                 <a:rPr lang="en-US" altLang="ko-KR" b="1" dirty="0" err="1"/>
-                <a:t>TagTable</a:t>
+                <a:t>CategoryTable</a:t>
               </a:r>
               <a:endParaRPr lang="ko-KR" altLang="en-US" b="1" dirty="0"/>
             </a:p>
@@ -23007,9 +23010,9 @@
         <p:grpSpPr>
           <a:xfrm>
             <a:off x="2797026" y="4305157"/>
-            <a:ext cx="1904306" cy="1110384"/>
+            <a:ext cx="1904306" cy="1108003"/>
             <a:chOff x="2797026" y="4305157"/>
-            <a:chExt cx="1904306" cy="1110384"/>
+            <a:chExt cx="1904306" cy="1108003"/>
           </a:xfrm>
         </p:grpSpPr>
         <p:sp>
@@ -23108,7 +23111,7 @@
           </p:nvSpPr>
           <p:spPr>
             <a:xfrm>
-              <a:off x="2797026" y="5046209"/>
+              <a:off x="2797026" y="5043828"/>
               <a:ext cx="1904301" cy="369332"/>
             </a:xfrm>
             <a:prstGeom prst="rect">
@@ -23276,7 +23279,7 @@
               <a:pPr algn="ctr"/>
               <a:r>
                 <a:rPr lang="en-US" altLang="ko-KR" b="1" dirty="0" err="1"/>
-                <a:t>TagTable</a:t>
+                <a:t>CategoryTable</a:t>
               </a:r>
               <a:endParaRPr lang="ko-KR" altLang="en-US" b="1" dirty="0"/>
             </a:p>
@@ -23298,9 +23301,9 @@
         <p:grpSpPr>
           <a:xfrm>
             <a:off x="7490662" y="3214557"/>
-            <a:ext cx="1904303" cy="1848656"/>
+            <a:ext cx="1904303" cy="1846275"/>
             <a:chOff x="7490662" y="3229770"/>
-            <a:chExt cx="1904303" cy="1848656"/>
+            <a:chExt cx="1904303" cy="1846275"/>
           </a:xfrm>
         </p:grpSpPr>
         <p:sp>
@@ -23517,7 +23520,7 @@
           </p:nvSpPr>
           <p:spPr>
             <a:xfrm>
-              <a:off x="7490662" y="4709094"/>
+              <a:off x="7490662" y="4706713"/>
               <a:ext cx="1904301" cy="369332"/>
             </a:xfrm>
             <a:prstGeom prst="rect">
@@ -23554,54 +23557,6 @@
           </p:txBody>
         </p:sp>
       </p:grpSp>
-      <p:cxnSp>
-        <p:nvCxnSpPr>
-          <p:cNvPr id="50" name="연결선: 꺾임 49">
-            <a:extLst>
-              <a:ext uri="{FF2B5EF4-FFF2-40B4-BE49-F238E27FC236}">
-                <a16:creationId xmlns:a16="http://schemas.microsoft.com/office/drawing/2014/main" id="{7B7F4189-2632-A0EF-2F24-D4FAF073B79C}"/>
-              </a:ext>
-            </a:extLst>
-          </p:cNvPr>
-          <p:cNvCxnSpPr>
-            <a:cxnSpLocks/>
-            <a:stCxn id="23" idx="3"/>
-            <a:endCxn id="24" idx="3"/>
-          </p:cNvCxnSpPr>
-          <p:nvPr/>
-        </p:nvCxnSpPr>
-        <p:spPr>
-          <a:xfrm flipH="1">
-            <a:off x="4701330" y="3787947"/>
-            <a:ext cx="1" cy="701876"/>
-          </a:xfrm>
-          <a:prstGeom prst="bentConnector3">
-            <a:avLst>
-              <a:gd name="adj1" fmla="val -22860000000"/>
-            </a:avLst>
-          </a:prstGeom>
-          <a:ln w="38100">
-            <a:solidFill>
-              <a:schemeClr val="tx1"/>
-            </a:solidFill>
-            <a:tailEnd type="triangle"/>
-          </a:ln>
-        </p:spPr>
-        <p:style>
-          <a:lnRef idx="1">
-            <a:schemeClr val="accent1"/>
-          </a:lnRef>
-          <a:fillRef idx="0">
-            <a:schemeClr val="accent1"/>
-          </a:fillRef>
-          <a:effectRef idx="0">
-            <a:schemeClr val="accent1"/>
-          </a:effectRef>
-          <a:fontRef idx="minor">
-            <a:schemeClr val="tx1"/>
-          </a:fontRef>
-        </p:style>
-      </p:cxnSp>
       <p:cxnSp>
         <p:nvCxnSpPr>
           <p:cNvPr id="55" name="연결선: 꺾임 54">
@@ -23843,20 +23798,19 @@
           </p:cNvPr>
           <p:cNvCxnSpPr>
             <a:cxnSpLocks/>
-            <a:stCxn id="20" idx="2"/>
+            <a:stCxn id="20" idx="1"/>
             <a:endCxn id="21" idx="1"/>
           </p:cNvCxnSpPr>
           <p:nvPr/>
         </p:nvCxnSpPr>
         <p:spPr>
-          <a:xfrm rot="5400000">
-            <a:off x="3014501" y="2312215"/>
-            <a:ext cx="517210" cy="952150"/>
+          <a:xfrm rot="10800000" flipH="1" flipV="1">
+            <a:off x="2797029" y="2345019"/>
+            <a:ext cx="1" cy="701876"/>
           </a:xfrm>
-          <a:prstGeom prst="bentConnector4">
+          <a:prstGeom prst="bentConnector3">
             <a:avLst>
-              <a:gd name="adj1" fmla="val 32148"/>
-              <a:gd name="adj2" fmla="val 124009"/>
+              <a:gd name="adj1" fmla="val -22860000000"/>
             </a:avLst>
           </a:prstGeom>
           <a:ln w="38100">
@@ -23892,20 +23846,19 @@
           </p:cNvPr>
           <p:cNvCxnSpPr>
             <a:cxnSpLocks/>
-            <a:stCxn id="20" idx="2"/>
+            <a:stCxn id="20" idx="1"/>
             <a:endCxn id="22" idx="1"/>
           </p:cNvCxnSpPr>
           <p:nvPr/>
         </p:nvCxnSpPr>
         <p:spPr>
-          <a:xfrm rot="5400000">
-            <a:off x="2830732" y="2495986"/>
-            <a:ext cx="884751" cy="952149"/>
+          <a:xfrm rot="10800000" flipH="1" flipV="1">
+            <a:off x="2797030" y="2345018"/>
+            <a:ext cx="2" cy="1069417"/>
           </a:xfrm>
-          <a:prstGeom prst="bentConnector4">
+          <a:prstGeom prst="bentConnector3">
             <a:avLst>
-              <a:gd name="adj1" fmla="val 19109"/>
-              <a:gd name="adj2" fmla="val 124009"/>
+              <a:gd name="adj1" fmla="val -11430000000"/>
             </a:avLst>
           </a:prstGeom>
           <a:ln w="38100">
@@ -23941,20 +23894,19 @@
           </p:cNvPr>
           <p:cNvCxnSpPr>
             <a:cxnSpLocks/>
-            <a:stCxn id="20" idx="2"/>
+            <a:stCxn id="20" idx="1"/>
             <a:endCxn id="23" idx="1"/>
           </p:cNvCxnSpPr>
           <p:nvPr/>
         </p:nvCxnSpPr>
         <p:spPr>
-          <a:xfrm rot="5400000">
-            <a:off x="2643975" y="2682741"/>
-            <a:ext cx="1258262" cy="952151"/>
+          <a:xfrm rot="10800000" flipV="1">
+            <a:off x="2797030" y="2345019"/>
+            <a:ext cx="12700" cy="1442928"/>
           </a:xfrm>
-          <a:prstGeom prst="bentConnector4">
+          <a:prstGeom prst="bentConnector3">
             <a:avLst>
-              <a:gd name="adj1" fmla="val 13139"/>
-              <a:gd name="adj2" fmla="val 124009"/>
+              <a:gd name="adj1" fmla="val 1910102"/>
             </a:avLst>
           </a:prstGeom>
           <a:ln w="38100">
@@ -23990,19 +23942,19 @@
           </p:cNvPr>
           <p:cNvCxnSpPr>
             <a:cxnSpLocks/>
-            <a:stCxn id="20" idx="1"/>
-            <a:endCxn id="24" idx="1"/>
+            <a:stCxn id="20" idx="3"/>
+            <a:endCxn id="24" idx="3"/>
           </p:cNvCxnSpPr>
           <p:nvPr/>
         </p:nvCxnSpPr>
         <p:spPr>
-          <a:xfrm rot="10800000" flipV="1">
-            <a:off x="2797030" y="2345019"/>
+          <a:xfrm flipH="1">
+            <a:off x="4701330" y="2345019"/>
             <a:ext cx="1" cy="2144804"/>
           </a:xfrm>
           <a:prstGeom prst="bentConnector3">
             <a:avLst>
-              <a:gd name="adj1" fmla="val 22860100000"/>
+              <a:gd name="adj1" fmla="val -22860000000"/>
             </a:avLst>
           </a:prstGeom>
           <a:ln w="38100">
@@ -24038,19 +23990,19 @@
           </p:cNvPr>
           <p:cNvCxnSpPr>
             <a:cxnSpLocks/>
-            <a:stCxn id="20" idx="1"/>
-            <a:endCxn id="27" idx="1"/>
+            <a:stCxn id="20" idx="3"/>
+            <a:endCxn id="27" idx="3"/>
           </p:cNvCxnSpPr>
           <p:nvPr/>
         </p:nvCxnSpPr>
         <p:spPr>
-          <a:xfrm rot="10800000" flipH="1" flipV="1">
-            <a:off x="2797029" y="2345019"/>
+          <a:xfrm>
+            <a:off x="4701331" y="2345019"/>
             <a:ext cx="1" cy="2514136"/>
           </a:xfrm>
           <a:prstGeom prst="bentConnector3">
             <a:avLst>
-              <a:gd name="adj1" fmla="val -22860000000"/>
+              <a:gd name="adj1" fmla="val 22860100000"/>
             </a:avLst>
           </a:prstGeom>
           <a:ln w="38100">
@@ -24086,19 +24038,19 @@
           </p:cNvPr>
           <p:cNvCxnSpPr>
             <a:cxnSpLocks/>
-            <a:stCxn id="20" idx="1"/>
-            <a:endCxn id="28" idx="1"/>
+            <a:stCxn id="20" idx="3"/>
+            <a:endCxn id="28" idx="3"/>
           </p:cNvCxnSpPr>
           <p:nvPr/>
         </p:nvCxnSpPr>
         <p:spPr>
-          <a:xfrm rot="10800000" flipV="1">
-            <a:off x="2797026" y="2345019"/>
-            <a:ext cx="4" cy="2885856"/>
+          <a:xfrm flipH="1">
+            <a:off x="4701327" y="2345019"/>
+            <a:ext cx="4" cy="2883475"/>
           </a:xfrm>
           <a:prstGeom prst="bentConnector3">
             <a:avLst>
-              <a:gd name="adj1" fmla="val 5715100000"/>
+              <a:gd name="adj1" fmla="val -5715000000"/>
             </a:avLst>
           </a:prstGeom>
           <a:ln w="38100">
@@ -25421,7 +25373,7 @@
                   <a:schemeClr val="bg1"/>
                 </a:solidFill>
               </a:rPr>
-              <a:t>5. Database: Tag</a:t>
+              <a:t>5. Database: Category</a:t>
             </a:r>
             <a:endParaRPr lang="ko-KR" altLang="en-US" sz="3200" b="1" dirty="0">
               <a:solidFill>
@@ -25586,7 +25538,7 @@
                     <a:schemeClr val="tx1"/>
                   </a:solidFill>
                 </a:rPr>
-                <a:t>tag</a:t>
+                <a:t>category</a:t>
               </a:r>
               <a:endParaRPr lang="ko-KR" altLang="en-US" b="1" dirty="0">
                 <a:solidFill>
@@ -25663,7 +25615,7 @@
                   <a:schemeClr val="bg1"/>
                 </a:solidFill>
               </a:rPr>
-              <a:t>5. Database: Board-1</a:t>
+              <a:t>5. Database: Notice-1</a:t>
             </a:r>
             <a:endParaRPr lang="ko-KR" altLang="en-US" sz="3200" b="1" dirty="0">
               <a:solidFill>
@@ -25687,8 +25639,8 @@
         </p:nvSpPr>
         <p:spPr>
           <a:xfrm>
-            <a:off x="1374840" y="2896797"/>
-            <a:ext cx="4170522" cy="3176831"/>
+            <a:off x="1374840" y="2601522"/>
+            <a:ext cx="4170522" cy="3418278"/>
           </a:xfrm>
           <a:prstGeom prst="rect">
             <a:avLst/>
@@ -25904,33 +25856,96 @@
             </a:endParaRPr>
           </a:p>
           <a:p>
+            <a:r>
+              <a:rPr lang="en-US" altLang="ko-KR" b="1" dirty="0">
+                <a:solidFill>
+                  <a:srgbClr val="FF0000"/>
+                </a:solidFill>
+              </a:rPr>
+              <a:t>category1_id	//</a:t>
+            </a:r>
+            <a:r>
+              <a:rPr lang="ko-KR" altLang="en-US" b="1" dirty="0">
+                <a:solidFill>
+                  <a:srgbClr val="FF0000"/>
+                </a:solidFill>
+              </a:rPr>
+              <a:t> </a:t>
+            </a:r>
+            <a:r>
+              <a:rPr lang="en-US" altLang="ko-KR" b="1" dirty="0">
+                <a:solidFill>
+                  <a:srgbClr val="FF0000"/>
+                </a:solidFill>
+              </a:rPr>
+              <a:t>FK, 1</a:t>
+            </a:r>
+            <a:r>
+              <a:rPr lang="ko-KR" altLang="en-US" b="1" dirty="0">
+                <a:solidFill>
+                  <a:srgbClr val="FF0000"/>
+                </a:solidFill>
+              </a:rPr>
+              <a:t>차 태그</a:t>
+            </a:r>
             <a:endParaRPr lang="en-US" altLang="ko-KR" b="1" dirty="0">
               <a:solidFill>
+                <a:srgbClr val="FF0000"/>
+              </a:solidFill>
+            </a:endParaRPr>
+          </a:p>
+          <a:p>
+            <a:r>
+              <a:rPr lang="en-US" altLang="ko-KR" b="1" dirty="0">
+                <a:solidFill>
+                  <a:schemeClr val="tx1"/>
+                </a:solidFill>
+              </a:rPr>
+              <a:t>category2_id 	//</a:t>
+            </a:r>
+            <a:r>
+              <a:rPr lang="ko-KR" altLang="en-US" b="1" dirty="0">
+                <a:solidFill>
+                  <a:schemeClr val="tx1"/>
+                </a:solidFill>
+              </a:rPr>
+              <a:t> </a:t>
+            </a:r>
+            <a:r>
+              <a:rPr lang="en-US" altLang="ko-KR" b="1" dirty="0">
+                <a:solidFill>
+                  <a:schemeClr val="tx1"/>
+                </a:solidFill>
+              </a:rPr>
+              <a:t>FK, 2</a:t>
+            </a:r>
+            <a:r>
+              <a:rPr lang="ko-KR" altLang="en-US" b="1" dirty="0">
+                <a:solidFill>
+                  <a:schemeClr val="tx1"/>
+                </a:solidFill>
+              </a:rPr>
+              <a:t>차 태그</a:t>
+            </a:r>
+            <a:endParaRPr lang="en-US" altLang="ko-KR" b="1" dirty="0">
+              <a:solidFill>
                 <a:schemeClr val="tx1"/>
               </a:solidFill>
             </a:endParaRPr>
           </a:p>
           <a:p>
             <a:r>
-              <a:rPr lang="en-US" altLang="ko-KR" b="1" dirty="0" err="1">
-                <a:solidFill>
-                  <a:srgbClr val="FF0000"/>
-                </a:solidFill>
-              </a:rPr>
-              <a:t>tag_id</a:t>
-            </a:r>
-            <a:r>
               <a:rPr lang="en-US" altLang="ko-KR" b="1" dirty="0">
                 <a:solidFill>
-                  <a:srgbClr val="FF0000"/>
-                </a:solidFill>
-              </a:rPr>
-              <a:t>		//</a:t>
+                  <a:schemeClr val="tx1"/>
+                </a:solidFill>
+              </a:rPr>
+              <a:t>category3_id 	//</a:t>
             </a:r>
             <a:r>
               <a:rPr lang="ko-KR" altLang="en-US" b="1" dirty="0">
                 <a:solidFill>
-                  <a:srgbClr val="FF0000"/>
+                  <a:schemeClr val="tx1"/>
                 </a:solidFill>
               </a:rPr>
               <a:t> </a:t>
@@ -25938,22 +25953,22 @@
             <a:r>
               <a:rPr lang="en-US" altLang="ko-KR" b="1" dirty="0">
                 <a:solidFill>
-                  <a:srgbClr val="FF0000"/>
-                </a:solidFill>
-              </a:rPr>
-              <a:t>FK,</a:t>
+                  <a:schemeClr val="tx1"/>
+                </a:solidFill>
+              </a:rPr>
+              <a:t>FK, 3</a:t>
             </a:r>
             <a:r>
               <a:rPr lang="ko-KR" altLang="en-US" b="1" dirty="0">
                 <a:solidFill>
-                  <a:srgbClr val="FF0000"/>
-                </a:solidFill>
-              </a:rPr>
-              <a:t> 태그</a:t>
+                  <a:schemeClr val="tx1"/>
+                </a:solidFill>
+              </a:rPr>
+              <a:t>차 태그</a:t>
             </a:r>
             <a:endParaRPr lang="en-US" altLang="ko-KR" b="1" dirty="0">
               <a:solidFill>
-                <a:srgbClr val="FF0000"/>
+                <a:schemeClr val="tx1"/>
               </a:solidFill>
             </a:endParaRPr>
           </a:p>
@@ -26004,7 +26019,7 @@
         </p:nvSpPr>
         <p:spPr>
           <a:xfrm>
-            <a:off x="1374840" y="2451916"/>
+            <a:off x="1374840" y="2156641"/>
             <a:ext cx="4170522" cy="444881"/>
           </a:xfrm>
           <a:prstGeom prst="rect">
@@ -26044,7 +26059,7 @@
                   <a:schemeClr val="tx1"/>
                 </a:solidFill>
               </a:rPr>
-              <a:t>general_notice_board</a:t>
+              <a:t>normal_notice_board</a:t>
             </a:r>
             <a:endParaRPr lang="ko-KR" altLang="en-US" b="1" dirty="0">
               <a:solidFill>
@@ -26068,7 +26083,7 @@
         </p:nvSpPr>
         <p:spPr>
           <a:xfrm>
-            <a:off x="1374840" y="1633678"/>
+            <a:off x="1374840" y="1338403"/>
             <a:ext cx="4170522" cy="444881"/>
           </a:xfrm>
           <a:prstGeom prst="rect">
@@ -26127,8 +26142,8 @@
         </p:nvSpPr>
         <p:spPr>
           <a:xfrm>
-            <a:off x="6902107" y="2896797"/>
-            <a:ext cx="4170522" cy="3176831"/>
+            <a:off x="6902107" y="2601522"/>
+            <a:ext cx="4170522" cy="3418278"/>
           </a:xfrm>
           <a:prstGeom prst="rect">
             <a:avLst/>
@@ -26401,7 +26416,7 @@
         </p:nvSpPr>
         <p:spPr>
           <a:xfrm>
-            <a:off x="6902107" y="2451916"/>
+            <a:off x="6902107" y="2156641"/>
             <a:ext cx="4170522" cy="444881"/>
           </a:xfrm>
           <a:prstGeom prst="rect">
@@ -26441,7 +26456,7 @@
                   <a:schemeClr val="tx1"/>
                 </a:solidFill>
               </a:rPr>
-              <a:t>tag</a:t>
+              <a:t>category</a:t>
             </a:r>
             <a:endParaRPr lang="ko-KR" altLang="en-US" b="1" dirty="0">
               <a:solidFill>
@@ -26465,7 +26480,7 @@
         </p:nvSpPr>
         <p:spPr>
           <a:xfrm>
-            <a:off x="6902107" y="1633678"/>
+            <a:off x="6902107" y="1338403"/>
             <a:ext cx="4170522" cy="444881"/>
           </a:xfrm>
           <a:prstGeom prst="rect">
@@ -26505,7 +26520,7 @@
                   <a:schemeClr val="tx1"/>
                 </a:solidFill>
               </a:rPr>
-              <a:t>Tag Table</a:t>
+              <a:t>Category Table</a:t>
             </a:r>
             <a:endParaRPr lang="ko-KR" altLang="en-US" b="1" dirty="0">
               <a:solidFill>
@@ -26518,7 +26533,7 @@
     </p:spTree>
     <p:extLst>
       <p:ext uri="{BB962C8B-B14F-4D97-AF65-F5344CB8AC3E}">
-        <p14:creationId xmlns:p14="http://schemas.microsoft.com/office/powerpoint/2010/main" val="3823380788"/>
+        <p14:creationId xmlns:p14="http://schemas.microsoft.com/office/powerpoint/2010/main" val="2987679781"/>
       </p:ext>
     </p:extLst>
   </p:cSld>
@@ -26890,7 +26905,7 @@
                   <a:schemeClr val="bg1"/>
                 </a:solidFill>
               </a:rPr>
-              <a:t>5. Database: Board-2</a:t>
+              <a:t>5. Database: Notice-2</a:t>
             </a:r>
             <a:endParaRPr lang="ko-KR" altLang="en-US" sz="3200" b="1" dirty="0">
               <a:solidFill>
@@ -26914,8 +26929,8 @@
         </p:nvSpPr>
         <p:spPr>
           <a:xfrm>
-            <a:off x="1374840" y="2896797"/>
-            <a:ext cx="4170522" cy="3176831"/>
+            <a:off x="1374840" y="2601522"/>
+            <a:ext cx="4170522" cy="3418278"/>
           </a:xfrm>
           <a:prstGeom prst="rect">
             <a:avLst/>
@@ -27131,33 +27146,96 @@
             </a:endParaRPr>
           </a:p>
           <a:p>
+            <a:r>
+              <a:rPr lang="en-US" altLang="ko-KR" b="1" dirty="0">
+                <a:solidFill>
+                  <a:srgbClr val="FF0000"/>
+                </a:solidFill>
+              </a:rPr>
+              <a:t>category1_id	//</a:t>
+            </a:r>
+            <a:r>
+              <a:rPr lang="ko-KR" altLang="en-US" b="1" dirty="0">
+                <a:solidFill>
+                  <a:srgbClr val="FF0000"/>
+                </a:solidFill>
+              </a:rPr>
+              <a:t> </a:t>
+            </a:r>
+            <a:r>
+              <a:rPr lang="en-US" altLang="ko-KR" b="1" dirty="0">
+                <a:solidFill>
+                  <a:srgbClr val="FF0000"/>
+                </a:solidFill>
+              </a:rPr>
+              <a:t>FK, 1</a:t>
+            </a:r>
+            <a:r>
+              <a:rPr lang="ko-KR" altLang="en-US" b="1" dirty="0">
+                <a:solidFill>
+                  <a:srgbClr val="FF0000"/>
+                </a:solidFill>
+              </a:rPr>
+              <a:t>차 태그</a:t>
+            </a:r>
             <a:endParaRPr lang="en-US" altLang="ko-KR" b="1" dirty="0">
               <a:solidFill>
+                <a:srgbClr val="FF0000"/>
+              </a:solidFill>
+            </a:endParaRPr>
+          </a:p>
+          <a:p>
+            <a:r>
+              <a:rPr lang="en-US" altLang="ko-KR" b="1" dirty="0">
+                <a:solidFill>
+                  <a:schemeClr val="tx1"/>
+                </a:solidFill>
+              </a:rPr>
+              <a:t>category2_id 	//</a:t>
+            </a:r>
+            <a:r>
+              <a:rPr lang="ko-KR" altLang="en-US" b="1" dirty="0">
+                <a:solidFill>
+                  <a:schemeClr val="tx1"/>
+                </a:solidFill>
+              </a:rPr>
+              <a:t> </a:t>
+            </a:r>
+            <a:r>
+              <a:rPr lang="en-US" altLang="ko-KR" b="1" dirty="0">
+                <a:solidFill>
+                  <a:schemeClr val="tx1"/>
+                </a:solidFill>
+              </a:rPr>
+              <a:t>FK, 2</a:t>
+            </a:r>
+            <a:r>
+              <a:rPr lang="ko-KR" altLang="en-US" b="1" dirty="0">
+                <a:solidFill>
+                  <a:schemeClr val="tx1"/>
+                </a:solidFill>
+              </a:rPr>
+              <a:t>차 태그</a:t>
+            </a:r>
+            <a:endParaRPr lang="en-US" altLang="ko-KR" b="1" dirty="0">
+              <a:solidFill>
                 <a:schemeClr val="tx1"/>
               </a:solidFill>
             </a:endParaRPr>
           </a:p>
           <a:p>
             <a:r>
-              <a:rPr lang="en-US" altLang="ko-KR" b="1" dirty="0" err="1">
-                <a:solidFill>
-                  <a:srgbClr val="FF0000"/>
-                </a:solidFill>
-              </a:rPr>
-              <a:t>tag_id</a:t>
-            </a:r>
-            <a:r>
               <a:rPr lang="en-US" altLang="ko-KR" b="1" dirty="0">
                 <a:solidFill>
-                  <a:srgbClr val="FF0000"/>
-                </a:solidFill>
-              </a:rPr>
-              <a:t>		//</a:t>
+                  <a:schemeClr val="tx1"/>
+                </a:solidFill>
+              </a:rPr>
+              <a:t>category3_id 	//</a:t>
             </a:r>
             <a:r>
               <a:rPr lang="ko-KR" altLang="en-US" b="1" dirty="0">
                 <a:solidFill>
-                  <a:srgbClr val="FF0000"/>
+                  <a:schemeClr val="tx1"/>
                 </a:solidFill>
               </a:rPr>
               <a:t> </a:t>
@@ -27165,22 +27243,22 @@
             <a:r>
               <a:rPr lang="en-US" altLang="ko-KR" b="1" dirty="0">
                 <a:solidFill>
-                  <a:srgbClr val="FF0000"/>
-                </a:solidFill>
-              </a:rPr>
-              <a:t>FK,</a:t>
+                  <a:schemeClr val="tx1"/>
+                </a:solidFill>
+              </a:rPr>
+              <a:t>FK, 3</a:t>
             </a:r>
             <a:r>
               <a:rPr lang="ko-KR" altLang="en-US" b="1" dirty="0">
                 <a:solidFill>
-                  <a:srgbClr val="FF0000"/>
-                </a:solidFill>
-              </a:rPr>
-              <a:t> 태그</a:t>
+                  <a:schemeClr val="tx1"/>
+                </a:solidFill>
+              </a:rPr>
+              <a:t>차 태그</a:t>
             </a:r>
             <a:endParaRPr lang="en-US" altLang="ko-KR" b="1" dirty="0">
               <a:solidFill>
-                <a:srgbClr val="FF0000"/>
+                <a:schemeClr val="tx1"/>
               </a:solidFill>
             </a:endParaRPr>
           </a:p>
@@ -27231,7 +27309,7 @@
         </p:nvSpPr>
         <p:spPr>
           <a:xfrm>
-            <a:off x="1374840" y="2451916"/>
+            <a:off x="1374840" y="2156641"/>
             <a:ext cx="4170522" cy="444881"/>
           </a:xfrm>
           <a:prstGeom prst="rect">
@@ -27295,7 +27373,7 @@
         </p:nvSpPr>
         <p:spPr>
           <a:xfrm>
-            <a:off x="1374840" y="1633678"/>
+            <a:off x="1374840" y="1338403"/>
             <a:ext cx="4170522" cy="444881"/>
           </a:xfrm>
           <a:prstGeom prst="rect">
@@ -27354,8 +27432,8 @@
         </p:nvSpPr>
         <p:spPr>
           <a:xfrm>
-            <a:off x="6902107" y="2896797"/>
-            <a:ext cx="4170522" cy="3176831"/>
+            <a:off x="6902107" y="2601522"/>
+            <a:ext cx="4170522" cy="3418278"/>
           </a:xfrm>
           <a:prstGeom prst="rect">
             <a:avLst/>
@@ -27628,7 +27706,7 @@
         </p:nvSpPr>
         <p:spPr>
           <a:xfrm>
-            <a:off x="6902107" y="2451916"/>
+            <a:off x="6902107" y="2156641"/>
             <a:ext cx="4170522" cy="444881"/>
           </a:xfrm>
           <a:prstGeom prst="rect">
@@ -27668,7 +27746,7 @@
                   <a:schemeClr val="tx1"/>
                 </a:solidFill>
               </a:rPr>
-              <a:t>tag</a:t>
+              <a:t>category</a:t>
             </a:r>
             <a:endParaRPr lang="ko-KR" altLang="en-US" b="1" dirty="0">
               <a:solidFill>
@@ -27692,7 +27770,7 @@
         </p:nvSpPr>
         <p:spPr>
           <a:xfrm>
-            <a:off x="6902107" y="1633678"/>
+            <a:off x="6902107" y="1338403"/>
             <a:ext cx="4170522" cy="444881"/>
           </a:xfrm>
           <a:prstGeom prst="rect">
@@ -27732,7 +27810,7 @@
                   <a:schemeClr val="tx1"/>
                 </a:solidFill>
               </a:rPr>
-              <a:t>Tag Table</a:t>
+              <a:t>Category Table</a:t>
             </a:r>
             <a:endParaRPr lang="ko-KR" altLang="en-US" b="1" dirty="0">
               <a:solidFill>
@@ -27745,7 +27823,7 @@
     </p:spTree>
     <p:extLst>
       <p:ext uri="{BB962C8B-B14F-4D97-AF65-F5344CB8AC3E}">
-        <p14:creationId xmlns:p14="http://schemas.microsoft.com/office/powerpoint/2010/main" val="1391408320"/>
+        <p14:creationId xmlns:p14="http://schemas.microsoft.com/office/powerpoint/2010/main" val="3117130620"/>
       </p:ext>
     </p:extLst>
   </p:cSld>
@@ -27808,7 +27886,7 @@
                   <a:schemeClr val="bg1"/>
                 </a:solidFill>
               </a:rPr>
-              <a:t>5. Database: Board-3</a:t>
+              <a:t>5. Database: Notice-3</a:t>
             </a:r>
             <a:endParaRPr lang="ko-KR" altLang="en-US" sz="3200" b="1" dirty="0">
               <a:solidFill>
@@ -28055,7 +28133,7 @@
                   <a:srgbClr val="FF0000"/>
                 </a:solidFill>
               </a:rPr>
-              <a:t>tag1_id		//</a:t>
+              <a:t>category1_id	//</a:t>
             </a:r>
             <a:r>
               <a:rPr lang="ko-KR" altLang="en-US" b="1" dirty="0">
@@ -28091,15 +28169,15 @@
             <a:r>
               <a:rPr lang="en-US" altLang="ko-KR" b="1" dirty="0">
                 <a:solidFill>
-                  <a:srgbClr val="FF0000"/>
-                </a:solidFill>
-              </a:rPr>
-              <a:t>tag2_id		//</a:t>
+                  <a:schemeClr val="tx1"/>
+                </a:solidFill>
+              </a:rPr>
+              <a:t>category2_id 	//</a:t>
             </a:r>
             <a:r>
               <a:rPr lang="ko-KR" altLang="en-US" b="1" dirty="0">
                 <a:solidFill>
-                  <a:srgbClr val="FF0000"/>
+                  <a:schemeClr val="tx1"/>
                 </a:solidFill>
               </a:rPr>
               <a:t> </a:t>
@@ -28107,7 +28185,7 @@
             <a:r>
               <a:rPr lang="en-US" altLang="ko-KR" b="1" dirty="0">
                 <a:solidFill>
-                  <a:srgbClr val="FF0000"/>
+                  <a:schemeClr val="tx1"/>
                 </a:solidFill>
               </a:rPr>
               <a:t>FK, 2</a:t>
@@ -28115,14 +28193,14 @@
             <a:r>
               <a:rPr lang="ko-KR" altLang="en-US" b="1" dirty="0">
                 <a:solidFill>
-                  <a:srgbClr val="FF0000"/>
+                  <a:schemeClr val="tx1"/>
                 </a:solidFill>
               </a:rPr>
               <a:t>차 태그</a:t>
             </a:r>
             <a:endParaRPr lang="en-US" altLang="ko-KR" b="1" dirty="0">
               <a:solidFill>
-                <a:srgbClr val="FF0000"/>
+                <a:schemeClr val="tx1"/>
               </a:solidFill>
             </a:endParaRPr>
           </a:p>
@@ -28130,15 +28208,15 @@
             <a:r>
               <a:rPr lang="en-US" altLang="ko-KR" b="1" dirty="0">
                 <a:solidFill>
-                  <a:srgbClr val="FF0000"/>
-                </a:solidFill>
-              </a:rPr>
-              <a:t>tag3_id		//</a:t>
+                  <a:schemeClr val="tx1"/>
+                </a:solidFill>
+              </a:rPr>
+              <a:t>category3_id 	//</a:t>
             </a:r>
             <a:r>
               <a:rPr lang="ko-KR" altLang="en-US" b="1" dirty="0">
                 <a:solidFill>
-                  <a:srgbClr val="FF0000"/>
+                  <a:schemeClr val="tx1"/>
                 </a:solidFill>
               </a:rPr>
               <a:t> </a:t>
@@ -28146,7 +28224,7 @@
             <a:r>
               <a:rPr lang="en-US" altLang="ko-KR" b="1" dirty="0">
                 <a:solidFill>
-                  <a:srgbClr val="FF0000"/>
+                  <a:schemeClr val="tx1"/>
                 </a:solidFill>
               </a:rPr>
               <a:t>FK, 3</a:t>
@@ -28154,14 +28232,14 @@
             <a:r>
               <a:rPr lang="ko-KR" altLang="en-US" b="1" dirty="0">
                 <a:solidFill>
-                  <a:srgbClr val="FF0000"/>
+                  <a:schemeClr val="tx1"/>
                 </a:solidFill>
               </a:rPr>
               <a:t>차 태그</a:t>
             </a:r>
             <a:endParaRPr lang="en-US" altLang="ko-KR" b="1" dirty="0">
               <a:solidFill>
-                <a:srgbClr val="FF0000"/>
+                <a:schemeClr val="tx1"/>
               </a:solidFill>
             </a:endParaRPr>
           </a:p>
@@ -28318,22 +28396,6 @@
               </a:rPr>
               <a:t>연구 공지사항</a:t>
             </a:r>
-            <a:r>
-              <a:rPr lang="en-US" altLang="ko-KR" b="1" dirty="0">
-                <a:solidFill>
-                  <a:schemeClr val="tx1"/>
-                </a:solidFill>
-              </a:rPr>
-              <a:t>/</a:t>
-            </a:r>
-            <a:r>
-              <a:rPr lang="ko-KR" altLang="en-US" b="1" dirty="0">
-                <a:solidFill>
-                  <a:schemeClr val="tx1"/>
-                </a:solidFill>
-              </a:rPr>
-              <a:t>공지 게시판</a:t>
-            </a:r>
           </a:p>
         </p:txBody>
       </p:sp>
@@ -28466,7 +28528,7 @@
             <a:r>
               <a:rPr lang="en-US" altLang="ko-KR" b="1" dirty="0">
                 <a:solidFill>
-                  <a:srgbClr val="FF0000"/>
+                  <a:schemeClr val="tx1"/>
                 </a:solidFill>
               </a:rPr>
               <a:t>4		</a:t>
@@ -28474,14 +28536,14 @@
             <a:r>
               <a:rPr lang="ko-KR" altLang="en-US" b="1" dirty="0">
                 <a:solidFill>
-                  <a:srgbClr val="FF0000"/>
+                  <a:schemeClr val="tx1"/>
                 </a:solidFill>
               </a:rPr>
               <a:t>공지</a:t>
             </a:r>
             <a:endParaRPr lang="en-US" altLang="ko-KR" b="1" dirty="0">
               <a:solidFill>
-                <a:srgbClr val="FF0000"/>
+                <a:schemeClr val="tx1"/>
               </a:solidFill>
             </a:endParaRPr>
           </a:p>
@@ -28535,7 +28597,7 @@
             <a:r>
               <a:rPr lang="en-US" altLang="ko-KR" b="1" dirty="0">
                 <a:solidFill>
-                  <a:srgbClr val="FF0000"/>
+                  <a:schemeClr val="tx1"/>
                 </a:solidFill>
               </a:rPr>
               <a:t>7		</a:t>
@@ -28543,7 +28605,7 @@
             <a:r>
               <a:rPr lang="ko-KR" altLang="en-US" b="1" dirty="0">
                 <a:solidFill>
-                  <a:srgbClr val="FF0000"/>
+                  <a:schemeClr val="tx1"/>
                 </a:solidFill>
               </a:rPr>
               <a:t>프로젝트</a:t>
@@ -28551,7 +28613,7 @@
             <a:r>
               <a:rPr lang="en-US" altLang="ko-KR" b="1" dirty="0">
                 <a:solidFill>
-                  <a:srgbClr val="FF0000"/>
+                  <a:schemeClr val="tx1"/>
                 </a:solidFill>
               </a:rPr>
               <a:t>1</a:t>
@@ -28665,7 +28727,7 @@
                   <a:schemeClr val="tx1"/>
                 </a:solidFill>
               </a:rPr>
-              <a:t>tag</a:t>
+              <a:t>category</a:t>
             </a:r>
             <a:endParaRPr lang="ko-KR" altLang="en-US" b="1" dirty="0">
               <a:solidFill>
@@ -28729,7 +28791,7 @@
                   <a:schemeClr val="tx1"/>
                 </a:solidFill>
               </a:rPr>
-              <a:t>Tag Table</a:t>
+              <a:t>Category Table</a:t>
             </a:r>
             <a:endParaRPr lang="ko-KR" altLang="en-US" b="1" dirty="0">
               <a:solidFill>
@@ -28805,7 +28867,7 @@
                   <a:schemeClr val="bg1"/>
                 </a:solidFill>
               </a:rPr>
-              <a:t>5. Database: Board-4</a:t>
+              <a:t>5. Database: Board-1</a:t>
             </a:r>
             <a:endParaRPr lang="ko-KR" altLang="en-US" sz="3200" b="1" dirty="0">
               <a:solidFill>
@@ -28829,8 +28891,8 @@
         </p:nvSpPr>
         <p:spPr>
           <a:xfrm>
-            <a:off x="1374840" y="2896797"/>
-            <a:ext cx="4170522" cy="3176831"/>
+            <a:off x="1374840" y="2601522"/>
+            <a:ext cx="4170522" cy="3418278"/>
           </a:xfrm>
           <a:prstGeom prst="rect">
             <a:avLst/>
@@ -29049,10 +29111,49 @@
             <a:r>
               <a:rPr lang="en-US" altLang="ko-KR" b="1" dirty="0">
                 <a:solidFill>
+                  <a:schemeClr val="tx1"/>
+                </a:solidFill>
+              </a:rPr>
+              <a:t>category1_id	//</a:t>
+            </a:r>
+            <a:r>
+              <a:rPr lang="ko-KR" altLang="en-US" b="1" dirty="0">
+                <a:solidFill>
+                  <a:schemeClr val="tx1"/>
+                </a:solidFill>
+              </a:rPr>
+              <a:t> </a:t>
+            </a:r>
+            <a:r>
+              <a:rPr lang="en-US" altLang="ko-KR" b="1" dirty="0">
+                <a:solidFill>
+                  <a:schemeClr val="tx1"/>
+                </a:solidFill>
+              </a:rPr>
+              <a:t>FK, 1</a:t>
+            </a:r>
+            <a:r>
+              <a:rPr lang="ko-KR" altLang="en-US" b="1" dirty="0">
+                <a:solidFill>
+                  <a:schemeClr val="tx1"/>
+                </a:solidFill>
+              </a:rPr>
+              <a:t>차 태그</a:t>
+            </a:r>
+            <a:endParaRPr lang="en-US" altLang="ko-KR" b="1" dirty="0">
+              <a:solidFill>
+                <a:schemeClr val="tx1"/>
+              </a:solidFill>
+            </a:endParaRPr>
+          </a:p>
+          <a:p>
+            <a:r>
+              <a:rPr lang="en-US" altLang="ko-KR" b="1" dirty="0">
+                <a:solidFill>
                   <a:srgbClr val="FF0000"/>
                 </a:solidFill>
               </a:rPr>
-              <a:t>tag1_id		//</a:t>
+              <a:t>category2_id 	//</a:t>
             </a:r>
             <a:r>
               <a:rPr lang="ko-KR" altLang="en-US" b="1" dirty="0">
@@ -29068,7 +29169,7 @@
                   <a:srgbClr val="FF0000"/>
                 </a:solidFill>
               </a:rPr>
-              <a:t>FK, 1</a:t>
+              <a:t>FK, 2</a:t>
             </a:r>
             <a:r>
               <a:rPr lang="ko-KR" altLang="en-US" b="1" dirty="0">
@@ -29091,7 +29192,7 @@
                   <a:srgbClr val="FF0000"/>
                 </a:solidFill>
               </a:rPr>
-              <a:t>tag2_id		//</a:t>
+              <a:t>category3_id 	//</a:t>
             </a:r>
             <a:r>
               <a:rPr lang="ko-KR" altLang="en-US" b="1" dirty="0">
@@ -29107,7 +29208,7 @@
                   <a:srgbClr val="FF0000"/>
                 </a:solidFill>
               </a:rPr>
-              <a:t>FK, 2</a:t>
+              <a:t>FK, 3</a:t>
             </a:r>
             <a:r>
               <a:rPr lang="ko-KR" altLang="en-US" b="1" dirty="0">
@@ -29170,7 +29271,7 @@
         </p:nvSpPr>
         <p:spPr>
           <a:xfrm>
-            <a:off x="1374840" y="2451916"/>
+            <a:off x="1374840" y="2156641"/>
             <a:ext cx="4170522" cy="444881"/>
           </a:xfrm>
           <a:prstGeom prst="rect">
@@ -29210,7 +29311,7 @@
                   <a:schemeClr val="tx1"/>
                 </a:solidFill>
               </a:rPr>
-              <a:t>paper_board</a:t>
+              <a:t>notice_board</a:t>
             </a:r>
             <a:endParaRPr lang="ko-KR" altLang="en-US" b="1" dirty="0">
               <a:solidFill>
@@ -29234,7 +29335,7 @@
         </p:nvSpPr>
         <p:spPr>
           <a:xfrm>
-            <a:off x="1374840" y="1633678"/>
+            <a:off x="1374840" y="1338403"/>
             <a:ext cx="4170522" cy="444881"/>
           </a:xfrm>
           <a:prstGeom prst="rect">
@@ -29274,7 +29375,7 @@
                   <a:schemeClr val="tx1"/>
                 </a:solidFill>
               </a:rPr>
-              <a:t>논문 게시판</a:t>
+              <a:t>공지 게시판</a:t>
             </a:r>
           </a:p>
         </p:txBody>
@@ -29293,8 +29394,8 @@
         </p:nvSpPr>
         <p:spPr>
           <a:xfrm>
-            <a:off x="6902107" y="2896797"/>
-            <a:ext cx="4170522" cy="3176831"/>
+            <a:off x="6902107" y="2601522"/>
+            <a:ext cx="4170522" cy="3418278"/>
           </a:xfrm>
           <a:prstGeom prst="rect">
             <a:avLst/>
@@ -29408,7 +29509,7 @@
             <a:r>
               <a:rPr lang="en-US" altLang="ko-KR" b="1" dirty="0">
                 <a:solidFill>
-                  <a:schemeClr val="tx1"/>
+                  <a:srgbClr val="FF0000"/>
                 </a:solidFill>
               </a:rPr>
               <a:t>4		</a:t>
@@ -29416,37 +29517,37 @@
             <a:r>
               <a:rPr lang="ko-KR" altLang="en-US" b="1" dirty="0">
                 <a:solidFill>
-                  <a:schemeClr val="tx1"/>
+                  <a:srgbClr val="FF0000"/>
                 </a:solidFill>
               </a:rPr>
               <a:t>공지</a:t>
             </a:r>
             <a:endParaRPr lang="en-US" altLang="ko-KR" b="1" dirty="0">
               <a:solidFill>
+                <a:srgbClr val="FF0000"/>
+              </a:solidFill>
+            </a:endParaRPr>
+          </a:p>
+          <a:p>
+            <a:r>
+              <a:rPr lang="en-US" altLang="ko-KR" b="1" dirty="0">
+                <a:solidFill>
+                  <a:schemeClr val="tx1"/>
+                </a:solidFill>
+              </a:rPr>
+              <a:t>5		</a:t>
+            </a:r>
+            <a:r>
+              <a:rPr lang="ko-KR" altLang="en-US" b="1" dirty="0">
+                <a:solidFill>
+                  <a:schemeClr val="tx1"/>
+                </a:solidFill>
+              </a:rPr>
+              <a:t>논문</a:t>
+            </a:r>
+            <a:endParaRPr lang="en-US" altLang="ko-KR" b="1" dirty="0">
+              <a:solidFill>
                 <a:schemeClr val="tx1"/>
-              </a:solidFill>
-            </a:endParaRPr>
-          </a:p>
-          <a:p>
-            <a:r>
-              <a:rPr lang="en-US" altLang="ko-KR" b="1" dirty="0">
-                <a:solidFill>
-                  <a:srgbClr val="FF0000"/>
-                </a:solidFill>
-              </a:rPr>
-              <a:t>5		</a:t>
-            </a:r>
-            <a:r>
-              <a:rPr lang="ko-KR" altLang="en-US" b="1" dirty="0">
-                <a:solidFill>
-                  <a:srgbClr val="FF0000"/>
-                </a:solidFill>
-              </a:rPr>
-              <a:t>논문</a:t>
-            </a:r>
-            <a:endParaRPr lang="en-US" altLang="ko-KR" b="1" dirty="0">
-              <a:solidFill>
-                <a:srgbClr val="FF0000"/>
               </a:solidFill>
             </a:endParaRPr>
           </a:p>
@@ -29567,7 +29668,7 @@
         </p:nvSpPr>
         <p:spPr>
           <a:xfrm>
-            <a:off x="6902107" y="2451916"/>
+            <a:off x="6902107" y="2156641"/>
             <a:ext cx="4170522" cy="444881"/>
           </a:xfrm>
           <a:prstGeom prst="rect">
@@ -29607,7 +29708,7 @@
                   <a:schemeClr val="tx1"/>
                 </a:solidFill>
               </a:rPr>
-              <a:t>tag</a:t>
+              <a:t>category</a:t>
             </a:r>
             <a:endParaRPr lang="ko-KR" altLang="en-US" b="1" dirty="0">
               <a:solidFill>
@@ -29631,7 +29732,7 @@
         </p:nvSpPr>
         <p:spPr>
           <a:xfrm>
-            <a:off x="6902107" y="1633678"/>
+            <a:off x="6902107" y="1338403"/>
             <a:ext cx="4170522" cy="444881"/>
           </a:xfrm>
           <a:prstGeom prst="rect">
@@ -29671,7 +29772,7 @@
                   <a:schemeClr val="tx1"/>
                 </a:solidFill>
               </a:rPr>
-              <a:t>Tag Table</a:t>
+              <a:t>Category Table</a:t>
             </a:r>
             <a:endParaRPr lang="ko-KR" altLang="en-US" b="1" dirty="0">
               <a:solidFill>
@@ -29684,7 +29785,7 @@
     </p:spTree>
     <p:extLst>
       <p:ext uri="{BB962C8B-B14F-4D97-AF65-F5344CB8AC3E}">
-        <p14:creationId xmlns:p14="http://schemas.microsoft.com/office/powerpoint/2010/main" val="675025458"/>
+        <p14:creationId xmlns:p14="http://schemas.microsoft.com/office/powerpoint/2010/main" val="4096409792"/>
       </p:ext>
     </p:extLst>
   </p:cSld>
@@ -29747,7 +29848,7 @@
                   <a:schemeClr val="bg1"/>
                 </a:solidFill>
               </a:rPr>
-              <a:t>5. Database: Board-5</a:t>
+              <a:t>5. Database: Board-2</a:t>
             </a:r>
             <a:endParaRPr lang="ko-KR" altLang="en-US" sz="3200" b="1" dirty="0">
               <a:solidFill>
@@ -29771,8 +29872,8 @@
         </p:nvSpPr>
         <p:spPr>
           <a:xfrm>
-            <a:off x="1374840" y="2896797"/>
-            <a:ext cx="4170522" cy="3176831"/>
+            <a:off x="1374840" y="2601522"/>
+            <a:ext cx="4170522" cy="3418278"/>
           </a:xfrm>
           <a:prstGeom prst="rect">
             <a:avLst/>
@@ -29991,10 +30092,49 @@
             <a:r>
               <a:rPr lang="en-US" altLang="ko-KR" b="1" dirty="0">
                 <a:solidFill>
+                  <a:schemeClr val="tx1"/>
+                </a:solidFill>
+              </a:rPr>
+              <a:t>category1_id	//</a:t>
+            </a:r>
+            <a:r>
+              <a:rPr lang="ko-KR" altLang="en-US" b="1" dirty="0">
+                <a:solidFill>
+                  <a:schemeClr val="tx1"/>
+                </a:solidFill>
+              </a:rPr>
+              <a:t> </a:t>
+            </a:r>
+            <a:r>
+              <a:rPr lang="en-US" altLang="ko-KR" b="1" dirty="0">
+                <a:solidFill>
+                  <a:schemeClr val="tx1"/>
+                </a:solidFill>
+              </a:rPr>
+              <a:t>FK, 1</a:t>
+            </a:r>
+            <a:r>
+              <a:rPr lang="ko-KR" altLang="en-US" b="1" dirty="0">
+                <a:solidFill>
+                  <a:schemeClr val="tx1"/>
+                </a:solidFill>
+              </a:rPr>
+              <a:t>차 태그</a:t>
+            </a:r>
+            <a:endParaRPr lang="en-US" altLang="ko-KR" b="1" dirty="0">
+              <a:solidFill>
+                <a:schemeClr val="tx1"/>
+              </a:solidFill>
+            </a:endParaRPr>
+          </a:p>
+          <a:p>
+            <a:r>
+              <a:rPr lang="en-US" altLang="ko-KR" b="1" dirty="0">
+                <a:solidFill>
                   <a:srgbClr val="FF0000"/>
                 </a:solidFill>
               </a:rPr>
-              <a:t>tag1_id		//</a:t>
+              <a:t>category2_id 	//</a:t>
             </a:r>
             <a:r>
               <a:rPr lang="ko-KR" altLang="en-US" b="1" dirty="0">
@@ -30010,7 +30150,7 @@
                   <a:srgbClr val="FF0000"/>
                 </a:solidFill>
               </a:rPr>
-              <a:t>FK, 1</a:t>
+              <a:t>FK, 2</a:t>
             </a:r>
             <a:r>
               <a:rPr lang="ko-KR" altLang="en-US" b="1" dirty="0">
@@ -30033,7 +30173,7 @@
                   <a:srgbClr val="FF0000"/>
                 </a:solidFill>
               </a:rPr>
-              <a:t>tag2_id		//</a:t>
+              <a:t>category3_id 	//</a:t>
             </a:r>
             <a:r>
               <a:rPr lang="ko-KR" altLang="en-US" b="1" dirty="0">
@@ -30049,7 +30189,7 @@
                   <a:srgbClr val="FF0000"/>
                 </a:solidFill>
               </a:rPr>
-              <a:t>FK, 2</a:t>
+              <a:t>FK, 3</a:t>
             </a:r>
             <a:r>
               <a:rPr lang="ko-KR" altLang="en-US" b="1" dirty="0">
@@ -30112,7 +30252,7 @@
         </p:nvSpPr>
         <p:spPr>
           <a:xfrm>
-            <a:off x="1374840" y="2451916"/>
+            <a:off x="1374840" y="2156641"/>
             <a:ext cx="4170522" cy="444881"/>
           </a:xfrm>
           <a:prstGeom prst="rect">
@@ -30152,7 +30292,7 @@
                   <a:schemeClr val="tx1"/>
                 </a:solidFill>
               </a:rPr>
-              <a:t>material_board</a:t>
+              <a:t>paper_board</a:t>
             </a:r>
             <a:endParaRPr lang="ko-KR" altLang="en-US" b="1" dirty="0">
               <a:solidFill>
@@ -30176,7 +30316,7 @@
         </p:nvSpPr>
         <p:spPr>
           <a:xfrm>
-            <a:off x="1374840" y="1633678"/>
+            <a:off x="1374840" y="1338403"/>
             <a:ext cx="4170522" cy="444881"/>
           </a:xfrm>
           <a:prstGeom prst="rect">
@@ -30216,7 +30356,7 @@
                   <a:schemeClr val="tx1"/>
                 </a:solidFill>
               </a:rPr>
-              <a:t>자료 게시판</a:t>
+              <a:t>논문 게시판</a:t>
             </a:r>
           </a:p>
         </p:txBody>
@@ -30235,8 +30375,8 @@
         </p:nvSpPr>
         <p:spPr>
           <a:xfrm>
-            <a:off x="6902107" y="2896797"/>
-            <a:ext cx="4170522" cy="3176831"/>
+            <a:off x="6902107" y="2601522"/>
+            <a:ext cx="4170522" cy="3418278"/>
           </a:xfrm>
           <a:prstGeom prst="rect">
             <a:avLst/>
@@ -30373,7 +30513,7 @@
             <a:r>
               <a:rPr lang="en-US" altLang="ko-KR" b="1" dirty="0">
                 <a:solidFill>
-                  <a:schemeClr val="tx1"/>
+                  <a:srgbClr val="FF0000"/>
                 </a:solidFill>
               </a:rPr>
               <a:t>5		</a:t>
@@ -30381,37 +30521,37 @@
             <a:r>
               <a:rPr lang="ko-KR" altLang="en-US" b="1" dirty="0">
                 <a:solidFill>
-                  <a:schemeClr val="tx1"/>
+                  <a:srgbClr val="FF0000"/>
                 </a:solidFill>
               </a:rPr>
               <a:t>논문</a:t>
             </a:r>
             <a:endParaRPr lang="en-US" altLang="ko-KR" b="1" dirty="0">
               <a:solidFill>
+                <a:srgbClr val="FF0000"/>
+              </a:solidFill>
+            </a:endParaRPr>
+          </a:p>
+          <a:p>
+            <a:r>
+              <a:rPr lang="en-US" altLang="ko-KR" b="1" dirty="0">
+                <a:solidFill>
+                  <a:schemeClr val="tx1"/>
+                </a:solidFill>
+              </a:rPr>
+              <a:t>6		</a:t>
+            </a:r>
+            <a:r>
+              <a:rPr lang="ko-KR" altLang="en-US" b="1" dirty="0">
+                <a:solidFill>
+                  <a:schemeClr val="tx1"/>
+                </a:solidFill>
+              </a:rPr>
+              <a:t>자료</a:t>
+            </a:r>
+            <a:endParaRPr lang="en-US" altLang="ko-KR" b="1" dirty="0">
+              <a:solidFill>
                 <a:schemeClr val="tx1"/>
-              </a:solidFill>
-            </a:endParaRPr>
-          </a:p>
-          <a:p>
-            <a:r>
-              <a:rPr lang="en-US" altLang="ko-KR" b="1" dirty="0">
-                <a:solidFill>
-                  <a:srgbClr val="FF0000"/>
-                </a:solidFill>
-              </a:rPr>
-              <a:t>6		</a:t>
-            </a:r>
-            <a:r>
-              <a:rPr lang="ko-KR" altLang="en-US" b="1" dirty="0">
-                <a:solidFill>
-                  <a:srgbClr val="FF0000"/>
-                </a:solidFill>
-              </a:rPr>
-              <a:t>자료</a:t>
-            </a:r>
-            <a:endParaRPr lang="en-US" altLang="ko-KR" b="1" dirty="0">
-              <a:solidFill>
-                <a:srgbClr val="FF0000"/>
               </a:solidFill>
             </a:endParaRPr>
           </a:p>
@@ -30509,7 +30649,7 @@
         </p:nvSpPr>
         <p:spPr>
           <a:xfrm>
-            <a:off x="6902107" y="2451916"/>
+            <a:off x="6902107" y="2156641"/>
             <a:ext cx="4170522" cy="444881"/>
           </a:xfrm>
           <a:prstGeom prst="rect">
@@ -30549,7 +30689,7 @@
                   <a:schemeClr val="tx1"/>
                 </a:solidFill>
               </a:rPr>
-              <a:t>tag</a:t>
+              <a:t>category</a:t>
             </a:r>
             <a:endParaRPr lang="ko-KR" altLang="en-US" b="1" dirty="0">
               <a:solidFill>
@@ -30573,7 +30713,7 @@
         </p:nvSpPr>
         <p:spPr>
           <a:xfrm>
-            <a:off x="6902107" y="1633678"/>
+            <a:off x="6902107" y="1338403"/>
             <a:ext cx="4170522" cy="444881"/>
           </a:xfrm>
           <a:prstGeom prst="rect">
@@ -30613,7 +30753,7 @@
                   <a:schemeClr val="tx1"/>
                 </a:solidFill>
               </a:rPr>
-              <a:t>Tag Table</a:t>
+              <a:t>Category Table</a:t>
             </a:r>
             <a:endParaRPr lang="ko-KR" altLang="en-US" b="1" dirty="0">
               <a:solidFill>
@@ -30626,7 +30766,7 @@
     </p:spTree>
     <p:extLst>
       <p:ext uri="{BB962C8B-B14F-4D97-AF65-F5344CB8AC3E}">
-        <p14:creationId xmlns:p14="http://schemas.microsoft.com/office/powerpoint/2010/main" val="2027844188"/>
+        <p14:creationId xmlns:p14="http://schemas.microsoft.com/office/powerpoint/2010/main" val="3207040113"/>
       </p:ext>
     </p:extLst>
   </p:cSld>
@@ -30637,85 +30777,6 @@
 </file>
 
 <file path=ppt/slides/slide34.xml><?xml version="1.0" encoding="utf-8"?>
-<p:sld xmlns:a="http://schemas.openxmlformats.org/drawingml/2006/main" xmlns:r="http://schemas.openxmlformats.org/officeDocument/2006/relationships" xmlns:p="http://schemas.openxmlformats.org/presentationml/2006/main">
-  <p:cSld>
-    <p:spTree>
-      <p:nvGrpSpPr>
-        <p:cNvPr id="1" name=""/>
-        <p:cNvGrpSpPr/>
-        <p:nvPr/>
-      </p:nvGrpSpPr>
-      <p:grpSpPr>
-        <a:xfrm>
-          <a:off x="0" y="0"/>
-          <a:ext cx="0" cy="0"/>
-          <a:chOff x="0" y="0"/>
-          <a:chExt cx="0" cy="0"/>
-        </a:xfrm>
-      </p:grpSpPr>
-      <p:sp>
-        <p:nvSpPr>
-          <p:cNvPr id="4" name="TextBox 3">
-            <a:extLst>
-              <a:ext uri="{FF2B5EF4-FFF2-40B4-BE49-F238E27FC236}">
-                <a16:creationId xmlns:a16="http://schemas.microsoft.com/office/drawing/2014/main" id="{07F28203-A8AD-273E-C2C6-E0632B86F782}"/>
-              </a:ext>
-            </a:extLst>
-          </p:cNvPr>
-          <p:cNvSpPr txBox="1"/>
-          <p:nvPr/>
-        </p:nvSpPr>
-        <p:spPr>
-          <a:xfrm>
-            <a:off x="720909" y="1843951"/>
-            <a:ext cx="10750187" cy="3170099"/>
-          </a:xfrm>
-          <a:prstGeom prst="rect">
-            <a:avLst/>
-          </a:prstGeom>
-          <a:noFill/>
-        </p:spPr>
-        <p:txBody>
-          <a:bodyPr wrap="none" rtlCol="0">
-            <a:spAutoFit/>
-          </a:bodyPr>
-          <a:lstStyle/>
-          <a:p>
-            <a:pPr algn="ctr"/>
-            <a:r>
-              <a:rPr lang="ko-KR" altLang="en-US" sz="10000" b="1" dirty="0"/>
-              <a:t>구분 페이지</a:t>
-            </a:r>
-            <a:endParaRPr lang="en-US" altLang="ko-KR" sz="10000" b="1" dirty="0"/>
-          </a:p>
-          <a:p>
-            <a:pPr algn="ctr"/>
-            <a:r>
-              <a:rPr lang="en-US" altLang="ko-KR" sz="10000" b="1" dirty="0" err="1"/>
-              <a:t>DataBase</a:t>
-            </a:r>
-            <a:r>
-              <a:rPr lang="en-US" altLang="ko-KR" sz="10000" b="1" dirty="0"/>
-              <a:t> Lecture</a:t>
-            </a:r>
-            <a:endParaRPr lang="ko-KR" altLang="en-US" sz="10000" b="1" dirty="0"/>
-          </a:p>
-        </p:txBody>
-      </p:sp>
-    </p:spTree>
-    <p:extLst>
-      <p:ext uri="{BB962C8B-B14F-4D97-AF65-F5344CB8AC3E}">
-        <p14:creationId xmlns:p14="http://schemas.microsoft.com/office/powerpoint/2010/main" val="3997249795"/>
-      </p:ext>
-    </p:extLst>
-  </p:cSld>
-  <p:clrMapOvr>
-    <a:masterClrMapping/>
-  </p:clrMapOvr>
-</p:sld>
-</file>
-
-<file path=ppt/slides/slide35.xml><?xml version="1.0" encoding="utf-8"?>
 <p:sld xmlns:a="http://schemas.openxmlformats.org/drawingml/2006/main" xmlns:r="http://schemas.openxmlformats.org/officeDocument/2006/relationships" xmlns:p="http://schemas.openxmlformats.org/presentationml/2006/main">
   <p:cSld>
     <p:spTree>
@@ -30768,7 +30829,7 @@
                   <a:schemeClr val="bg1"/>
                 </a:solidFill>
               </a:rPr>
-              <a:t>5. Database: User Session</a:t>
+              <a:t>5. Database: Board-3</a:t>
             </a:r>
             <a:endParaRPr lang="ko-KR" altLang="en-US" sz="3200" b="1" dirty="0">
               <a:solidFill>
@@ -30778,527 +30839,994 @@
           </a:p>
         </p:txBody>
       </p:sp>
-      <p:grpSp>
-        <p:nvGrpSpPr>
-          <p:cNvPr id="3" name="그룹 2">
+      <p:sp>
+        <p:nvSpPr>
+          <p:cNvPr id="21" name="직사각형 20">
             <a:extLst>
               <a:ext uri="{FF2B5EF4-FFF2-40B4-BE49-F238E27FC236}">
-                <a16:creationId xmlns:a16="http://schemas.microsoft.com/office/drawing/2014/main" id="{CA529F31-F33C-B567-95BC-DD55D597D4D8}"/>
+                <a16:creationId xmlns:a16="http://schemas.microsoft.com/office/drawing/2014/main" id="{05959908-411F-A708-E6E4-23481D13B6C4}"/>
               </a:ext>
             </a:extLst>
           </p:cNvPr>
-          <p:cNvGrpSpPr/>
+          <p:cNvSpPr/>
           <p:nvPr/>
-        </p:nvGrpSpPr>
-        <p:grpSpPr>
+        </p:nvSpPr>
+        <p:spPr>
           <a:xfrm>
-            <a:off x="1983282" y="1905166"/>
-            <a:ext cx="3915053" cy="3047668"/>
-            <a:chOff x="1825358" y="1054358"/>
-            <a:chExt cx="3915053" cy="3047668"/>
+            <a:off x="1374840" y="2601522"/>
+            <a:ext cx="4170522" cy="3418278"/>
           </a:xfrm>
-        </p:grpSpPr>
-        <p:sp>
-          <p:nvSpPr>
-            <p:cNvPr id="2" name="직사각형 1">
-              <a:extLst>
-                <a:ext uri="{FF2B5EF4-FFF2-40B4-BE49-F238E27FC236}">
-                  <a16:creationId xmlns:a16="http://schemas.microsoft.com/office/drawing/2014/main" id="{1B0A7CE7-1969-ADC7-F561-541B1C5BA76C}"/>
-                </a:ext>
-              </a:extLst>
-            </p:cNvPr>
-            <p:cNvSpPr/>
-            <p:nvPr/>
-          </p:nvSpPr>
-          <p:spPr>
-            <a:xfrm>
-              <a:off x="1825358" y="1554135"/>
-              <a:ext cx="3915053" cy="2547891"/>
-            </a:xfrm>
-            <a:prstGeom prst="rect">
-              <a:avLst/>
-            </a:prstGeom>
-            <a:noFill/>
-            <a:ln w="38100">
+          <a:prstGeom prst="rect">
+            <a:avLst/>
+          </a:prstGeom>
+          <a:noFill/>
+          <a:ln w="38100">
+            <a:solidFill>
+              <a:schemeClr val="tx1"/>
+            </a:solidFill>
+          </a:ln>
+        </p:spPr>
+        <p:style>
+          <a:lnRef idx="2">
+            <a:schemeClr val="accent1">
+              <a:shade val="50000"/>
+            </a:schemeClr>
+          </a:lnRef>
+          <a:fillRef idx="1">
+            <a:schemeClr val="accent1"/>
+          </a:fillRef>
+          <a:effectRef idx="0">
+            <a:schemeClr val="accent1"/>
+          </a:effectRef>
+          <a:fontRef idx="minor">
+            <a:schemeClr val="lt1"/>
+          </a:fontRef>
+        </p:style>
+        <p:txBody>
+          <a:bodyPr rtlCol="0" anchor="t"/>
+          <a:lstStyle/>
+          <a:p>
+            <a:r>
+              <a:rPr lang="en-US" altLang="ko-KR" b="1" dirty="0">
+                <a:solidFill>
+                  <a:schemeClr val="tx1"/>
+                </a:solidFill>
+              </a:rPr>
+              <a:t>id		// PK,</a:t>
+            </a:r>
+            <a:r>
+              <a:rPr lang="ko-KR" altLang="en-US" b="1" dirty="0">
+                <a:solidFill>
+                  <a:schemeClr val="tx1"/>
+                </a:solidFill>
+              </a:rPr>
+              <a:t> 글 아이디</a:t>
+            </a:r>
+            <a:endParaRPr lang="en-US" altLang="ko-KR" b="1" dirty="0">
               <a:solidFill>
                 <a:schemeClr val="tx1"/>
               </a:solidFill>
-            </a:ln>
-          </p:spPr>
-          <p:style>
-            <a:lnRef idx="2">
-              <a:schemeClr val="accent1">
-                <a:shade val="50000"/>
-              </a:schemeClr>
-            </a:lnRef>
-            <a:fillRef idx="1">
-              <a:schemeClr val="accent1"/>
-            </a:fillRef>
-            <a:effectRef idx="0">
-              <a:schemeClr val="accent1"/>
-            </a:effectRef>
-            <a:fontRef idx="minor">
-              <a:schemeClr val="lt1"/>
-            </a:fontRef>
-          </p:style>
-          <p:txBody>
-            <a:bodyPr rtlCol="0" anchor="t"/>
-            <a:lstStyle/>
-            <a:p>
-              <a:r>
-                <a:rPr lang="en-US" altLang="ko-KR" b="1" dirty="0">
-                  <a:solidFill>
-                    <a:schemeClr val="tx1"/>
-                  </a:solidFill>
-                </a:rPr>
-                <a:t>id		// PK, </a:t>
-              </a:r>
-              <a:r>
-                <a:rPr lang="ko-KR" altLang="en-US" b="1" dirty="0">
-                  <a:solidFill>
-                    <a:schemeClr val="tx1"/>
-                  </a:solidFill>
-                </a:rPr>
-                <a:t>학번</a:t>
-              </a:r>
-              <a:endParaRPr lang="en-US" altLang="ko-KR" b="1" dirty="0">
-                <a:solidFill>
-                  <a:schemeClr val="tx1"/>
-                </a:solidFill>
-              </a:endParaRPr>
-            </a:p>
-            <a:p>
-              <a:r>
-                <a:rPr lang="en-US" altLang="ko-KR" b="1" dirty="0">
-                  <a:solidFill>
-                    <a:schemeClr val="tx1"/>
-                  </a:solidFill>
-                </a:rPr>
-                <a:t>name		//</a:t>
-              </a:r>
-              <a:r>
-                <a:rPr lang="ko-KR" altLang="en-US" b="1" dirty="0">
-                  <a:solidFill>
-                    <a:schemeClr val="tx1"/>
-                  </a:solidFill>
-                </a:rPr>
-                <a:t> 이름</a:t>
-              </a:r>
-              <a:endParaRPr lang="en-US" altLang="ko-KR" b="1" dirty="0">
-                <a:solidFill>
-                  <a:schemeClr val="tx1"/>
-                </a:solidFill>
-              </a:endParaRPr>
-            </a:p>
-            <a:p>
-              <a:r>
-                <a:rPr lang="en-US" altLang="ko-KR" b="1" dirty="0">
-                  <a:solidFill>
-                    <a:schemeClr val="tx1"/>
-                  </a:solidFill>
-                </a:rPr>
-                <a:t>email		// </a:t>
-              </a:r>
-              <a:r>
-                <a:rPr lang="ko-KR" altLang="en-US" b="1" dirty="0">
-                  <a:solidFill>
-                    <a:schemeClr val="tx1"/>
-                  </a:solidFill>
-                </a:rPr>
-                <a:t>이메일</a:t>
-              </a:r>
-              <a:endParaRPr lang="en-US" altLang="ko-KR" b="1" dirty="0">
-                <a:solidFill>
-                  <a:schemeClr val="tx1"/>
-                </a:solidFill>
-              </a:endParaRPr>
-            </a:p>
-            <a:p>
-              <a:r>
-                <a:rPr lang="en-US" altLang="ko-KR" b="1" dirty="0">
-                  <a:solidFill>
-                    <a:schemeClr val="tx1"/>
-                  </a:solidFill>
-                </a:rPr>
-                <a:t>contact		//</a:t>
-              </a:r>
-              <a:r>
-                <a:rPr lang="ko-KR" altLang="en-US" b="1" dirty="0">
-                  <a:solidFill>
-                    <a:schemeClr val="tx1"/>
-                  </a:solidFill>
-                </a:rPr>
-                <a:t> 연락처</a:t>
-              </a:r>
-              <a:endParaRPr lang="en-US" altLang="ko-KR" b="1" dirty="0">
-                <a:solidFill>
-                  <a:schemeClr val="tx1"/>
-                </a:solidFill>
-              </a:endParaRPr>
-            </a:p>
-            <a:p>
-              <a:endParaRPr lang="en-US" altLang="ko-KR" b="1" dirty="0">
-                <a:solidFill>
-                  <a:schemeClr val="tx1"/>
-                </a:solidFill>
-              </a:endParaRPr>
-            </a:p>
-            <a:p>
-              <a:r>
-                <a:rPr lang="en-US" altLang="ko-KR" b="1" dirty="0">
-                  <a:solidFill>
-                    <a:schemeClr val="tx1"/>
-                  </a:solidFill>
-                </a:rPr>
-                <a:t>- </a:t>
-              </a:r>
-              <a:r>
-                <a:rPr lang="ko-KR" altLang="en-US" b="1" dirty="0">
-                  <a:solidFill>
-                    <a:schemeClr val="tx1"/>
-                  </a:solidFill>
-                </a:rPr>
-                <a:t>수강연도</a:t>
-              </a:r>
-              <a:endParaRPr lang="en-US" altLang="ko-KR" b="1" dirty="0">
-                <a:solidFill>
-                  <a:schemeClr val="tx1"/>
-                </a:solidFill>
-              </a:endParaRPr>
-            </a:p>
-            <a:p>
-              <a:r>
-                <a:rPr lang="en-US" altLang="ko-KR" b="1" dirty="0">
-                  <a:solidFill>
-                    <a:schemeClr val="tx1"/>
-                  </a:solidFill>
-                </a:rPr>
-                <a:t>    - </a:t>
-              </a:r>
-              <a:r>
-                <a:rPr lang="ko-KR" altLang="en-US" b="1" dirty="0">
-                  <a:solidFill>
-                    <a:schemeClr val="tx1"/>
-                  </a:solidFill>
-                </a:rPr>
-                <a:t>학수번호</a:t>
-              </a:r>
-              <a:endParaRPr lang="en-US" altLang="ko-KR" b="1" dirty="0">
-                <a:solidFill>
-                  <a:schemeClr val="tx1"/>
-                </a:solidFill>
-              </a:endParaRPr>
-            </a:p>
-            <a:p>
-              <a:r>
-                <a:rPr lang="en-US" altLang="ko-KR" b="1" dirty="0">
-                  <a:solidFill>
-                    <a:schemeClr val="tx1"/>
-                  </a:solidFill>
-                </a:rPr>
-                <a:t>    - </a:t>
-              </a:r>
-              <a:r>
-                <a:rPr lang="ko-KR" altLang="en-US" b="1" dirty="0" err="1">
-                  <a:solidFill>
-                    <a:schemeClr val="tx1"/>
-                  </a:solidFill>
-                </a:rPr>
-                <a:t>수업명</a:t>
-              </a:r>
-              <a:endParaRPr lang="en-US" altLang="ko-KR" b="1" dirty="0">
-                <a:solidFill>
-                  <a:schemeClr val="tx1"/>
-                </a:solidFill>
-              </a:endParaRPr>
-            </a:p>
-            <a:p>
-              <a:endParaRPr lang="en-US" altLang="ko-KR" b="1" dirty="0">
-                <a:solidFill>
-                  <a:schemeClr val="tx1"/>
-                </a:solidFill>
-              </a:endParaRPr>
-            </a:p>
-          </p:txBody>
-        </p:sp>
-        <p:sp>
-          <p:nvSpPr>
-            <p:cNvPr id="5" name="직사각형 4">
-              <a:extLst>
-                <a:ext uri="{FF2B5EF4-FFF2-40B4-BE49-F238E27FC236}">
-                  <a16:creationId xmlns:a16="http://schemas.microsoft.com/office/drawing/2014/main" id="{C2E2B22D-EE48-4215-DD32-168570BC5476}"/>
-                </a:ext>
-              </a:extLst>
-            </p:cNvPr>
-            <p:cNvSpPr/>
-            <p:nvPr/>
-          </p:nvSpPr>
-          <p:spPr>
-            <a:xfrm>
-              <a:off x="1825358" y="1054358"/>
-              <a:ext cx="3915053" cy="499777"/>
-            </a:xfrm>
-            <a:prstGeom prst="rect">
-              <a:avLst/>
-            </a:prstGeom>
-            <a:noFill/>
-            <a:ln w="38100">
+            </a:endParaRPr>
+          </a:p>
+          <a:p>
+            <a:r>
+              <a:rPr lang="en-US" altLang="ko-KR" b="1" dirty="0">
+                <a:solidFill>
+                  <a:schemeClr val="tx1"/>
+                </a:solidFill>
+              </a:rPr>
+              <a:t>title		// </a:t>
+            </a:r>
+            <a:r>
+              <a:rPr lang="ko-KR" altLang="en-US" b="1" dirty="0">
+                <a:solidFill>
+                  <a:schemeClr val="tx1"/>
+                </a:solidFill>
+              </a:rPr>
+              <a:t>글 제목</a:t>
+            </a:r>
+            <a:endParaRPr lang="en-US" altLang="ko-KR" b="1" dirty="0">
               <a:solidFill>
                 <a:schemeClr val="tx1"/>
               </a:solidFill>
-            </a:ln>
-          </p:spPr>
-          <p:style>
-            <a:lnRef idx="2">
-              <a:schemeClr val="accent1">
-                <a:shade val="50000"/>
-              </a:schemeClr>
-            </a:lnRef>
-            <a:fillRef idx="1">
-              <a:schemeClr val="accent1"/>
-            </a:fillRef>
-            <a:effectRef idx="0">
-              <a:schemeClr val="accent1"/>
-            </a:effectRef>
-            <a:fontRef idx="minor">
-              <a:schemeClr val="lt1"/>
-            </a:fontRef>
-          </p:style>
-          <p:txBody>
-            <a:bodyPr rtlCol="0" anchor="ctr"/>
-            <a:lstStyle/>
-            <a:p>
-              <a:pPr algn="ctr"/>
-              <a:r>
-                <a:rPr lang="en-US" altLang="ko-KR" b="1" dirty="0">
-                  <a:solidFill>
-                    <a:schemeClr val="tx1"/>
-                  </a:solidFill>
-                </a:rPr>
-                <a:t>User Session Response</a:t>
-              </a:r>
-              <a:endParaRPr lang="ko-KR" altLang="en-US" b="1" dirty="0">
-                <a:solidFill>
-                  <a:schemeClr val="tx1"/>
-                </a:solidFill>
-              </a:endParaRPr>
-            </a:p>
-          </p:txBody>
-        </p:sp>
-      </p:grpSp>
-      <p:grpSp>
-        <p:nvGrpSpPr>
-          <p:cNvPr id="11" name="그룹 10">
+            </a:endParaRPr>
+          </a:p>
+          <a:p>
+            <a:r>
+              <a:rPr lang="en-US" altLang="ko-KR" b="1" dirty="0">
+                <a:solidFill>
+                  <a:schemeClr val="tx1"/>
+                </a:solidFill>
+              </a:rPr>
+              <a:t>content		// </a:t>
+            </a:r>
+            <a:r>
+              <a:rPr lang="ko-KR" altLang="en-US" b="1" dirty="0">
+                <a:solidFill>
+                  <a:schemeClr val="tx1"/>
+                </a:solidFill>
+              </a:rPr>
+              <a:t>글 내용</a:t>
+            </a:r>
+            <a:endParaRPr lang="en-US" altLang="ko-KR" b="1" dirty="0">
+              <a:solidFill>
+                <a:schemeClr val="tx1"/>
+              </a:solidFill>
+            </a:endParaRPr>
+          </a:p>
+          <a:p>
+            <a:r>
+              <a:rPr lang="en-US" altLang="ko-KR" b="1" dirty="0">
+                <a:solidFill>
+                  <a:schemeClr val="tx1"/>
+                </a:solidFill>
+              </a:rPr>
+              <a:t>hits		// </a:t>
+            </a:r>
+            <a:r>
+              <a:rPr lang="ko-KR" altLang="en-US" b="1" dirty="0">
+                <a:solidFill>
+                  <a:schemeClr val="tx1"/>
+                </a:solidFill>
+              </a:rPr>
+              <a:t>조회수</a:t>
+            </a:r>
+            <a:endParaRPr lang="en-US" altLang="ko-KR" b="1" dirty="0">
+              <a:solidFill>
+                <a:schemeClr val="tx1"/>
+              </a:solidFill>
+            </a:endParaRPr>
+          </a:p>
+          <a:p>
+            <a:r>
+              <a:rPr lang="en-US" altLang="ko-KR" b="1" dirty="0">
+                <a:solidFill>
+                  <a:schemeClr val="tx1"/>
+                </a:solidFill>
+              </a:rPr>
+              <a:t>author		// </a:t>
+            </a:r>
+            <a:r>
+              <a:rPr lang="ko-KR" altLang="en-US" b="1" dirty="0">
+                <a:solidFill>
+                  <a:schemeClr val="tx1"/>
+                </a:solidFill>
+              </a:rPr>
+              <a:t>작성자</a:t>
+            </a:r>
+            <a:endParaRPr lang="en-US" altLang="ko-KR" b="1" dirty="0">
+              <a:solidFill>
+                <a:schemeClr val="tx1"/>
+              </a:solidFill>
+            </a:endParaRPr>
+          </a:p>
+          <a:p>
+            <a:r>
+              <a:rPr lang="en-US" altLang="ko-KR" b="1" dirty="0" err="1">
+                <a:solidFill>
+                  <a:schemeClr val="tx1"/>
+                </a:solidFill>
+              </a:rPr>
+              <a:t>reg_date</a:t>
+            </a:r>
+            <a:r>
+              <a:rPr lang="en-US" altLang="ko-KR" b="1" dirty="0">
+                <a:solidFill>
+                  <a:schemeClr val="tx1"/>
+                </a:solidFill>
+              </a:rPr>
+              <a:t>	// </a:t>
+            </a:r>
+            <a:r>
+              <a:rPr lang="ko-KR" altLang="en-US" b="1" dirty="0">
+                <a:solidFill>
+                  <a:schemeClr val="tx1"/>
+                </a:solidFill>
+              </a:rPr>
+              <a:t>작성일</a:t>
+            </a:r>
+            <a:endParaRPr lang="en-US" altLang="ko-KR" b="1" dirty="0">
+              <a:solidFill>
+                <a:schemeClr val="tx1"/>
+              </a:solidFill>
+            </a:endParaRPr>
+          </a:p>
+          <a:p>
+            <a:r>
+              <a:rPr lang="en-US" altLang="ko-KR" b="1" dirty="0" err="1">
+                <a:solidFill>
+                  <a:schemeClr val="tx1"/>
+                </a:solidFill>
+              </a:rPr>
+              <a:t>mod_date</a:t>
+            </a:r>
+            <a:r>
+              <a:rPr lang="en-US" altLang="ko-KR" b="1" dirty="0">
+                <a:solidFill>
+                  <a:schemeClr val="tx1"/>
+                </a:solidFill>
+              </a:rPr>
+              <a:t>	// </a:t>
+            </a:r>
+            <a:r>
+              <a:rPr lang="ko-KR" altLang="en-US" b="1" dirty="0">
+                <a:solidFill>
+                  <a:schemeClr val="tx1"/>
+                </a:solidFill>
+              </a:rPr>
+              <a:t>수정일</a:t>
+            </a:r>
+            <a:endParaRPr lang="en-US" altLang="ko-KR" b="1" dirty="0">
+              <a:solidFill>
+                <a:schemeClr val="tx1"/>
+              </a:solidFill>
+            </a:endParaRPr>
+          </a:p>
+          <a:p>
+            <a:endParaRPr lang="en-US" altLang="ko-KR" b="1" dirty="0">
+              <a:solidFill>
+                <a:schemeClr val="tx1"/>
+              </a:solidFill>
+            </a:endParaRPr>
+          </a:p>
+          <a:p>
+            <a:r>
+              <a:rPr lang="en-US" altLang="ko-KR" b="1" dirty="0">
+                <a:solidFill>
+                  <a:schemeClr val="tx1"/>
+                </a:solidFill>
+              </a:rPr>
+              <a:t>category1_id	//</a:t>
+            </a:r>
+            <a:r>
+              <a:rPr lang="ko-KR" altLang="en-US" b="1" dirty="0">
+                <a:solidFill>
+                  <a:schemeClr val="tx1"/>
+                </a:solidFill>
+              </a:rPr>
+              <a:t> </a:t>
+            </a:r>
+            <a:r>
+              <a:rPr lang="en-US" altLang="ko-KR" b="1" dirty="0">
+                <a:solidFill>
+                  <a:schemeClr val="tx1"/>
+                </a:solidFill>
+              </a:rPr>
+              <a:t>FK, 1</a:t>
+            </a:r>
+            <a:r>
+              <a:rPr lang="ko-KR" altLang="en-US" b="1" dirty="0">
+                <a:solidFill>
+                  <a:schemeClr val="tx1"/>
+                </a:solidFill>
+              </a:rPr>
+              <a:t>차 태그</a:t>
+            </a:r>
+            <a:endParaRPr lang="en-US" altLang="ko-KR" b="1" dirty="0">
+              <a:solidFill>
+                <a:schemeClr val="tx1"/>
+              </a:solidFill>
+            </a:endParaRPr>
+          </a:p>
+          <a:p>
+            <a:r>
+              <a:rPr lang="en-US" altLang="ko-KR" b="1" dirty="0">
+                <a:solidFill>
+                  <a:srgbClr val="FF0000"/>
+                </a:solidFill>
+              </a:rPr>
+              <a:t>category2_id 	//</a:t>
+            </a:r>
+            <a:r>
+              <a:rPr lang="ko-KR" altLang="en-US" b="1" dirty="0">
+                <a:solidFill>
+                  <a:srgbClr val="FF0000"/>
+                </a:solidFill>
+              </a:rPr>
+              <a:t> </a:t>
+            </a:r>
+            <a:r>
+              <a:rPr lang="en-US" altLang="ko-KR" b="1" dirty="0">
+                <a:solidFill>
+                  <a:srgbClr val="FF0000"/>
+                </a:solidFill>
+              </a:rPr>
+              <a:t>FK, 2</a:t>
+            </a:r>
+            <a:r>
+              <a:rPr lang="ko-KR" altLang="en-US" b="1" dirty="0">
+                <a:solidFill>
+                  <a:srgbClr val="FF0000"/>
+                </a:solidFill>
+              </a:rPr>
+              <a:t>차 태그</a:t>
+            </a:r>
+            <a:endParaRPr lang="en-US" altLang="ko-KR" b="1" dirty="0">
+              <a:solidFill>
+                <a:srgbClr val="FF0000"/>
+              </a:solidFill>
+            </a:endParaRPr>
+          </a:p>
+          <a:p>
+            <a:r>
+              <a:rPr lang="en-US" altLang="ko-KR" b="1" dirty="0">
+                <a:solidFill>
+                  <a:srgbClr val="FF0000"/>
+                </a:solidFill>
+              </a:rPr>
+              <a:t>category3_id 	//</a:t>
+            </a:r>
+            <a:r>
+              <a:rPr lang="ko-KR" altLang="en-US" b="1" dirty="0">
+                <a:solidFill>
+                  <a:srgbClr val="FF0000"/>
+                </a:solidFill>
+              </a:rPr>
+              <a:t> </a:t>
+            </a:r>
+            <a:r>
+              <a:rPr lang="en-US" altLang="ko-KR" b="1" dirty="0">
+                <a:solidFill>
+                  <a:srgbClr val="FF0000"/>
+                </a:solidFill>
+              </a:rPr>
+              <a:t>FK, 3</a:t>
+            </a:r>
+            <a:r>
+              <a:rPr lang="ko-KR" altLang="en-US" b="1" dirty="0">
+                <a:solidFill>
+                  <a:srgbClr val="FF0000"/>
+                </a:solidFill>
+              </a:rPr>
+              <a:t>차 태그</a:t>
+            </a:r>
+            <a:endParaRPr lang="en-US" altLang="ko-KR" b="1" dirty="0">
+              <a:solidFill>
+                <a:srgbClr val="FF0000"/>
+              </a:solidFill>
+            </a:endParaRPr>
+          </a:p>
+          <a:p>
+            <a:r>
+              <a:rPr lang="en-US" altLang="ko-KR" b="1" dirty="0" err="1">
+                <a:solidFill>
+                  <a:schemeClr val="tx1"/>
+                </a:solidFill>
+              </a:rPr>
+              <a:t>attachment_id</a:t>
+            </a:r>
+            <a:r>
+              <a:rPr lang="en-US" altLang="ko-KR" b="1" dirty="0">
+                <a:solidFill>
+                  <a:schemeClr val="tx1"/>
+                </a:solidFill>
+              </a:rPr>
+              <a:t>	// FK, </a:t>
+            </a:r>
+            <a:r>
+              <a:rPr lang="ko-KR" altLang="en-US" b="1" dirty="0">
+                <a:solidFill>
+                  <a:schemeClr val="tx1"/>
+                </a:solidFill>
+              </a:rPr>
+              <a:t>첨부파일</a:t>
+            </a:r>
+            <a:endParaRPr lang="en-US" altLang="ko-KR" b="1" dirty="0">
+              <a:solidFill>
+                <a:schemeClr val="tx1"/>
+              </a:solidFill>
+            </a:endParaRPr>
+          </a:p>
+        </p:txBody>
+      </p:sp>
+      <p:sp>
+        <p:nvSpPr>
+          <p:cNvPr id="22" name="직사각형 21">
             <a:extLst>
               <a:ext uri="{FF2B5EF4-FFF2-40B4-BE49-F238E27FC236}">
-                <a16:creationId xmlns:a16="http://schemas.microsoft.com/office/drawing/2014/main" id="{DFF5C590-734C-BFEE-76B9-88977D0310C5}"/>
+                <a16:creationId xmlns:a16="http://schemas.microsoft.com/office/drawing/2014/main" id="{3ACE2569-F7BC-5702-2869-A7D3336FA9A8}"/>
               </a:ext>
             </a:extLst>
           </p:cNvPr>
-          <p:cNvGrpSpPr/>
+          <p:cNvSpPr/>
           <p:nvPr/>
-        </p:nvGrpSpPr>
-        <p:grpSpPr>
+        </p:nvSpPr>
+        <p:spPr>
           <a:xfrm>
-            <a:off x="6293665" y="1905166"/>
-            <a:ext cx="3915053" cy="3047668"/>
-            <a:chOff x="1825358" y="1054358"/>
-            <a:chExt cx="3915053" cy="3047668"/>
+            <a:off x="1374840" y="2156641"/>
+            <a:ext cx="4170522" cy="444881"/>
           </a:xfrm>
-        </p:grpSpPr>
-        <p:sp>
-          <p:nvSpPr>
-            <p:cNvPr id="12" name="직사각형 11">
-              <a:extLst>
-                <a:ext uri="{FF2B5EF4-FFF2-40B4-BE49-F238E27FC236}">
-                  <a16:creationId xmlns:a16="http://schemas.microsoft.com/office/drawing/2014/main" id="{96C06604-A79C-1E32-F6F4-5EE95555D048}"/>
-                </a:ext>
-              </a:extLst>
-            </p:cNvPr>
-            <p:cNvSpPr/>
-            <p:nvPr/>
-          </p:nvSpPr>
-          <p:spPr>
-            <a:xfrm>
-              <a:off x="1825358" y="1554135"/>
-              <a:ext cx="3915053" cy="2547891"/>
-            </a:xfrm>
-            <a:prstGeom prst="rect">
-              <a:avLst/>
-            </a:prstGeom>
-            <a:noFill/>
-            <a:ln w="38100">
+          <a:prstGeom prst="rect">
+            <a:avLst/>
+          </a:prstGeom>
+          <a:noFill/>
+          <a:ln w="38100">
+            <a:solidFill>
+              <a:schemeClr val="tx1"/>
+            </a:solidFill>
+          </a:ln>
+        </p:spPr>
+        <p:style>
+          <a:lnRef idx="2">
+            <a:schemeClr val="accent1">
+              <a:shade val="50000"/>
+            </a:schemeClr>
+          </a:lnRef>
+          <a:fillRef idx="1">
+            <a:schemeClr val="accent1"/>
+          </a:fillRef>
+          <a:effectRef idx="0">
+            <a:schemeClr val="accent1"/>
+          </a:effectRef>
+          <a:fontRef idx="minor">
+            <a:schemeClr val="lt1"/>
+          </a:fontRef>
+        </p:style>
+        <p:txBody>
+          <a:bodyPr rtlCol="0" anchor="ctr"/>
+          <a:lstStyle/>
+          <a:p>
+            <a:pPr algn="ctr"/>
+            <a:r>
+              <a:rPr lang="en-US" altLang="ko-KR" b="1" dirty="0" err="1">
+                <a:solidFill>
+                  <a:schemeClr val="tx1"/>
+                </a:solidFill>
+              </a:rPr>
+              <a:t>material_board</a:t>
+            </a:r>
+            <a:endParaRPr lang="ko-KR" altLang="en-US" b="1" dirty="0">
               <a:solidFill>
                 <a:schemeClr val="tx1"/>
               </a:solidFill>
-            </a:ln>
-          </p:spPr>
-          <p:style>
-            <a:lnRef idx="2">
-              <a:schemeClr val="accent1">
-                <a:shade val="50000"/>
-              </a:schemeClr>
-            </a:lnRef>
-            <a:fillRef idx="1">
-              <a:schemeClr val="accent1"/>
-            </a:fillRef>
-            <a:effectRef idx="0">
-              <a:schemeClr val="accent1"/>
-            </a:effectRef>
-            <a:fontRef idx="minor">
-              <a:schemeClr val="lt1"/>
-            </a:fontRef>
-          </p:style>
-          <p:txBody>
-            <a:bodyPr rtlCol="0" anchor="t"/>
-            <a:lstStyle/>
-            <a:p>
-              <a:r>
-                <a:rPr lang="en-US" altLang="ko-KR" b="1" dirty="0">
-                  <a:solidFill>
-                    <a:schemeClr val="tx1"/>
-                  </a:solidFill>
-                </a:rPr>
-                <a:t>- </a:t>
-              </a:r>
-              <a:r>
-                <a:rPr lang="ko-KR" altLang="en-US" b="1" dirty="0">
-                  <a:solidFill>
-                    <a:schemeClr val="tx1"/>
-                  </a:solidFill>
-                </a:rPr>
-                <a:t>수강연도</a:t>
-              </a:r>
-              <a:endParaRPr lang="en-US" altLang="ko-KR" b="1" dirty="0">
-                <a:solidFill>
-                  <a:schemeClr val="tx1"/>
-                </a:solidFill>
-              </a:endParaRPr>
-            </a:p>
-            <a:p>
-              <a:r>
-                <a:rPr lang="en-US" altLang="ko-KR" b="1" dirty="0">
-                  <a:solidFill>
-                    <a:schemeClr val="tx1"/>
-                  </a:solidFill>
-                </a:rPr>
-                <a:t>    - </a:t>
-              </a:r>
-              <a:r>
-                <a:rPr lang="ko-KR" altLang="en-US" b="1" dirty="0">
-                  <a:solidFill>
-                    <a:schemeClr val="tx1"/>
-                  </a:solidFill>
-                </a:rPr>
-                <a:t>학수번호</a:t>
-              </a:r>
-              <a:endParaRPr lang="en-US" altLang="ko-KR" b="1" dirty="0">
-                <a:solidFill>
-                  <a:schemeClr val="tx1"/>
-                </a:solidFill>
-              </a:endParaRPr>
-            </a:p>
-            <a:p>
-              <a:r>
-                <a:rPr lang="en-US" altLang="ko-KR" b="1" dirty="0">
-                  <a:solidFill>
-                    <a:schemeClr val="tx1"/>
-                  </a:solidFill>
-                </a:rPr>
-                <a:t>    - </a:t>
-              </a:r>
-              <a:r>
-                <a:rPr lang="ko-KR" altLang="en-US" b="1" dirty="0" err="1">
-                  <a:solidFill>
-                    <a:schemeClr val="tx1"/>
-                  </a:solidFill>
-                </a:rPr>
-                <a:t>수업명</a:t>
-              </a:r>
-              <a:endParaRPr lang="en-US" altLang="ko-KR" b="1" dirty="0">
-                <a:solidFill>
-                  <a:schemeClr val="tx1"/>
-                </a:solidFill>
-              </a:endParaRPr>
-            </a:p>
-            <a:p>
-              <a:endParaRPr lang="en-US" altLang="ko-KR" b="1" dirty="0">
-                <a:solidFill>
-                  <a:schemeClr val="tx1"/>
-                </a:solidFill>
-              </a:endParaRPr>
-            </a:p>
-          </p:txBody>
-        </p:sp>
-        <p:sp>
-          <p:nvSpPr>
-            <p:cNvPr id="13" name="직사각형 12">
-              <a:extLst>
-                <a:ext uri="{FF2B5EF4-FFF2-40B4-BE49-F238E27FC236}">
-                  <a16:creationId xmlns:a16="http://schemas.microsoft.com/office/drawing/2014/main" id="{9AD34BDF-0960-DCFD-6690-407EA4BE0A1B}"/>
-                </a:ext>
-              </a:extLst>
-            </p:cNvPr>
-            <p:cNvSpPr/>
-            <p:nvPr/>
-          </p:nvSpPr>
-          <p:spPr>
-            <a:xfrm>
-              <a:off x="1825358" y="1054358"/>
-              <a:ext cx="3915053" cy="499777"/>
-            </a:xfrm>
-            <a:prstGeom prst="rect">
-              <a:avLst/>
-            </a:prstGeom>
-            <a:noFill/>
-            <a:ln w="38100">
+            </a:endParaRPr>
+          </a:p>
+        </p:txBody>
+      </p:sp>
+      <p:sp>
+        <p:nvSpPr>
+          <p:cNvPr id="24" name="직사각형 23">
+            <a:extLst>
+              <a:ext uri="{FF2B5EF4-FFF2-40B4-BE49-F238E27FC236}">
+                <a16:creationId xmlns:a16="http://schemas.microsoft.com/office/drawing/2014/main" id="{D5604993-C9B4-A516-987F-B59249853D0E}"/>
+              </a:ext>
+            </a:extLst>
+          </p:cNvPr>
+          <p:cNvSpPr/>
+          <p:nvPr/>
+        </p:nvSpPr>
+        <p:spPr>
+          <a:xfrm>
+            <a:off x="1374840" y="1338403"/>
+            <a:ext cx="4170522" cy="444881"/>
+          </a:xfrm>
+          <a:prstGeom prst="rect">
+            <a:avLst/>
+          </a:prstGeom>
+          <a:noFill/>
+          <a:ln w="38100">
+            <a:solidFill>
+              <a:schemeClr val="tx1"/>
+            </a:solidFill>
+          </a:ln>
+        </p:spPr>
+        <p:style>
+          <a:lnRef idx="2">
+            <a:schemeClr val="accent1">
+              <a:shade val="50000"/>
+            </a:schemeClr>
+          </a:lnRef>
+          <a:fillRef idx="1">
+            <a:schemeClr val="accent1"/>
+          </a:fillRef>
+          <a:effectRef idx="0">
+            <a:schemeClr val="accent1"/>
+          </a:effectRef>
+          <a:fontRef idx="minor">
+            <a:schemeClr val="lt1"/>
+          </a:fontRef>
+        </p:style>
+        <p:txBody>
+          <a:bodyPr rtlCol="0" anchor="ctr"/>
+          <a:lstStyle/>
+          <a:p>
+            <a:pPr algn="ctr"/>
+            <a:r>
+              <a:rPr lang="ko-KR" altLang="en-US" b="1" dirty="0">
+                <a:solidFill>
+                  <a:schemeClr val="tx1"/>
+                </a:solidFill>
+              </a:rPr>
+              <a:t>자료 게시판</a:t>
+            </a:r>
+          </a:p>
+        </p:txBody>
+      </p:sp>
+      <p:sp>
+        <p:nvSpPr>
+          <p:cNvPr id="14" name="직사각형 13">
+            <a:extLst>
+              <a:ext uri="{FF2B5EF4-FFF2-40B4-BE49-F238E27FC236}">
+                <a16:creationId xmlns:a16="http://schemas.microsoft.com/office/drawing/2014/main" id="{B12A7819-8BF0-F1A4-0E25-1AE02F21C696}"/>
+              </a:ext>
+            </a:extLst>
+          </p:cNvPr>
+          <p:cNvSpPr/>
+          <p:nvPr/>
+        </p:nvSpPr>
+        <p:spPr>
+          <a:xfrm>
+            <a:off x="6902107" y="2601522"/>
+            <a:ext cx="4170522" cy="3418278"/>
+          </a:xfrm>
+          <a:prstGeom prst="rect">
+            <a:avLst/>
+          </a:prstGeom>
+          <a:noFill/>
+          <a:ln w="38100">
+            <a:solidFill>
+              <a:schemeClr val="tx1"/>
+            </a:solidFill>
+          </a:ln>
+        </p:spPr>
+        <p:style>
+          <a:lnRef idx="2">
+            <a:schemeClr val="accent1">
+              <a:shade val="50000"/>
+            </a:schemeClr>
+          </a:lnRef>
+          <a:fillRef idx="1">
+            <a:schemeClr val="accent1"/>
+          </a:fillRef>
+          <a:effectRef idx="0">
+            <a:schemeClr val="accent1"/>
+          </a:effectRef>
+          <a:fontRef idx="minor">
+            <a:schemeClr val="lt1"/>
+          </a:fontRef>
+        </p:style>
+        <p:txBody>
+          <a:bodyPr rtlCol="0" anchor="t"/>
+          <a:lstStyle/>
+          <a:p>
+            <a:r>
+              <a:rPr lang="en-US" altLang="ko-KR" b="1" dirty="0">
+                <a:solidFill>
+                  <a:schemeClr val="tx1"/>
+                </a:solidFill>
+              </a:rPr>
+              <a:t>id		content</a:t>
+            </a:r>
+          </a:p>
+          <a:p>
+            <a:r>
+              <a:rPr lang="en-US" altLang="ko-KR" b="1" dirty="0">
+                <a:solidFill>
+                  <a:schemeClr val="tx1"/>
+                </a:solidFill>
+              </a:rPr>
+              <a:t>1		</a:t>
+            </a:r>
+            <a:r>
+              <a:rPr lang="ko-KR" altLang="en-US" b="1" dirty="0">
+                <a:solidFill>
+                  <a:schemeClr val="tx1"/>
+                </a:solidFill>
+              </a:rPr>
+              <a:t>일반</a:t>
+            </a:r>
+            <a:endParaRPr lang="en-US" altLang="ko-KR" b="1" dirty="0">
               <a:solidFill>
                 <a:schemeClr val="tx1"/>
               </a:solidFill>
-            </a:ln>
-          </p:spPr>
-          <p:style>
-            <a:lnRef idx="2">
-              <a:schemeClr val="accent1">
-                <a:shade val="50000"/>
-              </a:schemeClr>
-            </a:lnRef>
-            <a:fillRef idx="1">
-              <a:schemeClr val="accent1"/>
-            </a:fillRef>
-            <a:effectRef idx="0">
-              <a:schemeClr val="accent1"/>
-            </a:effectRef>
-            <a:fontRef idx="minor">
-              <a:schemeClr val="lt1"/>
-            </a:fontRef>
-          </p:style>
-          <p:txBody>
-            <a:bodyPr rtlCol="0" anchor="ctr"/>
-            <a:lstStyle/>
-            <a:p>
-              <a:pPr algn="ctr"/>
-              <a:r>
-                <a:rPr lang="en-US" altLang="ko-KR" b="1" dirty="0">
-                  <a:solidFill>
-                    <a:schemeClr val="tx1"/>
-                  </a:solidFill>
-                </a:rPr>
-                <a:t>Lecture Session Response</a:t>
-              </a:r>
-              <a:endParaRPr lang="ko-KR" altLang="en-US" b="1" dirty="0">
-                <a:solidFill>
-                  <a:schemeClr val="tx1"/>
-                </a:solidFill>
-              </a:endParaRPr>
-            </a:p>
-          </p:txBody>
-        </p:sp>
-      </p:grpSp>
+            </a:endParaRPr>
+          </a:p>
+          <a:p>
+            <a:r>
+              <a:rPr lang="en-US" altLang="ko-KR" b="1" dirty="0">
+                <a:solidFill>
+                  <a:schemeClr val="tx1"/>
+                </a:solidFill>
+              </a:rPr>
+              <a:t>2		</a:t>
+            </a:r>
+            <a:r>
+              <a:rPr lang="ko-KR" altLang="en-US" b="1" dirty="0">
+                <a:solidFill>
+                  <a:schemeClr val="tx1"/>
+                </a:solidFill>
+              </a:rPr>
+              <a:t>수업</a:t>
+            </a:r>
+            <a:endParaRPr lang="en-US" altLang="ko-KR" b="1" dirty="0">
+              <a:solidFill>
+                <a:schemeClr val="tx1"/>
+              </a:solidFill>
+            </a:endParaRPr>
+          </a:p>
+          <a:p>
+            <a:r>
+              <a:rPr lang="en-US" altLang="ko-KR" b="1" dirty="0">
+                <a:solidFill>
+                  <a:schemeClr val="tx1"/>
+                </a:solidFill>
+              </a:rPr>
+              <a:t>3		</a:t>
+            </a:r>
+            <a:r>
+              <a:rPr lang="ko-KR" altLang="en-US" b="1" dirty="0">
+                <a:solidFill>
+                  <a:schemeClr val="tx1"/>
+                </a:solidFill>
+              </a:rPr>
+              <a:t>연구</a:t>
+            </a:r>
+            <a:endParaRPr lang="en-US" altLang="ko-KR" b="1" dirty="0">
+              <a:solidFill>
+                <a:schemeClr val="tx1"/>
+              </a:solidFill>
+            </a:endParaRPr>
+          </a:p>
+          <a:p>
+            <a:r>
+              <a:rPr lang="en-US" altLang="ko-KR" b="1" dirty="0">
+                <a:solidFill>
+                  <a:schemeClr val="tx1"/>
+                </a:solidFill>
+              </a:rPr>
+              <a:t>4		</a:t>
+            </a:r>
+            <a:r>
+              <a:rPr lang="ko-KR" altLang="en-US" b="1" dirty="0">
+                <a:solidFill>
+                  <a:schemeClr val="tx1"/>
+                </a:solidFill>
+              </a:rPr>
+              <a:t>공지</a:t>
+            </a:r>
+            <a:endParaRPr lang="en-US" altLang="ko-KR" b="1" dirty="0">
+              <a:solidFill>
+                <a:schemeClr val="tx1"/>
+              </a:solidFill>
+            </a:endParaRPr>
+          </a:p>
+          <a:p>
+            <a:r>
+              <a:rPr lang="en-US" altLang="ko-KR" b="1" dirty="0">
+                <a:solidFill>
+                  <a:schemeClr val="tx1"/>
+                </a:solidFill>
+              </a:rPr>
+              <a:t>5		</a:t>
+            </a:r>
+            <a:r>
+              <a:rPr lang="ko-KR" altLang="en-US" b="1" dirty="0">
+                <a:solidFill>
+                  <a:schemeClr val="tx1"/>
+                </a:solidFill>
+              </a:rPr>
+              <a:t>논문</a:t>
+            </a:r>
+            <a:endParaRPr lang="en-US" altLang="ko-KR" b="1" dirty="0">
+              <a:solidFill>
+                <a:schemeClr val="tx1"/>
+              </a:solidFill>
+            </a:endParaRPr>
+          </a:p>
+          <a:p>
+            <a:r>
+              <a:rPr lang="en-US" altLang="ko-KR" b="1" dirty="0">
+                <a:solidFill>
+                  <a:srgbClr val="FF0000"/>
+                </a:solidFill>
+              </a:rPr>
+              <a:t>6		</a:t>
+            </a:r>
+            <a:r>
+              <a:rPr lang="ko-KR" altLang="en-US" b="1" dirty="0">
+                <a:solidFill>
+                  <a:srgbClr val="FF0000"/>
+                </a:solidFill>
+              </a:rPr>
+              <a:t>자료</a:t>
+            </a:r>
+            <a:endParaRPr lang="en-US" altLang="ko-KR" b="1" dirty="0">
+              <a:solidFill>
+                <a:srgbClr val="FF0000"/>
+              </a:solidFill>
+            </a:endParaRPr>
+          </a:p>
+          <a:p>
+            <a:r>
+              <a:rPr lang="en-US" altLang="ko-KR" b="1" dirty="0">
+                <a:solidFill>
+                  <a:srgbClr val="FF0000"/>
+                </a:solidFill>
+              </a:rPr>
+              <a:t>7		</a:t>
+            </a:r>
+            <a:r>
+              <a:rPr lang="ko-KR" altLang="en-US" b="1" dirty="0">
+                <a:solidFill>
+                  <a:srgbClr val="FF0000"/>
+                </a:solidFill>
+              </a:rPr>
+              <a:t>프로젝트</a:t>
+            </a:r>
+            <a:r>
+              <a:rPr lang="en-US" altLang="ko-KR" b="1" dirty="0">
+                <a:solidFill>
+                  <a:srgbClr val="FF0000"/>
+                </a:solidFill>
+              </a:rPr>
+              <a:t>1</a:t>
+            </a:r>
+          </a:p>
+          <a:p>
+            <a:r>
+              <a:rPr lang="en-US" altLang="ko-KR" b="1" dirty="0">
+                <a:solidFill>
+                  <a:schemeClr val="tx1"/>
+                </a:solidFill>
+              </a:rPr>
+              <a:t>8		</a:t>
+            </a:r>
+            <a:r>
+              <a:rPr lang="ko-KR" altLang="en-US" b="1" dirty="0">
+                <a:solidFill>
+                  <a:schemeClr val="tx1"/>
+                </a:solidFill>
+              </a:rPr>
+              <a:t>프로젝트</a:t>
+            </a:r>
+            <a:r>
+              <a:rPr lang="en-US" altLang="ko-KR" b="1" dirty="0">
+                <a:solidFill>
+                  <a:schemeClr val="tx1"/>
+                </a:solidFill>
+              </a:rPr>
+              <a:t>2</a:t>
+            </a:r>
+          </a:p>
+          <a:p>
+            <a:r>
+              <a:rPr lang="en-US" altLang="ko-KR" b="1" dirty="0">
+                <a:solidFill>
+                  <a:schemeClr val="tx1"/>
+                </a:solidFill>
+              </a:rPr>
+              <a:t>9		</a:t>
+            </a:r>
+            <a:r>
+              <a:rPr lang="ko-KR" altLang="en-US" b="1" dirty="0">
+                <a:solidFill>
+                  <a:schemeClr val="tx1"/>
+                </a:solidFill>
+              </a:rPr>
+              <a:t>프로젝트</a:t>
+            </a:r>
+            <a:r>
+              <a:rPr lang="en-US" altLang="ko-KR" b="1" dirty="0">
+                <a:solidFill>
+                  <a:schemeClr val="tx1"/>
+                </a:solidFill>
+              </a:rPr>
+              <a:t>3</a:t>
+            </a:r>
+          </a:p>
+        </p:txBody>
+      </p:sp>
+      <p:sp>
+        <p:nvSpPr>
+          <p:cNvPr id="15" name="직사각형 14">
+            <a:extLst>
+              <a:ext uri="{FF2B5EF4-FFF2-40B4-BE49-F238E27FC236}">
+                <a16:creationId xmlns:a16="http://schemas.microsoft.com/office/drawing/2014/main" id="{5216FDCB-B953-CBAD-DAD1-41C7751384C8}"/>
+              </a:ext>
+            </a:extLst>
+          </p:cNvPr>
+          <p:cNvSpPr/>
+          <p:nvPr/>
+        </p:nvSpPr>
+        <p:spPr>
+          <a:xfrm>
+            <a:off x="6902107" y="2156641"/>
+            <a:ext cx="4170522" cy="444881"/>
+          </a:xfrm>
+          <a:prstGeom prst="rect">
+            <a:avLst/>
+          </a:prstGeom>
+          <a:noFill/>
+          <a:ln w="38100">
+            <a:solidFill>
+              <a:schemeClr val="tx1"/>
+            </a:solidFill>
+          </a:ln>
+        </p:spPr>
+        <p:style>
+          <a:lnRef idx="2">
+            <a:schemeClr val="accent1">
+              <a:shade val="50000"/>
+            </a:schemeClr>
+          </a:lnRef>
+          <a:fillRef idx="1">
+            <a:schemeClr val="accent1"/>
+          </a:fillRef>
+          <a:effectRef idx="0">
+            <a:schemeClr val="accent1"/>
+          </a:effectRef>
+          <a:fontRef idx="minor">
+            <a:schemeClr val="lt1"/>
+          </a:fontRef>
+        </p:style>
+        <p:txBody>
+          <a:bodyPr rtlCol="0" anchor="ctr"/>
+          <a:lstStyle/>
+          <a:p>
+            <a:pPr algn="ctr"/>
+            <a:r>
+              <a:rPr lang="en-US" altLang="ko-KR" b="1" dirty="0">
+                <a:solidFill>
+                  <a:schemeClr val="tx1"/>
+                </a:solidFill>
+              </a:rPr>
+              <a:t>category</a:t>
+            </a:r>
+            <a:endParaRPr lang="ko-KR" altLang="en-US" b="1" dirty="0">
+              <a:solidFill>
+                <a:schemeClr val="tx1"/>
+              </a:solidFill>
+            </a:endParaRPr>
+          </a:p>
+        </p:txBody>
+      </p:sp>
+      <p:sp>
+        <p:nvSpPr>
+          <p:cNvPr id="16" name="직사각형 15">
+            <a:extLst>
+              <a:ext uri="{FF2B5EF4-FFF2-40B4-BE49-F238E27FC236}">
+                <a16:creationId xmlns:a16="http://schemas.microsoft.com/office/drawing/2014/main" id="{205F89D1-50A2-2E32-FFE4-81C59A7CA0C3}"/>
+              </a:ext>
+            </a:extLst>
+          </p:cNvPr>
+          <p:cNvSpPr/>
+          <p:nvPr/>
+        </p:nvSpPr>
+        <p:spPr>
+          <a:xfrm>
+            <a:off x="6902107" y="1338403"/>
+            <a:ext cx="4170522" cy="444881"/>
+          </a:xfrm>
+          <a:prstGeom prst="rect">
+            <a:avLst/>
+          </a:prstGeom>
+          <a:noFill/>
+          <a:ln w="38100">
+            <a:solidFill>
+              <a:schemeClr val="tx1"/>
+            </a:solidFill>
+          </a:ln>
+        </p:spPr>
+        <p:style>
+          <a:lnRef idx="2">
+            <a:schemeClr val="accent1">
+              <a:shade val="50000"/>
+            </a:schemeClr>
+          </a:lnRef>
+          <a:fillRef idx="1">
+            <a:schemeClr val="accent1"/>
+          </a:fillRef>
+          <a:effectRef idx="0">
+            <a:schemeClr val="accent1"/>
+          </a:effectRef>
+          <a:fontRef idx="minor">
+            <a:schemeClr val="lt1"/>
+          </a:fontRef>
+        </p:style>
+        <p:txBody>
+          <a:bodyPr rtlCol="0" anchor="ctr"/>
+          <a:lstStyle/>
+          <a:p>
+            <a:pPr algn="ctr"/>
+            <a:r>
+              <a:rPr lang="en-US" altLang="ko-KR" b="1" dirty="0">
+                <a:solidFill>
+                  <a:schemeClr val="tx1"/>
+                </a:solidFill>
+              </a:rPr>
+              <a:t>Category Table</a:t>
+            </a:r>
+            <a:endParaRPr lang="ko-KR" altLang="en-US" b="1" dirty="0">
+              <a:solidFill>
+                <a:schemeClr val="tx1"/>
+              </a:solidFill>
+            </a:endParaRPr>
+          </a:p>
+        </p:txBody>
+      </p:sp>
     </p:spTree>
     <p:extLst>
       <p:ext uri="{BB962C8B-B14F-4D97-AF65-F5344CB8AC3E}">
-        <p14:creationId xmlns:p14="http://schemas.microsoft.com/office/powerpoint/2010/main" val="1148844010"/>
+        <p14:creationId xmlns:p14="http://schemas.microsoft.com/office/powerpoint/2010/main" val="1155874115"/>
+      </p:ext>
+    </p:extLst>
+  </p:cSld>
+  <p:clrMapOvr>
+    <a:masterClrMapping/>
+  </p:clrMapOvr>
+</p:sld>
+</file>
+
+<file path=ppt/slides/slide35.xml><?xml version="1.0" encoding="utf-8"?>
+<p:sld xmlns:a="http://schemas.openxmlformats.org/drawingml/2006/main" xmlns:r="http://schemas.openxmlformats.org/officeDocument/2006/relationships" xmlns:p="http://schemas.openxmlformats.org/presentationml/2006/main">
+  <p:cSld>
+    <p:spTree>
+      <p:nvGrpSpPr>
+        <p:cNvPr id="1" name=""/>
+        <p:cNvGrpSpPr/>
+        <p:nvPr/>
+      </p:nvGrpSpPr>
+      <p:grpSpPr>
+        <a:xfrm>
+          <a:off x="0" y="0"/>
+          <a:ext cx="0" cy="0"/>
+          <a:chOff x="0" y="0"/>
+          <a:chExt cx="0" cy="0"/>
+        </a:xfrm>
+      </p:grpSpPr>
+      <p:sp>
+        <p:nvSpPr>
+          <p:cNvPr id="4" name="TextBox 3">
+            <a:extLst>
+              <a:ext uri="{FF2B5EF4-FFF2-40B4-BE49-F238E27FC236}">
+                <a16:creationId xmlns:a16="http://schemas.microsoft.com/office/drawing/2014/main" id="{07F28203-A8AD-273E-C2C6-E0632B86F782}"/>
+              </a:ext>
+            </a:extLst>
+          </p:cNvPr>
+          <p:cNvSpPr txBox="1"/>
+          <p:nvPr/>
+        </p:nvSpPr>
+        <p:spPr>
+          <a:xfrm>
+            <a:off x="720909" y="1843951"/>
+            <a:ext cx="10750187" cy="3170099"/>
+          </a:xfrm>
+          <a:prstGeom prst="rect">
+            <a:avLst/>
+          </a:prstGeom>
+          <a:noFill/>
+        </p:spPr>
+        <p:txBody>
+          <a:bodyPr wrap="none" rtlCol="0">
+            <a:spAutoFit/>
+          </a:bodyPr>
+          <a:lstStyle/>
+          <a:p>
+            <a:pPr algn="ctr"/>
+            <a:r>
+              <a:rPr lang="ko-KR" altLang="en-US" sz="10000" b="1" dirty="0"/>
+              <a:t>구분 페이지</a:t>
+            </a:r>
+            <a:endParaRPr lang="en-US" altLang="ko-KR" sz="10000" b="1" dirty="0"/>
+          </a:p>
+          <a:p>
+            <a:pPr algn="ctr"/>
+            <a:r>
+              <a:rPr lang="en-US" altLang="ko-KR" sz="10000" b="1" dirty="0" err="1"/>
+              <a:t>DataBase</a:t>
+            </a:r>
+            <a:r>
+              <a:rPr lang="en-US" altLang="ko-KR" sz="10000" b="1" dirty="0"/>
+              <a:t> Lecture</a:t>
+            </a:r>
+            <a:endParaRPr lang="ko-KR" altLang="en-US" sz="10000" b="1" dirty="0"/>
+          </a:p>
+        </p:txBody>
+      </p:sp>
+    </p:spTree>
+    <p:extLst>
+      <p:ext uri="{BB962C8B-B14F-4D97-AF65-F5344CB8AC3E}">
+        <p14:creationId xmlns:p14="http://schemas.microsoft.com/office/powerpoint/2010/main" val="3997249795"/>
       </p:ext>
     </p:extLst>
   </p:cSld>
@@ -31361,7 +31889,7 @@
                   <a:schemeClr val="bg1"/>
                 </a:solidFill>
               </a:rPr>
-              <a:t>5. Database: User</a:t>
+              <a:t>5. Database: User Session</a:t>
             </a:r>
             <a:endParaRPr lang="ko-KR" altLang="en-US" sz="3200" b="1" dirty="0">
               <a:solidFill>
@@ -31373,10 +31901,10 @@
       </p:sp>
       <p:grpSp>
         <p:nvGrpSpPr>
-          <p:cNvPr id="7" name="그룹 6">
+          <p:cNvPr id="3" name="그룹 2">
             <a:extLst>
               <a:ext uri="{FF2B5EF4-FFF2-40B4-BE49-F238E27FC236}">
-                <a16:creationId xmlns:a16="http://schemas.microsoft.com/office/drawing/2014/main" id="{D89EE90B-8D27-F576-5A9B-08BFB5E2A1C9}"/>
+                <a16:creationId xmlns:a16="http://schemas.microsoft.com/office/drawing/2014/main" id="{CA529F31-F33C-B567-95BC-DD55D597D4D8}"/>
               </a:ext>
             </a:extLst>
           </p:cNvPr>
@@ -31385,7 +31913,7 @@
         </p:nvGrpSpPr>
         <p:grpSpPr>
           <a:xfrm>
-            <a:off x="4138474" y="1905166"/>
+            <a:off x="1983282" y="1905166"/>
             <a:ext cx="3915053" cy="3047668"/>
             <a:chOff x="1825358" y="1054358"/>
             <a:chExt cx="3915053" cy="3047668"/>
@@ -31393,10 +31921,10 @@
         </p:grpSpPr>
         <p:sp>
           <p:nvSpPr>
-            <p:cNvPr id="8" name="직사각형 7">
+            <p:cNvPr id="2" name="직사각형 1">
               <a:extLst>
                 <a:ext uri="{FF2B5EF4-FFF2-40B4-BE49-F238E27FC236}">
-                  <a16:creationId xmlns:a16="http://schemas.microsoft.com/office/drawing/2014/main" id="{BF227C2A-D449-9D56-FC53-0264CAF8E5DF}"/>
+                  <a16:creationId xmlns:a16="http://schemas.microsoft.com/office/drawing/2014/main" id="{1B0A7CE7-1969-ADC7-F561-541B1C5BA76C}"/>
                 </a:ext>
               </a:extLst>
             </p:cNvPr>
@@ -31530,13 +32058,20 @@
               </a:endParaRPr>
             </a:p>
             <a:p>
+              <a:endParaRPr lang="en-US" altLang="ko-KR" b="1" dirty="0">
+                <a:solidFill>
+                  <a:schemeClr val="tx1"/>
+                </a:solidFill>
+              </a:endParaRPr>
+            </a:p>
+            <a:p>
               <a:r>
                 <a:rPr lang="en-US" altLang="ko-KR" b="1" dirty="0">
                   <a:solidFill>
                     <a:schemeClr val="tx1"/>
                   </a:solidFill>
                 </a:rPr>
-                <a:t>role		// 5</a:t>
+                <a:t>- </a:t>
               </a:r>
               <a:r>
                 <a:rPr lang="ko-KR" altLang="en-US" b="1" dirty="0">
@@ -31544,17 +32079,75 @@
                     <a:schemeClr val="tx1"/>
                   </a:solidFill>
                 </a:rPr>
-                <a:t>개 권한</a:t>
-              </a:r>
+                <a:t>수강연도</a:t>
+              </a:r>
+              <a:endParaRPr lang="en-US" altLang="ko-KR" b="1" dirty="0">
+                <a:solidFill>
+                  <a:schemeClr val="tx1"/>
+                </a:solidFill>
+              </a:endParaRPr>
+            </a:p>
+            <a:p>
+              <a:r>
+                <a:rPr lang="en-US" altLang="ko-KR" b="1" dirty="0">
+                  <a:solidFill>
+                    <a:schemeClr val="tx1"/>
+                  </a:solidFill>
+                </a:rPr>
+                <a:t>    - </a:t>
+              </a:r>
+              <a:r>
+                <a:rPr lang="ko-KR" altLang="en-US" b="1" dirty="0">
+                  <a:solidFill>
+                    <a:schemeClr val="tx1"/>
+                  </a:solidFill>
+                </a:rPr>
+                <a:t>학수번호</a:t>
+              </a:r>
+              <a:endParaRPr lang="en-US" altLang="ko-KR" b="1" dirty="0">
+                <a:solidFill>
+                  <a:schemeClr val="tx1"/>
+                </a:solidFill>
+              </a:endParaRPr>
+            </a:p>
+            <a:p>
+              <a:r>
+                <a:rPr lang="en-US" altLang="ko-KR" b="1" dirty="0">
+                  <a:solidFill>
+                    <a:schemeClr val="tx1"/>
+                  </a:solidFill>
+                </a:rPr>
+                <a:t>    - </a:t>
+              </a:r>
+              <a:r>
+                <a:rPr lang="ko-KR" altLang="en-US" b="1" dirty="0" err="1">
+                  <a:solidFill>
+                    <a:schemeClr val="tx1"/>
+                  </a:solidFill>
+                </a:rPr>
+                <a:t>수업명</a:t>
+              </a:r>
+              <a:endParaRPr lang="en-US" altLang="ko-KR" b="1" dirty="0">
+                <a:solidFill>
+                  <a:schemeClr val="tx1"/>
+                </a:solidFill>
+              </a:endParaRPr>
+            </a:p>
+            <a:p>
+              <a:endParaRPr lang="en-US" altLang="ko-KR" b="1" dirty="0">
+                <a:solidFill>
+                  <a:schemeClr val="tx1"/>
+                </a:solidFill>
+              </a:endParaRPr>
             </a:p>
           </p:txBody>
         </p:sp>
         <p:sp>
           <p:nvSpPr>
-            <p:cNvPr id="9" name="직사각형 8">
+            <p:cNvPr id="5" name="직사각형 4">
               <a:extLst>
                 <a:ext uri="{FF2B5EF4-FFF2-40B4-BE49-F238E27FC236}">
-                  <a16:creationId xmlns:a16="http://schemas.microsoft.com/office/drawing/2014/main" id="{C4E884B1-5BCA-F38E-AD95-90970EE6B021}"/>
+                  <a16:creationId xmlns:a16="http://schemas.microsoft.com/office/drawing/2014/main" id="{C2E2B22D-EE48-4215-DD32-168570BC5476}"/>
                 </a:ext>
               </a:extLst>
             </p:cNvPr>
@@ -31603,7 +32196,216 @@
                     <a:schemeClr val="tx1"/>
                   </a:solidFill>
                 </a:rPr>
-                <a:t>User</a:t>
+                <a:t>User Session Response</a:t>
+              </a:r>
+              <a:endParaRPr lang="ko-KR" altLang="en-US" b="1" dirty="0">
+                <a:solidFill>
+                  <a:schemeClr val="tx1"/>
+                </a:solidFill>
+              </a:endParaRPr>
+            </a:p>
+          </p:txBody>
+        </p:sp>
+      </p:grpSp>
+      <p:grpSp>
+        <p:nvGrpSpPr>
+          <p:cNvPr id="11" name="그룹 10">
+            <a:extLst>
+              <a:ext uri="{FF2B5EF4-FFF2-40B4-BE49-F238E27FC236}">
+                <a16:creationId xmlns:a16="http://schemas.microsoft.com/office/drawing/2014/main" id="{DFF5C590-734C-BFEE-76B9-88977D0310C5}"/>
+              </a:ext>
+            </a:extLst>
+          </p:cNvPr>
+          <p:cNvGrpSpPr/>
+          <p:nvPr/>
+        </p:nvGrpSpPr>
+        <p:grpSpPr>
+          <a:xfrm>
+            <a:off x="6293665" y="1905166"/>
+            <a:ext cx="3915053" cy="3047668"/>
+            <a:chOff x="1825358" y="1054358"/>
+            <a:chExt cx="3915053" cy="3047668"/>
+          </a:xfrm>
+        </p:grpSpPr>
+        <p:sp>
+          <p:nvSpPr>
+            <p:cNvPr id="12" name="직사각형 11">
+              <a:extLst>
+                <a:ext uri="{FF2B5EF4-FFF2-40B4-BE49-F238E27FC236}">
+                  <a16:creationId xmlns:a16="http://schemas.microsoft.com/office/drawing/2014/main" id="{96C06604-A79C-1E32-F6F4-5EE95555D048}"/>
+                </a:ext>
+              </a:extLst>
+            </p:cNvPr>
+            <p:cNvSpPr/>
+            <p:nvPr/>
+          </p:nvSpPr>
+          <p:spPr>
+            <a:xfrm>
+              <a:off x="1825358" y="1554135"/>
+              <a:ext cx="3915053" cy="2547891"/>
+            </a:xfrm>
+            <a:prstGeom prst="rect">
+              <a:avLst/>
+            </a:prstGeom>
+            <a:noFill/>
+            <a:ln w="38100">
+              <a:solidFill>
+                <a:schemeClr val="tx1"/>
+              </a:solidFill>
+            </a:ln>
+          </p:spPr>
+          <p:style>
+            <a:lnRef idx="2">
+              <a:schemeClr val="accent1">
+                <a:shade val="50000"/>
+              </a:schemeClr>
+            </a:lnRef>
+            <a:fillRef idx="1">
+              <a:schemeClr val="accent1"/>
+            </a:fillRef>
+            <a:effectRef idx="0">
+              <a:schemeClr val="accent1"/>
+            </a:effectRef>
+            <a:fontRef idx="minor">
+              <a:schemeClr val="lt1"/>
+            </a:fontRef>
+          </p:style>
+          <p:txBody>
+            <a:bodyPr rtlCol="0" anchor="t"/>
+            <a:lstStyle/>
+            <a:p>
+              <a:r>
+                <a:rPr lang="en-US" altLang="ko-KR" b="1" dirty="0">
+                  <a:solidFill>
+                    <a:schemeClr val="tx1"/>
+                  </a:solidFill>
+                </a:rPr>
+                <a:t>- </a:t>
+              </a:r>
+              <a:r>
+                <a:rPr lang="ko-KR" altLang="en-US" b="1" dirty="0">
+                  <a:solidFill>
+                    <a:schemeClr val="tx1"/>
+                  </a:solidFill>
+                </a:rPr>
+                <a:t>수강연도</a:t>
+              </a:r>
+              <a:endParaRPr lang="en-US" altLang="ko-KR" b="1" dirty="0">
+                <a:solidFill>
+                  <a:schemeClr val="tx1"/>
+                </a:solidFill>
+              </a:endParaRPr>
+            </a:p>
+            <a:p>
+              <a:r>
+                <a:rPr lang="en-US" altLang="ko-KR" b="1" dirty="0">
+                  <a:solidFill>
+                    <a:schemeClr val="tx1"/>
+                  </a:solidFill>
+                </a:rPr>
+                <a:t>    - </a:t>
+              </a:r>
+              <a:r>
+                <a:rPr lang="ko-KR" altLang="en-US" b="1" dirty="0">
+                  <a:solidFill>
+                    <a:schemeClr val="tx1"/>
+                  </a:solidFill>
+                </a:rPr>
+                <a:t>학수번호</a:t>
+              </a:r>
+              <a:endParaRPr lang="en-US" altLang="ko-KR" b="1" dirty="0">
+                <a:solidFill>
+                  <a:schemeClr val="tx1"/>
+                </a:solidFill>
+              </a:endParaRPr>
+            </a:p>
+            <a:p>
+              <a:r>
+                <a:rPr lang="en-US" altLang="ko-KR" b="1" dirty="0">
+                  <a:solidFill>
+                    <a:schemeClr val="tx1"/>
+                  </a:solidFill>
+                </a:rPr>
+                <a:t>    - </a:t>
+              </a:r>
+              <a:r>
+                <a:rPr lang="ko-KR" altLang="en-US" b="1" dirty="0" err="1">
+                  <a:solidFill>
+                    <a:schemeClr val="tx1"/>
+                  </a:solidFill>
+                </a:rPr>
+                <a:t>수업명</a:t>
+              </a:r>
+              <a:endParaRPr lang="en-US" altLang="ko-KR" b="1" dirty="0">
+                <a:solidFill>
+                  <a:schemeClr val="tx1"/>
+                </a:solidFill>
+              </a:endParaRPr>
+            </a:p>
+            <a:p>
+              <a:endParaRPr lang="en-US" altLang="ko-KR" b="1" dirty="0">
+                <a:solidFill>
+                  <a:schemeClr val="tx1"/>
+                </a:solidFill>
+              </a:endParaRPr>
+            </a:p>
+          </p:txBody>
+        </p:sp>
+        <p:sp>
+          <p:nvSpPr>
+            <p:cNvPr id="13" name="직사각형 12">
+              <a:extLst>
+                <a:ext uri="{FF2B5EF4-FFF2-40B4-BE49-F238E27FC236}">
+                  <a16:creationId xmlns:a16="http://schemas.microsoft.com/office/drawing/2014/main" id="{9AD34BDF-0960-DCFD-6690-407EA4BE0A1B}"/>
+                </a:ext>
+              </a:extLst>
+            </p:cNvPr>
+            <p:cNvSpPr/>
+            <p:nvPr/>
+          </p:nvSpPr>
+          <p:spPr>
+            <a:xfrm>
+              <a:off x="1825358" y="1054358"/>
+              <a:ext cx="3915053" cy="499777"/>
+            </a:xfrm>
+            <a:prstGeom prst="rect">
+              <a:avLst/>
+            </a:prstGeom>
+            <a:noFill/>
+            <a:ln w="38100">
+              <a:solidFill>
+                <a:schemeClr val="tx1"/>
+              </a:solidFill>
+            </a:ln>
+          </p:spPr>
+          <p:style>
+            <a:lnRef idx="2">
+              <a:schemeClr val="accent1">
+                <a:shade val="50000"/>
+              </a:schemeClr>
+            </a:lnRef>
+            <a:fillRef idx="1">
+              <a:schemeClr val="accent1"/>
+            </a:fillRef>
+            <a:effectRef idx="0">
+              <a:schemeClr val="accent1"/>
+            </a:effectRef>
+            <a:fontRef idx="minor">
+              <a:schemeClr val="lt1"/>
+            </a:fontRef>
+          </p:style>
+          <p:txBody>
+            <a:bodyPr rtlCol="0" anchor="ctr"/>
+            <a:lstStyle/>
+            <a:p>
+              <a:pPr algn="ctr"/>
+              <a:r>
+                <a:rPr lang="en-US" altLang="ko-KR" b="1" dirty="0">
+                  <a:solidFill>
+                    <a:schemeClr val="tx1"/>
+                  </a:solidFill>
+                </a:rPr>
+                <a:t>Lecture Session Response</a:t>
               </a:r>
               <a:endParaRPr lang="ko-KR" altLang="en-US" b="1" dirty="0">
                 <a:solidFill>
@@ -31617,7 +32419,7 @@
     </p:spTree>
     <p:extLst>
       <p:ext uri="{BB962C8B-B14F-4D97-AF65-F5344CB8AC3E}">
-        <p14:creationId xmlns:p14="http://schemas.microsoft.com/office/powerpoint/2010/main" val="2525098264"/>
+        <p14:creationId xmlns:p14="http://schemas.microsoft.com/office/powerpoint/2010/main" val="1148844010"/>
       </p:ext>
     </p:extLst>
   </p:cSld>
@@ -31680,7 +32482,7 @@
                   <a:schemeClr val="bg1"/>
                 </a:solidFill>
               </a:rPr>
-              <a:t>5. Database: Attachment</a:t>
+              <a:t>5. Database: User</a:t>
             </a:r>
             <a:endParaRPr lang="ko-KR" altLang="en-US" sz="3200" b="1" dirty="0">
               <a:solidFill>
@@ -31763,6 +32565,325 @@
                     <a:schemeClr val="tx1"/>
                   </a:solidFill>
                 </a:rPr>
+                <a:t>id		// PK, </a:t>
+              </a:r>
+              <a:r>
+                <a:rPr lang="ko-KR" altLang="en-US" b="1" dirty="0">
+                  <a:solidFill>
+                    <a:schemeClr val="tx1"/>
+                  </a:solidFill>
+                </a:rPr>
+                <a:t>학번</a:t>
+              </a:r>
+              <a:endParaRPr lang="en-US" altLang="ko-KR" b="1" dirty="0">
+                <a:solidFill>
+                  <a:schemeClr val="tx1"/>
+                </a:solidFill>
+              </a:endParaRPr>
+            </a:p>
+            <a:p>
+              <a:r>
+                <a:rPr lang="en-US" altLang="ko-KR" b="1" dirty="0">
+                  <a:solidFill>
+                    <a:schemeClr val="tx1"/>
+                  </a:solidFill>
+                </a:rPr>
+                <a:t>name		//</a:t>
+              </a:r>
+              <a:r>
+                <a:rPr lang="ko-KR" altLang="en-US" b="1" dirty="0">
+                  <a:solidFill>
+                    <a:schemeClr val="tx1"/>
+                  </a:solidFill>
+                </a:rPr>
+                <a:t> 이름</a:t>
+              </a:r>
+              <a:endParaRPr lang="en-US" altLang="ko-KR" b="1" dirty="0">
+                <a:solidFill>
+                  <a:schemeClr val="tx1"/>
+                </a:solidFill>
+              </a:endParaRPr>
+            </a:p>
+            <a:p>
+              <a:r>
+                <a:rPr lang="en-US" altLang="ko-KR" b="1" dirty="0">
+                  <a:solidFill>
+                    <a:schemeClr val="tx1"/>
+                  </a:solidFill>
+                </a:rPr>
+                <a:t>email		// </a:t>
+              </a:r>
+              <a:r>
+                <a:rPr lang="ko-KR" altLang="en-US" b="1" dirty="0">
+                  <a:solidFill>
+                    <a:schemeClr val="tx1"/>
+                  </a:solidFill>
+                </a:rPr>
+                <a:t>이메일</a:t>
+              </a:r>
+              <a:endParaRPr lang="en-US" altLang="ko-KR" b="1" dirty="0">
+                <a:solidFill>
+                  <a:schemeClr val="tx1"/>
+                </a:solidFill>
+              </a:endParaRPr>
+            </a:p>
+            <a:p>
+              <a:r>
+                <a:rPr lang="en-US" altLang="ko-KR" b="1" dirty="0">
+                  <a:solidFill>
+                    <a:schemeClr val="tx1"/>
+                  </a:solidFill>
+                </a:rPr>
+                <a:t>contact		//</a:t>
+              </a:r>
+              <a:r>
+                <a:rPr lang="ko-KR" altLang="en-US" b="1" dirty="0">
+                  <a:solidFill>
+                    <a:schemeClr val="tx1"/>
+                  </a:solidFill>
+                </a:rPr>
+                <a:t> 연락처</a:t>
+              </a:r>
+              <a:endParaRPr lang="en-US" altLang="ko-KR" b="1" dirty="0">
+                <a:solidFill>
+                  <a:schemeClr val="tx1"/>
+                </a:solidFill>
+              </a:endParaRPr>
+            </a:p>
+            <a:p>
+              <a:r>
+                <a:rPr lang="en-US" altLang="ko-KR" b="1" dirty="0">
+                  <a:solidFill>
+                    <a:schemeClr val="tx1"/>
+                  </a:solidFill>
+                </a:rPr>
+                <a:t>role		// 5</a:t>
+              </a:r>
+              <a:r>
+                <a:rPr lang="ko-KR" altLang="en-US" b="1" dirty="0">
+                  <a:solidFill>
+                    <a:schemeClr val="tx1"/>
+                  </a:solidFill>
+                </a:rPr>
+                <a:t>개 권한</a:t>
+              </a:r>
+            </a:p>
+          </p:txBody>
+        </p:sp>
+        <p:sp>
+          <p:nvSpPr>
+            <p:cNvPr id="9" name="직사각형 8">
+              <a:extLst>
+                <a:ext uri="{FF2B5EF4-FFF2-40B4-BE49-F238E27FC236}">
+                  <a16:creationId xmlns:a16="http://schemas.microsoft.com/office/drawing/2014/main" id="{C4E884B1-5BCA-F38E-AD95-90970EE6B021}"/>
+                </a:ext>
+              </a:extLst>
+            </p:cNvPr>
+            <p:cNvSpPr/>
+            <p:nvPr/>
+          </p:nvSpPr>
+          <p:spPr>
+            <a:xfrm>
+              <a:off x="1825358" y="1054358"/>
+              <a:ext cx="3915053" cy="499777"/>
+            </a:xfrm>
+            <a:prstGeom prst="rect">
+              <a:avLst/>
+            </a:prstGeom>
+            <a:noFill/>
+            <a:ln w="38100">
+              <a:solidFill>
+                <a:schemeClr val="tx1"/>
+              </a:solidFill>
+            </a:ln>
+          </p:spPr>
+          <p:style>
+            <a:lnRef idx="2">
+              <a:schemeClr val="accent1">
+                <a:shade val="50000"/>
+              </a:schemeClr>
+            </a:lnRef>
+            <a:fillRef idx="1">
+              <a:schemeClr val="accent1"/>
+            </a:fillRef>
+            <a:effectRef idx="0">
+              <a:schemeClr val="accent1"/>
+            </a:effectRef>
+            <a:fontRef idx="minor">
+              <a:schemeClr val="lt1"/>
+            </a:fontRef>
+          </p:style>
+          <p:txBody>
+            <a:bodyPr rtlCol="0" anchor="ctr"/>
+            <a:lstStyle/>
+            <a:p>
+              <a:pPr algn="ctr"/>
+              <a:r>
+                <a:rPr lang="en-US" altLang="ko-KR" b="1" dirty="0">
+                  <a:solidFill>
+                    <a:schemeClr val="tx1"/>
+                  </a:solidFill>
+                </a:rPr>
+                <a:t>User</a:t>
+              </a:r>
+              <a:endParaRPr lang="ko-KR" altLang="en-US" b="1" dirty="0">
+                <a:solidFill>
+                  <a:schemeClr val="tx1"/>
+                </a:solidFill>
+              </a:endParaRPr>
+            </a:p>
+          </p:txBody>
+        </p:sp>
+      </p:grpSp>
+    </p:spTree>
+    <p:extLst>
+      <p:ext uri="{BB962C8B-B14F-4D97-AF65-F5344CB8AC3E}">
+        <p14:creationId xmlns:p14="http://schemas.microsoft.com/office/powerpoint/2010/main" val="2525098264"/>
+      </p:ext>
+    </p:extLst>
+  </p:cSld>
+  <p:clrMapOvr>
+    <a:masterClrMapping/>
+  </p:clrMapOvr>
+</p:sld>
+</file>
+
+<file path=ppt/slides/slide38.xml><?xml version="1.0" encoding="utf-8"?>
+<p:sld xmlns:a="http://schemas.openxmlformats.org/drawingml/2006/main" xmlns:r="http://schemas.openxmlformats.org/officeDocument/2006/relationships" xmlns:p="http://schemas.openxmlformats.org/presentationml/2006/main">
+  <p:cSld>
+    <p:spTree>
+      <p:nvGrpSpPr>
+        <p:cNvPr id="1" name=""/>
+        <p:cNvGrpSpPr/>
+        <p:nvPr/>
+      </p:nvGrpSpPr>
+      <p:grpSpPr>
+        <a:xfrm>
+          <a:off x="0" y="0"/>
+          <a:ext cx="0" cy="0"/>
+          <a:chOff x="0" y="0"/>
+          <a:chExt cx="0" cy="0"/>
+        </a:xfrm>
+      </p:grpSpPr>
+      <p:sp>
+        <p:nvSpPr>
+          <p:cNvPr id="6" name="TextBox 5">
+            <a:extLst>
+              <a:ext uri="{FF2B5EF4-FFF2-40B4-BE49-F238E27FC236}">
+                <a16:creationId xmlns:a16="http://schemas.microsoft.com/office/drawing/2014/main" id="{F204C529-3208-C800-5178-EA5E6B6187AB}"/>
+              </a:ext>
+            </a:extLst>
+          </p:cNvPr>
+          <p:cNvSpPr txBox="1"/>
+          <p:nvPr/>
+        </p:nvSpPr>
+        <p:spPr>
+          <a:xfrm>
+            <a:off x="0" y="0"/>
+            <a:ext cx="12192000" cy="584775"/>
+          </a:xfrm>
+          <a:prstGeom prst="rect">
+            <a:avLst/>
+          </a:prstGeom>
+          <a:solidFill>
+            <a:schemeClr val="tx1"/>
+          </a:solidFill>
+        </p:spPr>
+        <p:txBody>
+          <a:bodyPr wrap="square" rtlCol="0">
+            <a:spAutoFit/>
+          </a:bodyPr>
+          <a:lstStyle/>
+          <a:p>
+            <a:r>
+              <a:rPr lang="en-US" altLang="ko-KR" sz="3200" b="1" dirty="0">
+                <a:solidFill>
+                  <a:schemeClr val="bg1"/>
+                </a:solidFill>
+              </a:rPr>
+              <a:t>5. Database: Attachment</a:t>
+            </a:r>
+            <a:endParaRPr lang="ko-KR" altLang="en-US" sz="3200" b="1" dirty="0">
+              <a:solidFill>
+                <a:schemeClr val="bg1"/>
+              </a:solidFill>
+            </a:endParaRPr>
+          </a:p>
+        </p:txBody>
+      </p:sp>
+      <p:grpSp>
+        <p:nvGrpSpPr>
+          <p:cNvPr id="7" name="그룹 6">
+            <a:extLst>
+              <a:ext uri="{FF2B5EF4-FFF2-40B4-BE49-F238E27FC236}">
+                <a16:creationId xmlns:a16="http://schemas.microsoft.com/office/drawing/2014/main" id="{D89EE90B-8D27-F576-5A9B-08BFB5E2A1C9}"/>
+              </a:ext>
+            </a:extLst>
+          </p:cNvPr>
+          <p:cNvGrpSpPr/>
+          <p:nvPr/>
+        </p:nvGrpSpPr>
+        <p:grpSpPr>
+          <a:xfrm>
+            <a:off x="4138474" y="1905166"/>
+            <a:ext cx="3915053" cy="3047668"/>
+            <a:chOff x="1825358" y="1054358"/>
+            <a:chExt cx="3915053" cy="3047668"/>
+          </a:xfrm>
+        </p:grpSpPr>
+        <p:sp>
+          <p:nvSpPr>
+            <p:cNvPr id="8" name="직사각형 7">
+              <a:extLst>
+                <a:ext uri="{FF2B5EF4-FFF2-40B4-BE49-F238E27FC236}">
+                  <a16:creationId xmlns:a16="http://schemas.microsoft.com/office/drawing/2014/main" id="{BF227C2A-D449-9D56-FC53-0264CAF8E5DF}"/>
+                </a:ext>
+              </a:extLst>
+            </p:cNvPr>
+            <p:cNvSpPr/>
+            <p:nvPr/>
+          </p:nvSpPr>
+          <p:spPr>
+            <a:xfrm>
+              <a:off x="1825358" y="1554135"/>
+              <a:ext cx="3915053" cy="2547891"/>
+            </a:xfrm>
+            <a:prstGeom prst="rect">
+              <a:avLst/>
+            </a:prstGeom>
+            <a:noFill/>
+            <a:ln w="38100">
+              <a:solidFill>
+                <a:schemeClr val="tx1"/>
+              </a:solidFill>
+            </a:ln>
+          </p:spPr>
+          <p:style>
+            <a:lnRef idx="2">
+              <a:schemeClr val="accent1">
+                <a:shade val="50000"/>
+              </a:schemeClr>
+            </a:lnRef>
+            <a:fillRef idx="1">
+              <a:schemeClr val="accent1"/>
+            </a:fillRef>
+            <a:effectRef idx="0">
+              <a:schemeClr val="accent1"/>
+            </a:effectRef>
+            <a:fontRef idx="minor">
+              <a:schemeClr val="lt1"/>
+            </a:fontRef>
+          </p:style>
+          <p:txBody>
+            <a:bodyPr rtlCol="0" anchor="t"/>
+            <a:lstStyle/>
+            <a:p>
+              <a:r>
+                <a:rPr lang="en-US" altLang="ko-KR" b="1" dirty="0">
+                  <a:solidFill>
+                    <a:schemeClr val="tx1"/>
+                  </a:solidFill>
+                </a:rPr>
                 <a:t>id		// PK</a:t>
               </a:r>
             </a:p>
@@ -31869,7 +32990,7 @@
 </p:sld>
 </file>
 
-<file path=ppt/slides/slide38.xml><?xml version="1.0" encoding="utf-8"?>
+<file path=ppt/slides/slide39.xml><?xml version="1.0" encoding="utf-8"?>
 <p:sld xmlns:a="http://schemas.openxmlformats.org/drawingml/2006/main" xmlns:r="http://schemas.openxmlformats.org/officeDocument/2006/relationships" xmlns:p="http://schemas.openxmlformats.org/presentationml/2006/main">
   <p:cSld>
     <p:spTree>
@@ -31900,8 +33021,8 @@
         </p:nvSpPr>
         <p:spPr>
           <a:xfrm>
-            <a:off x="1554052" y="1074510"/>
-            <a:ext cx="9083897" cy="4708981"/>
+            <a:off x="628000" y="1074510"/>
+            <a:ext cx="10936007" cy="4708981"/>
           </a:xfrm>
           <a:prstGeom prst="rect">
             <a:avLst/>
@@ -31921,7 +33042,7 @@
                   <a:srgbClr val="FF0000"/>
                 </a:solidFill>
               </a:rPr>
-              <a:t>Tag 1</a:t>
+              <a:t>Category 1</a:t>
             </a:r>
             <a:r>
               <a:rPr lang="ko-KR" altLang="en-US" sz="10000" b="1" dirty="0">
@@ -31929,7 +33050,7 @@
                   <a:srgbClr val="FF0000"/>
                 </a:solidFill>
               </a:rPr>
-              <a:t>개로 갈지</a:t>
+              <a:t>개로</a:t>
             </a:r>
             <a:endParaRPr lang="en-US" altLang="ko-KR" sz="10000" b="1" dirty="0">
               <a:solidFill>
@@ -31940,12 +33061,28 @@
           <a:p>
             <a:pPr algn="ctr"/>
             <a:r>
+              <a:rPr lang="ko-KR" altLang="en-US" sz="10000" b="1" dirty="0">
+                <a:solidFill>
+                  <a:srgbClr val="FF0000"/>
+                </a:solidFill>
+              </a:rPr>
+              <a:t>일단결정 되었으나</a:t>
+            </a:r>
+            <a:endParaRPr lang="en-US" altLang="ko-KR" sz="10000" b="1" dirty="0">
+              <a:solidFill>
+                <a:srgbClr val="FF0000"/>
+              </a:solidFill>
+            </a:endParaRPr>
+          </a:p>
+          <a:p>
+            <a:pPr algn="ctr"/>
+            <a:r>
               <a:rPr lang="en-US" altLang="ko-KR" sz="10000" b="1" dirty="0">
                 <a:solidFill>
                   <a:srgbClr val="FF0000"/>
                 </a:solidFill>
               </a:rPr>
-              <a:t>Tag 2</a:t>
+              <a:t>Lab </a:t>
             </a:r>
             <a:r>
               <a:rPr lang="ko-KR" altLang="en-US" sz="10000" b="1" dirty="0">
@@ -31953,24 +33090,13 @@
                   <a:srgbClr val="FF0000"/>
                 </a:solidFill>
               </a:rPr>
-              <a:t>개로 갈지</a:t>
+              <a:t>개발결과 보고</a:t>
             </a:r>
             <a:endParaRPr lang="en-US" altLang="ko-KR" sz="10000" b="1" dirty="0">
               <a:solidFill>
                 <a:srgbClr val="FF0000"/>
               </a:solidFill>
             </a:endParaRPr>
-          </a:p>
-          <a:p>
-            <a:pPr algn="ctr"/>
-            <a:r>
-              <a:rPr lang="ko-KR" altLang="en-US" sz="10000" b="1" dirty="0">
-                <a:solidFill>
-                  <a:srgbClr val="FF0000"/>
-                </a:solidFill>
-              </a:rPr>
-              <a:t>결정해야함</a:t>
-            </a:r>
           </a:p>
         </p:txBody>
       </p:sp>
@@ -31987,7 +33113,1448 @@
 </p:sld>
 </file>
 
-<file path=ppt/slides/slide39.xml><?xml version="1.0" encoding="utf-8"?>
+<file path=ppt/slides/slide4.xml><?xml version="1.0" encoding="utf-8"?>
+<p:sld xmlns:a="http://schemas.openxmlformats.org/drawingml/2006/main" xmlns:r="http://schemas.openxmlformats.org/officeDocument/2006/relationships" xmlns:p="http://schemas.openxmlformats.org/presentationml/2006/main">
+  <p:cSld>
+    <p:spTree>
+      <p:nvGrpSpPr>
+        <p:cNvPr id="1" name=""/>
+        <p:cNvGrpSpPr/>
+        <p:nvPr/>
+      </p:nvGrpSpPr>
+      <p:grpSpPr>
+        <a:xfrm>
+          <a:off x="0" y="0"/>
+          <a:ext cx="0" cy="0"/>
+          <a:chOff x="0" y="0"/>
+          <a:chExt cx="0" cy="0"/>
+        </a:xfrm>
+      </p:grpSpPr>
+      <p:sp>
+        <p:nvSpPr>
+          <p:cNvPr id="5" name="TextBox 4">
+            <a:extLst>
+              <a:ext uri="{FF2B5EF4-FFF2-40B4-BE49-F238E27FC236}">
+                <a16:creationId xmlns:a16="http://schemas.microsoft.com/office/drawing/2014/main" id="{C8ECAF98-496C-0D84-6BD8-A2D0ECAE6E50}"/>
+              </a:ext>
+            </a:extLst>
+          </p:cNvPr>
+          <p:cNvSpPr txBox="1"/>
+          <p:nvPr/>
+        </p:nvSpPr>
+        <p:spPr>
+          <a:xfrm>
+            <a:off x="0" y="898052"/>
+            <a:ext cx="12192000" cy="1200329"/>
+          </a:xfrm>
+          <a:prstGeom prst="rect">
+            <a:avLst/>
+          </a:prstGeom>
+          <a:noFill/>
+        </p:spPr>
+        <p:txBody>
+          <a:bodyPr wrap="square" rtlCol="0">
+            <a:spAutoFit/>
+          </a:bodyPr>
+          <a:lstStyle/>
+          <a:p>
+            <a:pPr marL="457200" indent="-457200">
+              <a:buAutoNum type="arabicParenR"/>
+            </a:pPr>
+            <a:r>
+              <a:rPr lang="en-US" altLang="ko-KR" sz="2400" b="1" dirty="0"/>
+              <a:t>Ubuntu SSH </a:t>
+            </a:r>
+            <a:r>
+              <a:rPr lang="ko-KR" altLang="en-US" sz="2400" b="1" dirty="0"/>
+              <a:t>서버연결</a:t>
+            </a:r>
+            <a:endParaRPr lang="en-US" altLang="ko-KR" sz="2400" b="1" dirty="0"/>
+          </a:p>
+          <a:p>
+            <a:pPr marL="457200" indent="-457200">
+              <a:buAutoNum type="arabicParenR"/>
+            </a:pPr>
+            <a:r>
+              <a:rPr lang="ko-KR" altLang="en-US" sz="2400" b="1" dirty="0"/>
+              <a:t>개발자 로컬 </a:t>
+            </a:r>
+            <a:r>
+              <a:rPr lang="en-US" altLang="ko-KR" sz="2400" b="1" dirty="0"/>
+              <a:t>PC </a:t>
+            </a:r>
+            <a:r>
+              <a:rPr lang="ko-KR" altLang="en-US" sz="2400" b="1" dirty="0"/>
+              <a:t>연동</a:t>
+            </a:r>
+            <a:endParaRPr lang="en-US" altLang="ko-KR" sz="2400" b="1" dirty="0"/>
+          </a:p>
+          <a:p>
+            <a:pPr marL="457200" indent="-457200">
+              <a:buAutoNum type="arabicParenR"/>
+            </a:pPr>
+            <a:r>
+              <a:rPr lang="en-US" altLang="ko-KR" sz="2400" b="1" dirty="0" err="1"/>
+              <a:t>Github</a:t>
+            </a:r>
+            <a:r>
+              <a:rPr lang="en-US" altLang="ko-KR" sz="2400" b="1" dirty="0"/>
+              <a:t> </a:t>
+            </a:r>
+            <a:r>
+              <a:rPr lang="ko-KR" altLang="en-US" sz="2400" b="1" dirty="0"/>
+              <a:t>공동개발환경 사용</a:t>
+            </a:r>
+            <a:endParaRPr lang="en-US" altLang="ko-KR" sz="2400" b="1" dirty="0"/>
+          </a:p>
+        </p:txBody>
+      </p:sp>
+      <p:sp>
+        <p:nvSpPr>
+          <p:cNvPr id="6" name="TextBox 5">
+            <a:extLst>
+              <a:ext uri="{FF2B5EF4-FFF2-40B4-BE49-F238E27FC236}">
+                <a16:creationId xmlns:a16="http://schemas.microsoft.com/office/drawing/2014/main" id="{8B73F40B-2B9A-AA4C-5FBD-2F71BE983F70}"/>
+              </a:ext>
+            </a:extLst>
+          </p:cNvPr>
+          <p:cNvSpPr txBox="1"/>
+          <p:nvPr/>
+        </p:nvSpPr>
+        <p:spPr>
+          <a:xfrm>
+            <a:off x="0" y="0"/>
+            <a:ext cx="12192000" cy="584775"/>
+          </a:xfrm>
+          <a:prstGeom prst="rect">
+            <a:avLst/>
+          </a:prstGeom>
+          <a:solidFill>
+            <a:schemeClr val="tx1"/>
+          </a:solidFill>
+        </p:spPr>
+        <p:txBody>
+          <a:bodyPr wrap="square" rtlCol="0">
+            <a:spAutoFit/>
+          </a:bodyPr>
+          <a:lstStyle/>
+          <a:p>
+            <a:r>
+              <a:rPr lang="en-US" altLang="ko-KR" sz="3200" b="1" dirty="0">
+                <a:solidFill>
+                  <a:schemeClr val="bg1"/>
+                </a:solidFill>
+              </a:rPr>
+              <a:t>3. </a:t>
+            </a:r>
+            <a:r>
+              <a:rPr lang="ko-KR" altLang="en-US" sz="3200" b="1" dirty="0">
+                <a:solidFill>
+                  <a:schemeClr val="bg1"/>
+                </a:solidFill>
+              </a:rPr>
+              <a:t>공동개발환경 구성</a:t>
+            </a:r>
+          </a:p>
+        </p:txBody>
+      </p:sp>
+      <p:grpSp>
+        <p:nvGrpSpPr>
+          <p:cNvPr id="52" name="그룹 51">
+            <a:extLst>
+              <a:ext uri="{FF2B5EF4-FFF2-40B4-BE49-F238E27FC236}">
+                <a16:creationId xmlns:a16="http://schemas.microsoft.com/office/drawing/2014/main" id="{55A8987A-6CD8-8B3E-23AC-AE47008314B1}"/>
+              </a:ext>
+            </a:extLst>
+          </p:cNvPr>
+          <p:cNvGrpSpPr/>
+          <p:nvPr/>
+        </p:nvGrpSpPr>
+        <p:grpSpPr>
+          <a:xfrm>
+            <a:off x="359519" y="2285997"/>
+            <a:ext cx="11472963" cy="4414911"/>
+            <a:chOff x="367311" y="2285997"/>
+            <a:chExt cx="11472963" cy="4414911"/>
+          </a:xfrm>
+        </p:grpSpPr>
+        <p:grpSp>
+          <p:nvGrpSpPr>
+            <p:cNvPr id="39" name="그룹 38">
+              <a:extLst>
+                <a:ext uri="{FF2B5EF4-FFF2-40B4-BE49-F238E27FC236}">
+                  <a16:creationId xmlns:a16="http://schemas.microsoft.com/office/drawing/2014/main" id="{C12A257D-7B07-6F31-71C2-960F71FB5939}"/>
+                </a:ext>
+              </a:extLst>
+            </p:cNvPr>
+            <p:cNvGrpSpPr/>
+            <p:nvPr/>
+          </p:nvGrpSpPr>
+          <p:grpSpPr>
+            <a:xfrm>
+              <a:off x="367311" y="2285997"/>
+              <a:ext cx="7938114" cy="3013786"/>
+              <a:chOff x="823331" y="2463283"/>
+              <a:chExt cx="7938114" cy="3013786"/>
+            </a:xfrm>
+          </p:grpSpPr>
+          <p:sp>
+            <p:nvSpPr>
+              <p:cNvPr id="4" name="직사각형 3">
+                <a:extLst>
+                  <a:ext uri="{FF2B5EF4-FFF2-40B4-BE49-F238E27FC236}">
+                    <a16:creationId xmlns:a16="http://schemas.microsoft.com/office/drawing/2014/main" id="{A7BB224F-5CA4-21D0-6FB2-7D36FDBF0C18}"/>
+                  </a:ext>
+                </a:extLst>
+              </p:cNvPr>
+              <p:cNvSpPr/>
+              <p:nvPr/>
+            </p:nvSpPr>
+            <p:spPr>
+              <a:xfrm>
+                <a:off x="948234" y="3140579"/>
+                <a:ext cx="3204673" cy="2187723"/>
+              </a:xfrm>
+              <a:prstGeom prst="rect">
+                <a:avLst/>
+              </a:prstGeom>
+              <a:noFill/>
+              <a:ln w="38100">
+                <a:solidFill>
+                  <a:schemeClr val="tx1"/>
+                </a:solidFill>
+              </a:ln>
+            </p:spPr>
+            <p:style>
+              <a:lnRef idx="2">
+                <a:schemeClr val="accent1">
+                  <a:shade val="50000"/>
+                </a:schemeClr>
+              </a:lnRef>
+              <a:fillRef idx="1">
+                <a:schemeClr val="accent1"/>
+              </a:fillRef>
+              <a:effectRef idx="0">
+                <a:schemeClr val="accent1"/>
+              </a:effectRef>
+              <a:fontRef idx="minor">
+                <a:schemeClr val="lt1"/>
+              </a:fontRef>
+            </p:style>
+            <p:txBody>
+              <a:bodyPr rtlCol="0" anchor="ctr"/>
+              <a:lstStyle/>
+              <a:p>
+                <a:pPr algn="ctr"/>
+                <a:endParaRPr lang="ko-KR" altLang="en-US" b="1" dirty="0">
+                  <a:solidFill>
+                    <a:schemeClr val="tx1"/>
+                  </a:solidFill>
+                </a:endParaRPr>
+              </a:p>
+            </p:txBody>
+          </p:sp>
+          <p:sp>
+            <p:nvSpPr>
+              <p:cNvPr id="8" name="TextBox 7">
+                <a:extLst>
+                  <a:ext uri="{FF2B5EF4-FFF2-40B4-BE49-F238E27FC236}">
+                    <a16:creationId xmlns:a16="http://schemas.microsoft.com/office/drawing/2014/main" id="{8E1A3DCA-39B8-FC7C-5E2F-38E36C328317}"/>
+                  </a:ext>
+                </a:extLst>
+              </p:cNvPr>
+              <p:cNvSpPr txBox="1"/>
+              <p:nvPr/>
+            </p:nvSpPr>
+            <p:spPr>
+              <a:xfrm>
+                <a:off x="948234" y="3140578"/>
+                <a:ext cx="3204673" cy="369332"/>
+              </a:xfrm>
+              <a:prstGeom prst="rect">
+                <a:avLst/>
+              </a:prstGeom>
+              <a:noFill/>
+            </p:spPr>
+            <p:txBody>
+              <a:bodyPr wrap="square" rtlCol="0">
+                <a:spAutoFit/>
+              </a:bodyPr>
+              <a:lstStyle/>
+              <a:p>
+                <a:pPr algn="ctr"/>
+                <a:r>
+                  <a:rPr lang="en-US" altLang="ko-KR" b="1" dirty="0"/>
+                  <a:t>Spring Boot</a:t>
+                </a:r>
+                <a:endParaRPr lang="ko-KR" altLang="en-US" b="1" dirty="0"/>
+              </a:p>
+            </p:txBody>
+          </p:sp>
+          <p:sp>
+            <p:nvSpPr>
+              <p:cNvPr id="9" name="TextBox 8">
+                <a:extLst>
+                  <a:ext uri="{FF2B5EF4-FFF2-40B4-BE49-F238E27FC236}">
+                    <a16:creationId xmlns:a16="http://schemas.microsoft.com/office/drawing/2014/main" id="{1E0D209A-6ABB-2423-37BB-5651D1FC9483}"/>
+                  </a:ext>
+                </a:extLst>
+              </p:cNvPr>
+              <p:cNvSpPr txBox="1"/>
+              <p:nvPr/>
+            </p:nvSpPr>
+            <p:spPr>
+              <a:xfrm>
+                <a:off x="1891410" y="4958969"/>
+                <a:ext cx="1318322" cy="369332"/>
+              </a:xfrm>
+              <a:prstGeom prst="rect">
+                <a:avLst/>
+              </a:prstGeom>
+              <a:noFill/>
+            </p:spPr>
+            <p:txBody>
+              <a:bodyPr wrap="square" rtlCol="0">
+                <a:spAutoFit/>
+              </a:bodyPr>
+              <a:lstStyle/>
+              <a:p>
+                <a:pPr algn="ctr"/>
+                <a:r>
+                  <a:rPr lang="en-US" altLang="ko-KR" b="1" dirty="0"/>
+                  <a:t>MySQL</a:t>
+                </a:r>
+                <a:endParaRPr lang="ko-KR" altLang="en-US" b="1" dirty="0"/>
+              </a:p>
+            </p:txBody>
+          </p:sp>
+          <p:sp>
+            <p:nvSpPr>
+              <p:cNvPr id="10" name="직사각형 9">
+                <a:extLst>
+                  <a:ext uri="{FF2B5EF4-FFF2-40B4-BE49-F238E27FC236}">
+                    <a16:creationId xmlns:a16="http://schemas.microsoft.com/office/drawing/2014/main" id="{9F41BC17-1F0F-21AD-B993-8024334566A2}"/>
+                  </a:ext>
+                </a:extLst>
+              </p:cNvPr>
+              <p:cNvSpPr/>
+              <p:nvPr/>
+            </p:nvSpPr>
+            <p:spPr>
+              <a:xfrm>
+                <a:off x="5429544" y="3140579"/>
+                <a:ext cx="3204673" cy="2187723"/>
+              </a:xfrm>
+              <a:prstGeom prst="rect">
+                <a:avLst/>
+              </a:prstGeom>
+              <a:noFill/>
+              <a:ln w="38100">
+                <a:solidFill>
+                  <a:schemeClr val="tx1"/>
+                </a:solidFill>
+              </a:ln>
+            </p:spPr>
+            <p:style>
+              <a:lnRef idx="2">
+                <a:schemeClr val="accent1">
+                  <a:shade val="50000"/>
+                </a:schemeClr>
+              </a:lnRef>
+              <a:fillRef idx="1">
+                <a:schemeClr val="accent1"/>
+              </a:fillRef>
+              <a:effectRef idx="0">
+                <a:schemeClr val="accent1"/>
+              </a:effectRef>
+              <a:fontRef idx="minor">
+                <a:schemeClr val="lt1"/>
+              </a:fontRef>
+            </p:style>
+            <p:txBody>
+              <a:bodyPr rtlCol="0" anchor="ctr"/>
+              <a:lstStyle/>
+              <a:p>
+                <a:pPr algn="ctr"/>
+                <a:endParaRPr lang="ko-KR" altLang="en-US" b="1" dirty="0">
+                  <a:solidFill>
+                    <a:schemeClr val="tx1"/>
+                  </a:solidFill>
+                </a:endParaRPr>
+              </a:p>
+            </p:txBody>
+          </p:sp>
+          <p:sp>
+            <p:nvSpPr>
+              <p:cNvPr id="11" name="TextBox 10">
+                <a:extLst>
+                  <a:ext uri="{FF2B5EF4-FFF2-40B4-BE49-F238E27FC236}">
+                    <a16:creationId xmlns:a16="http://schemas.microsoft.com/office/drawing/2014/main" id="{4CB851CC-9180-96A6-55F3-025AB9EF5200}"/>
+                  </a:ext>
+                </a:extLst>
+              </p:cNvPr>
+              <p:cNvSpPr txBox="1"/>
+              <p:nvPr/>
+            </p:nvSpPr>
+            <p:spPr>
+              <a:xfrm>
+                <a:off x="5429544" y="3140578"/>
+                <a:ext cx="3204673" cy="369332"/>
+              </a:xfrm>
+              <a:prstGeom prst="rect">
+                <a:avLst/>
+              </a:prstGeom>
+              <a:noFill/>
+            </p:spPr>
+            <p:txBody>
+              <a:bodyPr wrap="square" rtlCol="0">
+                <a:spAutoFit/>
+              </a:bodyPr>
+              <a:lstStyle/>
+              <a:p>
+                <a:pPr algn="ctr"/>
+                <a:r>
+                  <a:rPr lang="en-US" altLang="ko-KR" b="1" dirty="0" err="1"/>
+                  <a:t>Github</a:t>
+                </a:r>
+                <a:endParaRPr lang="ko-KR" altLang="en-US" b="1" dirty="0"/>
+              </a:p>
+            </p:txBody>
+          </p:sp>
+          <p:cxnSp>
+            <p:nvCxnSpPr>
+              <p:cNvPr id="14" name="직선 화살표 연결선 13">
+                <a:extLst>
+                  <a:ext uri="{FF2B5EF4-FFF2-40B4-BE49-F238E27FC236}">
+                    <a16:creationId xmlns:a16="http://schemas.microsoft.com/office/drawing/2014/main" id="{3B978671-04C4-5459-5D40-7E8FBF7B5BEA}"/>
+                  </a:ext>
+                </a:extLst>
+              </p:cNvPr>
+              <p:cNvCxnSpPr>
+                <a:cxnSpLocks/>
+                <a:stCxn id="4" idx="3"/>
+                <a:endCxn id="10" idx="1"/>
+              </p:cNvCxnSpPr>
+              <p:nvPr/>
+            </p:nvCxnSpPr>
+            <p:spPr>
+              <a:xfrm>
+                <a:off x="4152907" y="4234441"/>
+                <a:ext cx="1276637" cy="0"/>
+              </a:xfrm>
+              <a:prstGeom prst="straightConnector1">
+                <a:avLst/>
+              </a:prstGeom>
+              <a:ln w="38100">
+                <a:solidFill>
+                  <a:schemeClr val="tx1"/>
+                </a:solidFill>
+                <a:tailEnd type="triangle"/>
+              </a:ln>
+            </p:spPr>
+            <p:style>
+              <a:lnRef idx="1">
+                <a:schemeClr val="accent1"/>
+              </a:lnRef>
+              <a:fillRef idx="0">
+                <a:schemeClr val="accent1"/>
+              </a:fillRef>
+              <a:effectRef idx="0">
+                <a:schemeClr val="accent1"/>
+              </a:effectRef>
+              <a:fontRef idx="minor">
+                <a:schemeClr val="tx1"/>
+              </a:fontRef>
+            </p:style>
+          </p:cxnSp>
+          <p:sp>
+            <p:nvSpPr>
+              <p:cNvPr id="15" name="TextBox 14">
+                <a:extLst>
+                  <a:ext uri="{FF2B5EF4-FFF2-40B4-BE49-F238E27FC236}">
+                    <a16:creationId xmlns:a16="http://schemas.microsoft.com/office/drawing/2014/main" id="{854352B6-843C-D171-8882-7477770780B0}"/>
+                  </a:ext>
+                </a:extLst>
+              </p:cNvPr>
+              <p:cNvSpPr txBox="1"/>
+              <p:nvPr/>
+            </p:nvSpPr>
+            <p:spPr>
+              <a:xfrm>
+                <a:off x="4152906" y="3873835"/>
+                <a:ext cx="1276637" cy="369332"/>
+              </a:xfrm>
+              <a:prstGeom prst="rect">
+                <a:avLst/>
+              </a:prstGeom>
+              <a:noFill/>
+            </p:spPr>
+            <p:txBody>
+              <a:bodyPr wrap="square" rtlCol="0">
+                <a:spAutoFit/>
+              </a:bodyPr>
+              <a:lstStyle/>
+              <a:p>
+                <a:pPr algn="ctr"/>
+                <a:r>
+                  <a:rPr lang="en-US" altLang="ko-KR" b="1" dirty="0"/>
+                  <a:t>SSH</a:t>
+                </a:r>
+                <a:endParaRPr lang="ko-KR" altLang="en-US" b="1" dirty="0"/>
+              </a:p>
+            </p:txBody>
+          </p:sp>
+          <p:cxnSp>
+            <p:nvCxnSpPr>
+              <p:cNvPr id="16" name="직선 화살표 연결선 15">
+                <a:extLst>
+                  <a:ext uri="{FF2B5EF4-FFF2-40B4-BE49-F238E27FC236}">
+                    <a16:creationId xmlns:a16="http://schemas.microsoft.com/office/drawing/2014/main" id="{B1A242D4-E2A1-EDD0-12FA-2ABF594B2F71}"/>
+                  </a:ext>
+                </a:extLst>
+              </p:cNvPr>
+              <p:cNvCxnSpPr>
+                <a:cxnSpLocks/>
+                <a:stCxn id="8" idx="2"/>
+                <a:endCxn id="9" idx="0"/>
+              </p:cNvCxnSpPr>
+              <p:nvPr/>
+            </p:nvCxnSpPr>
+            <p:spPr>
+              <a:xfrm>
+                <a:off x="2550571" y="3509910"/>
+                <a:ext cx="0" cy="1449059"/>
+              </a:xfrm>
+              <a:prstGeom prst="straightConnector1">
+                <a:avLst/>
+              </a:prstGeom>
+              <a:ln w="38100">
+                <a:solidFill>
+                  <a:schemeClr val="tx1"/>
+                </a:solidFill>
+                <a:tailEnd type="triangle"/>
+              </a:ln>
+            </p:spPr>
+            <p:style>
+              <a:lnRef idx="1">
+                <a:schemeClr val="accent1"/>
+              </a:lnRef>
+              <a:fillRef idx="0">
+                <a:schemeClr val="accent1"/>
+              </a:fillRef>
+              <a:effectRef idx="0">
+                <a:schemeClr val="accent1"/>
+              </a:effectRef>
+              <a:fontRef idx="minor">
+                <a:schemeClr val="tx1"/>
+              </a:fontRef>
+            </p:style>
+          </p:cxnSp>
+          <p:cxnSp>
+            <p:nvCxnSpPr>
+              <p:cNvPr id="19" name="직선 화살표 연결선 18">
+                <a:extLst>
+                  <a:ext uri="{FF2B5EF4-FFF2-40B4-BE49-F238E27FC236}">
+                    <a16:creationId xmlns:a16="http://schemas.microsoft.com/office/drawing/2014/main" id="{3E975B15-BA41-D712-D882-3E288F381E80}"/>
+                  </a:ext>
+                </a:extLst>
+              </p:cNvPr>
+              <p:cNvCxnSpPr>
+                <a:cxnSpLocks/>
+                <a:stCxn id="11" idx="2"/>
+                <a:endCxn id="30" idx="0"/>
+              </p:cNvCxnSpPr>
+              <p:nvPr/>
+            </p:nvCxnSpPr>
+            <p:spPr>
+              <a:xfrm flipH="1">
+                <a:off x="7031880" y="3509910"/>
+                <a:ext cx="1" cy="1437921"/>
+              </a:xfrm>
+              <a:prstGeom prst="straightConnector1">
+                <a:avLst/>
+              </a:prstGeom>
+              <a:ln w="38100">
+                <a:solidFill>
+                  <a:schemeClr val="tx1"/>
+                </a:solidFill>
+                <a:tailEnd type="triangle"/>
+              </a:ln>
+            </p:spPr>
+            <p:style>
+              <a:lnRef idx="1">
+                <a:schemeClr val="accent1"/>
+              </a:lnRef>
+              <a:fillRef idx="0">
+                <a:schemeClr val="accent1"/>
+              </a:fillRef>
+              <a:effectRef idx="0">
+                <a:schemeClr val="accent1"/>
+              </a:effectRef>
+              <a:fontRef idx="minor">
+                <a:schemeClr val="tx1"/>
+              </a:fontRef>
+            </p:style>
+          </p:cxnSp>
+          <p:cxnSp>
+            <p:nvCxnSpPr>
+              <p:cNvPr id="23" name="직선 화살표 연결선 22">
+                <a:extLst>
+                  <a:ext uri="{FF2B5EF4-FFF2-40B4-BE49-F238E27FC236}">
+                    <a16:creationId xmlns:a16="http://schemas.microsoft.com/office/drawing/2014/main" id="{037581A8-0D98-FF01-6A94-09DB4988E589}"/>
+                  </a:ext>
+                </a:extLst>
+              </p:cNvPr>
+              <p:cNvCxnSpPr>
+                <a:cxnSpLocks/>
+                <a:stCxn id="30" idx="1"/>
+                <a:endCxn id="9" idx="3"/>
+              </p:cNvCxnSpPr>
+              <p:nvPr/>
+            </p:nvCxnSpPr>
+            <p:spPr>
+              <a:xfrm flipH="1">
+                <a:off x="3209732" y="5132497"/>
+                <a:ext cx="3162987" cy="11138"/>
+              </a:xfrm>
+              <a:prstGeom prst="straightConnector1">
+                <a:avLst/>
+              </a:prstGeom>
+              <a:ln w="38100">
+                <a:solidFill>
+                  <a:schemeClr val="tx1"/>
+                </a:solidFill>
+                <a:headEnd type="triangle"/>
+                <a:tailEnd type="triangle"/>
+              </a:ln>
+            </p:spPr>
+            <p:style>
+              <a:lnRef idx="1">
+                <a:schemeClr val="accent1"/>
+              </a:lnRef>
+              <a:fillRef idx="0">
+                <a:schemeClr val="accent1"/>
+              </a:fillRef>
+              <a:effectRef idx="0">
+                <a:schemeClr val="accent1"/>
+              </a:effectRef>
+              <a:fontRef idx="minor">
+                <a:schemeClr val="tx1"/>
+              </a:fontRef>
+            </p:style>
+          </p:cxnSp>
+          <p:sp>
+            <p:nvSpPr>
+              <p:cNvPr id="30" name="TextBox 29">
+                <a:extLst>
+                  <a:ext uri="{FF2B5EF4-FFF2-40B4-BE49-F238E27FC236}">
+                    <a16:creationId xmlns:a16="http://schemas.microsoft.com/office/drawing/2014/main" id="{E020160B-3FBE-37F3-9695-0B4D6C422B87}"/>
+                  </a:ext>
+                </a:extLst>
+              </p:cNvPr>
+              <p:cNvSpPr txBox="1"/>
+              <p:nvPr/>
+            </p:nvSpPr>
+            <p:spPr>
+              <a:xfrm>
+                <a:off x="6372719" y="4947831"/>
+                <a:ext cx="1318322" cy="369332"/>
+              </a:xfrm>
+              <a:prstGeom prst="rect">
+                <a:avLst/>
+              </a:prstGeom>
+              <a:noFill/>
+            </p:spPr>
+            <p:txBody>
+              <a:bodyPr wrap="square" rtlCol="0">
+                <a:spAutoFit/>
+              </a:bodyPr>
+              <a:lstStyle/>
+              <a:p>
+                <a:pPr algn="ctr"/>
+                <a:r>
+                  <a:rPr lang="en-US" altLang="ko-KR" b="1" dirty="0"/>
+                  <a:t>MySQL</a:t>
+                </a:r>
+                <a:endParaRPr lang="ko-KR" altLang="en-US" b="1" dirty="0"/>
+              </a:p>
+            </p:txBody>
+          </p:sp>
+          <p:sp>
+            <p:nvSpPr>
+              <p:cNvPr id="34" name="TextBox 33">
+                <a:extLst>
+                  <a:ext uri="{FF2B5EF4-FFF2-40B4-BE49-F238E27FC236}">
+                    <a16:creationId xmlns:a16="http://schemas.microsoft.com/office/drawing/2014/main" id="{437D0F12-15F2-C392-60A5-CE4DF7D4AF5F}"/>
+                  </a:ext>
+                </a:extLst>
+              </p:cNvPr>
+              <p:cNvSpPr txBox="1"/>
+              <p:nvPr/>
+            </p:nvSpPr>
+            <p:spPr>
+              <a:xfrm>
+                <a:off x="948234" y="2778822"/>
+                <a:ext cx="3204673" cy="369332"/>
+              </a:xfrm>
+              <a:prstGeom prst="rect">
+                <a:avLst/>
+              </a:prstGeom>
+              <a:noFill/>
+            </p:spPr>
+            <p:txBody>
+              <a:bodyPr wrap="square" rtlCol="0">
+                <a:spAutoFit/>
+              </a:bodyPr>
+              <a:lstStyle/>
+              <a:p>
+                <a:pPr algn="ctr"/>
+                <a:r>
+                  <a:rPr lang="en-US" altLang="ko-KR" b="1" dirty="0"/>
+                  <a:t>Local Client (Developer)</a:t>
+                </a:r>
+                <a:endParaRPr lang="ko-KR" altLang="en-US" b="1" dirty="0"/>
+              </a:p>
+            </p:txBody>
+          </p:sp>
+          <p:sp>
+            <p:nvSpPr>
+              <p:cNvPr id="35" name="TextBox 34">
+                <a:extLst>
+                  <a:ext uri="{FF2B5EF4-FFF2-40B4-BE49-F238E27FC236}">
+                    <a16:creationId xmlns:a16="http://schemas.microsoft.com/office/drawing/2014/main" id="{7B2E2E33-00BB-DE1F-9D2D-E5A6FBB6522A}"/>
+                  </a:ext>
+                </a:extLst>
+              </p:cNvPr>
+              <p:cNvSpPr txBox="1"/>
+              <p:nvPr/>
+            </p:nvSpPr>
+            <p:spPr>
+              <a:xfrm>
+                <a:off x="6143249" y="2778822"/>
+                <a:ext cx="1777262" cy="369332"/>
+              </a:xfrm>
+              <a:prstGeom prst="rect">
+                <a:avLst/>
+              </a:prstGeom>
+              <a:noFill/>
+            </p:spPr>
+            <p:txBody>
+              <a:bodyPr wrap="square" rtlCol="0">
+                <a:spAutoFit/>
+              </a:bodyPr>
+              <a:lstStyle/>
+              <a:p>
+                <a:pPr algn="ctr"/>
+                <a:r>
+                  <a:rPr lang="en-US" altLang="ko-KR" b="1" dirty="0"/>
+                  <a:t>Ubuntu Server</a:t>
+                </a:r>
+                <a:endParaRPr lang="ko-KR" altLang="en-US" b="1" dirty="0"/>
+              </a:p>
+            </p:txBody>
+          </p:sp>
+          <p:sp>
+            <p:nvSpPr>
+              <p:cNvPr id="38" name="직사각형 37">
+                <a:extLst>
+                  <a:ext uri="{FF2B5EF4-FFF2-40B4-BE49-F238E27FC236}">
+                    <a16:creationId xmlns:a16="http://schemas.microsoft.com/office/drawing/2014/main" id="{6D66182B-5CF1-E848-F300-5BF8DF54C783}"/>
+                  </a:ext>
+                </a:extLst>
+              </p:cNvPr>
+              <p:cNvSpPr/>
+              <p:nvPr/>
+            </p:nvSpPr>
+            <p:spPr>
+              <a:xfrm>
+                <a:off x="823331" y="2463283"/>
+                <a:ext cx="7938114" cy="3013786"/>
+              </a:xfrm>
+              <a:prstGeom prst="rect">
+                <a:avLst/>
+              </a:prstGeom>
+              <a:noFill/>
+              <a:ln w="38100">
+                <a:solidFill>
+                  <a:schemeClr val="tx1"/>
+                </a:solidFill>
+              </a:ln>
+            </p:spPr>
+            <p:style>
+              <a:lnRef idx="2">
+                <a:schemeClr val="accent1">
+                  <a:shade val="50000"/>
+                </a:schemeClr>
+              </a:lnRef>
+              <a:fillRef idx="1">
+                <a:schemeClr val="accent1"/>
+              </a:fillRef>
+              <a:effectRef idx="0">
+                <a:schemeClr val="accent1"/>
+              </a:effectRef>
+              <a:fontRef idx="minor">
+                <a:schemeClr val="lt1"/>
+              </a:fontRef>
+            </p:style>
+            <p:txBody>
+              <a:bodyPr rtlCol="0" anchor="ctr"/>
+              <a:lstStyle/>
+              <a:p>
+                <a:pPr algn="ctr"/>
+                <a:endParaRPr lang="ko-KR" altLang="en-US" b="1" dirty="0">
+                  <a:solidFill>
+                    <a:schemeClr val="tx1"/>
+                  </a:solidFill>
+                </a:endParaRPr>
+              </a:p>
+            </p:txBody>
+          </p:sp>
+        </p:grpSp>
+        <p:sp>
+          <p:nvSpPr>
+            <p:cNvPr id="40" name="직사각형 39">
+              <a:extLst>
+                <a:ext uri="{FF2B5EF4-FFF2-40B4-BE49-F238E27FC236}">
+                  <a16:creationId xmlns:a16="http://schemas.microsoft.com/office/drawing/2014/main" id="{6A49010D-1ADF-8CFE-D34E-10660F2390EE}"/>
+                </a:ext>
+              </a:extLst>
+            </p:cNvPr>
+            <p:cNvSpPr/>
+            <p:nvPr/>
+          </p:nvSpPr>
+          <p:spPr>
+            <a:xfrm>
+              <a:off x="8635601" y="2965276"/>
+              <a:ext cx="3204673" cy="1200330"/>
+            </a:xfrm>
+            <a:prstGeom prst="rect">
+              <a:avLst/>
+            </a:prstGeom>
+            <a:noFill/>
+            <a:ln w="38100">
+              <a:solidFill>
+                <a:schemeClr val="tx1"/>
+              </a:solidFill>
+            </a:ln>
+          </p:spPr>
+          <p:style>
+            <a:lnRef idx="2">
+              <a:schemeClr val="accent1">
+                <a:shade val="50000"/>
+              </a:schemeClr>
+            </a:lnRef>
+            <a:fillRef idx="1">
+              <a:schemeClr val="accent1"/>
+            </a:fillRef>
+            <a:effectRef idx="0">
+              <a:schemeClr val="accent1"/>
+            </a:effectRef>
+            <a:fontRef idx="minor">
+              <a:schemeClr val="lt1"/>
+            </a:fontRef>
+          </p:style>
+          <p:txBody>
+            <a:bodyPr rtlCol="0" anchor="t"/>
+            <a:lstStyle/>
+            <a:p>
+              <a:r>
+                <a:rPr lang="en-US" altLang="ko-KR" b="1" dirty="0">
+                  <a:solidFill>
+                    <a:schemeClr val="tx1"/>
+                  </a:solidFill>
+                </a:rPr>
+                <a:t>Ubuntu Server:</a:t>
+              </a:r>
+            </a:p>
+            <a:p>
+              <a:r>
+                <a:rPr lang="en-US" altLang="ko-KR" b="1" dirty="0">
+                  <a:solidFill>
+                    <a:schemeClr val="tx1"/>
+                  </a:solidFill>
+                </a:rPr>
+                <a:t>Ubuntu User1: researcher1</a:t>
+              </a:r>
+            </a:p>
+            <a:p>
+              <a:r>
+                <a:rPr lang="en-US" altLang="ko-KR" b="1" dirty="0">
+                  <a:solidFill>
+                    <a:schemeClr val="tx1"/>
+                  </a:solidFill>
+                </a:rPr>
+                <a:t>Ubuntu User2: researcher2</a:t>
+              </a:r>
+            </a:p>
+            <a:p>
+              <a:r>
+                <a:rPr lang="en-US" altLang="ko-KR" b="1" dirty="0">
+                  <a:solidFill>
+                    <a:schemeClr val="tx1"/>
+                  </a:solidFill>
+                </a:rPr>
+                <a:t>Ubuntu User3: researcher3</a:t>
+              </a:r>
+            </a:p>
+            <a:p>
+              <a:endParaRPr lang="ko-KR" altLang="en-US" b="1" dirty="0">
+                <a:solidFill>
+                  <a:schemeClr val="tx1"/>
+                </a:solidFill>
+              </a:endParaRPr>
+            </a:p>
+          </p:txBody>
+        </p:sp>
+        <p:sp>
+          <p:nvSpPr>
+            <p:cNvPr id="41" name="직사각형 40">
+              <a:extLst>
+                <a:ext uri="{FF2B5EF4-FFF2-40B4-BE49-F238E27FC236}">
+                  <a16:creationId xmlns:a16="http://schemas.microsoft.com/office/drawing/2014/main" id="{C0A7EAEF-185D-DB0F-4216-BB7C88714291}"/>
+                </a:ext>
+              </a:extLst>
+            </p:cNvPr>
+            <p:cNvSpPr/>
+            <p:nvPr/>
+          </p:nvSpPr>
+          <p:spPr>
+            <a:xfrm>
+              <a:off x="4973522" y="5526702"/>
+              <a:ext cx="3204673" cy="1174206"/>
+            </a:xfrm>
+            <a:prstGeom prst="rect">
+              <a:avLst/>
+            </a:prstGeom>
+            <a:noFill/>
+            <a:ln w="38100">
+              <a:solidFill>
+                <a:schemeClr val="tx1"/>
+              </a:solidFill>
+            </a:ln>
+          </p:spPr>
+          <p:style>
+            <a:lnRef idx="2">
+              <a:schemeClr val="accent1">
+                <a:shade val="50000"/>
+              </a:schemeClr>
+            </a:lnRef>
+            <a:fillRef idx="1">
+              <a:schemeClr val="accent1"/>
+            </a:fillRef>
+            <a:effectRef idx="0">
+              <a:schemeClr val="accent1"/>
+            </a:effectRef>
+            <a:fontRef idx="minor">
+              <a:schemeClr val="lt1"/>
+            </a:fontRef>
+          </p:style>
+          <p:txBody>
+            <a:bodyPr rtlCol="0" anchor="t"/>
+            <a:lstStyle/>
+            <a:p>
+              <a:r>
+                <a:rPr lang="en-US" altLang="ko-KR" b="1" dirty="0">
+                  <a:solidFill>
+                    <a:schemeClr val="tx1"/>
+                  </a:solidFill>
+                </a:rPr>
+                <a:t>MySQL: CGVRLAB</a:t>
+              </a:r>
+            </a:p>
+            <a:p>
+              <a:r>
+                <a:rPr lang="en-US" altLang="ko-KR" b="1" dirty="0">
+                  <a:solidFill>
+                    <a:schemeClr val="tx1"/>
+                  </a:solidFill>
+                </a:rPr>
+                <a:t>admin1: pw</a:t>
+              </a:r>
+            </a:p>
+            <a:p>
+              <a:r>
+                <a:rPr lang="en-US" altLang="ko-KR" b="1" dirty="0">
+                  <a:solidFill>
+                    <a:schemeClr val="tx1"/>
+                  </a:solidFill>
+                </a:rPr>
+                <a:t>admin2: pw</a:t>
+              </a:r>
+            </a:p>
+            <a:p>
+              <a:r>
+                <a:rPr lang="en-US" altLang="ko-KR" b="1" dirty="0">
+                  <a:solidFill>
+                    <a:schemeClr val="tx1"/>
+                  </a:solidFill>
+                </a:rPr>
+                <a:t>admin3: pw</a:t>
+              </a:r>
+              <a:endParaRPr lang="ko-KR" altLang="en-US" b="1" dirty="0">
+                <a:solidFill>
+                  <a:schemeClr val="tx1"/>
+                </a:solidFill>
+              </a:endParaRPr>
+            </a:p>
+          </p:txBody>
+        </p:sp>
+        <p:cxnSp>
+          <p:nvCxnSpPr>
+            <p:cNvPr id="42" name="직선 화살표 연결선 41">
+              <a:extLst>
+                <a:ext uri="{FF2B5EF4-FFF2-40B4-BE49-F238E27FC236}">
+                  <a16:creationId xmlns:a16="http://schemas.microsoft.com/office/drawing/2014/main" id="{55BDBF97-A852-2765-71AE-146F66EDC802}"/>
+                </a:ext>
+              </a:extLst>
+            </p:cNvPr>
+            <p:cNvCxnSpPr>
+              <a:cxnSpLocks/>
+              <a:stCxn id="30" idx="2"/>
+              <a:endCxn id="41" idx="0"/>
+            </p:cNvCxnSpPr>
+            <p:nvPr/>
+          </p:nvCxnSpPr>
+          <p:spPr>
+            <a:xfrm flipH="1">
+              <a:off x="6575859" y="5139877"/>
+              <a:ext cx="1" cy="386825"/>
+            </a:xfrm>
+            <a:prstGeom prst="straightConnector1">
+              <a:avLst/>
+            </a:prstGeom>
+            <a:ln w="38100">
+              <a:solidFill>
+                <a:schemeClr val="tx1"/>
+              </a:solidFill>
+              <a:tailEnd type="triangle"/>
+            </a:ln>
+          </p:spPr>
+          <p:style>
+            <a:lnRef idx="1">
+              <a:schemeClr val="accent1"/>
+            </a:lnRef>
+            <a:fillRef idx="0">
+              <a:schemeClr val="accent1"/>
+            </a:fillRef>
+            <a:effectRef idx="0">
+              <a:schemeClr val="accent1"/>
+            </a:effectRef>
+            <a:fontRef idx="minor">
+              <a:schemeClr val="tx1"/>
+            </a:fontRef>
+          </p:style>
+        </p:cxnSp>
+        <p:cxnSp>
+          <p:nvCxnSpPr>
+            <p:cNvPr id="47" name="연결선: 꺾임 46">
+              <a:extLst>
+                <a:ext uri="{FF2B5EF4-FFF2-40B4-BE49-F238E27FC236}">
+                  <a16:creationId xmlns:a16="http://schemas.microsoft.com/office/drawing/2014/main" id="{6168FC9C-E28C-4E44-A57D-A03104E10A64}"/>
+                </a:ext>
+              </a:extLst>
+            </p:cNvPr>
+            <p:cNvCxnSpPr>
+              <a:cxnSpLocks/>
+              <a:stCxn id="35" idx="3"/>
+              <a:endCxn id="40" idx="1"/>
+            </p:cNvCxnSpPr>
+            <p:nvPr/>
+          </p:nvCxnSpPr>
+          <p:spPr>
+            <a:xfrm>
+              <a:off x="7464491" y="2786202"/>
+              <a:ext cx="1171110" cy="779239"/>
+            </a:xfrm>
+            <a:prstGeom prst="bentConnector3">
+              <a:avLst>
+                <a:gd name="adj1" fmla="val 81869"/>
+              </a:avLst>
+            </a:prstGeom>
+            <a:ln w="38100">
+              <a:solidFill>
+                <a:schemeClr val="tx1"/>
+              </a:solidFill>
+              <a:tailEnd type="triangle"/>
+            </a:ln>
+          </p:spPr>
+          <p:style>
+            <a:lnRef idx="1">
+              <a:schemeClr val="accent1"/>
+            </a:lnRef>
+            <a:fillRef idx="0">
+              <a:schemeClr val="accent1"/>
+            </a:fillRef>
+            <a:effectRef idx="0">
+              <a:schemeClr val="accent1"/>
+            </a:effectRef>
+            <a:fontRef idx="minor">
+              <a:schemeClr val="tx1"/>
+            </a:fontRef>
+          </p:style>
+        </p:cxnSp>
+        <p:sp>
+          <p:nvSpPr>
+            <p:cNvPr id="49" name="직사각형 48">
+              <a:extLst>
+                <a:ext uri="{FF2B5EF4-FFF2-40B4-BE49-F238E27FC236}">
+                  <a16:creationId xmlns:a16="http://schemas.microsoft.com/office/drawing/2014/main" id="{E817820F-4D6A-B28C-AB21-CA703749E6EA}"/>
+                </a:ext>
+              </a:extLst>
+            </p:cNvPr>
+            <p:cNvSpPr/>
+            <p:nvPr/>
+          </p:nvSpPr>
+          <p:spPr>
+            <a:xfrm>
+              <a:off x="492213" y="5522948"/>
+              <a:ext cx="3204673" cy="1174206"/>
+            </a:xfrm>
+            <a:prstGeom prst="rect">
+              <a:avLst/>
+            </a:prstGeom>
+            <a:noFill/>
+            <a:ln w="38100">
+              <a:solidFill>
+                <a:schemeClr val="tx1"/>
+              </a:solidFill>
+            </a:ln>
+          </p:spPr>
+          <p:style>
+            <a:lnRef idx="2">
+              <a:schemeClr val="accent1">
+                <a:shade val="50000"/>
+              </a:schemeClr>
+            </a:lnRef>
+            <a:fillRef idx="1">
+              <a:schemeClr val="accent1"/>
+            </a:fillRef>
+            <a:effectRef idx="0">
+              <a:schemeClr val="accent1"/>
+            </a:effectRef>
+            <a:fontRef idx="minor">
+              <a:schemeClr val="lt1"/>
+            </a:fontRef>
+          </p:style>
+          <p:txBody>
+            <a:bodyPr rtlCol="0" anchor="t"/>
+            <a:lstStyle/>
+            <a:p>
+              <a:r>
+                <a:rPr lang="en-US" altLang="ko-KR" b="1" dirty="0">
+                  <a:solidFill>
+                    <a:schemeClr val="tx1"/>
+                  </a:solidFill>
+                </a:rPr>
+                <a:t>MySQL: </a:t>
+              </a:r>
+              <a:r>
+                <a:rPr lang="ko-KR" altLang="en-US" b="1" dirty="0">
+                  <a:solidFill>
+                    <a:schemeClr val="tx1"/>
+                  </a:solidFill>
+                </a:rPr>
+                <a:t>서버와 </a:t>
+              </a:r>
+              <a:r>
+                <a:rPr lang="ko-KR" altLang="en-US" b="1" dirty="0" err="1">
+                  <a:solidFill>
+                    <a:schemeClr val="tx1"/>
+                  </a:solidFill>
+                </a:rPr>
+                <a:t>동일세팅</a:t>
+              </a:r>
+              <a:endParaRPr lang="en-US" altLang="ko-KR" b="1" dirty="0">
+                <a:solidFill>
+                  <a:schemeClr val="tx1"/>
+                </a:solidFill>
+              </a:endParaRPr>
+            </a:p>
+            <a:p>
+              <a:pPr marL="342900" indent="-342900">
+                <a:buAutoNum type="arabicParenR"/>
+              </a:pPr>
+              <a:r>
+                <a:rPr lang="en-US" altLang="ko-KR" b="1" dirty="0">
+                  <a:solidFill>
+                    <a:schemeClr val="tx1"/>
+                  </a:solidFill>
+                </a:rPr>
+                <a:t>Client</a:t>
+              </a:r>
+              <a:r>
+                <a:rPr lang="ko-KR" altLang="en-US" b="1" dirty="0">
+                  <a:solidFill>
+                    <a:schemeClr val="tx1"/>
+                  </a:solidFill>
+                </a:rPr>
+                <a:t>에서 개발</a:t>
+              </a:r>
+              <a:endParaRPr lang="en-US" altLang="ko-KR" b="1" dirty="0">
+                <a:solidFill>
+                  <a:schemeClr val="tx1"/>
+                </a:solidFill>
+              </a:endParaRPr>
+            </a:p>
+            <a:p>
+              <a:pPr marL="342900" indent="-342900">
+                <a:buAutoNum type="arabicParenR"/>
+              </a:pPr>
+              <a:r>
+                <a:rPr lang="en-US" altLang="ko-KR" b="1" dirty="0">
+                  <a:solidFill>
+                    <a:schemeClr val="tx1"/>
+                  </a:solidFill>
+                </a:rPr>
+                <a:t>Server</a:t>
+              </a:r>
+              <a:r>
+                <a:rPr lang="ko-KR" altLang="en-US" b="1" dirty="0">
+                  <a:solidFill>
+                    <a:schemeClr val="tx1"/>
+                  </a:solidFill>
+                </a:rPr>
+                <a:t>에서 </a:t>
+              </a:r>
+              <a:r>
+                <a:rPr lang="en-US" altLang="ko-KR" b="1" dirty="0">
+                  <a:solidFill>
+                    <a:schemeClr val="tx1"/>
+                  </a:solidFill>
+                </a:rPr>
+                <a:t>git pull</a:t>
+              </a:r>
+            </a:p>
+            <a:p>
+              <a:pPr marL="342900" indent="-342900">
+                <a:buAutoNum type="arabicParenR"/>
+              </a:pPr>
+              <a:r>
+                <a:rPr lang="en-US" altLang="ko-KR" b="1" dirty="0">
+                  <a:solidFill>
+                    <a:schemeClr val="tx1"/>
+                  </a:solidFill>
+                </a:rPr>
+                <a:t>Server</a:t>
+              </a:r>
+              <a:r>
+                <a:rPr lang="ko-KR" altLang="en-US" b="1" dirty="0">
+                  <a:solidFill>
+                    <a:schemeClr val="tx1"/>
+                  </a:solidFill>
+                </a:rPr>
+                <a:t>에서 </a:t>
+              </a:r>
+              <a:r>
+                <a:rPr lang="en-US" altLang="ko-KR" b="1" dirty="0">
+                  <a:solidFill>
+                    <a:schemeClr val="tx1"/>
+                  </a:solidFill>
+                </a:rPr>
+                <a:t>MySQL </a:t>
+              </a:r>
+              <a:r>
+                <a:rPr lang="ko-KR" altLang="en-US" b="1" dirty="0">
+                  <a:solidFill>
+                    <a:schemeClr val="tx1"/>
+                  </a:solidFill>
+                </a:rPr>
+                <a:t>연결</a:t>
+              </a:r>
+            </a:p>
+          </p:txBody>
+        </p:sp>
+      </p:grpSp>
+      <p:sp>
+        <p:nvSpPr>
+          <p:cNvPr id="25" name="TextBox 24">
+            <a:extLst>
+              <a:ext uri="{FF2B5EF4-FFF2-40B4-BE49-F238E27FC236}">
+                <a16:creationId xmlns:a16="http://schemas.microsoft.com/office/drawing/2014/main" id="{426AA9EA-177E-C193-EA80-014BDEFE2D09}"/>
+              </a:ext>
+            </a:extLst>
+          </p:cNvPr>
+          <p:cNvSpPr txBox="1"/>
+          <p:nvPr/>
+        </p:nvSpPr>
+        <p:spPr>
+          <a:xfrm>
+            <a:off x="3724952" y="4585878"/>
+            <a:ext cx="1276634" cy="369332"/>
+          </a:xfrm>
+          <a:prstGeom prst="rect">
+            <a:avLst/>
+          </a:prstGeom>
+          <a:noFill/>
+        </p:spPr>
+        <p:txBody>
+          <a:bodyPr wrap="square" rtlCol="0">
+            <a:spAutoFit/>
+          </a:bodyPr>
+          <a:lstStyle/>
+          <a:p>
+            <a:pPr algn="ctr"/>
+            <a:r>
+              <a:rPr lang="en-US" altLang="ko-KR" b="1" dirty="0"/>
+              <a:t>Sync</a:t>
+            </a:r>
+            <a:endParaRPr lang="ko-KR" altLang="en-US" b="1" dirty="0"/>
+          </a:p>
+        </p:txBody>
+      </p:sp>
+    </p:spTree>
+    <p:extLst>
+      <p:ext uri="{BB962C8B-B14F-4D97-AF65-F5344CB8AC3E}">
+        <p14:creationId xmlns:p14="http://schemas.microsoft.com/office/powerpoint/2010/main" val="2227447459"/>
+      </p:ext>
+    </p:extLst>
+  </p:cSld>
+  <p:clrMapOvr>
+    <a:masterClrMapping/>
+  </p:clrMapOvr>
+</p:sld>
+</file>
+
+<file path=ppt/slides/slide40.xml><?xml version="1.0" encoding="utf-8"?>
+<p:sld xmlns:a="http://schemas.openxmlformats.org/drawingml/2006/main" xmlns:r="http://schemas.openxmlformats.org/officeDocument/2006/relationships" xmlns:p="http://schemas.openxmlformats.org/presentationml/2006/main">
+  <p:cSld>
+    <p:spTree>
+      <p:nvGrpSpPr>
+        <p:cNvPr id="1" name=""/>
+        <p:cNvGrpSpPr/>
+        <p:nvPr/>
+      </p:nvGrpSpPr>
+      <p:grpSpPr>
+        <a:xfrm>
+          <a:off x="0" y="0"/>
+          <a:ext cx="0" cy="0"/>
+          <a:chOff x="0" y="0"/>
+          <a:chExt cx="0" cy="0"/>
+        </a:xfrm>
+      </p:grpSpPr>
+      <p:sp>
+        <p:nvSpPr>
+          <p:cNvPr id="4" name="TextBox 3">
+            <a:extLst>
+              <a:ext uri="{FF2B5EF4-FFF2-40B4-BE49-F238E27FC236}">
+                <a16:creationId xmlns:a16="http://schemas.microsoft.com/office/drawing/2014/main" id="{07F28203-A8AD-273E-C2C6-E0632B86F782}"/>
+              </a:ext>
+            </a:extLst>
+          </p:cNvPr>
+          <p:cNvSpPr txBox="1"/>
+          <p:nvPr/>
+        </p:nvSpPr>
+        <p:spPr>
+          <a:xfrm>
+            <a:off x="-97354" y="1074510"/>
+            <a:ext cx="12386725" cy="4708981"/>
+          </a:xfrm>
+          <a:prstGeom prst="rect">
+            <a:avLst/>
+          </a:prstGeom>
+          <a:noFill/>
+        </p:spPr>
+        <p:txBody>
+          <a:bodyPr wrap="none" rtlCol="0">
+            <a:spAutoFit/>
+          </a:bodyPr>
+          <a:lstStyle/>
+          <a:p>
+            <a:pPr algn="ctr"/>
+            <a:r>
+              <a:rPr lang="en-US" altLang="ko-KR" sz="10000" b="1" dirty="0">
+                <a:solidFill>
+                  <a:srgbClr val="FF0000"/>
+                </a:solidFill>
+              </a:rPr>
+              <a:t>Category </a:t>
+            </a:r>
+            <a:r>
+              <a:rPr lang="ko-KR" altLang="en-US" sz="10000" b="1" dirty="0">
+                <a:solidFill>
+                  <a:srgbClr val="FF0000"/>
+                </a:solidFill>
+              </a:rPr>
+              <a:t>사용방식</a:t>
+            </a:r>
+            <a:endParaRPr lang="en-US" altLang="ko-KR" sz="10000" b="1" dirty="0">
+              <a:solidFill>
+                <a:srgbClr val="FF0000"/>
+              </a:solidFill>
+            </a:endParaRPr>
+          </a:p>
+          <a:p>
+            <a:pPr algn="ctr"/>
+            <a:r>
+              <a:rPr lang="ko-KR" altLang="en-US" sz="10000" b="1" dirty="0">
+                <a:solidFill>
+                  <a:srgbClr val="FF0000"/>
+                </a:solidFill>
+              </a:rPr>
+              <a:t>최종결정 예정</a:t>
+            </a:r>
+            <a:r>
+              <a:rPr lang="en-US" altLang="ko-KR" sz="10000" b="1" dirty="0">
+                <a:solidFill>
+                  <a:srgbClr val="FF0000"/>
+                </a:solidFill>
+              </a:rPr>
+              <a:t>, </a:t>
+            </a:r>
+            <a:r>
+              <a:rPr lang="ko-KR" altLang="en-US" sz="10000" b="1" dirty="0">
+                <a:solidFill>
+                  <a:srgbClr val="FF0000"/>
+                </a:solidFill>
+              </a:rPr>
+              <a:t>아직</a:t>
+            </a:r>
+            <a:endParaRPr lang="en-US" altLang="ko-KR" sz="10000" b="1" dirty="0">
+              <a:solidFill>
+                <a:srgbClr val="FF0000"/>
+              </a:solidFill>
+            </a:endParaRPr>
+          </a:p>
+          <a:p>
+            <a:pPr algn="ctr"/>
+            <a:r>
+              <a:rPr lang="en-US" altLang="ko-KR" sz="10000" b="1" dirty="0">
+                <a:solidFill>
+                  <a:srgbClr val="FF0000"/>
+                </a:solidFill>
+              </a:rPr>
+              <a:t>PPT</a:t>
+            </a:r>
+            <a:r>
+              <a:rPr lang="ko-KR" altLang="en-US" sz="10000" b="1" dirty="0">
+                <a:solidFill>
+                  <a:srgbClr val="FF0000"/>
+                </a:solidFill>
+              </a:rPr>
+              <a:t>는 수정되지 않음</a:t>
+            </a:r>
+            <a:endParaRPr lang="en-US" altLang="ko-KR" sz="10000" b="1" dirty="0">
+              <a:solidFill>
+                <a:srgbClr val="FF0000"/>
+              </a:solidFill>
+            </a:endParaRPr>
+          </a:p>
+        </p:txBody>
+      </p:sp>
+    </p:spTree>
+    <p:extLst>
+      <p:ext uri="{BB962C8B-B14F-4D97-AF65-F5344CB8AC3E}">
+        <p14:creationId xmlns:p14="http://schemas.microsoft.com/office/powerpoint/2010/main" val="4075781662"/>
+      </p:ext>
+    </p:extLst>
+  </p:cSld>
+  <p:clrMapOvr>
+    <a:masterClrMapping/>
+  </p:clrMapOvr>
+</p:sld>
+</file>
+
+<file path=ppt/slides/slide41.xml><?xml version="1.0" encoding="utf-8"?>
 <p:sld xmlns:a="http://schemas.openxmlformats.org/drawingml/2006/main" xmlns:r="http://schemas.openxmlformats.org/officeDocument/2006/relationships" xmlns:p="http://schemas.openxmlformats.org/presentationml/2006/main">
   <p:cSld>
     <p:spTree>
@@ -32612,1309 +35179,7 @@
 </p:sld>
 </file>
 
-<file path=ppt/slides/slide4.xml><?xml version="1.0" encoding="utf-8"?>
-<p:sld xmlns:a="http://schemas.openxmlformats.org/drawingml/2006/main" xmlns:r="http://schemas.openxmlformats.org/officeDocument/2006/relationships" xmlns:p="http://schemas.openxmlformats.org/presentationml/2006/main">
-  <p:cSld>
-    <p:spTree>
-      <p:nvGrpSpPr>
-        <p:cNvPr id="1" name=""/>
-        <p:cNvGrpSpPr/>
-        <p:nvPr/>
-      </p:nvGrpSpPr>
-      <p:grpSpPr>
-        <a:xfrm>
-          <a:off x="0" y="0"/>
-          <a:ext cx="0" cy="0"/>
-          <a:chOff x="0" y="0"/>
-          <a:chExt cx="0" cy="0"/>
-        </a:xfrm>
-      </p:grpSpPr>
-      <p:sp>
-        <p:nvSpPr>
-          <p:cNvPr id="5" name="TextBox 4">
-            <a:extLst>
-              <a:ext uri="{FF2B5EF4-FFF2-40B4-BE49-F238E27FC236}">
-                <a16:creationId xmlns:a16="http://schemas.microsoft.com/office/drawing/2014/main" id="{C8ECAF98-496C-0D84-6BD8-A2D0ECAE6E50}"/>
-              </a:ext>
-            </a:extLst>
-          </p:cNvPr>
-          <p:cNvSpPr txBox="1"/>
-          <p:nvPr/>
-        </p:nvSpPr>
-        <p:spPr>
-          <a:xfrm>
-            <a:off x="0" y="898052"/>
-            <a:ext cx="12192000" cy="1200329"/>
-          </a:xfrm>
-          <a:prstGeom prst="rect">
-            <a:avLst/>
-          </a:prstGeom>
-          <a:noFill/>
-        </p:spPr>
-        <p:txBody>
-          <a:bodyPr wrap="square" rtlCol="0">
-            <a:spAutoFit/>
-          </a:bodyPr>
-          <a:lstStyle/>
-          <a:p>
-            <a:pPr marL="457200" indent="-457200">
-              <a:buAutoNum type="arabicParenR"/>
-            </a:pPr>
-            <a:r>
-              <a:rPr lang="en-US" altLang="ko-KR" sz="2400" b="1" dirty="0"/>
-              <a:t>Ubuntu SSH </a:t>
-            </a:r>
-            <a:r>
-              <a:rPr lang="ko-KR" altLang="en-US" sz="2400" b="1" dirty="0"/>
-              <a:t>서버연결</a:t>
-            </a:r>
-            <a:endParaRPr lang="en-US" altLang="ko-KR" sz="2400" b="1" dirty="0"/>
-          </a:p>
-          <a:p>
-            <a:pPr marL="457200" indent="-457200">
-              <a:buAutoNum type="arabicParenR"/>
-            </a:pPr>
-            <a:r>
-              <a:rPr lang="ko-KR" altLang="en-US" sz="2400" b="1" dirty="0"/>
-              <a:t>개발자 로컬 </a:t>
-            </a:r>
-            <a:r>
-              <a:rPr lang="en-US" altLang="ko-KR" sz="2400" b="1" dirty="0"/>
-              <a:t>PC </a:t>
-            </a:r>
-            <a:r>
-              <a:rPr lang="ko-KR" altLang="en-US" sz="2400" b="1" dirty="0"/>
-              <a:t>연동</a:t>
-            </a:r>
-            <a:endParaRPr lang="en-US" altLang="ko-KR" sz="2400" b="1" dirty="0"/>
-          </a:p>
-          <a:p>
-            <a:pPr marL="457200" indent="-457200">
-              <a:buAutoNum type="arabicParenR"/>
-            </a:pPr>
-            <a:r>
-              <a:rPr lang="en-US" altLang="ko-KR" sz="2400" b="1" dirty="0" err="1"/>
-              <a:t>Github</a:t>
-            </a:r>
-            <a:r>
-              <a:rPr lang="en-US" altLang="ko-KR" sz="2400" b="1" dirty="0"/>
-              <a:t> </a:t>
-            </a:r>
-            <a:r>
-              <a:rPr lang="ko-KR" altLang="en-US" sz="2400" b="1" dirty="0"/>
-              <a:t>공동개발환경 사용</a:t>
-            </a:r>
-            <a:endParaRPr lang="en-US" altLang="ko-KR" sz="2400" b="1" dirty="0"/>
-          </a:p>
-        </p:txBody>
-      </p:sp>
-      <p:sp>
-        <p:nvSpPr>
-          <p:cNvPr id="6" name="TextBox 5">
-            <a:extLst>
-              <a:ext uri="{FF2B5EF4-FFF2-40B4-BE49-F238E27FC236}">
-                <a16:creationId xmlns:a16="http://schemas.microsoft.com/office/drawing/2014/main" id="{8B73F40B-2B9A-AA4C-5FBD-2F71BE983F70}"/>
-              </a:ext>
-            </a:extLst>
-          </p:cNvPr>
-          <p:cNvSpPr txBox="1"/>
-          <p:nvPr/>
-        </p:nvSpPr>
-        <p:spPr>
-          <a:xfrm>
-            <a:off x="0" y="0"/>
-            <a:ext cx="12192000" cy="584775"/>
-          </a:xfrm>
-          <a:prstGeom prst="rect">
-            <a:avLst/>
-          </a:prstGeom>
-          <a:solidFill>
-            <a:schemeClr val="tx1"/>
-          </a:solidFill>
-        </p:spPr>
-        <p:txBody>
-          <a:bodyPr wrap="square" rtlCol="0">
-            <a:spAutoFit/>
-          </a:bodyPr>
-          <a:lstStyle/>
-          <a:p>
-            <a:r>
-              <a:rPr lang="en-US" altLang="ko-KR" sz="3200" b="1" dirty="0">
-                <a:solidFill>
-                  <a:schemeClr val="bg1"/>
-                </a:solidFill>
-              </a:rPr>
-              <a:t>3. </a:t>
-            </a:r>
-            <a:r>
-              <a:rPr lang="ko-KR" altLang="en-US" sz="3200" b="1" dirty="0">
-                <a:solidFill>
-                  <a:schemeClr val="bg1"/>
-                </a:solidFill>
-              </a:rPr>
-              <a:t>공동개발환경 구성</a:t>
-            </a:r>
-          </a:p>
-        </p:txBody>
-      </p:sp>
-      <p:grpSp>
-        <p:nvGrpSpPr>
-          <p:cNvPr id="52" name="그룹 51">
-            <a:extLst>
-              <a:ext uri="{FF2B5EF4-FFF2-40B4-BE49-F238E27FC236}">
-                <a16:creationId xmlns:a16="http://schemas.microsoft.com/office/drawing/2014/main" id="{55A8987A-6CD8-8B3E-23AC-AE47008314B1}"/>
-              </a:ext>
-            </a:extLst>
-          </p:cNvPr>
-          <p:cNvGrpSpPr/>
-          <p:nvPr/>
-        </p:nvGrpSpPr>
-        <p:grpSpPr>
-          <a:xfrm>
-            <a:off x="359519" y="2285997"/>
-            <a:ext cx="11472963" cy="4414911"/>
-            <a:chOff x="367311" y="2285997"/>
-            <a:chExt cx="11472963" cy="4414911"/>
-          </a:xfrm>
-        </p:grpSpPr>
-        <p:grpSp>
-          <p:nvGrpSpPr>
-            <p:cNvPr id="39" name="그룹 38">
-              <a:extLst>
-                <a:ext uri="{FF2B5EF4-FFF2-40B4-BE49-F238E27FC236}">
-                  <a16:creationId xmlns:a16="http://schemas.microsoft.com/office/drawing/2014/main" id="{C12A257D-7B07-6F31-71C2-960F71FB5939}"/>
-                </a:ext>
-              </a:extLst>
-            </p:cNvPr>
-            <p:cNvGrpSpPr/>
-            <p:nvPr/>
-          </p:nvGrpSpPr>
-          <p:grpSpPr>
-            <a:xfrm>
-              <a:off x="367311" y="2285997"/>
-              <a:ext cx="7938114" cy="3013786"/>
-              <a:chOff x="823331" y="2463283"/>
-              <a:chExt cx="7938114" cy="3013786"/>
-            </a:xfrm>
-          </p:grpSpPr>
-          <p:sp>
-            <p:nvSpPr>
-              <p:cNvPr id="4" name="직사각형 3">
-                <a:extLst>
-                  <a:ext uri="{FF2B5EF4-FFF2-40B4-BE49-F238E27FC236}">
-                    <a16:creationId xmlns:a16="http://schemas.microsoft.com/office/drawing/2014/main" id="{A7BB224F-5CA4-21D0-6FB2-7D36FDBF0C18}"/>
-                  </a:ext>
-                </a:extLst>
-              </p:cNvPr>
-              <p:cNvSpPr/>
-              <p:nvPr/>
-            </p:nvSpPr>
-            <p:spPr>
-              <a:xfrm>
-                <a:off x="948234" y="3140579"/>
-                <a:ext cx="3204673" cy="2187723"/>
-              </a:xfrm>
-              <a:prstGeom prst="rect">
-                <a:avLst/>
-              </a:prstGeom>
-              <a:noFill/>
-              <a:ln w="38100">
-                <a:solidFill>
-                  <a:schemeClr val="tx1"/>
-                </a:solidFill>
-              </a:ln>
-            </p:spPr>
-            <p:style>
-              <a:lnRef idx="2">
-                <a:schemeClr val="accent1">
-                  <a:shade val="50000"/>
-                </a:schemeClr>
-              </a:lnRef>
-              <a:fillRef idx="1">
-                <a:schemeClr val="accent1"/>
-              </a:fillRef>
-              <a:effectRef idx="0">
-                <a:schemeClr val="accent1"/>
-              </a:effectRef>
-              <a:fontRef idx="minor">
-                <a:schemeClr val="lt1"/>
-              </a:fontRef>
-            </p:style>
-            <p:txBody>
-              <a:bodyPr rtlCol="0" anchor="ctr"/>
-              <a:lstStyle/>
-              <a:p>
-                <a:pPr algn="ctr"/>
-                <a:endParaRPr lang="ko-KR" altLang="en-US" b="1" dirty="0">
-                  <a:solidFill>
-                    <a:schemeClr val="tx1"/>
-                  </a:solidFill>
-                </a:endParaRPr>
-              </a:p>
-            </p:txBody>
-          </p:sp>
-          <p:sp>
-            <p:nvSpPr>
-              <p:cNvPr id="8" name="TextBox 7">
-                <a:extLst>
-                  <a:ext uri="{FF2B5EF4-FFF2-40B4-BE49-F238E27FC236}">
-                    <a16:creationId xmlns:a16="http://schemas.microsoft.com/office/drawing/2014/main" id="{8E1A3DCA-39B8-FC7C-5E2F-38E36C328317}"/>
-                  </a:ext>
-                </a:extLst>
-              </p:cNvPr>
-              <p:cNvSpPr txBox="1"/>
-              <p:nvPr/>
-            </p:nvSpPr>
-            <p:spPr>
-              <a:xfrm>
-                <a:off x="948234" y="3140578"/>
-                <a:ext cx="3204673" cy="369332"/>
-              </a:xfrm>
-              <a:prstGeom prst="rect">
-                <a:avLst/>
-              </a:prstGeom>
-              <a:noFill/>
-            </p:spPr>
-            <p:txBody>
-              <a:bodyPr wrap="square" rtlCol="0">
-                <a:spAutoFit/>
-              </a:bodyPr>
-              <a:lstStyle/>
-              <a:p>
-                <a:pPr algn="ctr"/>
-                <a:r>
-                  <a:rPr lang="en-US" altLang="ko-KR" b="1" dirty="0"/>
-                  <a:t>Spring Boot</a:t>
-                </a:r>
-                <a:endParaRPr lang="ko-KR" altLang="en-US" b="1" dirty="0"/>
-              </a:p>
-            </p:txBody>
-          </p:sp>
-          <p:sp>
-            <p:nvSpPr>
-              <p:cNvPr id="9" name="TextBox 8">
-                <a:extLst>
-                  <a:ext uri="{FF2B5EF4-FFF2-40B4-BE49-F238E27FC236}">
-                    <a16:creationId xmlns:a16="http://schemas.microsoft.com/office/drawing/2014/main" id="{1E0D209A-6ABB-2423-37BB-5651D1FC9483}"/>
-                  </a:ext>
-                </a:extLst>
-              </p:cNvPr>
-              <p:cNvSpPr txBox="1"/>
-              <p:nvPr/>
-            </p:nvSpPr>
-            <p:spPr>
-              <a:xfrm>
-                <a:off x="1891410" y="4958969"/>
-                <a:ext cx="1318322" cy="369332"/>
-              </a:xfrm>
-              <a:prstGeom prst="rect">
-                <a:avLst/>
-              </a:prstGeom>
-              <a:noFill/>
-            </p:spPr>
-            <p:txBody>
-              <a:bodyPr wrap="square" rtlCol="0">
-                <a:spAutoFit/>
-              </a:bodyPr>
-              <a:lstStyle/>
-              <a:p>
-                <a:pPr algn="ctr"/>
-                <a:r>
-                  <a:rPr lang="en-US" altLang="ko-KR" b="1" dirty="0"/>
-                  <a:t>MySQL</a:t>
-                </a:r>
-                <a:endParaRPr lang="ko-KR" altLang="en-US" b="1" dirty="0"/>
-              </a:p>
-            </p:txBody>
-          </p:sp>
-          <p:sp>
-            <p:nvSpPr>
-              <p:cNvPr id="10" name="직사각형 9">
-                <a:extLst>
-                  <a:ext uri="{FF2B5EF4-FFF2-40B4-BE49-F238E27FC236}">
-                    <a16:creationId xmlns:a16="http://schemas.microsoft.com/office/drawing/2014/main" id="{9F41BC17-1F0F-21AD-B993-8024334566A2}"/>
-                  </a:ext>
-                </a:extLst>
-              </p:cNvPr>
-              <p:cNvSpPr/>
-              <p:nvPr/>
-            </p:nvSpPr>
-            <p:spPr>
-              <a:xfrm>
-                <a:off x="5429544" y="3140579"/>
-                <a:ext cx="3204673" cy="2187723"/>
-              </a:xfrm>
-              <a:prstGeom prst="rect">
-                <a:avLst/>
-              </a:prstGeom>
-              <a:noFill/>
-              <a:ln w="38100">
-                <a:solidFill>
-                  <a:schemeClr val="tx1"/>
-                </a:solidFill>
-              </a:ln>
-            </p:spPr>
-            <p:style>
-              <a:lnRef idx="2">
-                <a:schemeClr val="accent1">
-                  <a:shade val="50000"/>
-                </a:schemeClr>
-              </a:lnRef>
-              <a:fillRef idx="1">
-                <a:schemeClr val="accent1"/>
-              </a:fillRef>
-              <a:effectRef idx="0">
-                <a:schemeClr val="accent1"/>
-              </a:effectRef>
-              <a:fontRef idx="minor">
-                <a:schemeClr val="lt1"/>
-              </a:fontRef>
-            </p:style>
-            <p:txBody>
-              <a:bodyPr rtlCol="0" anchor="ctr"/>
-              <a:lstStyle/>
-              <a:p>
-                <a:pPr algn="ctr"/>
-                <a:endParaRPr lang="ko-KR" altLang="en-US" b="1" dirty="0">
-                  <a:solidFill>
-                    <a:schemeClr val="tx1"/>
-                  </a:solidFill>
-                </a:endParaRPr>
-              </a:p>
-            </p:txBody>
-          </p:sp>
-          <p:sp>
-            <p:nvSpPr>
-              <p:cNvPr id="11" name="TextBox 10">
-                <a:extLst>
-                  <a:ext uri="{FF2B5EF4-FFF2-40B4-BE49-F238E27FC236}">
-                    <a16:creationId xmlns:a16="http://schemas.microsoft.com/office/drawing/2014/main" id="{4CB851CC-9180-96A6-55F3-025AB9EF5200}"/>
-                  </a:ext>
-                </a:extLst>
-              </p:cNvPr>
-              <p:cNvSpPr txBox="1"/>
-              <p:nvPr/>
-            </p:nvSpPr>
-            <p:spPr>
-              <a:xfrm>
-                <a:off x="5429544" y="3140578"/>
-                <a:ext cx="3204673" cy="369332"/>
-              </a:xfrm>
-              <a:prstGeom prst="rect">
-                <a:avLst/>
-              </a:prstGeom>
-              <a:noFill/>
-            </p:spPr>
-            <p:txBody>
-              <a:bodyPr wrap="square" rtlCol="0">
-                <a:spAutoFit/>
-              </a:bodyPr>
-              <a:lstStyle/>
-              <a:p>
-                <a:pPr algn="ctr"/>
-                <a:r>
-                  <a:rPr lang="en-US" altLang="ko-KR" b="1" dirty="0" err="1"/>
-                  <a:t>Github</a:t>
-                </a:r>
-                <a:endParaRPr lang="ko-KR" altLang="en-US" b="1" dirty="0"/>
-              </a:p>
-            </p:txBody>
-          </p:sp>
-          <p:cxnSp>
-            <p:nvCxnSpPr>
-              <p:cNvPr id="14" name="직선 화살표 연결선 13">
-                <a:extLst>
-                  <a:ext uri="{FF2B5EF4-FFF2-40B4-BE49-F238E27FC236}">
-                    <a16:creationId xmlns:a16="http://schemas.microsoft.com/office/drawing/2014/main" id="{3B978671-04C4-5459-5D40-7E8FBF7B5BEA}"/>
-                  </a:ext>
-                </a:extLst>
-              </p:cNvPr>
-              <p:cNvCxnSpPr>
-                <a:cxnSpLocks/>
-                <a:stCxn id="4" idx="3"/>
-                <a:endCxn id="10" idx="1"/>
-              </p:cNvCxnSpPr>
-              <p:nvPr/>
-            </p:nvCxnSpPr>
-            <p:spPr>
-              <a:xfrm>
-                <a:off x="4152907" y="4234441"/>
-                <a:ext cx="1276637" cy="0"/>
-              </a:xfrm>
-              <a:prstGeom prst="straightConnector1">
-                <a:avLst/>
-              </a:prstGeom>
-              <a:ln w="38100">
-                <a:solidFill>
-                  <a:schemeClr val="tx1"/>
-                </a:solidFill>
-                <a:tailEnd type="triangle"/>
-              </a:ln>
-            </p:spPr>
-            <p:style>
-              <a:lnRef idx="1">
-                <a:schemeClr val="accent1"/>
-              </a:lnRef>
-              <a:fillRef idx="0">
-                <a:schemeClr val="accent1"/>
-              </a:fillRef>
-              <a:effectRef idx="0">
-                <a:schemeClr val="accent1"/>
-              </a:effectRef>
-              <a:fontRef idx="minor">
-                <a:schemeClr val="tx1"/>
-              </a:fontRef>
-            </p:style>
-          </p:cxnSp>
-          <p:sp>
-            <p:nvSpPr>
-              <p:cNvPr id="15" name="TextBox 14">
-                <a:extLst>
-                  <a:ext uri="{FF2B5EF4-FFF2-40B4-BE49-F238E27FC236}">
-                    <a16:creationId xmlns:a16="http://schemas.microsoft.com/office/drawing/2014/main" id="{854352B6-843C-D171-8882-7477770780B0}"/>
-                  </a:ext>
-                </a:extLst>
-              </p:cNvPr>
-              <p:cNvSpPr txBox="1"/>
-              <p:nvPr/>
-            </p:nvSpPr>
-            <p:spPr>
-              <a:xfrm>
-                <a:off x="4152906" y="3873835"/>
-                <a:ext cx="1276637" cy="369332"/>
-              </a:xfrm>
-              <a:prstGeom prst="rect">
-                <a:avLst/>
-              </a:prstGeom>
-              <a:noFill/>
-            </p:spPr>
-            <p:txBody>
-              <a:bodyPr wrap="square" rtlCol="0">
-                <a:spAutoFit/>
-              </a:bodyPr>
-              <a:lstStyle/>
-              <a:p>
-                <a:pPr algn="ctr"/>
-                <a:r>
-                  <a:rPr lang="en-US" altLang="ko-KR" b="1" dirty="0"/>
-                  <a:t>SSH</a:t>
-                </a:r>
-                <a:endParaRPr lang="ko-KR" altLang="en-US" b="1" dirty="0"/>
-              </a:p>
-            </p:txBody>
-          </p:sp>
-          <p:cxnSp>
-            <p:nvCxnSpPr>
-              <p:cNvPr id="16" name="직선 화살표 연결선 15">
-                <a:extLst>
-                  <a:ext uri="{FF2B5EF4-FFF2-40B4-BE49-F238E27FC236}">
-                    <a16:creationId xmlns:a16="http://schemas.microsoft.com/office/drawing/2014/main" id="{B1A242D4-E2A1-EDD0-12FA-2ABF594B2F71}"/>
-                  </a:ext>
-                </a:extLst>
-              </p:cNvPr>
-              <p:cNvCxnSpPr>
-                <a:cxnSpLocks/>
-                <a:stCxn id="8" idx="2"/>
-                <a:endCxn id="9" idx="0"/>
-              </p:cNvCxnSpPr>
-              <p:nvPr/>
-            </p:nvCxnSpPr>
-            <p:spPr>
-              <a:xfrm>
-                <a:off x="2550571" y="3509910"/>
-                <a:ext cx="0" cy="1449059"/>
-              </a:xfrm>
-              <a:prstGeom prst="straightConnector1">
-                <a:avLst/>
-              </a:prstGeom>
-              <a:ln w="38100">
-                <a:solidFill>
-                  <a:schemeClr val="tx1"/>
-                </a:solidFill>
-                <a:tailEnd type="triangle"/>
-              </a:ln>
-            </p:spPr>
-            <p:style>
-              <a:lnRef idx="1">
-                <a:schemeClr val="accent1"/>
-              </a:lnRef>
-              <a:fillRef idx="0">
-                <a:schemeClr val="accent1"/>
-              </a:fillRef>
-              <a:effectRef idx="0">
-                <a:schemeClr val="accent1"/>
-              </a:effectRef>
-              <a:fontRef idx="minor">
-                <a:schemeClr val="tx1"/>
-              </a:fontRef>
-            </p:style>
-          </p:cxnSp>
-          <p:cxnSp>
-            <p:nvCxnSpPr>
-              <p:cNvPr id="19" name="직선 화살표 연결선 18">
-                <a:extLst>
-                  <a:ext uri="{FF2B5EF4-FFF2-40B4-BE49-F238E27FC236}">
-                    <a16:creationId xmlns:a16="http://schemas.microsoft.com/office/drawing/2014/main" id="{3E975B15-BA41-D712-D882-3E288F381E80}"/>
-                  </a:ext>
-                </a:extLst>
-              </p:cNvPr>
-              <p:cNvCxnSpPr>
-                <a:cxnSpLocks/>
-                <a:stCxn id="11" idx="2"/>
-                <a:endCxn id="30" idx="0"/>
-              </p:cNvCxnSpPr>
-              <p:nvPr/>
-            </p:nvCxnSpPr>
-            <p:spPr>
-              <a:xfrm flipH="1">
-                <a:off x="7031880" y="3509910"/>
-                <a:ext cx="1" cy="1437921"/>
-              </a:xfrm>
-              <a:prstGeom prst="straightConnector1">
-                <a:avLst/>
-              </a:prstGeom>
-              <a:ln w="38100">
-                <a:solidFill>
-                  <a:schemeClr val="tx1"/>
-                </a:solidFill>
-                <a:tailEnd type="triangle"/>
-              </a:ln>
-            </p:spPr>
-            <p:style>
-              <a:lnRef idx="1">
-                <a:schemeClr val="accent1"/>
-              </a:lnRef>
-              <a:fillRef idx="0">
-                <a:schemeClr val="accent1"/>
-              </a:fillRef>
-              <a:effectRef idx="0">
-                <a:schemeClr val="accent1"/>
-              </a:effectRef>
-              <a:fontRef idx="minor">
-                <a:schemeClr val="tx1"/>
-              </a:fontRef>
-            </p:style>
-          </p:cxnSp>
-          <p:cxnSp>
-            <p:nvCxnSpPr>
-              <p:cNvPr id="23" name="직선 화살표 연결선 22">
-                <a:extLst>
-                  <a:ext uri="{FF2B5EF4-FFF2-40B4-BE49-F238E27FC236}">
-                    <a16:creationId xmlns:a16="http://schemas.microsoft.com/office/drawing/2014/main" id="{037581A8-0D98-FF01-6A94-09DB4988E589}"/>
-                  </a:ext>
-                </a:extLst>
-              </p:cNvPr>
-              <p:cNvCxnSpPr>
-                <a:cxnSpLocks/>
-                <a:stCxn id="30" idx="1"/>
-                <a:endCxn id="9" idx="3"/>
-              </p:cNvCxnSpPr>
-              <p:nvPr/>
-            </p:nvCxnSpPr>
-            <p:spPr>
-              <a:xfrm flipH="1">
-                <a:off x="3209732" y="5132497"/>
-                <a:ext cx="3162987" cy="11138"/>
-              </a:xfrm>
-              <a:prstGeom prst="straightConnector1">
-                <a:avLst/>
-              </a:prstGeom>
-              <a:ln w="38100">
-                <a:solidFill>
-                  <a:schemeClr val="tx1"/>
-                </a:solidFill>
-                <a:headEnd type="triangle"/>
-                <a:tailEnd type="triangle"/>
-              </a:ln>
-            </p:spPr>
-            <p:style>
-              <a:lnRef idx="1">
-                <a:schemeClr val="accent1"/>
-              </a:lnRef>
-              <a:fillRef idx="0">
-                <a:schemeClr val="accent1"/>
-              </a:fillRef>
-              <a:effectRef idx="0">
-                <a:schemeClr val="accent1"/>
-              </a:effectRef>
-              <a:fontRef idx="minor">
-                <a:schemeClr val="tx1"/>
-              </a:fontRef>
-            </p:style>
-          </p:cxnSp>
-          <p:sp>
-            <p:nvSpPr>
-              <p:cNvPr id="30" name="TextBox 29">
-                <a:extLst>
-                  <a:ext uri="{FF2B5EF4-FFF2-40B4-BE49-F238E27FC236}">
-                    <a16:creationId xmlns:a16="http://schemas.microsoft.com/office/drawing/2014/main" id="{E020160B-3FBE-37F3-9695-0B4D6C422B87}"/>
-                  </a:ext>
-                </a:extLst>
-              </p:cNvPr>
-              <p:cNvSpPr txBox="1"/>
-              <p:nvPr/>
-            </p:nvSpPr>
-            <p:spPr>
-              <a:xfrm>
-                <a:off x="6372719" y="4947831"/>
-                <a:ext cx="1318322" cy="369332"/>
-              </a:xfrm>
-              <a:prstGeom prst="rect">
-                <a:avLst/>
-              </a:prstGeom>
-              <a:noFill/>
-            </p:spPr>
-            <p:txBody>
-              <a:bodyPr wrap="square" rtlCol="0">
-                <a:spAutoFit/>
-              </a:bodyPr>
-              <a:lstStyle/>
-              <a:p>
-                <a:pPr algn="ctr"/>
-                <a:r>
-                  <a:rPr lang="en-US" altLang="ko-KR" b="1" dirty="0"/>
-                  <a:t>MySQL</a:t>
-                </a:r>
-                <a:endParaRPr lang="ko-KR" altLang="en-US" b="1" dirty="0"/>
-              </a:p>
-            </p:txBody>
-          </p:sp>
-          <p:sp>
-            <p:nvSpPr>
-              <p:cNvPr id="34" name="TextBox 33">
-                <a:extLst>
-                  <a:ext uri="{FF2B5EF4-FFF2-40B4-BE49-F238E27FC236}">
-                    <a16:creationId xmlns:a16="http://schemas.microsoft.com/office/drawing/2014/main" id="{437D0F12-15F2-C392-60A5-CE4DF7D4AF5F}"/>
-                  </a:ext>
-                </a:extLst>
-              </p:cNvPr>
-              <p:cNvSpPr txBox="1"/>
-              <p:nvPr/>
-            </p:nvSpPr>
-            <p:spPr>
-              <a:xfrm>
-                <a:off x="948234" y="2778822"/>
-                <a:ext cx="3204673" cy="369332"/>
-              </a:xfrm>
-              <a:prstGeom prst="rect">
-                <a:avLst/>
-              </a:prstGeom>
-              <a:noFill/>
-            </p:spPr>
-            <p:txBody>
-              <a:bodyPr wrap="square" rtlCol="0">
-                <a:spAutoFit/>
-              </a:bodyPr>
-              <a:lstStyle/>
-              <a:p>
-                <a:pPr algn="ctr"/>
-                <a:r>
-                  <a:rPr lang="en-US" altLang="ko-KR" b="1" dirty="0"/>
-                  <a:t>Local Client (Developer)</a:t>
-                </a:r>
-                <a:endParaRPr lang="ko-KR" altLang="en-US" b="1" dirty="0"/>
-              </a:p>
-            </p:txBody>
-          </p:sp>
-          <p:sp>
-            <p:nvSpPr>
-              <p:cNvPr id="35" name="TextBox 34">
-                <a:extLst>
-                  <a:ext uri="{FF2B5EF4-FFF2-40B4-BE49-F238E27FC236}">
-                    <a16:creationId xmlns:a16="http://schemas.microsoft.com/office/drawing/2014/main" id="{7B2E2E33-00BB-DE1F-9D2D-E5A6FBB6522A}"/>
-                  </a:ext>
-                </a:extLst>
-              </p:cNvPr>
-              <p:cNvSpPr txBox="1"/>
-              <p:nvPr/>
-            </p:nvSpPr>
-            <p:spPr>
-              <a:xfrm>
-                <a:off x="6143249" y="2778822"/>
-                <a:ext cx="1777262" cy="369332"/>
-              </a:xfrm>
-              <a:prstGeom prst="rect">
-                <a:avLst/>
-              </a:prstGeom>
-              <a:noFill/>
-            </p:spPr>
-            <p:txBody>
-              <a:bodyPr wrap="square" rtlCol="0">
-                <a:spAutoFit/>
-              </a:bodyPr>
-              <a:lstStyle/>
-              <a:p>
-                <a:pPr algn="ctr"/>
-                <a:r>
-                  <a:rPr lang="en-US" altLang="ko-KR" b="1" dirty="0"/>
-                  <a:t>Ubuntu Server</a:t>
-                </a:r>
-                <a:endParaRPr lang="ko-KR" altLang="en-US" b="1" dirty="0"/>
-              </a:p>
-            </p:txBody>
-          </p:sp>
-          <p:sp>
-            <p:nvSpPr>
-              <p:cNvPr id="38" name="직사각형 37">
-                <a:extLst>
-                  <a:ext uri="{FF2B5EF4-FFF2-40B4-BE49-F238E27FC236}">
-                    <a16:creationId xmlns:a16="http://schemas.microsoft.com/office/drawing/2014/main" id="{6D66182B-5CF1-E848-F300-5BF8DF54C783}"/>
-                  </a:ext>
-                </a:extLst>
-              </p:cNvPr>
-              <p:cNvSpPr/>
-              <p:nvPr/>
-            </p:nvSpPr>
-            <p:spPr>
-              <a:xfrm>
-                <a:off x="823331" y="2463283"/>
-                <a:ext cx="7938114" cy="3013786"/>
-              </a:xfrm>
-              <a:prstGeom prst="rect">
-                <a:avLst/>
-              </a:prstGeom>
-              <a:noFill/>
-              <a:ln w="38100">
-                <a:solidFill>
-                  <a:schemeClr val="tx1"/>
-                </a:solidFill>
-              </a:ln>
-            </p:spPr>
-            <p:style>
-              <a:lnRef idx="2">
-                <a:schemeClr val="accent1">
-                  <a:shade val="50000"/>
-                </a:schemeClr>
-              </a:lnRef>
-              <a:fillRef idx="1">
-                <a:schemeClr val="accent1"/>
-              </a:fillRef>
-              <a:effectRef idx="0">
-                <a:schemeClr val="accent1"/>
-              </a:effectRef>
-              <a:fontRef idx="minor">
-                <a:schemeClr val="lt1"/>
-              </a:fontRef>
-            </p:style>
-            <p:txBody>
-              <a:bodyPr rtlCol="0" anchor="ctr"/>
-              <a:lstStyle/>
-              <a:p>
-                <a:pPr algn="ctr"/>
-                <a:endParaRPr lang="ko-KR" altLang="en-US" b="1" dirty="0">
-                  <a:solidFill>
-                    <a:schemeClr val="tx1"/>
-                  </a:solidFill>
-                </a:endParaRPr>
-              </a:p>
-            </p:txBody>
-          </p:sp>
-        </p:grpSp>
-        <p:sp>
-          <p:nvSpPr>
-            <p:cNvPr id="40" name="직사각형 39">
-              <a:extLst>
-                <a:ext uri="{FF2B5EF4-FFF2-40B4-BE49-F238E27FC236}">
-                  <a16:creationId xmlns:a16="http://schemas.microsoft.com/office/drawing/2014/main" id="{6A49010D-1ADF-8CFE-D34E-10660F2390EE}"/>
-                </a:ext>
-              </a:extLst>
-            </p:cNvPr>
-            <p:cNvSpPr/>
-            <p:nvPr/>
-          </p:nvSpPr>
-          <p:spPr>
-            <a:xfrm>
-              <a:off x="8635601" y="2965276"/>
-              <a:ext cx="3204673" cy="1200330"/>
-            </a:xfrm>
-            <a:prstGeom prst="rect">
-              <a:avLst/>
-            </a:prstGeom>
-            <a:noFill/>
-            <a:ln w="38100">
-              <a:solidFill>
-                <a:schemeClr val="tx1"/>
-              </a:solidFill>
-            </a:ln>
-          </p:spPr>
-          <p:style>
-            <a:lnRef idx="2">
-              <a:schemeClr val="accent1">
-                <a:shade val="50000"/>
-              </a:schemeClr>
-            </a:lnRef>
-            <a:fillRef idx="1">
-              <a:schemeClr val="accent1"/>
-            </a:fillRef>
-            <a:effectRef idx="0">
-              <a:schemeClr val="accent1"/>
-            </a:effectRef>
-            <a:fontRef idx="minor">
-              <a:schemeClr val="lt1"/>
-            </a:fontRef>
-          </p:style>
-          <p:txBody>
-            <a:bodyPr rtlCol="0" anchor="t"/>
-            <a:lstStyle/>
-            <a:p>
-              <a:r>
-                <a:rPr lang="en-US" altLang="ko-KR" b="1" dirty="0">
-                  <a:solidFill>
-                    <a:schemeClr val="tx1"/>
-                  </a:solidFill>
-                </a:rPr>
-                <a:t>Ubuntu Server:</a:t>
-              </a:r>
-            </a:p>
-            <a:p>
-              <a:r>
-                <a:rPr lang="en-US" altLang="ko-KR" b="1" dirty="0">
-                  <a:solidFill>
-                    <a:schemeClr val="tx1"/>
-                  </a:solidFill>
-                </a:rPr>
-                <a:t>Ubuntu User1: researcher1</a:t>
-              </a:r>
-            </a:p>
-            <a:p>
-              <a:r>
-                <a:rPr lang="en-US" altLang="ko-KR" b="1" dirty="0">
-                  <a:solidFill>
-                    <a:schemeClr val="tx1"/>
-                  </a:solidFill>
-                </a:rPr>
-                <a:t>Ubuntu User2: researcher2</a:t>
-              </a:r>
-            </a:p>
-            <a:p>
-              <a:r>
-                <a:rPr lang="en-US" altLang="ko-KR" b="1" dirty="0">
-                  <a:solidFill>
-                    <a:schemeClr val="tx1"/>
-                  </a:solidFill>
-                </a:rPr>
-                <a:t>Ubuntu User3: researcher3</a:t>
-              </a:r>
-            </a:p>
-            <a:p>
-              <a:endParaRPr lang="ko-KR" altLang="en-US" b="1" dirty="0">
-                <a:solidFill>
-                  <a:schemeClr val="tx1"/>
-                </a:solidFill>
-              </a:endParaRPr>
-            </a:p>
-          </p:txBody>
-        </p:sp>
-        <p:sp>
-          <p:nvSpPr>
-            <p:cNvPr id="41" name="직사각형 40">
-              <a:extLst>
-                <a:ext uri="{FF2B5EF4-FFF2-40B4-BE49-F238E27FC236}">
-                  <a16:creationId xmlns:a16="http://schemas.microsoft.com/office/drawing/2014/main" id="{C0A7EAEF-185D-DB0F-4216-BB7C88714291}"/>
-                </a:ext>
-              </a:extLst>
-            </p:cNvPr>
-            <p:cNvSpPr/>
-            <p:nvPr/>
-          </p:nvSpPr>
-          <p:spPr>
-            <a:xfrm>
-              <a:off x="4973522" y="5526702"/>
-              <a:ext cx="3204673" cy="1174206"/>
-            </a:xfrm>
-            <a:prstGeom prst="rect">
-              <a:avLst/>
-            </a:prstGeom>
-            <a:noFill/>
-            <a:ln w="38100">
-              <a:solidFill>
-                <a:schemeClr val="tx1"/>
-              </a:solidFill>
-            </a:ln>
-          </p:spPr>
-          <p:style>
-            <a:lnRef idx="2">
-              <a:schemeClr val="accent1">
-                <a:shade val="50000"/>
-              </a:schemeClr>
-            </a:lnRef>
-            <a:fillRef idx="1">
-              <a:schemeClr val="accent1"/>
-            </a:fillRef>
-            <a:effectRef idx="0">
-              <a:schemeClr val="accent1"/>
-            </a:effectRef>
-            <a:fontRef idx="minor">
-              <a:schemeClr val="lt1"/>
-            </a:fontRef>
-          </p:style>
-          <p:txBody>
-            <a:bodyPr rtlCol="0" anchor="t"/>
-            <a:lstStyle/>
-            <a:p>
-              <a:r>
-                <a:rPr lang="en-US" altLang="ko-KR" b="1" dirty="0">
-                  <a:solidFill>
-                    <a:schemeClr val="tx1"/>
-                  </a:solidFill>
-                </a:rPr>
-                <a:t>MySQL: CGVRLAB</a:t>
-              </a:r>
-            </a:p>
-            <a:p>
-              <a:r>
-                <a:rPr lang="en-US" altLang="ko-KR" b="1" dirty="0">
-                  <a:solidFill>
-                    <a:schemeClr val="tx1"/>
-                  </a:solidFill>
-                </a:rPr>
-                <a:t>admin1: pw</a:t>
-              </a:r>
-            </a:p>
-            <a:p>
-              <a:r>
-                <a:rPr lang="en-US" altLang="ko-KR" b="1" dirty="0">
-                  <a:solidFill>
-                    <a:schemeClr val="tx1"/>
-                  </a:solidFill>
-                </a:rPr>
-                <a:t>admin2: pw</a:t>
-              </a:r>
-            </a:p>
-            <a:p>
-              <a:r>
-                <a:rPr lang="en-US" altLang="ko-KR" b="1" dirty="0">
-                  <a:solidFill>
-                    <a:schemeClr val="tx1"/>
-                  </a:solidFill>
-                </a:rPr>
-                <a:t>admin3: pw</a:t>
-              </a:r>
-              <a:endParaRPr lang="ko-KR" altLang="en-US" b="1" dirty="0">
-                <a:solidFill>
-                  <a:schemeClr val="tx1"/>
-                </a:solidFill>
-              </a:endParaRPr>
-            </a:p>
-          </p:txBody>
-        </p:sp>
-        <p:cxnSp>
-          <p:nvCxnSpPr>
-            <p:cNvPr id="42" name="직선 화살표 연결선 41">
-              <a:extLst>
-                <a:ext uri="{FF2B5EF4-FFF2-40B4-BE49-F238E27FC236}">
-                  <a16:creationId xmlns:a16="http://schemas.microsoft.com/office/drawing/2014/main" id="{55BDBF97-A852-2765-71AE-146F66EDC802}"/>
-                </a:ext>
-              </a:extLst>
-            </p:cNvPr>
-            <p:cNvCxnSpPr>
-              <a:cxnSpLocks/>
-              <a:stCxn id="30" idx="2"/>
-              <a:endCxn id="41" idx="0"/>
-            </p:cNvCxnSpPr>
-            <p:nvPr/>
-          </p:nvCxnSpPr>
-          <p:spPr>
-            <a:xfrm flipH="1">
-              <a:off x="6575859" y="5139877"/>
-              <a:ext cx="1" cy="386825"/>
-            </a:xfrm>
-            <a:prstGeom prst="straightConnector1">
-              <a:avLst/>
-            </a:prstGeom>
-            <a:ln w="38100">
-              <a:solidFill>
-                <a:schemeClr val="tx1"/>
-              </a:solidFill>
-              <a:tailEnd type="triangle"/>
-            </a:ln>
-          </p:spPr>
-          <p:style>
-            <a:lnRef idx="1">
-              <a:schemeClr val="accent1"/>
-            </a:lnRef>
-            <a:fillRef idx="0">
-              <a:schemeClr val="accent1"/>
-            </a:fillRef>
-            <a:effectRef idx="0">
-              <a:schemeClr val="accent1"/>
-            </a:effectRef>
-            <a:fontRef idx="minor">
-              <a:schemeClr val="tx1"/>
-            </a:fontRef>
-          </p:style>
-        </p:cxnSp>
-        <p:cxnSp>
-          <p:nvCxnSpPr>
-            <p:cNvPr id="47" name="연결선: 꺾임 46">
-              <a:extLst>
-                <a:ext uri="{FF2B5EF4-FFF2-40B4-BE49-F238E27FC236}">
-                  <a16:creationId xmlns:a16="http://schemas.microsoft.com/office/drawing/2014/main" id="{6168FC9C-E28C-4E44-A57D-A03104E10A64}"/>
-                </a:ext>
-              </a:extLst>
-            </p:cNvPr>
-            <p:cNvCxnSpPr>
-              <a:cxnSpLocks/>
-              <a:stCxn id="35" idx="3"/>
-              <a:endCxn id="40" idx="1"/>
-            </p:cNvCxnSpPr>
-            <p:nvPr/>
-          </p:nvCxnSpPr>
-          <p:spPr>
-            <a:xfrm>
-              <a:off x="7464491" y="2786202"/>
-              <a:ext cx="1171110" cy="779239"/>
-            </a:xfrm>
-            <a:prstGeom prst="bentConnector3">
-              <a:avLst>
-                <a:gd name="adj1" fmla="val 81869"/>
-              </a:avLst>
-            </a:prstGeom>
-            <a:ln w="38100">
-              <a:solidFill>
-                <a:schemeClr val="tx1"/>
-              </a:solidFill>
-              <a:tailEnd type="triangle"/>
-            </a:ln>
-          </p:spPr>
-          <p:style>
-            <a:lnRef idx="1">
-              <a:schemeClr val="accent1"/>
-            </a:lnRef>
-            <a:fillRef idx="0">
-              <a:schemeClr val="accent1"/>
-            </a:fillRef>
-            <a:effectRef idx="0">
-              <a:schemeClr val="accent1"/>
-            </a:effectRef>
-            <a:fontRef idx="minor">
-              <a:schemeClr val="tx1"/>
-            </a:fontRef>
-          </p:style>
-        </p:cxnSp>
-        <p:sp>
-          <p:nvSpPr>
-            <p:cNvPr id="49" name="직사각형 48">
-              <a:extLst>
-                <a:ext uri="{FF2B5EF4-FFF2-40B4-BE49-F238E27FC236}">
-                  <a16:creationId xmlns:a16="http://schemas.microsoft.com/office/drawing/2014/main" id="{E817820F-4D6A-B28C-AB21-CA703749E6EA}"/>
-                </a:ext>
-              </a:extLst>
-            </p:cNvPr>
-            <p:cNvSpPr/>
-            <p:nvPr/>
-          </p:nvSpPr>
-          <p:spPr>
-            <a:xfrm>
-              <a:off x="492213" y="5522948"/>
-              <a:ext cx="3204673" cy="1174206"/>
-            </a:xfrm>
-            <a:prstGeom prst="rect">
-              <a:avLst/>
-            </a:prstGeom>
-            <a:noFill/>
-            <a:ln w="38100">
-              <a:solidFill>
-                <a:schemeClr val="tx1"/>
-              </a:solidFill>
-            </a:ln>
-          </p:spPr>
-          <p:style>
-            <a:lnRef idx="2">
-              <a:schemeClr val="accent1">
-                <a:shade val="50000"/>
-              </a:schemeClr>
-            </a:lnRef>
-            <a:fillRef idx="1">
-              <a:schemeClr val="accent1"/>
-            </a:fillRef>
-            <a:effectRef idx="0">
-              <a:schemeClr val="accent1"/>
-            </a:effectRef>
-            <a:fontRef idx="minor">
-              <a:schemeClr val="lt1"/>
-            </a:fontRef>
-          </p:style>
-          <p:txBody>
-            <a:bodyPr rtlCol="0" anchor="t"/>
-            <a:lstStyle/>
-            <a:p>
-              <a:r>
-                <a:rPr lang="en-US" altLang="ko-KR" b="1" dirty="0">
-                  <a:solidFill>
-                    <a:schemeClr val="tx1"/>
-                  </a:solidFill>
-                </a:rPr>
-                <a:t>MySQL: </a:t>
-              </a:r>
-              <a:r>
-                <a:rPr lang="ko-KR" altLang="en-US" b="1" dirty="0">
-                  <a:solidFill>
-                    <a:schemeClr val="tx1"/>
-                  </a:solidFill>
-                </a:rPr>
-                <a:t>서버와 </a:t>
-              </a:r>
-              <a:r>
-                <a:rPr lang="ko-KR" altLang="en-US" b="1" dirty="0" err="1">
-                  <a:solidFill>
-                    <a:schemeClr val="tx1"/>
-                  </a:solidFill>
-                </a:rPr>
-                <a:t>동일세팅</a:t>
-              </a:r>
-              <a:endParaRPr lang="en-US" altLang="ko-KR" b="1" dirty="0">
-                <a:solidFill>
-                  <a:schemeClr val="tx1"/>
-                </a:solidFill>
-              </a:endParaRPr>
-            </a:p>
-            <a:p>
-              <a:pPr marL="342900" indent="-342900">
-                <a:buAutoNum type="arabicParenR"/>
-              </a:pPr>
-              <a:r>
-                <a:rPr lang="en-US" altLang="ko-KR" b="1" dirty="0">
-                  <a:solidFill>
-                    <a:schemeClr val="tx1"/>
-                  </a:solidFill>
-                </a:rPr>
-                <a:t>Client</a:t>
-              </a:r>
-              <a:r>
-                <a:rPr lang="ko-KR" altLang="en-US" b="1" dirty="0">
-                  <a:solidFill>
-                    <a:schemeClr val="tx1"/>
-                  </a:solidFill>
-                </a:rPr>
-                <a:t>에서 개발</a:t>
-              </a:r>
-              <a:endParaRPr lang="en-US" altLang="ko-KR" b="1" dirty="0">
-                <a:solidFill>
-                  <a:schemeClr val="tx1"/>
-                </a:solidFill>
-              </a:endParaRPr>
-            </a:p>
-            <a:p>
-              <a:pPr marL="342900" indent="-342900">
-                <a:buAutoNum type="arabicParenR"/>
-              </a:pPr>
-              <a:r>
-                <a:rPr lang="en-US" altLang="ko-KR" b="1" dirty="0">
-                  <a:solidFill>
-                    <a:schemeClr val="tx1"/>
-                  </a:solidFill>
-                </a:rPr>
-                <a:t>Server</a:t>
-              </a:r>
-              <a:r>
-                <a:rPr lang="ko-KR" altLang="en-US" b="1" dirty="0">
-                  <a:solidFill>
-                    <a:schemeClr val="tx1"/>
-                  </a:solidFill>
-                </a:rPr>
-                <a:t>에서 </a:t>
-              </a:r>
-              <a:r>
-                <a:rPr lang="en-US" altLang="ko-KR" b="1" dirty="0">
-                  <a:solidFill>
-                    <a:schemeClr val="tx1"/>
-                  </a:solidFill>
-                </a:rPr>
-                <a:t>git pull</a:t>
-              </a:r>
-            </a:p>
-            <a:p>
-              <a:pPr marL="342900" indent="-342900">
-                <a:buAutoNum type="arabicParenR"/>
-              </a:pPr>
-              <a:r>
-                <a:rPr lang="en-US" altLang="ko-KR" b="1" dirty="0">
-                  <a:solidFill>
-                    <a:schemeClr val="tx1"/>
-                  </a:solidFill>
-                </a:rPr>
-                <a:t>Server</a:t>
-              </a:r>
-              <a:r>
-                <a:rPr lang="ko-KR" altLang="en-US" b="1" dirty="0">
-                  <a:solidFill>
-                    <a:schemeClr val="tx1"/>
-                  </a:solidFill>
-                </a:rPr>
-                <a:t>에서 </a:t>
-              </a:r>
-              <a:r>
-                <a:rPr lang="en-US" altLang="ko-KR" b="1" dirty="0">
-                  <a:solidFill>
-                    <a:schemeClr val="tx1"/>
-                  </a:solidFill>
-                </a:rPr>
-                <a:t>MySQL </a:t>
-              </a:r>
-              <a:r>
-                <a:rPr lang="ko-KR" altLang="en-US" b="1" dirty="0">
-                  <a:solidFill>
-                    <a:schemeClr val="tx1"/>
-                  </a:solidFill>
-                </a:rPr>
-                <a:t>연결</a:t>
-              </a:r>
-            </a:p>
-          </p:txBody>
-        </p:sp>
-      </p:grpSp>
-      <p:sp>
-        <p:nvSpPr>
-          <p:cNvPr id="25" name="TextBox 24">
-            <a:extLst>
-              <a:ext uri="{FF2B5EF4-FFF2-40B4-BE49-F238E27FC236}">
-                <a16:creationId xmlns:a16="http://schemas.microsoft.com/office/drawing/2014/main" id="{426AA9EA-177E-C193-EA80-014BDEFE2D09}"/>
-              </a:ext>
-            </a:extLst>
-          </p:cNvPr>
-          <p:cNvSpPr txBox="1"/>
-          <p:nvPr/>
-        </p:nvSpPr>
-        <p:spPr>
-          <a:xfrm>
-            <a:off x="3724952" y="4585878"/>
-            <a:ext cx="1276634" cy="369332"/>
-          </a:xfrm>
-          <a:prstGeom prst="rect">
-            <a:avLst/>
-          </a:prstGeom>
-          <a:noFill/>
-        </p:spPr>
-        <p:txBody>
-          <a:bodyPr wrap="square" rtlCol="0">
-            <a:spAutoFit/>
-          </a:bodyPr>
-          <a:lstStyle/>
-          <a:p>
-            <a:pPr algn="ctr"/>
-            <a:r>
-              <a:rPr lang="en-US" altLang="ko-KR" b="1" dirty="0"/>
-              <a:t>Sync</a:t>
-            </a:r>
-            <a:endParaRPr lang="ko-KR" altLang="en-US" b="1" dirty="0"/>
-          </a:p>
-        </p:txBody>
-      </p:sp>
-    </p:spTree>
-    <p:extLst>
-      <p:ext uri="{BB962C8B-B14F-4D97-AF65-F5344CB8AC3E}">
-        <p14:creationId xmlns:p14="http://schemas.microsoft.com/office/powerpoint/2010/main" val="2227447459"/>
-      </p:ext>
-    </p:extLst>
-  </p:cSld>
-  <p:clrMapOvr>
-    <a:masterClrMapping/>
-  </p:clrMapOvr>
-</p:sld>
-</file>
-
-<file path=ppt/slides/slide40.xml><?xml version="1.0" encoding="utf-8"?>
+<file path=ppt/slides/slide42.xml><?xml version="1.0" encoding="utf-8"?>
 <p:sld xmlns:a="http://schemas.openxmlformats.org/drawingml/2006/main" xmlns:r="http://schemas.openxmlformats.org/officeDocument/2006/relationships" xmlns:p="http://schemas.openxmlformats.org/presentationml/2006/main">
   <p:cSld>
     <p:spTree>
@@ -34156,7 +35421,7 @@
 </p:sld>
 </file>
 
-<file path=ppt/slides/slide41.xml><?xml version="1.0" encoding="utf-8"?>
+<file path=ppt/slides/slide43.xml><?xml version="1.0" encoding="utf-8"?>
 <p:sld xmlns:a="http://schemas.openxmlformats.org/drawingml/2006/main" xmlns:r="http://schemas.openxmlformats.org/officeDocument/2006/relationships" xmlns:p="http://schemas.openxmlformats.org/presentationml/2006/main">
   <p:cSld>
     <p:spTree>
@@ -35293,7 +36558,7 @@
 </p:sld>
 </file>
 
-<file path=ppt/slides/slide42.xml><?xml version="1.0" encoding="utf-8"?>
+<file path=ppt/slides/slide44.xml><?xml version="1.0" encoding="utf-8"?>
 <p:sld xmlns:a="http://schemas.openxmlformats.org/drawingml/2006/main" xmlns:r="http://schemas.openxmlformats.org/officeDocument/2006/relationships" xmlns:p="http://schemas.openxmlformats.org/presentationml/2006/main">
   <p:cSld>
     <p:spTree>
@@ -36451,7 +37716,7 @@
 </p:sld>
 </file>
 
-<file path=ppt/slides/slide43.xml><?xml version="1.0" encoding="utf-8"?>
+<file path=ppt/slides/slide45.xml><?xml version="1.0" encoding="utf-8"?>
 <p:sld xmlns:a="http://schemas.openxmlformats.org/drawingml/2006/main" xmlns:r="http://schemas.openxmlformats.org/officeDocument/2006/relationships" xmlns:p="http://schemas.openxmlformats.org/presentationml/2006/main">
   <p:cSld>
     <p:spTree>
@@ -37609,7 +38874,7 @@
 </p:sld>
 </file>
 
-<file path=ppt/slides/slide44.xml><?xml version="1.0" encoding="utf-8"?>
+<file path=ppt/slides/slide46.xml><?xml version="1.0" encoding="utf-8"?>
 <p:sld xmlns:a="http://schemas.openxmlformats.org/drawingml/2006/main" xmlns:r="http://schemas.openxmlformats.org/officeDocument/2006/relationships" xmlns:p="http://schemas.openxmlformats.org/presentationml/2006/main">
   <p:cSld>
     <p:spTree>
@@ -38767,7 +40032,7 @@
 </p:sld>
 </file>
 
-<file path=ppt/slides/slide45.xml><?xml version="1.0" encoding="utf-8"?>
+<file path=ppt/slides/slide47.xml><?xml version="1.0" encoding="utf-8"?>
 <p:sld xmlns:a="http://schemas.openxmlformats.org/drawingml/2006/main" xmlns:r="http://schemas.openxmlformats.org/officeDocument/2006/relationships" xmlns:p="http://schemas.openxmlformats.org/presentationml/2006/main">
   <p:cSld>
     <p:spTree>
@@ -39925,7 +41190,7 @@
 </p:sld>
 </file>
 
-<file path=ppt/slides/slide46.xml><?xml version="1.0" encoding="utf-8"?>
+<file path=ppt/slides/slide48.xml><?xml version="1.0" encoding="utf-8"?>
 <p:sld xmlns:a="http://schemas.openxmlformats.org/drawingml/2006/main" xmlns:r="http://schemas.openxmlformats.org/officeDocument/2006/relationships" xmlns:p="http://schemas.openxmlformats.org/presentationml/2006/main">
   <p:cSld>
     <p:spTree>
@@ -40929,136 +42194,6 @@
 </p:sld>
 </file>
 
-<file path=ppt/slides/slide47.xml><?xml version="1.0" encoding="utf-8"?>
-<p:sld xmlns:a="http://schemas.openxmlformats.org/drawingml/2006/main" xmlns:r="http://schemas.openxmlformats.org/officeDocument/2006/relationships" xmlns:p="http://schemas.openxmlformats.org/presentationml/2006/main">
-  <p:cSld>
-    <p:spTree>
-      <p:nvGrpSpPr>
-        <p:cNvPr id="1" name=""/>
-        <p:cNvGrpSpPr/>
-        <p:nvPr/>
-      </p:nvGrpSpPr>
-      <p:grpSpPr>
-        <a:xfrm>
-          <a:off x="0" y="0"/>
-          <a:ext cx="0" cy="0"/>
-          <a:chOff x="0" y="0"/>
-          <a:chExt cx="0" cy="0"/>
-        </a:xfrm>
-      </p:grpSpPr>
-      <p:sp>
-        <p:nvSpPr>
-          <p:cNvPr id="4" name="TextBox 3">
-            <a:extLst>
-              <a:ext uri="{FF2B5EF4-FFF2-40B4-BE49-F238E27FC236}">
-                <a16:creationId xmlns:a16="http://schemas.microsoft.com/office/drawing/2014/main" id="{07F28203-A8AD-273E-C2C6-E0632B86F782}"/>
-              </a:ext>
-            </a:extLst>
-          </p:cNvPr>
-          <p:cNvSpPr txBox="1"/>
-          <p:nvPr/>
-        </p:nvSpPr>
-        <p:spPr>
-          <a:xfrm>
-            <a:off x="2572439" y="2613392"/>
-            <a:ext cx="7047122" cy="1631216"/>
-          </a:xfrm>
-          <a:prstGeom prst="rect">
-            <a:avLst/>
-          </a:prstGeom>
-          <a:noFill/>
-        </p:spPr>
-        <p:txBody>
-          <a:bodyPr wrap="none" rtlCol="0">
-            <a:spAutoFit/>
-          </a:bodyPr>
-          <a:lstStyle/>
-          <a:p>
-            <a:r>
-              <a:rPr lang="ko-KR" altLang="en-US" sz="10000" b="1"/>
-              <a:t>구분 페이지</a:t>
-            </a:r>
-          </a:p>
-        </p:txBody>
-      </p:sp>
-    </p:spTree>
-    <p:extLst>
-      <p:ext uri="{BB962C8B-B14F-4D97-AF65-F5344CB8AC3E}">
-        <p14:creationId xmlns:p14="http://schemas.microsoft.com/office/powerpoint/2010/main" val="400947639"/>
-      </p:ext>
-    </p:extLst>
-  </p:cSld>
-  <p:clrMapOvr>
-    <a:masterClrMapping/>
-  </p:clrMapOvr>
-</p:sld>
-</file>
-
-<file path=ppt/slides/slide48.xml><?xml version="1.0" encoding="utf-8"?>
-<p:sld xmlns:a="http://schemas.openxmlformats.org/drawingml/2006/main" xmlns:r="http://schemas.openxmlformats.org/officeDocument/2006/relationships" xmlns:p="http://schemas.openxmlformats.org/presentationml/2006/main">
-  <p:cSld>
-    <p:spTree>
-      <p:nvGrpSpPr>
-        <p:cNvPr id="1" name=""/>
-        <p:cNvGrpSpPr/>
-        <p:nvPr/>
-      </p:nvGrpSpPr>
-      <p:grpSpPr>
-        <a:xfrm>
-          <a:off x="0" y="0"/>
-          <a:ext cx="0" cy="0"/>
-          <a:chOff x="0" y="0"/>
-          <a:chExt cx="0" cy="0"/>
-        </a:xfrm>
-      </p:grpSpPr>
-      <p:sp>
-        <p:nvSpPr>
-          <p:cNvPr id="4" name="TextBox 3">
-            <a:extLst>
-              <a:ext uri="{FF2B5EF4-FFF2-40B4-BE49-F238E27FC236}">
-                <a16:creationId xmlns:a16="http://schemas.microsoft.com/office/drawing/2014/main" id="{07F28203-A8AD-273E-C2C6-E0632B86F782}"/>
-              </a:ext>
-            </a:extLst>
-          </p:cNvPr>
-          <p:cNvSpPr txBox="1"/>
-          <p:nvPr/>
-        </p:nvSpPr>
-        <p:spPr>
-          <a:xfrm>
-            <a:off x="2572439" y="2613392"/>
-            <a:ext cx="7047122" cy="1631216"/>
-          </a:xfrm>
-          <a:prstGeom prst="rect">
-            <a:avLst/>
-          </a:prstGeom>
-          <a:noFill/>
-        </p:spPr>
-        <p:txBody>
-          <a:bodyPr wrap="none" rtlCol="0">
-            <a:spAutoFit/>
-          </a:bodyPr>
-          <a:lstStyle/>
-          <a:p>
-            <a:r>
-              <a:rPr lang="ko-KR" altLang="en-US" sz="10000" b="1"/>
-              <a:t>구분 페이지</a:t>
-            </a:r>
-          </a:p>
-        </p:txBody>
-      </p:sp>
-    </p:spTree>
-    <p:extLst>
-      <p:ext uri="{BB962C8B-B14F-4D97-AF65-F5344CB8AC3E}">
-        <p14:creationId xmlns:p14="http://schemas.microsoft.com/office/powerpoint/2010/main" val="3696699060"/>
-      </p:ext>
-    </p:extLst>
-  </p:cSld>
-  <p:clrMapOvr>
-    <a:masterClrMapping/>
-  </p:clrMapOvr>
-</p:sld>
-</file>
-
 <file path=ppt/slides/slide49.xml><?xml version="1.0" encoding="utf-8"?>
 <p:sld xmlns:a="http://schemas.openxmlformats.org/drawingml/2006/main" xmlns:r="http://schemas.openxmlformats.org/officeDocument/2006/relationships" xmlns:p="http://schemas.openxmlformats.org/presentationml/2006/main">
   <p:cSld>
@@ -41078,10 +42213,10 @@
       </p:grpSpPr>
       <p:sp>
         <p:nvSpPr>
-          <p:cNvPr id="4" name="TextBox 3">
+          <p:cNvPr id="2" name="TextBox 1">
             <a:extLst>
               <a:ext uri="{FF2B5EF4-FFF2-40B4-BE49-F238E27FC236}">
-                <a16:creationId xmlns:a16="http://schemas.microsoft.com/office/drawing/2014/main" id="{07F28203-A8AD-273E-C2C6-E0632B86F782}"/>
+                <a16:creationId xmlns:a16="http://schemas.microsoft.com/office/drawing/2014/main" id="{03F25064-DEA0-3A79-BA15-A6436E6F3B02}"/>
               </a:ext>
             </a:extLst>
           </p:cNvPr>
@@ -41090,8 +42225,8 @@
         </p:nvSpPr>
         <p:spPr>
           <a:xfrm>
-            <a:off x="2572439" y="2613392"/>
-            <a:ext cx="7047122" cy="1631216"/>
+            <a:off x="65058" y="1843951"/>
+            <a:ext cx="12061892" cy="3170099"/>
           </a:xfrm>
           <a:prstGeom prst="rect">
             <a:avLst/>
@@ -41104,17 +42239,27 @@
           </a:bodyPr>
           <a:lstStyle/>
           <a:p>
-            <a:r>
-              <a:rPr lang="ko-KR" altLang="en-US" sz="10000" b="1"/>
+            <a:pPr algn="ctr"/>
+            <a:r>
+              <a:rPr lang="ko-KR" altLang="en-US" sz="10000" b="1" dirty="0"/>
               <a:t>구분 페이지</a:t>
             </a:r>
+            <a:endParaRPr lang="en-US" altLang="ko-KR" sz="10000" b="1" dirty="0"/>
+          </a:p>
+          <a:p>
+            <a:pPr algn="ctr"/>
+            <a:r>
+              <a:rPr lang="en-US" altLang="ko-KR" sz="10000" b="1" dirty="0"/>
+              <a:t>Spring Architecture</a:t>
+            </a:r>
+            <a:endParaRPr lang="ko-KR" altLang="en-US" sz="10000" b="1" dirty="0"/>
           </a:p>
         </p:txBody>
       </p:sp>
     </p:spTree>
     <p:extLst>
       <p:ext uri="{BB962C8B-B14F-4D97-AF65-F5344CB8AC3E}">
-        <p14:creationId xmlns:p14="http://schemas.microsoft.com/office/powerpoint/2010/main" val="4270739453"/>
+        <p14:creationId xmlns:p14="http://schemas.microsoft.com/office/powerpoint/2010/main" val="400947639"/>
       </p:ext>
     </p:extLst>
   </p:cSld>
@@ -42312,10 +43457,10 @@
       </p:grpSpPr>
       <p:sp>
         <p:nvSpPr>
-          <p:cNvPr id="4" name="TextBox 3">
+          <p:cNvPr id="6" name="TextBox 5">
             <a:extLst>
               <a:ext uri="{FF2B5EF4-FFF2-40B4-BE49-F238E27FC236}">
-                <a16:creationId xmlns:a16="http://schemas.microsoft.com/office/drawing/2014/main" id="{07F28203-A8AD-273E-C2C6-E0632B86F782}"/>
+                <a16:creationId xmlns:a16="http://schemas.microsoft.com/office/drawing/2014/main" id="{F204C529-3208-C800-5178-EA5E6B6187AB}"/>
               </a:ext>
             </a:extLst>
           </p:cNvPr>
@@ -42324,31 +43469,427 @@
         </p:nvSpPr>
         <p:spPr>
           <a:xfrm>
-            <a:off x="2572439" y="2613392"/>
-            <a:ext cx="7047122" cy="1631216"/>
+            <a:off x="0" y="0"/>
+            <a:ext cx="12192000" cy="584775"/>
           </a:xfrm>
           <a:prstGeom prst="rect">
             <a:avLst/>
           </a:prstGeom>
-          <a:noFill/>
+          <a:solidFill>
+            <a:schemeClr val="tx1"/>
+          </a:solidFill>
         </p:spPr>
         <p:txBody>
-          <a:bodyPr wrap="none" rtlCol="0">
+          <a:bodyPr wrap="square" rtlCol="0">
             <a:spAutoFit/>
           </a:bodyPr>
           <a:lstStyle/>
           <a:p>
             <a:r>
-              <a:rPr lang="ko-KR" altLang="en-US" sz="10000" b="1"/>
-              <a:t>구분 페이지</a:t>
-            </a:r>
+              <a:rPr lang="en-US" altLang="ko-KR" sz="3200" b="1" dirty="0">
+                <a:solidFill>
+                  <a:schemeClr val="bg1"/>
+                </a:solidFill>
+              </a:rPr>
+              <a:t>6. </a:t>
+            </a:r>
+            <a:r>
+              <a:rPr lang="en-US" altLang="ko-KR" sz="3200" b="1" dirty="0" err="1">
+                <a:solidFill>
+                  <a:schemeClr val="bg1"/>
+                </a:solidFill>
+              </a:rPr>
+              <a:t>SpringBoot</a:t>
+            </a:r>
+            <a:r>
+              <a:rPr lang="en-US" altLang="ko-KR" sz="3200" b="1" dirty="0">
+                <a:solidFill>
+                  <a:schemeClr val="bg1"/>
+                </a:solidFill>
+              </a:rPr>
+              <a:t> Architecture</a:t>
+            </a:r>
+            <a:endParaRPr lang="ko-KR" altLang="en-US" sz="3200" b="1" dirty="0">
+              <a:solidFill>
+                <a:schemeClr val="bg1"/>
+              </a:solidFill>
+            </a:endParaRPr>
+          </a:p>
+        </p:txBody>
+      </p:sp>
+      <p:sp>
+        <p:nvSpPr>
+          <p:cNvPr id="2" name="직사각형 1">
+            <a:extLst>
+              <a:ext uri="{FF2B5EF4-FFF2-40B4-BE49-F238E27FC236}">
+                <a16:creationId xmlns:a16="http://schemas.microsoft.com/office/drawing/2014/main" id="{F3B3E6AE-7198-C4CC-4F14-B7EA7B582A5F}"/>
+              </a:ext>
+            </a:extLst>
+          </p:cNvPr>
+          <p:cNvSpPr/>
+          <p:nvPr/>
+        </p:nvSpPr>
+        <p:spPr>
+          <a:xfrm>
+            <a:off x="755184" y="1096738"/>
+            <a:ext cx="10681632" cy="5299004"/>
+          </a:xfrm>
+          <a:prstGeom prst="rect">
+            <a:avLst/>
+          </a:prstGeom>
+          <a:solidFill>
+            <a:schemeClr val="bg1"/>
+          </a:solidFill>
+          <a:ln w="38100">
+            <a:solidFill>
+              <a:schemeClr val="tx1"/>
+            </a:solidFill>
+          </a:ln>
+        </p:spPr>
+        <p:style>
+          <a:lnRef idx="2">
+            <a:schemeClr val="accent1">
+              <a:shade val="50000"/>
+            </a:schemeClr>
+          </a:lnRef>
+          <a:fillRef idx="1">
+            <a:schemeClr val="accent1"/>
+          </a:fillRef>
+          <a:effectRef idx="0">
+            <a:schemeClr val="accent1"/>
+          </a:effectRef>
+          <a:fontRef idx="minor">
+            <a:schemeClr val="lt1"/>
+          </a:fontRef>
+        </p:style>
+        <p:txBody>
+          <a:bodyPr rtlCol="0" anchor="t"/>
+          <a:lstStyle/>
+          <a:p>
+            <a:r>
+              <a:rPr lang="ko-KR" altLang="en-US" dirty="0">
+                <a:solidFill>
+                  <a:schemeClr val="tx1"/>
+                </a:solidFill>
+              </a:rPr>
+              <a:t>├</a:t>
+            </a:r>
+            <a:r>
+              <a:rPr lang="en-US" altLang="ko-KR" dirty="0">
+                <a:solidFill>
+                  <a:schemeClr val="tx1"/>
+                </a:solidFill>
+              </a:rPr>
+              <a:t>config</a:t>
+            </a:r>
+          </a:p>
+          <a:p>
+            <a:r>
+              <a:rPr lang="ko-KR" altLang="en-US" dirty="0">
+                <a:solidFill>
+                  <a:schemeClr val="tx1"/>
+                </a:solidFill>
+              </a:rPr>
+              <a:t>├</a:t>
+            </a:r>
+            <a:r>
+              <a:rPr lang="en-US" altLang="ko-KR" dirty="0">
+                <a:solidFill>
+                  <a:schemeClr val="tx1"/>
+                </a:solidFill>
+              </a:rPr>
+              <a:t>controller</a:t>
+            </a:r>
+          </a:p>
+          <a:p>
+            <a:r>
+              <a:rPr lang="ko-KR" altLang="en-US" dirty="0">
+                <a:solidFill>
+                  <a:schemeClr val="tx1"/>
+                </a:solidFill>
+              </a:rPr>
+              <a:t>│ ├</a:t>
+            </a:r>
+            <a:r>
+              <a:rPr lang="en-US" altLang="ko-KR" dirty="0">
+                <a:solidFill>
+                  <a:schemeClr val="tx1"/>
+                </a:solidFill>
+              </a:rPr>
+              <a:t>board</a:t>
+            </a:r>
+          </a:p>
+          <a:p>
+            <a:r>
+              <a:rPr lang="ko-KR" altLang="en-US" dirty="0">
+                <a:solidFill>
+                  <a:schemeClr val="tx1"/>
+                </a:solidFill>
+              </a:rPr>
+              <a:t>│ │ ├</a:t>
+            </a:r>
+            <a:r>
+              <a:rPr lang="en-US" altLang="ko-KR" dirty="0">
+                <a:solidFill>
+                  <a:schemeClr val="tx1"/>
+                </a:solidFill>
+              </a:rPr>
+              <a:t>MaterialBoardController.java</a:t>
+            </a:r>
+          </a:p>
+          <a:p>
+            <a:r>
+              <a:rPr lang="ko-KR" altLang="en-US" dirty="0">
+                <a:solidFill>
+                  <a:schemeClr val="tx1"/>
+                </a:solidFill>
+              </a:rPr>
+              <a:t>│ │ ├</a:t>
+            </a:r>
+            <a:r>
+              <a:rPr lang="en-US" altLang="ko-KR" dirty="0">
+                <a:solidFill>
+                  <a:schemeClr val="tx1"/>
+                </a:solidFill>
+              </a:rPr>
+              <a:t>NoticeBoardController.java</a:t>
+            </a:r>
+          </a:p>
+          <a:p>
+            <a:r>
+              <a:rPr lang="ko-KR" altLang="en-US" dirty="0">
+                <a:solidFill>
+                  <a:schemeClr val="tx1"/>
+                </a:solidFill>
+              </a:rPr>
+              <a:t>│ │ └</a:t>
+            </a:r>
+            <a:r>
+              <a:rPr lang="en-US" altLang="ko-KR" dirty="0">
+                <a:solidFill>
+                  <a:schemeClr val="tx1"/>
+                </a:solidFill>
+              </a:rPr>
+              <a:t>PaperBoardController.java</a:t>
+            </a:r>
+          </a:p>
+          <a:p>
+            <a:r>
+              <a:rPr lang="ko-KR" altLang="en-US" dirty="0">
+                <a:solidFill>
+                  <a:schemeClr val="tx1"/>
+                </a:solidFill>
+              </a:rPr>
+              <a:t>│ ├</a:t>
+            </a:r>
+            <a:r>
+              <a:rPr lang="en-US" altLang="ko-KR" dirty="0">
+                <a:solidFill>
+                  <a:schemeClr val="tx1"/>
+                </a:solidFill>
+              </a:rPr>
+              <a:t>notice</a:t>
+            </a:r>
+          </a:p>
+          <a:p>
+            <a:r>
+              <a:rPr lang="ko-KR" altLang="en-US" dirty="0">
+                <a:solidFill>
+                  <a:schemeClr val="tx1"/>
+                </a:solidFill>
+              </a:rPr>
+              <a:t>│ │ ├</a:t>
+            </a:r>
+            <a:r>
+              <a:rPr lang="en-US" altLang="ko-KR" dirty="0">
+                <a:solidFill>
+                  <a:schemeClr val="tx1"/>
+                </a:solidFill>
+              </a:rPr>
+              <a:t>AllNoticeController.java</a:t>
+            </a:r>
+          </a:p>
+          <a:p>
+            <a:r>
+              <a:rPr lang="ko-KR" altLang="en-US" dirty="0">
+                <a:solidFill>
+                  <a:schemeClr val="tx1"/>
+                </a:solidFill>
+              </a:rPr>
+              <a:t>│ │ ├</a:t>
+            </a:r>
+            <a:r>
+              <a:rPr lang="en-US" altLang="ko-KR" dirty="0">
+                <a:solidFill>
+                  <a:schemeClr val="tx1"/>
+                </a:solidFill>
+              </a:rPr>
+              <a:t>LaboratoryNoticeController.java</a:t>
+            </a:r>
+          </a:p>
+          <a:p>
+            <a:r>
+              <a:rPr lang="ko-KR" altLang="en-US" dirty="0">
+                <a:solidFill>
+                  <a:schemeClr val="tx1"/>
+                </a:solidFill>
+              </a:rPr>
+              <a:t>│ │ ├</a:t>
+            </a:r>
+            <a:r>
+              <a:rPr lang="en-US" altLang="ko-KR" dirty="0">
+                <a:solidFill>
+                  <a:schemeClr val="tx1"/>
+                </a:solidFill>
+              </a:rPr>
+              <a:t>LectureNoticeController.java</a:t>
+            </a:r>
+          </a:p>
+          <a:p>
+            <a:r>
+              <a:rPr lang="ko-KR" altLang="en-US" dirty="0">
+                <a:solidFill>
+                  <a:schemeClr val="tx1"/>
+                </a:solidFill>
+              </a:rPr>
+              <a:t>│ │ └</a:t>
+            </a:r>
+            <a:r>
+              <a:rPr lang="en-US" altLang="ko-KR" dirty="0">
+                <a:solidFill>
+                  <a:schemeClr val="tx1"/>
+                </a:solidFill>
+              </a:rPr>
+              <a:t>NormalNoticeController.java</a:t>
+            </a:r>
+          </a:p>
+          <a:p>
+            <a:r>
+              <a:rPr lang="ko-KR" altLang="en-US" dirty="0">
+                <a:solidFill>
+                  <a:schemeClr val="tx1"/>
+                </a:solidFill>
+              </a:rPr>
+              <a:t>│ └</a:t>
+            </a:r>
+            <a:r>
+              <a:rPr lang="en-US" altLang="ko-KR" dirty="0">
+                <a:solidFill>
+                  <a:schemeClr val="tx1"/>
+                </a:solidFill>
+              </a:rPr>
+              <a:t>user</a:t>
+            </a:r>
+          </a:p>
+          <a:p>
+            <a:r>
+              <a:rPr lang="ko-KR" altLang="en-US" dirty="0">
+                <a:solidFill>
+                  <a:schemeClr val="tx1"/>
+                </a:solidFill>
+              </a:rPr>
+              <a:t>│     └</a:t>
+            </a:r>
+            <a:r>
+              <a:rPr lang="en-US" altLang="ko-KR" dirty="0">
+                <a:solidFill>
+                  <a:schemeClr val="tx1"/>
+                </a:solidFill>
+              </a:rPr>
+              <a:t>UserController.java</a:t>
+            </a:r>
+          </a:p>
+          <a:p>
+            <a:r>
+              <a:rPr lang="ko-KR" altLang="en-US" dirty="0">
+                <a:solidFill>
+                  <a:schemeClr val="tx1"/>
+                </a:solidFill>
+              </a:rPr>
+              <a:t>├</a:t>
+            </a:r>
+            <a:r>
+              <a:rPr lang="en-US" altLang="ko-KR" dirty="0">
+                <a:solidFill>
+                  <a:schemeClr val="tx1"/>
+                </a:solidFill>
+              </a:rPr>
+              <a:t>domain(Entity)</a:t>
+            </a:r>
+          </a:p>
+          <a:p>
+            <a:r>
+              <a:rPr lang="ko-KR" altLang="en-US" dirty="0">
+                <a:solidFill>
+                  <a:schemeClr val="tx1"/>
+                </a:solidFill>
+              </a:rPr>
+              <a:t>├</a:t>
+            </a:r>
+            <a:r>
+              <a:rPr lang="en-US" altLang="ko-KR" dirty="0" err="1">
+                <a:solidFill>
+                  <a:schemeClr val="tx1"/>
+                </a:solidFill>
+              </a:rPr>
+              <a:t>dto</a:t>
+            </a:r>
+            <a:r>
+              <a:rPr lang="en-US" altLang="ko-KR" dirty="0">
+                <a:solidFill>
+                  <a:schemeClr val="tx1"/>
+                </a:solidFill>
+              </a:rPr>
+              <a:t> </a:t>
+            </a:r>
+          </a:p>
+          <a:p>
+            <a:r>
+              <a:rPr lang="ko-KR" altLang="en-US" dirty="0">
+                <a:solidFill>
+                  <a:schemeClr val="tx1"/>
+                </a:solidFill>
+              </a:rPr>
+              <a:t>├</a:t>
+            </a:r>
+            <a:r>
+              <a:rPr lang="en-US" altLang="ko-KR" dirty="0">
+                <a:solidFill>
+                  <a:schemeClr val="tx1"/>
+                </a:solidFill>
+              </a:rPr>
+              <a:t>repository </a:t>
+            </a:r>
+          </a:p>
+          <a:p>
+            <a:r>
+              <a:rPr lang="ko-KR" altLang="en-US" dirty="0">
+                <a:solidFill>
+                  <a:schemeClr val="tx1"/>
+                </a:solidFill>
+              </a:rPr>
+              <a:t>└</a:t>
+            </a:r>
+            <a:r>
+              <a:rPr lang="en-US" altLang="ko-KR" dirty="0">
+                <a:solidFill>
+                  <a:schemeClr val="tx1"/>
+                </a:solidFill>
+              </a:rPr>
+              <a:t>service</a:t>
+            </a:r>
+            <a:endParaRPr lang="ko-KR" altLang="en-US" dirty="0">
+              <a:solidFill>
+                <a:schemeClr val="tx1"/>
+              </a:solidFill>
+            </a:endParaRPr>
           </a:p>
         </p:txBody>
       </p:sp>
     </p:spTree>
     <p:extLst>
       <p:ext uri="{BB962C8B-B14F-4D97-AF65-F5344CB8AC3E}">
-        <p14:creationId xmlns:p14="http://schemas.microsoft.com/office/powerpoint/2010/main" val="223982547"/>
+        <p14:creationId xmlns:p14="http://schemas.microsoft.com/office/powerpoint/2010/main" val="3618205153"/>
       </p:ext>
     </p:extLst>
   </p:cSld>
@@ -42413,6 +43954,201 @@
     </p:spTree>
     <p:extLst>
       <p:ext uri="{BB962C8B-B14F-4D97-AF65-F5344CB8AC3E}">
+        <p14:creationId xmlns:p14="http://schemas.microsoft.com/office/powerpoint/2010/main" val="3696699060"/>
+      </p:ext>
+    </p:extLst>
+  </p:cSld>
+  <p:clrMapOvr>
+    <a:masterClrMapping/>
+  </p:clrMapOvr>
+</p:sld>
+</file>
+
+<file path=ppt/slides/slide52.xml><?xml version="1.0" encoding="utf-8"?>
+<p:sld xmlns:a="http://schemas.openxmlformats.org/drawingml/2006/main" xmlns:r="http://schemas.openxmlformats.org/officeDocument/2006/relationships" xmlns:p="http://schemas.openxmlformats.org/presentationml/2006/main">
+  <p:cSld>
+    <p:spTree>
+      <p:nvGrpSpPr>
+        <p:cNvPr id="1" name=""/>
+        <p:cNvGrpSpPr/>
+        <p:nvPr/>
+      </p:nvGrpSpPr>
+      <p:grpSpPr>
+        <a:xfrm>
+          <a:off x="0" y="0"/>
+          <a:ext cx="0" cy="0"/>
+          <a:chOff x="0" y="0"/>
+          <a:chExt cx="0" cy="0"/>
+        </a:xfrm>
+      </p:grpSpPr>
+      <p:sp>
+        <p:nvSpPr>
+          <p:cNvPr id="4" name="TextBox 3">
+            <a:extLst>
+              <a:ext uri="{FF2B5EF4-FFF2-40B4-BE49-F238E27FC236}">
+                <a16:creationId xmlns:a16="http://schemas.microsoft.com/office/drawing/2014/main" id="{07F28203-A8AD-273E-C2C6-E0632B86F782}"/>
+              </a:ext>
+            </a:extLst>
+          </p:cNvPr>
+          <p:cNvSpPr txBox="1"/>
+          <p:nvPr/>
+        </p:nvSpPr>
+        <p:spPr>
+          <a:xfrm>
+            <a:off x="2572439" y="2613392"/>
+            <a:ext cx="7047122" cy="1631216"/>
+          </a:xfrm>
+          <a:prstGeom prst="rect">
+            <a:avLst/>
+          </a:prstGeom>
+          <a:noFill/>
+        </p:spPr>
+        <p:txBody>
+          <a:bodyPr wrap="none" rtlCol="0">
+            <a:spAutoFit/>
+          </a:bodyPr>
+          <a:lstStyle/>
+          <a:p>
+            <a:r>
+              <a:rPr lang="ko-KR" altLang="en-US" sz="10000" b="1"/>
+              <a:t>구분 페이지</a:t>
+            </a:r>
+          </a:p>
+        </p:txBody>
+      </p:sp>
+    </p:spTree>
+    <p:extLst>
+      <p:ext uri="{BB962C8B-B14F-4D97-AF65-F5344CB8AC3E}">
+        <p14:creationId xmlns:p14="http://schemas.microsoft.com/office/powerpoint/2010/main" val="4270739453"/>
+      </p:ext>
+    </p:extLst>
+  </p:cSld>
+  <p:clrMapOvr>
+    <a:masterClrMapping/>
+  </p:clrMapOvr>
+</p:sld>
+</file>
+
+<file path=ppt/slides/slide53.xml><?xml version="1.0" encoding="utf-8"?>
+<p:sld xmlns:a="http://schemas.openxmlformats.org/drawingml/2006/main" xmlns:r="http://schemas.openxmlformats.org/officeDocument/2006/relationships" xmlns:p="http://schemas.openxmlformats.org/presentationml/2006/main">
+  <p:cSld>
+    <p:spTree>
+      <p:nvGrpSpPr>
+        <p:cNvPr id="1" name=""/>
+        <p:cNvGrpSpPr/>
+        <p:nvPr/>
+      </p:nvGrpSpPr>
+      <p:grpSpPr>
+        <a:xfrm>
+          <a:off x="0" y="0"/>
+          <a:ext cx="0" cy="0"/>
+          <a:chOff x="0" y="0"/>
+          <a:chExt cx="0" cy="0"/>
+        </a:xfrm>
+      </p:grpSpPr>
+      <p:sp>
+        <p:nvSpPr>
+          <p:cNvPr id="4" name="TextBox 3">
+            <a:extLst>
+              <a:ext uri="{FF2B5EF4-FFF2-40B4-BE49-F238E27FC236}">
+                <a16:creationId xmlns:a16="http://schemas.microsoft.com/office/drawing/2014/main" id="{07F28203-A8AD-273E-C2C6-E0632B86F782}"/>
+              </a:ext>
+            </a:extLst>
+          </p:cNvPr>
+          <p:cNvSpPr txBox="1"/>
+          <p:nvPr/>
+        </p:nvSpPr>
+        <p:spPr>
+          <a:xfrm>
+            <a:off x="2572439" y="2613392"/>
+            <a:ext cx="7047122" cy="1631216"/>
+          </a:xfrm>
+          <a:prstGeom prst="rect">
+            <a:avLst/>
+          </a:prstGeom>
+          <a:noFill/>
+        </p:spPr>
+        <p:txBody>
+          <a:bodyPr wrap="none" rtlCol="0">
+            <a:spAutoFit/>
+          </a:bodyPr>
+          <a:lstStyle/>
+          <a:p>
+            <a:r>
+              <a:rPr lang="ko-KR" altLang="en-US" sz="10000" b="1"/>
+              <a:t>구분 페이지</a:t>
+            </a:r>
+          </a:p>
+        </p:txBody>
+      </p:sp>
+    </p:spTree>
+    <p:extLst>
+      <p:ext uri="{BB962C8B-B14F-4D97-AF65-F5344CB8AC3E}">
+        <p14:creationId xmlns:p14="http://schemas.microsoft.com/office/powerpoint/2010/main" val="223982547"/>
+      </p:ext>
+    </p:extLst>
+  </p:cSld>
+  <p:clrMapOvr>
+    <a:masterClrMapping/>
+  </p:clrMapOvr>
+</p:sld>
+</file>
+
+<file path=ppt/slides/slide54.xml><?xml version="1.0" encoding="utf-8"?>
+<p:sld xmlns:a="http://schemas.openxmlformats.org/drawingml/2006/main" xmlns:r="http://schemas.openxmlformats.org/officeDocument/2006/relationships" xmlns:p="http://schemas.openxmlformats.org/presentationml/2006/main">
+  <p:cSld>
+    <p:spTree>
+      <p:nvGrpSpPr>
+        <p:cNvPr id="1" name=""/>
+        <p:cNvGrpSpPr/>
+        <p:nvPr/>
+      </p:nvGrpSpPr>
+      <p:grpSpPr>
+        <a:xfrm>
+          <a:off x="0" y="0"/>
+          <a:ext cx="0" cy="0"/>
+          <a:chOff x="0" y="0"/>
+          <a:chExt cx="0" cy="0"/>
+        </a:xfrm>
+      </p:grpSpPr>
+      <p:sp>
+        <p:nvSpPr>
+          <p:cNvPr id="4" name="TextBox 3">
+            <a:extLst>
+              <a:ext uri="{FF2B5EF4-FFF2-40B4-BE49-F238E27FC236}">
+                <a16:creationId xmlns:a16="http://schemas.microsoft.com/office/drawing/2014/main" id="{07F28203-A8AD-273E-C2C6-E0632B86F782}"/>
+              </a:ext>
+            </a:extLst>
+          </p:cNvPr>
+          <p:cNvSpPr txBox="1"/>
+          <p:nvPr/>
+        </p:nvSpPr>
+        <p:spPr>
+          <a:xfrm>
+            <a:off x="2572439" y="2613392"/>
+            <a:ext cx="7047122" cy="1631216"/>
+          </a:xfrm>
+          <a:prstGeom prst="rect">
+            <a:avLst/>
+          </a:prstGeom>
+          <a:noFill/>
+        </p:spPr>
+        <p:txBody>
+          <a:bodyPr wrap="none" rtlCol="0">
+            <a:spAutoFit/>
+          </a:bodyPr>
+          <a:lstStyle/>
+          <a:p>
+            <a:r>
+              <a:rPr lang="ko-KR" altLang="en-US" sz="10000" b="1"/>
+              <a:t>구분 페이지</a:t>
+            </a:r>
+          </a:p>
+        </p:txBody>
+      </p:sp>
+    </p:spTree>
+    <p:extLst>
+      <p:ext uri="{BB962C8B-B14F-4D97-AF65-F5344CB8AC3E}">
         <p14:creationId xmlns:p14="http://schemas.microsoft.com/office/powerpoint/2010/main" val="1077984515"/>
       </p:ext>
     </p:extLst>
@@ -42423,7 +44159,7 @@
 </p:sld>
 </file>
 
-<file path=ppt/slides/slide52.xml><?xml version="1.0" encoding="utf-8"?>
+<file path=ppt/slides/slide55.xml><?xml version="1.0" encoding="utf-8"?>
 <p:sld xmlns:a="http://schemas.openxmlformats.org/drawingml/2006/main" xmlns:r="http://schemas.openxmlformats.org/officeDocument/2006/relationships" xmlns:p="http://schemas.openxmlformats.org/presentationml/2006/main">
   <p:cSld>
     <p:spTree>
@@ -42708,7 +44444,7 @@
 </p:sld>
 </file>
 
-<file path=ppt/slides/slide53.xml><?xml version="1.0" encoding="utf-8"?>
+<file path=ppt/slides/slide56.xml><?xml version="1.0" encoding="utf-8"?>
 <p:sld xmlns:a="http://schemas.openxmlformats.org/drawingml/2006/main" xmlns:r="http://schemas.openxmlformats.org/officeDocument/2006/relationships" xmlns:p="http://schemas.openxmlformats.org/presentationml/2006/main">
   <p:cSld>
     <p:spTree>
